--- a/content/lectures/lecture1/presentation/lecture1_draft.pptx
+++ b/content/lectures/lecture1/presentation/lecture1_draft.pptx
@@ -28,7 +28,7 @@
       <p:italic r:id="rId13"/>
     </p:embeddedFont>
     <p:embeddedFont>
-      <p:font typeface="Karla" panose="020F0502020204030204" pitchFamily="2" charset="0"/>
+      <p:font typeface="Karla" pitchFamily="2" charset="0"/>
       <p:regular r:id="rId14"/>
       <p:bold r:id="rId15"/>
       <p:italic r:id="rId16"/>
@@ -130,6 +130,11 @@
       </a:defRPr>
     </a:lvl9pPr>
   </p:defaultTextStyle>
+  <p:extLst>
+    <p:ext uri="{EFAFB233-063F-42B5-8137-9DF3F51BA10A}">
+      <p15:sldGuideLst xmlns:p15="http://schemas.microsoft.com/office/powerpoint/2012/main"/>
+    </p:ext>
+  </p:extLst>
 </p:presentation>
 </file>
 
@@ -280,7 +285,7 @@
           <a:p>
             <a:fld id="{BD43FDEE-31B2-4A81-9764-6BBEE99A1C59}" type="datetimeFigureOut">
               <a:rPr lang="en-US" smtClean="0"/>
-              <a:t>1/23/2020</a:t>
+              <a:t>1/26/2020</a:t>
             </a:fld>
             <a:endParaRPr lang="en-US"/>
           </a:p>
@@ -478,7 +483,7 @@
           <a:p>
             <a:fld id="{BD43FDEE-31B2-4A81-9764-6BBEE99A1C59}" type="datetimeFigureOut">
               <a:rPr lang="en-US" smtClean="0"/>
-              <a:t>1/23/2020</a:t>
+              <a:t>1/26/2020</a:t>
             </a:fld>
             <a:endParaRPr lang="en-US"/>
           </a:p>
@@ -686,7 +691,7 @@
           <a:p>
             <a:fld id="{BD43FDEE-31B2-4A81-9764-6BBEE99A1C59}" type="datetimeFigureOut">
               <a:rPr lang="en-US" smtClean="0"/>
-              <a:t>1/23/2020</a:t>
+              <a:t>1/26/2020</a:t>
             </a:fld>
             <a:endParaRPr lang="en-US"/>
           </a:p>
@@ -884,7 +889,7 @@
           <a:p>
             <a:fld id="{BD43FDEE-31B2-4A81-9764-6BBEE99A1C59}" type="datetimeFigureOut">
               <a:rPr lang="en-US" smtClean="0"/>
-              <a:t>1/23/2020</a:t>
+              <a:t>1/26/2020</a:t>
             </a:fld>
             <a:endParaRPr lang="en-US"/>
           </a:p>
@@ -1159,7 +1164,7 @@
           <a:p>
             <a:fld id="{BD43FDEE-31B2-4A81-9764-6BBEE99A1C59}" type="datetimeFigureOut">
               <a:rPr lang="en-US" smtClean="0"/>
-              <a:t>1/23/2020</a:t>
+              <a:t>1/26/2020</a:t>
             </a:fld>
             <a:endParaRPr lang="en-US"/>
           </a:p>
@@ -1424,7 +1429,7 @@
           <a:p>
             <a:fld id="{BD43FDEE-31B2-4A81-9764-6BBEE99A1C59}" type="datetimeFigureOut">
               <a:rPr lang="en-US" smtClean="0"/>
-              <a:t>1/23/2020</a:t>
+              <a:t>1/26/2020</a:t>
             </a:fld>
             <a:endParaRPr lang="en-US"/>
           </a:p>
@@ -1836,7 +1841,7 @@
           <a:p>
             <a:fld id="{BD43FDEE-31B2-4A81-9764-6BBEE99A1C59}" type="datetimeFigureOut">
               <a:rPr lang="en-US" smtClean="0"/>
-              <a:t>1/23/2020</a:t>
+              <a:t>1/26/2020</a:t>
             </a:fld>
             <a:endParaRPr lang="en-US"/>
           </a:p>
@@ -1977,7 +1982,7 @@
           <a:p>
             <a:fld id="{BD43FDEE-31B2-4A81-9764-6BBEE99A1C59}" type="datetimeFigureOut">
               <a:rPr lang="en-US" smtClean="0"/>
-              <a:t>1/23/2020</a:t>
+              <a:t>1/26/2020</a:t>
             </a:fld>
             <a:endParaRPr lang="en-US"/>
           </a:p>
@@ -2090,7 +2095,7 @@
           <a:p>
             <a:fld id="{BD43FDEE-31B2-4A81-9764-6BBEE99A1C59}" type="datetimeFigureOut">
               <a:rPr lang="en-US" smtClean="0"/>
-              <a:t>1/23/2020</a:t>
+              <a:t>1/26/2020</a:t>
             </a:fld>
             <a:endParaRPr lang="en-US"/>
           </a:p>
@@ -2401,7 +2406,7 @@
           <a:p>
             <a:fld id="{BD43FDEE-31B2-4A81-9764-6BBEE99A1C59}" type="datetimeFigureOut">
               <a:rPr lang="en-US" smtClean="0"/>
-              <a:t>1/23/2020</a:t>
+              <a:t>1/26/2020</a:t>
             </a:fld>
             <a:endParaRPr lang="en-US"/>
           </a:p>
@@ -2689,7 +2694,7 @@
           <a:p>
             <a:fld id="{BD43FDEE-31B2-4A81-9764-6BBEE99A1C59}" type="datetimeFigureOut">
               <a:rPr lang="en-US" smtClean="0"/>
-              <a:t>1/23/2020</a:t>
+              <a:t>1/26/2020</a:t>
             </a:fld>
             <a:endParaRPr lang="en-US"/>
           </a:p>
@@ -2930,7 +2935,7 @@
           <a:p>
             <a:fld id="{BD43FDEE-31B2-4A81-9764-6BBEE99A1C59}" type="datetimeFigureOut">
               <a:rPr lang="en-US" smtClean="0"/>
-              <a:t>1/23/2020</a:t>
+              <a:t>1/26/2020</a:t>
             </a:fld>
             <a:endParaRPr lang="en-US"/>
           </a:p>
@@ -3361,7 +3366,7 @@
         </p:nvSpPr>
         <p:spPr>
           <a:xfrm>
-            <a:off x="5448051" y="2212820"/>
+            <a:off x="5448051" y="2228862"/>
             <a:ext cx="1295898" cy="647949"/>
           </a:xfrm>
           <a:prstGeom prst="rect">
@@ -3417,7 +3422,7 @@
         </p:nvSpPr>
         <p:spPr>
           <a:xfrm>
-            <a:off x="2699288" y="449737"/>
+            <a:off x="2699288" y="465779"/>
             <a:ext cx="6793424" cy="1388361"/>
           </a:xfrm>
         </p:spPr>
@@ -3471,7 +3476,7 @@
         </p:nvSpPr>
         <p:spPr>
           <a:xfrm>
-            <a:off x="2869768" y="2349811"/>
+            <a:off x="2869768" y="2365853"/>
             <a:ext cx="6452461" cy="1771359"/>
           </a:xfrm>
         </p:spPr>
@@ -3504,7 +3509,7 @@
               <a:rPr lang="en-US" b="1" dirty="0">
                 <a:latin typeface="Karla" charset="0"/>
               </a:rPr>
-              <a:t>Advance Practical Data Science</a:t>
+              <a:t>Advanced Practical Data Science</a:t>
             </a:r>
           </a:p>
           <a:p>
@@ -3555,7 +3560,7 @@
         </p:blipFill>
         <p:spPr>
           <a:xfrm>
-            <a:off x="4558370" y="4632883"/>
+            <a:off x="4558370" y="4616841"/>
             <a:ext cx="3075258" cy="1859976"/>
           </a:xfrm>
           <a:prstGeom prst="rect">
@@ -3753,7 +3758,7 @@
         </p:blipFill>
         <p:spPr>
           <a:xfrm>
-            <a:off x="12357349" y="4635632"/>
+            <a:off x="12405475" y="5071500"/>
             <a:ext cx="3075258" cy="1859976"/>
           </a:xfrm>
           <a:prstGeom prst="rect">
@@ -4045,7 +4050,7 @@
               <a:rPr lang="en-US" b="1" dirty="0">
                 <a:latin typeface="Karla" charset="0"/>
               </a:rPr>
-              <a:t>Advance Practical Data Science</a:t>
+              <a:t>Advanced Practical Data Science</a:t>
             </a:r>
           </a:p>
           <a:p>
@@ -4617,7 +4622,7 @@
               <a:rPr lang="en-US" b="1" dirty="0">
                 <a:latin typeface="Karla" charset="0"/>
               </a:rPr>
-              <a:t>Advance Practical Data Science</a:t>
+              <a:t>Advanced Practical Data Science</a:t>
             </a:r>
           </a:p>
           <a:p>
@@ -5451,7 +5456,7 @@
               <a:rPr lang="en-US" b="1" dirty="0">
                 <a:latin typeface="Karla" charset="0"/>
               </a:rPr>
-              <a:t>Advance Practical Data Science</a:t>
+              <a:t>Advanced Practical Data Science</a:t>
             </a:r>
           </a:p>
           <a:p>
@@ -5510,6 +5515,60 @@
       </p:grpSpPr>
       <p:sp>
         <p:nvSpPr>
+          <p:cNvPr id="80" name="Rectangle 79">
+            <a:extLst>
+              <a:ext uri="{FF2B5EF4-FFF2-40B4-BE49-F238E27FC236}">
+                <a16:creationId xmlns:a16="http://schemas.microsoft.com/office/drawing/2014/main" id="{F72C0834-730E-49C2-9D37-19EEB4202255}"/>
+              </a:ext>
+            </a:extLst>
+          </p:cNvPr>
+          <p:cNvSpPr/>
+          <p:nvPr/>
+        </p:nvSpPr>
+        <p:spPr>
+          <a:xfrm>
+            <a:off x="6305672" y="5179135"/>
+            <a:ext cx="5124701" cy="647949"/>
+          </a:xfrm>
+          <a:prstGeom prst="rect">
+            <a:avLst/>
+          </a:prstGeom>
+          <a:solidFill>
+            <a:srgbClr val="00B0F0"/>
+          </a:solidFill>
+          <a:ln>
+            <a:solidFill>
+              <a:srgbClr val="0070C0"/>
+            </a:solidFill>
+          </a:ln>
+        </p:spPr>
+        <p:style>
+          <a:lnRef idx="2">
+            <a:schemeClr val="accent1">
+              <a:shade val="50000"/>
+            </a:schemeClr>
+          </a:lnRef>
+          <a:fillRef idx="1">
+            <a:schemeClr val="accent1"/>
+          </a:fillRef>
+          <a:effectRef idx="0">
+            <a:schemeClr val="accent1"/>
+          </a:effectRef>
+          <a:fontRef idx="minor">
+            <a:schemeClr val="lt1"/>
+          </a:fontRef>
+        </p:style>
+        <p:txBody>
+          <a:bodyPr rtlCol="0" anchor="ctr"/>
+          <a:lstStyle/>
+          <a:p>
+            <a:pPr algn="ctr"/>
+            <a:endParaRPr lang="en-US" dirty="0"/>
+          </a:p>
+        </p:txBody>
+      </p:sp>
+      <p:sp>
+        <p:nvSpPr>
           <p:cNvPr id="81" name="Rectangle 80">
             <a:extLst>
               <a:ext uri="{FF2B5EF4-FFF2-40B4-BE49-F238E27FC236}">
@@ -5530,15 +5589,15 @@
             <a:gdLst>
               <a:gd name="connsiteX0" fmla="*/ 0 w 3828801"/>
               <a:gd name="connsiteY0" fmla="*/ 0 h 584775"/>
-              <a:gd name="connsiteX1" fmla="*/ 714710 w 3828801"/>
+              <a:gd name="connsiteX1" fmla="*/ 599845 w 3828801"/>
               <a:gd name="connsiteY1" fmla="*/ 0 h 584775"/>
-              <a:gd name="connsiteX2" fmla="*/ 1391131 w 3828801"/>
+              <a:gd name="connsiteX2" fmla="*/ 1123115 w 3828801"/>
               <a:gd name="connsiteY2" fmla="*/ 0 h 584775"/>
-              <a:gd name="connsiteX3" fmla="*/ 2067553 w 3828801"/>
+              <a:gd name="connsiteX3" fmla="*/ 1837824 w 3828801"/>
               <a:gd name="connsiteY3" fmla="*/ 0 h 584775"/>
-              <a:gd name="connsiteX4" fmla="*/ 2590822 w 3828801"/>
+              <a:gd name="connsiteX4" fmla="*/ 2437670 w 3828801"/>
               <a:gd name="connsiteY4" fmla="*/ 0 h 584775"/>
-              <a:gd name="connsiteX5" fmla="*/ 3152379 w 3828801"/>
+              <a:gd name="connsiteX5" fmla="*/ 3037515 w 3828801"/>
               <a:gd name="connsiteY5" fmla="*/ 0 h 584775"/>
               <a:gd name="connsiteX6" fmla="*/ 3828801 w 3828801"/>
               <a:gd name="connsiteY6" fmla="*/ 0 h 584775"/>
@@ -5548,11 +5607,11 @@
               <a:gd name="connsiteY8" fmla="*/ 584775 h 584775"/>
               <a:gd name="connsiteX9" fmla="*/ 2667398 w 3828801"/>
               <a:gd name="connsiteY9" fmla="*/ 584775 h 584775"/>
-              <a:gd name="connsiteX10" fmla="*/ 2144129 w 3828801"/>
+              <a:gd name="connsiteX10" fmla="*/ 2029265 w 3828801"/>
               <a:gd name="connsiteY10" fmla="*/ 584775 h 584775"/>
-              <a:gd name="connsiteX11" fmla="*/ 1467707 w 3828801"/>
+              <a:gd name="connsiteX11" fmla="*/ 1391131 w 3828801"/>
               <a:gd name="connsiteY11" fmla="*/ 584775 h 584775"/>
-              <a:gd name="connsiteX12" fmla="*/ 906150 w 3828801"/>
+              <a:gd name="connsiteX12" fmla="*/ 791286 w 3828801"/>
               <a:gd name="connsiteY12" fmla="*/ 584775 h 584775"/>
               <a:gd name="connsiteX13" fmla="*/ 0 w 3828801"/>
               <a:gd name="connsiteY13" fmla="*/ 584775 h 584775"/>
@@ -5609,83 +5668,7 @@
             </a:cxnLst>
             <a:rect l="l" t="t" r="r" b="b"/>
             <a:pathLst>
-              <a:path w="3828801" h="584775" fill="none" extrusionOk="0">
-                <a:moveTo>
-                  <a:pt x="0" y="0"/>
-                </a:moveTo>
-                <a:cubicBezTo>
-                  <a:pt x="348003" y="-20745"/>
-                  <a:pt x="367434" y="27532"/>
-                  <a:pt x="714710" y="0"/>
-                </a:cubicBezTo>
-                <a:cubicBezTo>
-                  <a:pt x="1061986" y="-27532"/>
-                  <a:pt x="1066457" y="-7668"/>
-                  <a:pt x="1391131" y="0"/>
-                </a:cubicBezTo>
-                <a:cubicBezTo>
-                  <a:pt x="1715805" y="7668"/>
-                  <a:pt x="1897352" y="-31783"/>
-                  <a:pt x="2067553" y="0"/>
-                </a:cubicBezTo>
-                <a:cubicBezTo>
-                  <a:pt x="2237754" y="31783"/>
-                  <a:pt x="2443578" y="9100"/>
-                  <a:pt x="2590822" y="0"/>
-                </a:cubicBezTo>
-                <a:cubicBezTo>
-                  <a:pt x="2738066" y="-9100"/>
-                  <a:pt x="2948803" y="21392"/>
-                  <a:pt x="3152379" y="0"/>
-                </a:cubicBezTo>
-                <a:cubicBezTo>
-                  <a:pt x="3355955" y="-21392"/>
-                  <a:pt x="3531707" y="-32995"/>
-                  <a:pt x="3828801" y="0"/>
-                </a:cubicBezTo>
-                <a:cubicBezTo>
-                  <a:pt x="3847120" y="145862"/>
-                  <a:pt x="3808109" y="433896"/>
-                  <a:pt x="3828801" y="584775"/>
-                </a:cubicBezTo>
-                <a:cubicBezTo>
-                  <a:pt x="3633808" y="585971"/>
-                  <a:pt x="3497714" y="596897"/>
-                  <a:pt x="3190668" y="584775"/>
-                </a:cubicBezTo>
-                <a:cubicBezTo>
-                  <a:pt x="2883622" y="572653"/>
-                  <a:pt x="2788161" y="585870"/>
-                  <a:pt x="2667398" y="584775"/>
-                </a:cubicBezTo>
-                <a:cubicBezTo>
-                  <a:pt x="2546635" y="583681"/>
-                  <a:pt x="2313184" y="572839"/>
-                  <a:pt x="2144129" y="584775"/>
-                </a:cubicBezTo>
-                <a:cubicBezTo>
-                  <a:pt x="1975074" y="596711"/>
-                  <a:pt x="1798810" y="567035"/>
-                  <a:pt x="1467707" y="584775"/>
-                </a:cubicBezTo>
-                <a:cubicBezTo>
-                  <a:pt x="1136604" y="602515"/>
-                  <a:pt x="1135156" y="604702"/>
-                  <a:pt x="906150" y="584775"/>
-                </a:cubicBezTo>
-                <a:cubicBezTo>
-                  <a:pt x="677144" y="564848"/>
-                  <a:pt x="375882" y="604932"/>
-                  <a:pt x="0" y="584775"/>
-                </a:cubicBezTo>
-                <a:cubicBezTo>
-                  <a:pt x="-6303" y="445539"/>
-                  <a:pt x="-13732" y="241777"/>
-                  <a:pt x="0" y="0"/>
-                </a:cubicBezTo>
-                <a:close/>
-              </a:path>
-              <a:path w="3828801" h="584775" stroke="0" extrusionOk="0">
+              <a:path w="3828801" h="584775" extrusionOk="0">
                 <a:moveTo>
                   <a:pt x="0" y="0"/>
                 </a:moveTo>
@@ -5765,7 +5748,9 @@
           </a:custGeom>
           <a:noFill/>
           <a:ln>
-            <a:noFill/>
+            <a:solidFill>
+              <a:schemeClr val="bg1"/>
+            </a:solidFill>
             <a:extLst>
               <a:ext uri="{C807C97D-BFC1-408E-A445-0C87EB9F89A2}">
                 <ask:lineSketchStyleProps xmlns:ask="http://schemas.microsoft.com/office/drawing/2018/sketchyshapes" sd="1219033472">
@@ -5789,18 +5774,18 @@
             <a:r>
               <a:rPr lang="en-US" b="1" dirty="0">
                 <a:solidFill>
-                  <a:srgbClr val="0070C0"/>
+                  <a:schemeClr val="bg1"/>
                 </a:solidFill>
                 <a:latin typeface="Karla" charset="0"/>
               </a:rPr>
-              <a:t>Advance Practical Data Science</a:t>
+              <a:t>Advanced Practical Data Science</a:t>
             </a:r>
           </a:p>
           <a:p>
             <a:r>
               <a:rPr lang="en-US" sz="1400" b="1" dirty="0" err="1">
                 <a:solidFill>
-                  <a:srgbClr val="0070C0"/>
+                  <a:schemeClr val="bg1"/>
                 </a:solidFill>
                 <a:latin typeface="Karla" charset="0"/>
               </a:rPr>
@@ -5809,7 +5794,7 @@
             <a:r>
               <a:rPr lang="en-US" sz="1400" b="1" dirty="0">
                 <a:solidFill>
-                  <a:srgbClr val="0070C0"/>
+                  <a:schemeClr val="bg1"/>
                 </a:solidFill>
                 <a:latin typeface="Karla" charset="0"/>
               </a:rPr>
@@ -5818,7 +5803,7 @@
             <a:r>
               <a:rPr lang="en-US" sz="1400" b="1" dirty="0" err="1">
                 <a:solidFill>
-                  <a:srgbClr val="0070C0"/>
+                  <a:schemeClr val="bg1"/>
                 </a:solidFill>
                 <a:latin typeface="Karla" charset="0"/>
               </a:rPr>
@@ -5826,7 +5811,7 @@
             </a:r>
             <a:endParaRPr lang="en-US" sz="1000" b="1" dirty="0">
               <a:solidFill>
-                <a:srgbClr val="0070C0"/>
+                <a:schemeClr val="bg1"/>
               </a:solidFill>
             </a:endParaRPr>
           </a:p>
@@ -6171,7 +6156,7 @@
                 </a:solidFill>
                 <a:latin typeface="Karla" charset="0"/>
               </a:rPr>
-              <a:t>Advance Practical Data Science</a:t>
+              <a:t>Advanced Practical Data Science</a:t>
             </a:r>
           </a:p>
           <a:p>
@@ -6589,7 +6574,7 @@
               <a:rPr lang="en-US" b="1" dirty="0">
                 <a:latin typeface="Karla" charset="0"/>
               </a:rPr>
-              <a:t>Advance Practical Data Science</a:t>
+              <a:t>Advanced Practical Data Science</a:t>
             </a:r>
           </a:p>
           <a:p>
@@ -7215,7 +7200,7 @@
                 </a:solidFill>
                 <a:latin typeface="Karla" charset="0"/>
               </a:rPr>
-              <a:t>Advance Practical Data Science</a:t>
+              <a:t>Advanced Practical Data Science</a:t>
             </a:r>
           </a:p>
           <a:p>
@@ -7849,7 +7834,7 @@
                 </a:solidFill>
                 <a:latin typeface="Karla" charset="0"/>
               </a:rPr>
-              <a:t>Advance Practical Data Science</a:t>
+              <a:t>Advanced Practical Data Science</a:t>
             </a:r>
           </a:p>
           <a:p>
@@ -8474,7 +8459,7 @@
               <a:rPr lang="en-US" b="1" dirty="0">
                 <a:latin typeface="Karla" charset="0"/>
               </a:rPr>
-              <a:t>Advance Practical Data Science</a:t>
+              <a:t>Advanced Practical Data Science</a:t>
             </a:r>
           </a:p>
           <a:p>
@@ -9137,7 +9122,7 @@
               <a:rPr lang="en-US" b="1" dirty="0">
                 <a:latin typeface="Karla" charset="0"/>
               </a:rPr>
-              <a:t>Advance Practical Data Science</a:t>
+              <a:t>Advanced Practical Data Science</a:t>
             </a:r>
           </a:p>
           <a:p>
@@ -9715,7 +9700,7 @@
               <a:rPr lang="en-US" b="1" dirty="0">
                 <a:latin typeface="Karla" charset="0"/>
               </a:rPr>
-              <a:t>Advance Practical Data Science</a:t>
+              <a:t>Advanced Practical Data Science</a:t>
             </a:r>
           </a:p>
           <a:p>
@@ -10406,7 +10391,7 @@
                 </a:solidFill>
                 <a:latin typeface="Karla" charset="0"/>
               </a:rPr>
-              <a:t>Advance Practical Data Science</a:t>
+              <a:t>Advanced Practical Data Science</a:t>
             </a:r>
           </a:p>
           <a:p>
@@ -10997,7 +10982,7 @@
               <a:rPr lang="en-US" b="1" dirty="0">
                 <a:latin typeface="Karla" charset="0"/>
               </a:rPr>
-              <a:t>Advance Practical Data Science</a:t>
+              <a:t>Advanced Practical Data Science</a:t>
             </a:r>
           </a:p>
           <a:p>
@@ -11575,7 +11560,7 @@
               <a:rPr lang="en-US" b="1" dirty="0">
                 <a:latin typeface="Karla" charset="0"/>
               </a:rPr>
-              <a:t>Advance Practical Data Science</a:t>
+              <a:t>Advanced Practical Data Science</a:t>
             </a:r>
           </a:p>
           <a:p>
@@ -12150,7 +12135,7 @@
                 </a:solidFill>
                 <a:latin typeface="Karla" charset="0"/>
               </a:rPr>
-              <a:t>Advance Practical Data Science</a:t>
+              <a:t>Advanced Practical Data Science</a:t>
             </a:r>
           </a:p>
           <a:p>
@@ -12719,58 +12704,6 @@
               </a:solidFill>
               <a:latin typeface="Karla" charset="0"/>
             </a:endParaRPr>
-          </a:p>
-        </p:txBody>
-      </p:sp>
-      <p:sp>
-        <p:nvSpPr>
-          <p:cNvPr id="80" name="Rectangle 79">
-            <a:extLst>
-              <a:ext uri="{FF2B5EF4-FFF2-40B4-BE49-F238E27FC236}">
-                <a16:creationId xmlns:a16="http://schemas.microsoft.com/office/drawing/2014/main" id="{F72C0834-730E-49C2-9D37-19EEB4202255}"/>
-              </a:ext>
-            </a:extLst>
-          </p:cNvPr>
-          <p:cNvSpPr/>
-          <p:nvPr/>
-        </p:nvSpPr>
-        <p:spPr>
-          <a:xfrm>
-            <a:off x="6305672" y="5179135"/>
-            <a:ext cx="5124701" cy="647949"/>
-          </a:xfrm>
-          <a:prstGeom prst="rect">
-            <a:avLst/>
-          </a:prstGeom>
-          <a:noFill/>
-          <a:ln>
-            <a:solidFill>
-              <a:srgbClr val="0070C0"/>
-            </a:solidFill>
-          </a:ln>
-        </p:spPr>
-        <p:style>
-          <a:lnRef idx="2">
-            <a:schemeClr val="accent1">
-              <a:shade val="50000"/>
-            </a:schemeClr>
-          </a:lnRef>
-          <a:fillRef idx="1">
-            <a:schemeClr val="accent1"/>
-          </a:fillRef>
-          <a:effectRef idx="0">
-            <a:schemeClr val="accent1"/>
-          </a:effectRef>
-          <a:fontRef idx="minor">
-            <a:schemeClr val="lt1"/>
-          </a:fontRef>
-        </p:style>
-        <p:txBody>
-          <a:bodyPr rtlCol="0" anchor="ctr"/>
-          <a:lstStyle/>
-          <a:p>
-            <a:pPr algn="ctr"/>
-            <a:endParaRPr lang="en-US" dirty="0"/>
           </a:p>
         </p:txBody>
       </p:sp>
@@ -13490,7 +13423,7 @@
                 </a:solidFill>
                 <a:latin typeface="Karla" charset="0"/>
               </a:rPr>
-              <a:t>Advance Practical Data Science</a:t>
+              <a:t>Advanced Practical Data Science</a:t>
             </a:r>
           </a:p>
           <a:p>
@@ -14609,7 +14542,7 @@
                 </a:solidFill>
                 <a:latin typeface="Karla" charset="0"/>
               </a:rPr>
-              <a:t>Advance Practical Data Science</a:t>
+              <a:t>Advanced Practical Data Science</a:t>
             </a:r>
           </a:p>
           <a:p>
@@ -14916,7 +14849,7 @@
               <a:rPr lang="en-US" sz="2400" dirty="0">
                 <a:latin typeface="Karla" panose="020F0502020204030204" pitchFamily="2" charset="0"/>
               </a:rPr>
-              <a:t>&gt; Get good job &lt;</a:t>
+              <a:t>&gt; Get a good job &lt;</a:t>
             </a:r>
           </a:p>
           <a:p>
@@ -15723,7 +15656,7 @@
                 </a:solidFill>
                 <a:latin typeface="Karla" charset="0"/>
               </a:rPr>
-              <a:t>Advance Practical Data Science</a:t>
+              <a:t>Advanced Practical Data Science</a:t>
             </a:r>
           </a:p>
           <a:p>
@@ -16030,7 +15963,7 @@
               <a:rPr lang="en-US" sz="2400" dirty="0">
                 <a:latin typeface="Karla" panose="020F0502020204030204" pitchFamily="2" charset="0"/>
               </a:rPr>
-              <a:t>&gt; Get good job</a:t>
+              <a:t>&gt; Get a good job</a:t>
             </a:r>
           </a:p>
           <a:p>

--- a/content/lectures/lecture1/presentation/lecture1_draft.pptx
+++ b/content/lectures/lecture1/presentation/lecture1_draft.pptx
@@ -1,6 +1,6 @@
 
 <file path=ppt/presentation.xml><?xml version="1.0" encoding="utf-8"?>
-<p:presentation xmlns:a="http://schemas.openxmlformats.org/drawingml/2006/main" xmlns:r="http://schemas.openxmlformats.org/officeDocument/2006/relationships" xmlns:p="http://schemas.openxmlformats.org/presentationml/2006/main" embedTrueTypeFonts="1" saveSubsetFonts="1">
+<p:presentation xmlns:a="http://schemas.openxmlformats.org/drawingml/2006/main" xmlns:r="http://schemas.openxmlformats.org/officeDocument/2006/relationships" xmlns:p="http://schemas.openxmlformats.org/presentationml/2006/main" saveSubsetFonts="1">
   <p:sldMasterIdLst>
     <p:sldMasterId id="2147483648" r:id="rId1"/>
     <p:sldMasterId id="2147483663" r:id="rId2"/>
@@ -9,7 +9,7 @@
   <p:sldIdLst>
     <p:sldId id="256" r:id="rId4"/>
     <p:sldId id="262" r:id="rId5"/>
-    <p:sldId id="265" r:id="rId6"/>
+    <p:sldId id="283" r:id="rId6"/>
     <p:sldId id="280" r:id="rId7"/>
     <p:sldId id="281" r:id="rId8"/>
     <p:sldId id="282" r:id="rId9"/>
@@ -27,27 +27,6 @@
   </p:sldIdLst>
   <p:sldSz cx="12192000" cy="6858000"/>
   <p:notesSz cx="6858000" cy="9144000"/>
-  <p:embeddedFontLst>
-    <p:embeddedFont>
-      <p:font typeface="Calibri" panose="020F0502020204030204" pitchFamily="34" charset="0"/>
-      <p:regular r:id="rId21"/>
-      <p:bold r:id="rId22"/>
-      <p:italic r:id="rId23"/>
-      <p:boldItalic r:id="rId24"/>
-    </p:embeddedFont>
-    <p:embeddedFont>
-      <p:font typeface="Calibri Light" panose="020F0302020204030204" pitchFamily="34" charset="0"/>
-      <p:regular r:id="rId25"/>
-      <p:italic r:id="rId26"/>
-    </p:embeddedFont>
-    <p:embeddedFont>
-      <p:font typeface="Karla" pitchFamily="2" charset="0"/>
-      <p:regular r:id="rId27"/>
-      <p:bold r:id="rId28"/>
-      <p:italic r:id="rId29"/>
-      <p:boldItalic r:id="rId30"/>
-    </p:embeddedFont>
-  </p:embeddedFontLst>
   <p:defaultTextStyle>
     <a:defPPr>
       <a:defRPr lang="en-US"/>
@@ -173,7 +152,7 @@
           <p:cNvPr id="2" name="Title 1">
             <a:extLst>
               <a:ext uri="{FF2B5EF4-FFF2-40B4-BE49-F238E27FC236}">
-                <a16:creationId xmlns:a16="http://schemas.microsoft.com/office/drawing/2014/main" id="{D8B0D16A-4BE1-4324-9465-EA5372E5473F}"/>
+                <a16:creationId xmlns:a16="http://schemas.microsoft.com/office/drawing/2014/main" xmlns="" id="{D8B0D16A-4BE1-4324-9465-EA5372E5473F}"/>
               </a:ext>
             </a:extLst>
           </p:cNvPr>
@@ -210,7 +189,7 @@
           <p:cNvPr id="3" name="Subtitle 2">
             <a:extLst>
               <a:ext uri="{FF2B5EF4-FFF2-40B4-BE49-F238E27FC236}">
-                <a16:creationId xmlns:a16="http://schemas.microsoft.com/office/drawing/2014/main" id="{E54A4463-C390-4D80-8900-E3783BBAEFD3}"/>
+                <a16:creationId xmlns:a16="http://schemas.microsoft.com/office/drawing/2014/main" xmlns="" id="{E54A4463-C390-4D80-8900-E3783BBAEFD3}"/>
               </a:ext>
             </a:extLst>
           </p:cNvPr>
@@ -280,7 +259,7 @@
           <p:cNvPr id="4" name="Date Placeholder 3">
             <a:extLst>
               <a:ext uri="{FF2B5EF4-FFF2-40B4-BE49-F238E27FC236}">
-                <a16:creationId xmlns:a16="http://schemas.microsoft.com/office/drawing/2014/main" id="{FB9F748D-A959-4741-B0CB-E2258A828813}"/>
+                <a16:creationId xmlns:a16="http://schemas.microsoft.com/office/drawing/2014/main" xmlns="" id="{FB9F748D-A959-4741-B0CB-E2258A828813}"/>
               </a:ext>
             </a:extLst>
           </p:cNvPr>
@@ -298,7 +277,7 @@
           <a:p>
             <a:fld id="{BD43FDEE-31B2-4A81-9764-6BBEE99A1C59}" type="datetimeFigureOut">
               <a:rPr lang="en-US" smtClean="0"/>
-              <a:t>1/27/2020</a:t>
+              <a:t>1/27/20</a:t>
             </a:fld>
             <a:endParaRPr lang="en-US"/>
           </a:p>
@@ -309,7 +288,7 @@
           <p:cNvPr id="5" name="Footer Placeholder 4">
             <a:extLst>
               <a:ext uri="{FF2B5EF4-FFF2-40B4-BE49-F238E27FC236}">
-                <a16:creationId xmlns:a16="http://schemas.microsoft.com/office/drawing/2014/main" id="{35989003-AAF3-4BFC-A67F-DF6F95393AE1}"/>
+                <a16:creationId xmlns:a16="http://schemas.microsoft.com/office/drawing/2014/main" xmlns="" id="{35989003-AAF3-4BFC-A67F-DF6F95393AE1}"/>
               </a:ext>
             </a:extLst>
           </p:cNvPr>
@@ -334,7 +313,7 @@
           <p:cNvPr id="6" name="Slide Number Placeholder 5">
             <a:extLst>
               <a:ext uri="{FF2B5EF4-FFF2-40B4-BE49-F238E27FC236}">
-                <a16:creationId xmlns:a16="http://schemas.microsoft.com/office/drawing/2014/main" id="{7F2010D9-9443-435E-BA0D-07B5F6E35A7E}"/>
+                <a16:creationId xmlns:a16="http://schemas.microsoft.com/office/drawing/2014/main" xmlns="" id="{7F2010D9-9443-435E-BA0D-07B5F6E35A7E}"/>
               </a:ext>
             </a:extLst>
           </p:cNvPr>
@@ -393,7 +372,7 @@
           <p:cNvPr id="2" name="Date Placeholder 1">
             <a:extLst>
               <a:ext uri="{FF2B5EF4-FFF2-40B4-BE49-F238E27FC236}">
-                <a16:creationId xmlns:a16="http://schemas.microsoft.com/office/drawing/2014/main" id="{845A04FA-829E-4FC4-8ACF-72571B09D60C}"/>
+                <a16:creationId xmlns:a16="http://schemas.microsoft.com/office/drawing/2014/main" xmlns="" id="{845A04FA-829E-4FC4-8ACF-72571B09D60C}"/>
               </a:ext>
             </a:extLst>
           </p:cNvPr>
@@ -411,7 +390,7 @@
           <a:p>
             <a:fld id="{BD43FDEE-31B2-4A81-9764-6BBEE99A1C59}" type="datetimeFigureOut">
               <a:rPr lang="en-US" smtClean="0"/>
-              <a:t>1/27/2020</a:t>
+              <a:t>1/27/20</a:t>
             </a:fld>
             <a:endParaRPr lang="en-US"/>
           </a:p>
@@ -422,7 +401,7 @@
           <p:cNvPr id="3" name="Footer Placeholder 2">
             <a:extLst>
               <a:ext uri="{FF2B5EF4-FFF2-40B4-BE49-F238E27FC236}">
-                <a16:creationId xmlns:a16="http://schemas.microsoft.com/office/drawing/2014/main" id="{41593669-279A-4E0B-9EBF-5AF9509F80EA}"/>
+                <a16:creationId xmlns:a16="http://schemas.microsoft.com/office/drawing/2014/main" xmlns="" id="{41593669-279A-4E0B-9EBF-5AF9509F80EA}"/>
               </a:ext>
             </a:extLst>
           </p:cNvPr>
@@ -447,7 +426,7 @@
           <p:cNvPr id="4" name="Slide Number Placeholder 3">
             <a:extLst>
               <a:ext uri="{FF2B5EF4-FFF2-40B4-BE49-F238E27FC236}">
-                <a16:creationId xmlns:a16="http://schemas.microsoft.com/office/drawing/2014/main" id="{E55A363F-1CF0-4CB1-A63A-E70B3D81EFB7}"/>
+                <a16:creationId xmlns:a16="http://schemas.microsoft.com/office/drawing/2014/main" xmlns="" id="{E55A363F-1CF0-4CB1-A63A-E70B3D81EFB7}"/>
               </a:ext>
             </a:extLst>
           </p:cNvPr>
@@ -506,7 +485,7 @@
           <p:cNvPr id="2" name="Title 1">
             <a:extLst>
               <a:ext uri="{FF2B5EF4-FFF2-40B4-BE49-F238E27FC236}">
-                <a16:creationId xmlns:a16="http://schemas.microsoft.com/office/drawing/2014/main" id="{52CDA34E-8963-40FF-808A-14CFB7FDCC6C}"/>
+                <a16:creationId xmlns:a16="http://schemas.microsoft.com/office/drawing/2014/main" xmlns="" id="{52CDA34E-8963-40FF-808A-14CFB7FDCC6C}"/>
               </a:ext>
             </a:extLst>
           </p:cNvPr>
@@ -543,7 +522,7 @@
           <p:cNvPr id="3" name="Content Placeholder 2">
             <a:extLst>
               <a:ext uri="{FF2B5EF4-FFF2-40B4-BE49-F238E27FC236}">
-                <a16:creationId xmlns:a16="http://schemas.microsoft.com/office/drawing/2014/main" id="{956D783E-CD4B-4660-B052-BFF30CFDED97}"/>
+                <a16:creationId xmlns:a16="http://schemas.microsoft.com/office/drawing/2014/main" xmlns="" id="{956D783E-CD4B-4660-B052-BFF30CFDED97}"/>
               </a:ext>
             </a:extLst>
           </p:cNvPr>
@@ -633,7 +612,7 @@
           <p:cNvPr id="4" name="Text Placeholder 3">
             <a:extLst>
               <a:ext uri="{FF2B5EF4-FFF2-40B4-BE49-F238E27FC236}">
-                <a16:creationId xmlns:a16="http://schemas.microsoft.com/office/drawing/2014/main" id="{7B31BEE9-3ED7-4618-8C2D-2883FC1B2390}"/>
+                <a16:creationId xmlns:a16="http://schemas.microsoft.com/office/drawing/2014/main" xmlns="" id="{7B31BEE9-3ED7-4618-8C2D-2883FC1B2390}"/>
               </a:ext>
             </a:extLst>
           </p:cNvPr>
@@ -704,7 +683,7 @@
           <p:cNvPr id="5" name="Date Placeholder 4">
             <a:extLst>
               <a:ext uri="{FF2B5EF4-FFF2-40B4-BE49-F238E27FC236}">
-                <a16:creationId xmlns:a16="http://schemas.microsoft.com/office/drawing/2014/main" id="{968F42EC-4C22-416A-BEE7-650A959DB224}"/>
+                <a16:creationId xmlns:a16="http://schemas.microsoft.com/office/drawing/2014/main" xmlns="" id="{968F42EC-4C22-416A-BEE7-650A959DB224}"/>
               </a:ext>
             </a:extLst>
           </p:cNvPr>
@@ -722,7 +701,7 @@
           <a:p>
             <a:fld id="{BD43FDEE-31B2-4A81-9764-6BBEE99A1C59}" type="datetimeFigureOut">
               <a:rPr lang="en-US" smtClean="0"/>
-              <a:t>1/27/2020</a:t>
+              <a:t>1/27/20</a:t>
             </a:fld>
             <a:endParaRPr lang="en-US"/>
           </a:p>
@@ -733,7 +712,7 @@
           <p:cNvPr id="6" name="Footer Placeholder 5">
             <a:extLst>
               <a:ext uri="{FF2B5EF4-FFF2-40B4-BE49-F238E27FC236}">
-                <a16:creationId xmlns:a16="http://schemas.microsoft.com/office/drawing/2014/main" id="{9694760D-DDBD-45A4-B48E-D2004F21AC90}"/>
+                <a16:creationId xmlns:a16="http://schemas.microsoft.com/office/drawing/2014/main" xmlns="" id="{9694760D-DDBD-45A4-B48E-D2004F21AC90}"/>
               </a:ext>
             </a:extLst>
           </p:cNvPr>
@@ -758,7 +737,7 @@
           <p:cNvPr id="7" name="Slide Number Placeholder 6">
             <a:extLst>
               <a:ext uri="{FF2B5EF4-FFF2-40B4-BE49-F238E27FC236}">
-                <a16:creationId xmlns:a16="http://schemas.microsoft.com/office/drawing/2014/main" id="{335BF4FA-A4D6-4027-8E2F-0E5F0274B49B}"/>
+                <a16:creationId xmlns:a16="http://schemas.microsoft.com/office/drawing/2014/main" xmlns="" id="{335BF4FA-A4D6-4027-8E2F-0E5F0274B49B}"/>
               </a:ext>
             </a:extLst>
           </p:cNvPr>
@@ -817,7 +796,7 @@
           <p:cNvPr id="2" name="Title 1">
             <a:extLst>
               <a:ext uri="{FF2B5EF4-FFF2-40B4-BE49-F238E27FC236}">
-                <a16:creationId xmlns:a16="http://schemas.microsoft.com/office/drawing/2014/main" id="{474C2C64-96F4-4DDB-95A3-0EE217259274}"/>
+                <a16:creationId xmlns:a16="http://schemas.microsoft.com/office/drawing/2014/main" xmlns="" id="{474C2C64-96F4-4DDB-95A3-0EE217259274}"/>
               </a:ext>
             </a:extLst>
           </p:cNvPr>
@@ -854,7 +833,7 @@
           <p:cNvPr id="3" name="Picture Placeholder 2">
             <a:extLst>
               <a:ext uri="{FF2B5EF4-FFF2-40B4-BE49-F238E27FC236}">
-                <a16:creationId xmlns:a16="http://schemas.microsoft.com/office/drawing/2014/main" id="{E4A579AD-6947-4508-B337-F81F982B279B}"/>
+                <a16:creationId xmlns:a16="http://schemas.microsoft.com/office/drawing/2014/main" xmlns="" id="{E4A579AD-6947-4508-B337-F81F982B279B}"/>
               </a:ext>
             </a:extLst>
           </p:cNvPr>
@@ -921,7 +900,7 @@
           <p:cNvPr id="4" name="Text Placeholder 3">
             <a:extLst>
               <a:ext uri="{FF2B5EF4-FFF2-40B4-BE49-F238E27FC236}">
-                <a16:creationId xmlns:a16="http://schemas.microsoft.com/office/drawing/2014/main" id="{73917FDC-8507-40EB-904B-26CB767BDA24}"/>
+                <a16:creationId xmlns:a16="http://schemas.microsoft.com/office/drawing/2014/main" xmlns="" id="{73917FDC-8507-40EB-904B-26CB767BDA24}"/>
               </a:ext>
             </a:extLst>
           </p:cNvPr>
@@ -992,7 +971,7 @@
           <p:cNvPr id="5" name="Date Placeholder 4">
             <a:extLst>
               <a:ext uri="{FF2B5EF4-FFF2-40B4-BE49-F238E27FC236}">
-                <a16:creationId xmlns:a16="http://schemas.microsoft.com/office/drawing/2014/main" id="{4742E074-D0FA-4489-A028-2A306A6DD6A4}"/>
+                <a16:creationId xmlns:a16="http://schemas.microsoft.com/office/drawing/2014/main" xmlns="" id="{4742E074-D0FA-4489-A028-2A306A6DD6A4}"/>
               </a:ext>
             </a:extLst>
           </p:cNvPr>
@@ -1010,7 +989,7 @@
           <a:p>
             <a:fld id="{BD43FDEE-31B2-4A81-9764-6BBEE99A1C59}" type="datetimeFigureOut">
               <a:rPr lang="en-US" smtClean="0"/>
-              <a:t>1/27/2020</a:t>
+              <a:t>1/27/20</a:t>
             </a:fld>
             <a:endParaRPr lang="en-US"/>
           </a:p>
@@ -1021,7 +1000,7 @@
           <p:cNvPr id="6" name="Footer Placeholder 5">
             <a:extLst>
               <a:ext uri="{FF2B5EF4-FFF2-40B4-BE49-F238E27FC236}">
-                <a16:creationId xmlns:a16="http://schemas.microsoft.com/office/drawing/2014/main" id="{3A1C6B5C-BB7C-46A1-B23E-811385105DA1}"/>
+                <a16:creationId xmlns:a16="http://schemas.microsoft.com/office/drawing/2014/main" xmlns="" id="{3A1C6B5C-BB7C-46A1-B23E-811385105DA1}"/>
               </a:ext>
             </a:extLst>
           </p:cNvPr>
@@ -1046,7 +1025,7 @@
           <p:cNvPr id="7" name="Slide Number Placeholder 6">
             <a:extLst>
               <a:ext uri="{FF2B5EF4-FFF2-40B4-BE49-F238E27FC236}">
-                <a16:creationId xmlns:a16="http://schemas.microsoft.com/office/drawing/2014/main" id="{0876D839-EBBE-42B1-ADD8-50D4DB8187AC}"/>
+                <a16:creationId xmlns:a16="http://schemas.microsoft.com/office/drawing/2014/main" xmlns="" id="{0876D839-EBBE-42B1-ADD8-50D4DB8187AC}"/>
               </a:ext>
             </a:extLst>
           </p:cNvPr>
@@ -1105,7 +1084,7 @@
           <p:cNvPr id="2" name="Title 1">
             <a:extLst>
               <a:ext uri="{FF2B5EF4-FFF2-40B4-BE49-F238E27FC236}">
-                <a16:creationId xmlns:a16="http://schemas.microsoft.com/office/drawing/2014/main" id="{67F6E991-E69A-4C2F-A2DE-1AB8623D36D1}"/>
+                <a16:creationId xmlns:a16="http://schemas.microsoft.com/office/drawing/2014/main" xmlns="" id="{67F6E991-E69A-4C2F-A2DE-1AB8623D36D1}"/>
               </a:ext>
             </a:extLst>
           </p:cNvPr>
@@ -1133,7 +1112,7 @@
           <p:cNvPr id="3" name="Vertical Text Placeholder 2">
             <a:extLst>
               <a:ext uri="{FF2B5EF4-FFF2-40B4-BE49-F238E27FC236}">
-                <a16:creationId xmlns:a16="http://schemas.microsoft.com/office/drawing/2014/main" id="{A73032AB-CDFA-4E84-91DC-DE1DC9CE7619}"/>
+                <a16:creationId xmlns:a16="http://schemas.microsoft.com/office/drawing/2014/main" xmlns="" id="{A73032AB-CDFA-4E84-91DC-DE1DC9CE7619}"/>
               </a:ext>
             </a:extLst>
           </p:cNvPr>
@@ -1190,7 +1169,7 @@
           <p:cNvPr id="4" name="Date Placeholder 3">
             <a:extLst>
               <a:ext uri="{FF2B5EF4-FFF2-40B4-BE49-F238E27FC236}">
-                <a16:creationId xmlns:a16="http://schemas.microsoft.com/office/drawing/2014/main" id="{C9B8D805-7A06-4010-88E5-2CB6DF40B767}"/>
+                <a16:creationId xmlns:a16="http://schemas.microsoft.com/office/drawing/2014/main" xmlns="" id="{C9B8D805-7A06-4010-88E5-2CB6DF40B767}"/>
               </a:ext>
             </a:extLst>
           </p:cNvPr>
@@ -1208,7 +1187,7 @@
           <a:p>
             <a:fld id="{BD43FDEE-31B2-4A81-9764-6BBEE99A1C59}" type="datetimeFigureOut">
               <a:rPr lang="en-US" smtClean="0"/>
-              <a:t>1/27/2020</a:t>
+              <a:t>1/27/20</a:t>
             </a:fld>
             <a:endParaRPr lang="en-US"/>
           </a:p>
@@ -1219,7 +1198,7 @@
           <p:cNvPr id="5" name="Footer Placeholder 4">
             <a:extLst>
               <a:ext uri="{FF2B5EF4-FFF2-40B4-BE49-F238E27FC236}">
-                <a16:creationId xmlns:a16="http://schemas.microsoft.com/office/drawing/2014/main" id="{89A6C210-F250-4D5E-8614-4552E5E254BB}"/>
+                <a16:creationId xmlns:a16="http://schemas.microsoft.com/office/drawing/2014/main" xmlns="" id="{89A6C210-F250-4D5E-8614-4552E5E254BB}"/>
               </a:ext>
             </a:extLst>
           </p:cNvPr>
@@ -1244,7 +1223,7 @@
           <p:cNvPr id="6" name="Slide Number Placeholder 5">
             <a:extLst>
               <a:ext uri="{FF2B5EF4-FFF2-40B4-BE49-F238E27FC236}">
-                <a16:creationId xmlns:a16="http://schemas.microsoft.com/office/drawing/2014/main" id="{9D483B74-0BCB-4F7E-93E6-24BF665C4E8B}"/>
+                <a16:creationId xmlns:a16="http://schemas.microsoft.com/office/drawing/2014/main" xmlns="" id="{9D483B74-0BCB-4F7E-93E6-24BF665C4E8B}"/>
               </a:ext>
             </a:extLst>
           </p:cNvPr>
@@ -1303,7 +1282,7 @@
           <p:cNvPr id="2" name="Vertical Title 1">
             <a:extLst>
               <a:ext uri="{FF2B5EF4-FFF2-40B4-BE49-F238E27FC236}">
-                <a16:creationId xmlns:a16="http://schemas.microsoft.com/office/drawing/2014/main" id="{8BCD342C-9D4C-4751-AA48-3B04CA77ED25}"/>
+                <a16:creationId xmlns:a16="http://schemas.microsoft.com/office/drawing/2014/main" xmlns="" id="{8BCD342C-9D4C-4751-AA48-3B04CA77ED25}"/>
               </a:ext>
             </a:extLst>
           </p:cNvPr>
@@ -1336,7 +1315,7 @@
           <p:cNvPr id="3" name="Vertical Text Placeholder 2">
             <a:extLst>
               <a:ext uri="{FF2B5EF4-FFF2-40B4-BE49-F238E27FC236}">
-                <a16:creationId xmlns:a16="http://schemas.microsoft.com/office/drawing/2014/main" id="{F87F47EC-D66B-4968-807F-6FA2C53B38D4}"/>
+                <a16:creationId xmlns:a16="http://schemas.microsoft.com/office/drawing/2014/main" xmlns="" id="{F87F47EC-D66B-4968-807F-6FA2C53B38D4}"/>
               </a:ext>
             </a:extLst>
           </p:cNvPr>
@@ -1398,7 +1377,7 @@
           <p:cNvPr id="4" name="Date Placeholder 3">
             <a:extLst>
               <a:ext uri="{FF2B5EF4-FFF2-40B4-BE49-F238E27FC236}">
-                <a16:creationId xmlns:a16="http://schemas.microsoft.com/office/drawing/2014/main" id="{5DBBF0A7-CD6A-483F-A8F6-A4024CAEE766}"/>
+                <a16:creationId xmlns:a16="http://schemas.microsoft.com/office/drawing/2014/main" xmlns="" id="{5DBBF0A7-CD6A-483F-A8F6-A4024CAEE766}"/>
               </a:ext>
             </a:extLst>
           </p:cNvPr>
@@ -1416,7 +1395,7 @@
           <a:p>
             <a:fld id="{BD43FDEE-31B2-4A81-9764-6BBEE99A1C59}" type="datetimeFigureOut">
               <a:rPr lang="en-US" smtClean="0"/>
-              <a:t>1/27/2020</a:t>
+              <a:t>1/27/20</a:t>
             </a:fld>
             <a:endParaRPr lang="en-US"/>
           </a:p>
@@ -1427,7 +1406,7 @@
           <p:cNvPr id="5" name="Footer Placeholder 4">
             <a:extLst>
               <a:ext uri="{FF2B5EF4-FFF2-40B4-BE49-F238E27FC236}">
-                <a16:creationId xmlns:a16="http://schemas.microsoft.com/office/drawing/2014/main" id="{EC164D3A-B555-472B-9376-3610B37F873F}"/>
+                <a16:creationId xmlns:a16="http://schemas.microsoft.com/office/drawing/2014/main" xmlns="" id="{EC164D3A-B555-472B-9376-3610B37F873F}"/>
               </a:ext>
             </a:extLst>
           </p:cNvPr>
@@ -1452,7 +1431,7 @@
           <p:cNvPr id="6" name="Slide Number Placeholder 5">
             <a:extLst>
               <a:ext uri="{FF2B5EF4-FFF2-40B4-BE49-F238E27FC236}">
-                <a16:creationId xmlns:a16="http://schemas.microsoft.com/office/drawing/2014/main" id="{D48FECC8-9A57-42B2-B13D-F5995FFD8819}"/>
+                <a16:creationId xmlns:a16="http://schemas.microsoft.com/office/drawing/2014/main" xmlns="" id="{D48FECC8-9A57-42B2-B13D-F5995FFD8819}"/>
               </a:ext>
             </a:extLst>
           </p:cNvPr>
@@ -1511,7 +1490,7 @@
           <p:cNvPr id="2" name="Title 1">
             <a:extLst>
               <a:ext uri="{FF2B5EF4-FFF2-40B4-BE49-F238E27FC236}">
-                <a16:creationId xmlns:a16="http://schemas.microsoft.com/office/drawing/2014/main" id="{62EAA4B1-176E-48FF-B628-6B591A0F28EF}"/>
+                <a16:creationId xmlns:a16="http://schemas.microsoft.com/office/drawing/2014/main" xmlns="" id="{62EAA4B1-176E-48FF-B628-6B591A0F28EF}"/>
               </a:ext>
             </a:extLst>
           </p:cNvPr>
@@ -1548,7 +1527,7 @@
           <p:cNvPr id="3" name="Subtitle 2">
             <a:extLst>
               <a:ext uri="{FF2B5EF4-FFF2-40B4-BE49-F238E27FC236}">
-                <a16:creationId xmlns:a16="http://schemas.microsoft.com/office/drawing/2014/main" id="{E291D827-73CB-467B-B19C-B9ACC9F71917}"/>
+                <a16:creationId xmlns:a16="http://schemas.microsoft.com/office/drawing/2014/main" xmlns="" id="{E291D827-73CB-467B-B19C-B9ACC9F71917}"/>
               </a:ext>
             </a:extLst>
           </p:cNvPr>
@@ -1618,7 +1597,7 @@
           <p:cNvPr id="4" name="Date Placeholder 3">
             <a:extLst>
               <a:ext uri="{FF2B5EF4-FFF2-40B4-BE49-F238E27FC236}">
-                <a16:creationId xmlns:a16="http://schemas.microsoft.com/office/drawing/2014/main" id="{239EE301-9C3D-4633-999F-EA38382898A5}"/>
+                <a16:creationId xmlns:a16="http://schemas.microsoft.com/office/drawing/2014/main" xmlns="" id="{239EE301-9C3D-4633-999F-EA38382898A5}"/>
               </a:ext>
             </a:extLst>
           </p:cNvPr>
@@ -1636,7 +1615,7 @@
           <a:p>
             <a:fld id="{F1DB05E7-376B-42E9-BFB9-A2253E2039EB}" type="datetimeFigureOut">
               <a:rPr lang="en-US" smtClean="0"/>
-              <a:t>1/27/2020</a:t>
+              <a:t>1/27/20</a:t>
             </a:fld>
             <a:endParaRPr lang="en-US"/>
           </a:p>
@@ -1647,7 +1626,7 @@
           <p:cNvPr id="5" name="Footer Placeholder 4">
             <a:extLst>
               <a:ext uri="{FF2B5EF4-FFF2-40B4-BE49-F238E27FC236}">
-                <a16:creationId xmlns:a16="http://schemas.microsoft.com/office/drawing/2014/main" id="{BF9EED86-1C8C-4811-BDED-2A534000B5EB}"/>
+                <a16:creationId xmlns:a16="http://schemas.microsoft.com/office/drawing/2014/main" xmlns="" id="{BF9EED86-1C8C-4811-BDED-2A534000B5EB}"/>
               </a:ext>
             </a:extLst>
           </p:cNvPr>
@@ -1672,7 +1651,7 @@
           <p:cNvPr id="6" name="Slide Number Placeholder 5">
             <a:extLst>
               <a:ext uri="{FF2B5EF4-FFF2-40B4-BE49-F238E27FC236}">
-                <a16:creationId xmlns:a16="http://schemas.microsoft.com/office/drawing/2014/main" id="{C2C863B0-A980-4C69-9412-A65F41219032}"/>
+                <a16:creationId xmlns:a16="http://schemas.microsoft.com/office/drawing/2014/main" xmlns="" id="{C2C863B0-A980-4C69-9412-A65F41219032}"/>
               </a:ext>
             </a:extLst>
           </p:cNvPr>
@@ -1731,7 +1710,7 @@
           <p:cNvPr id="2" name="Title 1">
             <a:extLst>
               <a:ext uri="{FF2B5EF4-FFF2-40B4-BE49-F238E27FC236}">
-                <a16:creationId xmlns:a16="http://schemas.microsoft.com/office/drawing/2014/main" id="{EF01AB10-7FA3-4503-8DBF-1DBBD987DDC3}"/>
+                <a16:creationId xmlns:a16="http://schemas.microsoft.com/office/drawing/2014/main" xmlns="" id="{EF01AB10-7FA3-4503-8DBF-1DBBD987DDC3}"/>
               </a:ext>
             </a:extLst>
           </p:cNvPr>
@@ -1759,7 +1738,7 @@
           <p:cNvPr id="3" name="Content Placeholder 2">
             <a:extLst>
               <a:ext uri="{FF2B5EF4-FFF2-40B4-BE49-F238E27FC236}">
-                <a16:creationId xmlns:a16="http://schemas.microsoft.com/office/drawing/2014/main" id="{2878EB3F-BC9C-4CB3-BBD1-8F35F93FCA76}"/>
+                <a16:creationId xmlns:a16="http://schemas.microsoft.com/office/drawing/2014/main" xmlns="" id="{2878EB3F-BC9C-4CB3-BBD1-8F35F93FCA76}"/>
               </a:ext>
             </a:extLst>
           </p:cNvPr>
@@ -1816,7 +1795,7 @@
           <p:cNvPr id="4" name="Date Placeholder 3">
             <a:extLst>
               <a:ext uri="{FF2B5EF4-FFF2-40B4-BE49-F238E27FC236}">
-                <a16:creationId xmlns:a16="http://schemas.microsoft.com/office/drawing/2014/main" id="{B491FE0B-89BA-4C65-BAD4-893E4CF8F3C0}"/>
+                <a16:creationId xmlns:a16="http://schemas.microsoft.com/office/drawing/2014/main" xmlns="" id="{B491FE0B-89BA-4C65-BAD4-893E4CF8F3C0}"/>
               </a:ext>
             </a:extLst>
           </p:cNvPr>
@@ -1834,7 +1813,7 @@
           <a:p>
             <a:fld id="{F1DB05E7-376B-42E9-BFB9-A2253E2039EB}" type="datetimeFigureOut">
               <a:rPr lang="en-US" smtClean="0"/>
-              <a:t>1/27/2020</a:t>
+              <a:t>1/27/20</a:t>
             </a:fld>
             <a:endParaRPr lang="en-US"/>
           </a:p>
@@ -1845,7 +1824,7 @@
           <p:cNvPr id="5" name="Footer Placeholder 4">
             <a:extLst>
               <a:ext uri="{FF2B5EF4-FFF2-40B4-BE49-F238E27FC236}">
-                <a16:creationId xmlns:a16="http://schemas.microsoft.com/office/drawing/2014/main" id="{4D4509CC-D797-42C5-B117-606DE2BD3C97}"/>
+                <a16:creationId xmlns:a16="http://schemas.microsoft.com/office/drawing/2014/main" xmlns="" id="{4D4509CC-D797-42C5-B117-606DE2BD3C97}"/>
               </a:ext>
             </a:extLst>
           </p:cNvPr>
@@ -1870,7 +1849,7 @@
           <p:cNvPr id="6" name="Slide Number Placeholder 5">
             <a:extLst>
               <a:ext uri="{FF2B5EF4-FFF2-40B4-BE49-F238E27FC236}">
-                <a16:creationId xmlns:a16="http://schemas.microsoft.com/office/drawing/2014/main" id="{5EC8E99D-8351-46EB-BB50-58441E214437}"/>
+                <a16:creationId xmlns:a16="http://schemas.microsoft.com/office/drawing/2014/main" xmlns="" id="{5EC8E99D-8351-46EB-BB50-58441E214437}"/>
               </a:ext>
             </a:extLst>
           </p:cNvPr>
@@ -1929,7 +1908,7 @@
           <p:cNvPr id="2" name="Title 1">
             <a:extLst>
               <a:ext uri="{FF2B5EF4-FFF2-40B4-BE49-F238E27FC236}">
-                <a16:creationId xmlns:a16="http://schemas.microsoft.com/office/drawing/2014/main" id="{E38545E2-B05B-417F-A808-39B23536D0A8}"/>
+                <a16:creationId xmlns:a16="http://schemas.microsoft.com/office/drawing/2014/main" xmlns="" id="{E38545E2-B05B-417F-A808-39B23536D0A8}"/>
               </a:ext>
             </a:extLst>
           </p:cNvPr>
@@ -1966,7 +1945,7 @@
           <p:cNvPr id="3" name="Text Placeholder 2">
             <a:extLst>
               <a:ext uri="{FF2B5EF4-FFF2-40B4-BE49-F238E27FC236}">
-                <a16:creationId xmlns:a16="http://schemas.microsoft.com/office/drawing/2014/main" id="{CD8B6301-CE95-481A-8E07-6D136FD07F8A}"/>
+                <a16:creationId xmlns:a16="http://schemas.microsoft.com/office/drawing/2014/main" xmlns="" id="{CD8B6301-CE95-481A-8E07-6D136FD07F8A}"/>
               </a:ext>
             </a:extLst>
           </p:cNvPr>
@@ -2091,7 +2070,7 @@
           <p:cNvPr id="4" name="Date Placeholder 3">
             <a:extLst>
               <a:ext uri="{FF2B5EF4-FFF2-40B4-BE49-F238E27FC236}">
-                <a16:creationId xmlns:a16="http://schemas.microsoft.com/office/drawing/2014/main" id="{B2E904A7-C088-4DA7-8A0C-08AE432B9655}"/>
+                <a16:creationId xmlns:a16="http://schemas.microsoft.com/office/drawing/2014/main" xmlns="" id="{B2E904A7-C088-4DA7-8A0C-08AE432B9655}"/>
               </a:ext>
             </a:extLst>
           </p:cNvPr>
@@ -2109,7 +2088,7 @@
           <a:p>
             <a:fld id="{F1DB05E7-376B-42E9-BFB9-A2253E2039EB}" type="datetimeFigureOut">
               <a:rPr lang="en-US" smtClean="0"/>
-              <a:t>1/27/2020</a:t>
+              <a:t>1/27/20</a:t>
             </a:fld>
             <a:endParaRPr lang="en-US"/>
           </a:p>
@@ -2120,7 +2099,7 @@
           <p:cNvPr id="5" name="Footer Placeholder 4">
             <a:extLst>
               <a:ext uri="{FF2B5EF4-FFF2-40B4-BE49-F238E27FC236}">
-                <a16:creationId xmlns:a16="http://schemas.microsoft.com/office/drawing/2014/main" id="{EB9FC91C-1512-41F2-ABA7-00C1D6A4FCBE}"/>
+                <a16:creationId xmlns:a16="http://schemas.microsoft.com/office/drawing/2014/main" xmlns="" id="{EB9FC91C-1512-41F2-ABA7-00C1D6A4FCBE}"/>
               </a:ext>
             </a:extLst>
           </p:cNvPr>
@@ -2145,7 +2124,7 @@
           <p:cNvPr id="6" name="Slide Number Placeholder 5">
             <a:extLst>
               <a:ext uri="{FF2B5EF4-FFF2-40B4-BE49-F238E27FC236}">
-                <a16:creationId xmlns:a16="http://schemas.microsoft.com/office/drawing/2014/main" id="{D4C96D90-74B5-467C-83E1-AD10429F60CF}"/>
+                <a16:creationId xmlns:a16="http://schemas.microsoft.com/office/drawing/2014/main" xmlns="" id="{D4C96D90-74B5-467C-83E1-AD10429F60CF}"/>
               </a:ext>
             </a:extLst>
           </p:cNvPr>
@@ -2204,7 +2183,7 @@
           <p:cNvPr id="2" name="Title 1">
             <a:extLst>
               <a:ext uri="{FF2B5EF4-FFF2-40B4-BE49-F238E27FC236}">
-                <a16:creationId xmlns:a16="http://schemas.microsoft.com/office/drawing/2014/main" id="{8E7BDE40-4BCA-4C56-93FF-F8764A08C034}"/>
+                <a16:creationId xmlns:a16="http://schemas.microsoft.com/office/drawing/2014/main" xmlns="" id="{8E7BDE40-4BCA-4C56-93FF-F8764A08C034}"/>
               </a:ext>
             </a:extLst>
           </p:cNvPr>
@@ -2232,7 +2211,7 @@
           <p:cNvPr id="3" name="Content Placeholder 2">
             <a:extLst>
               <a:ext uri="{FF2B5EF4-FFF2-40B4-BE49-F238E27FC236}">
-                <a16:creationId xmlns:a16="http://schemas.microsoft.com/office/drawing/2014/main" id="{0529D98C-6468-4128-B47F-A8D94FCEE6DB}"/>
+                <a16:creationId xmlns:a16="http://schemas.microsoft.com/office/drawing/2014/main" xmlns="" id="{0529D98C-6468-4128-B47F-A8D94FCEE6DB}"/>
               </a:ext>
             </a:extLst>
           </p:cNvPr>
@@ -2294,7 +2273,7 @@
           <p:cNvPr id="4" name="Content Placeholder 3">
             <a:extLst>
               <a:ext uri="{FF2B5EF4-FFF2-40B4-BE49-F238E27FC236}">
-                <a16:creationId xmlns:a16="http://schemas.microsoft.com/office/drawing/2014/main" id="{4CBEEB5D-817C-45C5-B6D7-BC06D459228A}"/>
+                <a16:creationId xmlns:a16="http://schemas.microsoft.com/office/drawing/2014/main" xmlns="" id="{4CBEEB5D-817C-45C5-B6D7-BC06D459228A}"/>
               </a:ext>
             </a:extLst>
           </p:cNvPr>
@@ -2356,7 +2335,7 @@
           <p:cNvPr id="5" name="Date Placeholder 4">
             <a:extLst>
               <a:ext uri="{FF2B5EF4-FFF2-40B4-BE49-F238E27FC236}">
-                <a16:creationId xmlns:a16="http://schemas.microsoft.com/office/drawing/2014/main" id="{59CAFE06-E0F6-433B-B431-DB140A8FA4A3}"/>
+                <a16:creationId xmlns:a16="http://schemas.microsoft.com/office/drawing/2014/main" xmlns="" id="{59CAFE06-E0F6-433B-B431-DB140A8FA4A3}"/>
               </a:ext>
             </a:extLst>
           </p:cNvPr>
@@ -2374,7 +2353,7 @@
           <a:p>
             <a:fld id="{F1DB05E7-376B-42E9-BFB9-A2253E2039EB}" type="datetimeFigureOut">
               <a:rPr lang="en-US" smtClean="0"/>
-              <a:t>1/27/2020</a:t>
+              <a:t>1/27/20</a:t>
             </a:fld>
             <a:endParaRPr lang="en-US"/>
           </a:p>
@@ -2385,7 +2364,7 @@
           <p:cNvPr id="6" name="Footer Placeholder 5">
             <a:extLst>
               <a:ext uri="{FF2B5EF4-FFF2-40B4-BE49-F238E27FC236}">
-                <a16:creationId xmlns:a16="http://schemas.microsoft.com/office/drawing/2014/main" id="{6619226A-A3B3-4461-8A66-B33065D90C4B}"/>
+                <a16:creationId xmlns:a16="http://schemas.microsoft.com/office/drawing/2014/main" xmlns="" id="{6619226A-A3B3-4461-8A66-B33065D90C4B}"/>
               </a:ext>
             </a:extLst>
           </p:cNvPr>
@@ -2410,7 +2389,7 @@
           <p:cNvPr id="7" name="Slide Number Placeholder 6">
             <a:extLst>
               <a:ext uri="{FF2B5EF4-FFF2-40B4-BE49-F238E27FC236}">
-                <a16:creationId xmlns:a16="http://schemas.microsoft.com/office/drawing/2014/main" id="{0D507117-1063-44AD-BD8B-B27F964139D6}"/>
+                <a16:creationId xmlns:a16="http://schemas.microsoft.com/office/drawing/2014/main" xmlns="" id="{0D507117-1063-44AD-BD8B-B27F964139D6}"/>
               </a:ext>
             </a:extLst>
           </p:cNvPr>
@@ -2469,7 +2448,7 @@
           <p:cNvPr id="2" name="Title 1">
             <a:extLst>
               <a:ext uri="{FF2B5EF4-FFF2-40B4-BE49-F238E27FC236}">
-                <a16:creationId xmlns:a16="http://schemas.microsoft.com/office/drawing/2014/main" id="{AB17CEB9-76FD-4489-A547-D148A97CD09C}"/>
+                <a16:creationId xmlns:a16="http://schemas.microsoft.com/office/drawing/2014/main" xmlns="" id="{AB17CEB9-76FD-4489-A547-D148A97CD09C}"/>
               </a:ext>
             </a:extLst>
           </p:cNvPr>
@@ -2502,7 +2481,7 @@
           <p:cNvPr id="3" name="Text Placeholder 2">
             <a:extLst>
               <a:ext uri="{FF2B5EF4-FFF2-40B4-BE49-F238E27FC236}">
-                <a16:creationId xmlns:a16="http://schemas.microsoft.com/office/drawing/2014/main" id="{7F0821FA-BDBB-44CE-925E-6F98DAAAF7B2}"/>
+                <a16:creationId xmlns:a16="http://schemas.microsoft.com/office/drawing/2014/main" xmlns="" id="{7F0821FA-BDBB-44CE-925E-6F98DAAAF7B2}"/>
               </a:ext>
             </a:extLst>
           </p:cNvPr>
@@ -2573,7 +2552,7 @@
           <p:cNvPr id="4" name="Content Placeholder 3">
             <a:extLst>
               <a:ext uri="{FF2B5EF4-FFF2-40B4-BE49-F238E27FC236}">
-                <a16:creationId xmlns:a16="http://schemas.microsoft.com/office/drawing/2014/main" id="{94A987B2-92A3-49EA-B1F2-FAE564DF321B}"/>
+                <a16:creationId xmlns:a16="http://schemas.microsoft.com/office/drawing/2014/main" xmlns="" id="{94A987B2-92A3-49EA-B1F2-FAE564DF321B}"/>
               </a:ext>
             </a:extLst>
           </p:cNvPr>
@@ -2635,7 +2614,7 @@
           <p:cNvPr id="5" name="Text Placeholder 4">
             <a:extLst>
               <a:ext uri="{FF2B5EF4-FFF2-40B4-BE49-F238E27FC236}">
-                <a16:creationId xmlns:a16="http://schemas.microsoft.com/office/drawing/2014/main" id="{029275FB-9B9D-43F6-9B2D-9DEFE7C72D99}"/>
+                <a16:creationId xmlns:a16="http://schemas.microsoft.com/office/drawing/2014/main" xmlns="" id="{029275FB-9B9D-43F6-9B2D-9DEFE7C72D99}"/>
               </a:ext>
             </a:extLst>
           </p:cNvPr>
@@ -2706,7 +2685,7 @@
           <p:cNvPr id="6" name="Content Placeholder 5">
             <a:extLst>
               <a:ext uri="{FF2B5EF4-FFF2-40B4-BE49-F238E27FC236}">
-                <a16:creationId xmlns:a16="http://schemas.microsoft.com/office/drawing/2014/main" id="{880EAD8C-7AC9-4618-80AF-C45AB356773D}"/>
+                <a16:creationId xmlns:a16="http://schemas.microsoft.com/office/drawing/2014/main" xmlns="" id="{880EAD8C-7AC9-4618-80AF-C45AB356773D}"/>
               </a:ext>
             </a:extLst>
           </p:cNvPr>
@@ -2768,7 +2747,7 @@
           <p:cNvPr id="7" name="Date Placeholder 6">
             <a:extLst>
               <a:ext uri="{FF2B5EF4-FFF2-40B4-BE49-F238E27FC236}">
-                <a16:creationId xmlns:a16="http://schemas.microsoft.com/office/drawing/2014/main" id="{703315E4-EE7E-48CE-9952-4BE6A8C50260}"/>
+                <a16:creationId xmlns:a16="http://schemas.microsoft.com/office/drawing/2014/main" xmlns="" id="{703315E4-EE7E-48CE-9952-4BE6A8C50260}"/>
               </a:ext>
             </a:extLst>
           </p:cNvPr>
@@ -2786,7 +2765,7 @@
           <a:p>
             <a:fld id="{F1DB05E7-376B-42E9-BFB9-A2253E2039EB}" type="datetimeFigureOut">
               <a:rPr lang="en-US" smtClean="0"/>
-              <a:t>1/27/2020</a:t>
+              <a:t>1/27/20</a:t>
             </a:fld>
             <a:endParaRPr lang="en-US"/>
           </a:p>
@@ -2797,7 +2776,7 @@
           <p:cNvPr id="8" name="Footer Placeholder 7">
             <a:extLst>
               <a:ext uri="{FF2B5EF4-FFF2-40B4-BE49-F238E27FC236}">
-                <a16:creationId xmlns:a16="http://schemas.microsoft.com/office/drawing/2014/main" id="{E81804EE-6320-4D09-AA4E-17A5D5EC800E}"/>
+                <a16:creationId xmlns:a16="http://schemas.microsoft.com/office/drawing/2014/main" xmlns="" id="{E81804EE-6320-4D09-AA4E-17A5D5EC800E}"/>
               </a:ext>
             </a:extLst>
           </p:cNvPr>
@@ -2822,7 +2801,7 @@
           <p:cNvPr id="9" name="Slide Number Placeholder 8">
             <a:extLst>
               <a:ext uri="{FF2B5EF4-FFF2-40B4-BE49-F238E27FC236}">
-                <a16:creationId xmlns:a16="http://schemas.microsoft.com/office/drawing/2014/main" id="{B73D3369-B232-4B10-9152-AE9E72299889}"/>
+                <a16:creationId xmlns:a16="http://schemas.microsoft.com/office/drawing/2014/main" xmlns="" id="{B73D3369-B232-4B10-9152-AE9E72299889}"/>
               </a:ext>
             </a:extLst>
           </p:cNvPr>
@@ -2881,7 +2860,7 @@
           <p:cNvPr id="6" name="Slide Number Placeholder 5">
             <a:extLst>
               <a:ext uri="{FF2B5EF4-FFF2-40B4-BE49-F238E27FC236}">
-                <a16:creationId xmlns:a16="http://schemas.microsoft.com/office/drawing/2014/main" id="{07D21F40-B884-4EB9-990B-7ACFD96EAC60}"/>
+                <a16:creationId xmlns:a16="http://schemas.microsoft.com/office/drawing/2014/main" xmlns="" id="{07D21F40-B884-4EB9-990B-7ACFD96EAC60}"/>
               </a:ext>
             </a:extLst>
           </p:cNvPr>
@@ -2910,68 +2889,12 @@
           </a:p>
         </p:txBody>
       </p:sp>
-      <p:sp>
-        <p:nvSpPr>
-          <p:cNvPr id="7" name="Title 1">
-            <a:extLst>
-              <a:ext uri="{FF2B5EF4-FFF2-40B4-BE49-F238E27FC236}">
-                <a16:creationId xmlns:a16="http://schemas.microsoft.com/office/drawing/2014/main" id="{03B777CA-3AD4-4055-A6F3-D229173E3BA8}"/>
-              </a:ext>
-            </a:extLst>
-          </p:cNvPr>
-          <p:cNvSpPr txBox="1">
-            <a:spLocks/>
-          </p:cNvSpPr>
-          <p:nvPr userDrawn="1"/>
-        </p:nvSpPr>
-        <p:spPr>
-          <a:xfrm>
-            <a:off x="2743738" y="401358"/>
-            <a:ext cx="6793424" cy="647949"/>
-          </a:xfrm>
-          <a:prstGeom prst="rect">
-            <a:avLst/>
-          </a:prstGeom>
-        </p:spPr>
-        <p:txBody>
-          <a:bodyPr vert="horz" lIns="91440" tIns="45720" rIns="91440" bIns="45720" rtlCol="0" anchor="ctr">
-            <a:noAutofit/>
-          </a:bodyPr>
-          <a:lstStyle>
-            <a:lvl1pPr algn="l" defTabSz="914400" rtl="0" eaLnBrk="1" latinLnBrk="0" hangingPunct="1">
-              <a:lnSpc>
-                <a:spcPct val="90000"/>
-              </a:lnSpc>
-              <a:spcBef>
-                <a:spcPct val="0"/>
-              </a:spcBef>
-              <a:buNone/>
-              <a:defRPr sz="4400" kern="1200">
-                <a:solidFill>
-                  <a:schemeClr val="tx1"/>
-                </a:solidFill>
-                <a:latin typeface="+mj-lt"/>
-                <a:ea typeface="+mj-ea"/>
-                <a:cs typeface="+mj-cs"/>
-              </a:defRPr>
-            </a:lvl1pPr>
-          </a:lstStyle>
-          <a:p>
-            <a:pPr algn="ctr"/>
-            <a:endParaRPr lang="en-US" sz="5400" b="1" dirty="0">
-              <a:latin typeface="Karla" panose="020F0502020204030204" pitchFamily="2" charset="0"/>
-              <a:ea typeface="Futura" panose="02020800000000000000" pitchFamily="18" charset="0"/>
-              <a:cs typeface="Futura" panose="02020800000000000000" pitchFamily="18" charset="0"/>
-            </a:endParaRPr>
-          </a:p>
-        </p:txBody>
-      </p:sp>
       <p:pic>
         <p:nvPicPr>
           <p:cNvPr id="8" name="Picture 7">
             <a:extLst>
               <a:ext uri="{FF2B5EF4-FFF2-40B4-BE49-F238E27FC236}">
-                <a16:creationId xmlns:a16="http://schemas.microsoft.com/office/drawing/2014/main" id="{6A0BBE32-C829-4534-92AA-0A9402AC06A8}"/>
+                <a16:creationId xmlns:a16="http://schemas.microsoft.com/office/drawing/2014/main" xmlns="" id="{6A0BBE32-C829-4534-92AA-0A9402AC06A8}"/>
               </a:ext>
             </a:extLst>
           </p:cNvPr>
@@ -3013,7 +2936,7 @@
           <p:cNvPr id="10" name="Straight Connector 9">
             <a:extLst>
               <a:ext uri="{FF2B5EF4-FFF2-40B4-BE49-F238E27FC236}">
-                <a16:creationId xmlns:a16="http://schemas.microsoft.com/office/drawing/2014/main" id="{2BB05C14-85FE-410B-8AD5-1D038FDD03F1}"/>
+                <a16:creationId xmlns:a16="http://schemas.microsoft.com/office/drawing/2014/main" xmlns="" id="{2BB05C14-85FE-410B-8AD5-1D038FDD03F1}"/>
               </a:ext>
             </a:extLst>
           </p:cNvPr>
@@ -3024,7 +2947,7 @@
         </p:nvCxnSpPr>
         <p:spPr>
           <a:xfrm>
-            <a:off x="3930650" y="1199286"/>
+            <a:off x="3930650" y="987254"/>
             <a:ext cx="4419600" cy="0"/>
           </a:xfrm>
           <a:prstGeom prst="line">
@@ -3058,7 +2981,7 @@
           <p:cNvPr id="11" name="Group 10">
             <a:extLst>
               <a:ext uri="{FF2B5EF4-FFF2-40B4-BE49-F238E27FC236}">
-                <a16:creationId xmlns:a16="http://schemas.microsoft.com/office/drawing/2014/main" id="{A3D46243-E60C-4C42-8F85-FC3B9343AFAF}"/>
+                <a16:creationId xmlns:a16="http://schemas.microsoft.com/office/drawing/2014/main" xmlns="" id="{A3D46243-E60C-4C42-8F85-FC3B9343AFAF}"/>
               </a:ext>
             </a:extLst>
           </p:cNvPr>
@@ -3078,7 +3001,7 @@
             <p:cNvPr id="12" name="Rectangle 11">
               <a:extLst>
                 <a:ext uri="{FF2B5EF4-FFF2-40B4-BE49-F238E27FC236}">
-                  <a16:creationId xmlns:a16="http://schemas.microsoft.com/office/drawing/2014/main" id="{329F7269-A063-44EA-B098-36C03E952B4A}"/>
+                  <a16:creationId xmlns:a16="http://schemas.microsoft.com/office/drawing/2014/main" xmlns="" id="{329F7269-A063-44EA-B098-36C03E952B4A}"/>
                 </a:ext>
               </a:extLst>
             </p:cNvPr>
@@ -3132,7 +3055,7 @@
             <p:cNvPr id="13" name="Subtitle 2">
               <a:extLst>
                 <a:ext uri="{FF2B5EF4-FFF2-40B4-BE49-F238E27FC236}">
-                  <a16:creationId xmlns:a16="http://schemas.microsoft.com/office/drawing/2014/main" id="{FC20886B-EE56-477E-B213-33D73F60992C}"/>
+                  <a16:creationId xmlns:a16="http://schemas.microsoft.com/office/drawing/2014/main" xmlns="" id="{FC20886B-EE56-477E-B213-33D73F60992C}"/>
                 </a:ext>
               </a:extLst>
             </p:cNvPr>
@@ -3342,7 +3265,7 @@
             <p:cNvPr id="14" name="Rectangle 13">
               <a:extLst>
                 <a:ext uri="{FF2B5EF4-FFF2-40B4-BE49-F238E27FC236}">
-                  <a16:creationId xmlns:a16="http://schemas.microsoft.com/office/drawing/2014/main" id="{41B169CF-1DA2-49FF-A171-CA3011076EC0}"/>
+                  <a16:creationId xmlns:a16="http://schemas.microsoft.com/office/drawing/2014/main" xmlns="" id="{41B169CF-1DA2-49FF-A171-CA3011076EC0}"/>
                 </a:ext>
               </a:extLst>
             </p:cNvPr>
@@ -3540,7 +3463,7 @@
               </a:solidFill>
               <a:extLst>
                 <a:ext uri="{C807C97D-BFC1-408E-A445-0C87EB9F89A2}">
-                  <ask:lineSketchStyleProps xmlns:ask="http://schemas.microsoft.com/office/drawing/2018/sketchyshapes" sd="1219033472">
+                  <ask:lineSketchStyleProps xmlns:ask="http://schemas.microsoft.com/office/drawing/2018/sketchyshapes" xmlns="" sd="1219033472">
                     <a:prstGeom prst="rect">
                       <a:avLst/>
                     </a:prstGeom>
@@ -3620,7 +3543,7 @@
           <p:cNvPr id="18" name="Text Placeholder 17">
             <a:extLst>
               <a:ext uri="{FF2B5EF4-FFF2-40B4-BE49-F238E27FC236}">
-                <a16:creationId xmlns:a16="http://schemas.microsoft.com/office/drawing/2014/main" id="{34EE5573-A9CB-4BD1-BEAD-BE9DA2AD4B65}"/>
+                <a16:creationId xmlns:a16="http://schemas.microsoft.com/office/drawing/2014/main" xmlns="" id="{34EE5573-A9CB-4BD1-BEAD-BE9DA2AD4B65}"/>
               </a:ext>
             </a:extLst>
           </p:cNvPr>
@@ -3633,8 +3556,8 @@
         </p:nvSpPr>
         <p:spPr>
           <a:xfrm>
-            <a:off x="2743200" y="1821236"/>
-            <a:ext cx="6794500" cy="647700"/>
+            <a:off x="2743200" y="1821235"/>
+            <a:ext cx="6794500" cy="4049477"/>
           </a:xfrm>
         </p:spPr>
         <p:txBody>
@@ -3674,15 +3597,19 @@
           <a:p>
             <a:pPr lvl="0"/>
             <a:r>
+              <a:rPr lang="en-US" dirty="0" smtClean="0"/>
+              <a:t>Master text styles</a:t>
+            </a:r>
+          </a:p>
+          <a:p>
+            <a:pPr lvl="0"/>
+            <a:r>
+              <a:rPr lang="en-US" dirty="0" smtClean="0"/>
+              <a:t>Second </a:t>
+            </a:r>
+            <a:r>
               <a:rPr lang="en-US" dirty="0"/>
-              <a:t>Master text styles</a:t>
-            </a:r>
-          </a:p>
-          <a:p>
-            <a:pPr lvl="0"/>
-            <a:r>
-              <a:rPr lang="en-US" dirty="0"/>
-              <a:t>Second level</a:t>
+              <a:t>level</a:t>
             </a:r>
           </a:p>
           <a:p>
@@ -3710,10 +3637,10 @@
       </p:sp>
       <p:sp>
         <p:nvSpPr>
-          <p:cNvPr id="20" name="Text Placeholder 17">
-            <a:extLst>
-              <a:ext uri="{FF2B5EF4-FFF2-40B4-BE49-F238E27FC236}">
-                <a16:creationId xmlns:a16="http://schemas.microsoft.com/office/drawing/2014/main" id="{D405074A-E0C4-4294-A5E4-68039E1DF60D}"/>
+          <p:cNvPr id="15" name="Text Placeholder 17">
+            <a:extLst>
+              <a:ext uri="{FF2B5EF4-FFF2-40B4-BE49-F238E27FC236}">
+                <a16:creationId xmlns:a16="http://schemas.microsoft.com/office/drawing/2014/main" xmlns="" id="{34EE5573-A9CB-4BD1-BEAD-BE9DA2AD4B65}"/>
               </a:ext>
             </a:extLst>
           </p:cNvPr>
@@ -3721,13 +3648,13 @@
             <a:spLocks noGrp="1"/>
           </p:cNvSpPr>
           <p:nvPr>
-            <p:ph type="body" sz="quarter" idx="15" hasCustomPrompt="1"/>
+            <p:ph type="body" sz="quarter" idx="14" hasCustomPrompt="1"/>
           </p:nvPr>
         </p:nvSpPr>
         <p:spPr>
           <a:xfrm>
-            <a:off x="2743200" y="401607"/>
-            <a:ext cx="6794500" cy="647700"/>
+            <a:off x="2517913" y="174690"/>
+            <a:ext cx="7172187" cy="644999"/>
           </a:xfrm>
         </p:spPr>
         <p:txBody>
@@ -3737,7 +3664,7 @@
           <a:lstStyle>
             <a:lvl1pPr marL="0" indent="0" algn="ctr">
               <a:buNone/>
-              <a:defRPr sz="3600" b="1">
+              <a:defRPr sz="3800" b="1">
                 <a:latin typeface="Karla" pitchFamily="2" charset="0"/>
               </a:defRPr>
             </a:lvl1pPr>
@@ -3769,8 +3696,8 @@
           <a:p>
             <a:pPr lvl="0"/>
             <a:r>
-              <a:rPr lang="en-US" dirty="0"/>
-              <a:t>Title</a:t>
+              <a:rPr lang="en-US" dirty="0" smtClean="0"/>
+              <a:t>Slide Title</a:t>
             </a:r>
           </a:p>
         </p:txBody>
@@ -3810,7 +3737,7 @@
           <p:cNvPr id="2" name="Title 1">
             <a:extLst>
               <a:ext uri="{FF2B5EF4-FFF2-40B4-BE49-F238E27FC236}">
-                <a16:creationId xmlns:a16="http://schemas.microsoft.com/office/drawing/2014/main" id="{534ECC1D-978C-4656-926C-7005F7C24A6C}"/>
+                <a16:creationId xmlns:a16="http://schemas.microsoft.com/office/drawing/2014/main" xmlns="" id="{534ECC1D-978C-4656-926C-7005F7C24A6C}"/>
               </a:ext>
             </a:extLst>
           </p:cNvPr>
@@ -3838,7 +3765,7 @@
           <p:cNvPr id="3" name="Date Placeholder 2">
             <a:extLst>
               <a:ext uri="{FF2B5EF4-FFF2-40B4-BE49-F238E27FC236}">
-                <a16:creationId xmlns:a16="http://schemas.microsoft.com/office/drawing/2014/main" id="{9922DB57-28C0-4337-B98F-4880BC5F9EF0}"/>
+                <a16:creationId xmlns:a16="http://schemas.microsoft.com/office/drawing/2014/main" xmlns="" id="{9922DB57-28C0-4337-B98F-4880BC5F9EF0}"/>
               </a:ext>
             </a:extLst>
           </p:cNvPr>
@@ -3856,7 +3783,7 @@
           <a:p>
             <a:fld id="{F1DB05E7-376B-42E9-BFB9-A2253E2039EB}" type="datetimeFigureOut">
               <a:rPr lang="en-US" smtClean="0"/>
-              <a:t>1/27/2020</a:t>
+              <a:t>1/27/20</a:t>
             </a:fld>
             <a:endParaRPr lang="en-US"/>
           </a:p>
@@ -3867,7 +3794,7 @@
           <p:cNvPr id="4" name="Footer Placeholder 3">
             <a:extLst>
               <a:ext uri="{FF2B5EF4-FFF2-40B4-BE49-F238E27FC236}">
-                <a16:creationId xmlns:a16="http://schemas.microsoft.com/office/drawing/2014/main" id="{7C9A6C94-5C84-4C4D-8E46-BBCA87D0916F}"/>
+                <a16:creationId xmlns:a16="http://schemas.microsoft.com/office/drawing/2014/main" xmlns="" id="{7C9A6C94-5C84-4C4D-8E46-BBCA87D0916F}"/>
               </a:ext>
             </a:extLst>
           </p:cNvPr>
@@ -3892,7 +3819,7 @@
           <p:cNvPr id="5" name="Slide Number Placeholder 4">
             <a:extLst>
               <a:ext uri="{FF2B5EF4-FFF2-40B4-BE49-F238E27FC236}">
-                <a16:creationId xmlns:a16="http://schemas.microsoft.com/office/drawing/2014/main" id="{FE31DCEC-5A87-4EC1-8C3D-3834F06B255D}"/>
+                <a16:creationId xmlns:a16="http://schemas.microsoft.com/office/drawing/2014/main" xmlns="" id="{FE31DCEC-5A87-4EC1-8C3D-3834F06B255D}"/>
               </a:ext>
             </a:extLst>
           </p:cNvPr>
@@ -3951,7 +3878,7 @@
           <p:cNvPr id="2" name="Date Placeholder 1">
             <a:extLst>
               <a:ext uri="{FF2B5EF4-FFF2-40B4-BE49-F238E27FC236}">
-                <a16:creationId xmlns:a16="http://schemas.microsoft.com/office/drawing/2014/main" id="{AECF1389-A811-4CC3-9757-E404BCCDAB91}"/>
+                <a16:creationId xmlns:a16="http://schemas.microsoft.com/office/drawing/2014/main" xmlns="" id="{AECF1389-A811-4CC3-9757-E404BCCDAB91}"/>
               </a:ext>
             </a:extLst>
           </p:cNvPr>
@@ -3969,7 +3896,7 @@
           <a:p>
             <a:fld id="{F1DB05E7-376B-42E9-BFB9-A2253E2039EB}" type="datetimeFigureOut">
               <a:rPr lang="en-US" smtClean="0"/>
-              <a:t>1/27/2020</a:t>
+              <a:t>1/27/20</a:t>
             </a:fld>
             <a:endParaRPr lang="en-US"/>
           </a:p>
@@ -3980,7 +3907,7 @@
           <p:cNvPr id="3" name="Footer Placeholder 2">
             <a:extLst>
               <a:ext uri="{FF2B5EF4-FFF2-40B4-BE49-F238E27FC236}">
-                <a16:creationId xmlns:a16="http://schemas.microsoft.com/office/drawing/2014/main" id="{9F5D00A7-E11B-4283-80FC-E96FC47FE1BD}"/>
+                <a16:creationId xmlns:a16="http://schemas.microsoft.com/office/drawing/2014/main" xmlns="" id="{9F5D00A7-E11B-4283-80FC-E96FC47FE1BD}"/>
               </a:ext>
             </a:extLst>
           </p:cNvPr>
@@ -4005,7 +3932,7 @@
           <p:cNvPr id="4" name="Slide Number Placeholder 3">
             <a:extLst>
               <a:ext uri="{FF2B5EF4-FFF2-40B4-BE49-F238E27FC236}">
-                <a16:creationId xmlns:a16="http://schemas.microsoft.com/office/drawing/2014/main" id="{19DDECAC-1BA0-45DD-9410-D7C82A52BCEC}"/>
+                <a16:creationId xmlns:a16="http://schemas.microsoft.com/office/drawing/2014/main" xmlns="" id="{19DDECAC-1BA0-45DD-9410-D7C82A52BCEC}"/>
               </a:ext>
             </a:extLst>
           </p:cNvPr>
@@ -4064,7 +3991,7 @@
           <p:cNvPr id="2" name="Title 1">
             <a:extLst>
               <a:ext uri="{FF2B5EF4-FFF2-40B4-BE49-F238E27FC236}">
-                <a16:creationId xmlns:a16="http://schemas.microsoft.com/office/drawing/2014/main" id="{B0A79B95-E114-4974-ACFC-32C726FECCBA}"/>
+                <a16:creationId xmlns:a16="http://schemas.microsoft.com/office/drawing/2014/main" xmlns="" id="{B0A79B95-E114-4974-ACFC-32C726FECCBA}"/>
               </a:ext>
             </a:extLst>
           </p:cNvPr>
@@ -4101,7 +4028,7 @@
           <p:cNvPr id="3" name="Content Placeholder 2">
             <a:extLst>
               <a:ext uri="{FF2B5EF4-FFF2-40B4-BE49-F238E27FC236}">
-                <a16:creationId xmlns:a16="http://schemas.microsoft.com/office/drawing/2014/main" id="{FD85E4DD-5A43-422E-8374-D240F26B105D}"/>
+                <a16:creationId xmlns:a16="http://schemas.microsoft.com/office/drawing/2014/main" xmlns="" id="{FD85E4DD-5A43-422E-8374-D240F26B105D}"/>
               </a:ext>
             </a:extLst>
           </p:cNvPr>
@@ -4191,7 +4118,7 @@
           <p:cNvPr id="4" name="Text Placeholder 3">
             <a:extLst>
               <a:ext uri="{FF2B5EF4-FFF2-40B4-BE49-F238E27FC236}">
-                <a16:creationId xmlns:a16="http://schemas.microsoft.com/office/drawing/2014/main" id="{FE51926F-A9C9-425F-AE43-144A72CF4346}"/>
+                <a16:creationId xmlns:a16="http://schemas.microsoft.com/office/drawing/2014/main" xmlns="" id="{FE51926F-A9C9-425F-AE43-144A72CF4346}"/>
               </a:ext>
             </a:extLst>
           </p:cNvPr>
@@ -4262,7 +4189,7 @@
           <p:cNvPr id="5" name="Date Placeholder 4">
             <a:extLst>
               <a:ext uri="{FF2B5EF4-FFF2-40B4-BE49-F238E27FC236}">
-                <a16:creationId xmlns:a16="http://schemas.microsoft.com/office/drawing/2014/main" id="{40F62D3E-3BB5-4FE4-9797-5CE62527EFA2}"/>
+                <a16:creationId xmlns:a16="http://schemas.microsoft.com/office/drawing/2014/main" xmlns="" id="{40F62D3E-3BB5-4FE4-9797-5CE62527EFA2}"/>
               </a:ext>
             </a:extLst>
           </p:cNvPr>
@@ -4280,7 +4207,7 @@
           <a:p>
             <a:fld id="{F1DB05E7-376B-42E9-BFB9-A2253E2039EB}" type="datetimeFigureOut">
               <a:rPr lang="en-US" smtClean="0"/>
-              <a:t>1/27/2020</a:t>
+              <a:t>1/27/20</a:t>
             </a:fld>
             <a:endParaRPr lang="en-US"/>
           </a:p>
@@ -4291,7 +4218,7 @@
           <p:cNvPr id="6" name="Footer Placeholder 5">
             <a:extLst>
               <a:ext uri="{FF2B5EF4-FFF2-40B4-BE49-F238E27FC236}">
-                <a16:creationId xmlns:a16="http://schemas.microsoft.com/office/drawing/2014/main" id="{CF10E72E-180F-4EF1-84EB-73F7A487B617}"/>
+                <a16:creationId xmlns:a16="http://schemas.microsoft.com/office/drawing/2014/main" xmlns="" id="{CF10E72E-180F-4EF1-84EB-73F7A487B617}"/>
               </a:ext>
             </a:extLst>
           </p:cNvPr>
@@ -4316,7 +4243,7 @@
           <p:cNvPr id="7" name="Slide Number Placeholder 6">
             <a:extLst>
               <a:ext uri="{FF2B5EF4-FFF2-40B4-BE49-F238E27FC236}">
-                <a16:creationId xmlns:a16="http://schemas.microsoft.com/office/drawing/2014/main" id="{94F1A70E-C0D7-4B23-AFCC-8A4BF5F3B612}"/>
+                <a16:creationId xmlns:a16="http://schemas.microsoft.com/office/drawing/2014/main" xmlns="" id="{94F1A70E-C0D7-4B23-AFCC-8A4BF5F3B612}"/>
               </a:ext>
             </a:extLst>
           </p:cNvPr>
@@ -4375,7 +4302,7 @@
           <p:cNvPr id="2" name="Title 1">
             <a:extLst>
               <a:ext uri="{FF2B5EF4-FFF2-40B4-BE49-F238E27FC236}">
-                <a16:creationId xmlns:a16="http://schemas.microsoft.com/office/drawing/2014/main" id="{0E8293A6-9CB5-47D8-BD15-81410E149BF6}"/>
+                <a16:creationId xmlns:a16="http://schemas.microsoft.com/office/drawing/2014/main" xmlns="" id="{0E8293A6-9CB5-47D8-BD15-81410E149BF6}"/>
               </a:ext>
             </a:extLst>
           </p:cNvPr>
@@ -4412,7 +4339,7 @@
           <p:cNvPr id="3" name="Picture Placeholder 2">
             <a:extLst>
               <a:ext uri="{FF2B5EF4-FFF2-40B4-BE49-F238E27FC236}">
-                <a16:creationId xmlns:a16="http://schemas.microsoft.com/office/drawing/2014/main" id="{DA16FBD3-9EDD-49CE-B404-D47738AF9B6A}"/>
+                <a16:creationId xmlns:a16="http://schemas.microsoft.com/office/drawing/2014/main" xmlns="" id="{DA16FBD3-9EDD-49CE-B404-D47738AF9B6A}"/>
               </a:ext>
             </a:extLst>
           </p:cNvPr>
@@ -4479,7 +4406,7 @@
           <p:cNvPr id="4" name="Text Placeholder 3">
             <a:extLst>
               <a:ext uri="{FF2B5EF4-FFF2-40B4-BE49-F238E27FC236}">
-                <a16:creationId xmlns:a16="http://schemas.microsoft.com/office/drawing/2014/main" id="{9A93F8D6-E106-40B4-874C-6717036C5C24}"/>
+                <a16:creationId xmlns:a16="http://schemas.microsoft.com/office/drawing/2014/main" xmlns="" id="{9A93F8D6-E106-40B4-874C-6717036C5C24}"/>
               </a:ext>
             </a:extLst>
           </p:cNvPr>
@@ -4550,7 +4477,7 @@
           <p:cNvPr id="5" name="Date Placeholder 4">
             <a:extLst>
               <a:ext uri="{FF2B5EF4-FFF2-40B4-BE49-F238E27FC236}">
-                <a16:creationId xmlns:a16="http://schemas.microsoft.com/office/drawing/2014/main" id="{2342A0EA-C3FA-4D14-8EB9-FBE2E9799A76}"/>
+                <a16:creationId xmlns:a16="http://schemas.microsoft.com/office/drawing/2014/main" xmlns="" id="{2342A0EA-C3FA-4D14-8EB9-FBE2E9799A76}"/>
               </a:ext>
             </a:extLst>
           </p:cNvPr>
@@ -4568,7 +4495,7 @@
           <a:p>
             <a:fld id="{F1DB05E7-376B-42E9-BFB9-A2253E2039EB}" type="datetimeFigureOut">
               <a:rPr lang="en-US" smtClean="0"/>
-              <a:t>1/27/2020</a:t>
+              <a:t>1/27/20</a:t>
             </a:fld>
             <a:endParaRPr lang="en-US"/>
           </a:p>
@@ -4579,7 +4506,7 @@
           <p:cNvPr id="6" name="Footer Placeholder 5">
             <a:extLst>
               <a:ext uri="{FF2B5EF4-FFF2-40B4-BE49-F238E27FC236}">
-                <a16:creationId xmlns:a16="http://schemas.microsoft.com/office/drawing/2014/main" id="{3F44ADC1-9EAA-416C-952A-4D941E4A7381}"/>
+                <a16:creationId xmlns:a16="http://schemas.microsoft.com/office/drawing/2014/main" xmlns="" id="{3F44ADC1-9EAA-416C-952A-4D941E4A7381}"/>
               </a:ext>
             </a:extLst>
           </p:cNvPr>
@@ -4604,7 +4531,7 @@
           <p:cNvPr id="7" name="Slide Number Placeholder 6">
             <a:extLst>
               <a:ext uri="{FF2B5EF4-FFF2-40B4-BE49-F238E27FC236}">
-                <a16:creationId xmlns:a16="http://schemas.microsoft.com/office/drawing/2014/main" id="{33BA87F3-3F76-44AD-8E43-0F584B922842}"/>
+                <a16:creationId xmlns:a16="http://schemas.microsoft.com/office/drawing/2014/main" xmlns="" id="{33BA87F3-3F76-44AD-8E43-0F584B922842}"/>
               </a:ext>
             </a:extLst>
           </p:cNvPr>
@@ -4663,7 +4590,7 @@
           <p:cNvPr id="2" name="Title 1">
             <a:extLst>
               <a:ext uri="{FF2B5EF4-FFF2-40B4-BE49-F238E27FC236}">
-                <a16:creationId xmlns:a16="http://schemas.microsoft.com/office/drawing/2014/main" id="{7E7F658B-B5FC-4BF2-BC9A-7B639FA823E5}"/>
+                <a16:creationId xmlns:a16="http://schemas.microsoft.com/office/drawing/2014/main" xmlns="" id="{7E7F658B-B5FC-4BF2-BC9A-7B639FA823E5}"/>
               </a:ext>
             </a:extLst>
           </p:cNvPr>
@@ -4691,7 +4618,7 @@
           <p:cNvPr id="3" name="Vertical Text Placeholder 2">
             <a:extLst>
               <a:ext uri="{FF2B5EF4-FFF2-40B4-BE49-F238E27FC236}">
-                <a16:creationId xmlns:a16="http://schemas.microsoft.com/office/drawing/2014/main" id="{7796A781-9941-4453-95FF-A4EBF952E09D}"/>
+                <a16:creationId xmlns:a16="http://schemas.microsoft.com/office/drawing/2014/main" xmlns="" id="{7796A781-9941-4453-95FF-A4EBF952E09D}"/>
               </a:ext>
             </a:extLst>
           </p:cNvPr>
@@ -4748,7 +4675,7 @@
           <p:cNvPr id="4" name="Date Placeholder 3">
             <a:extLst>
               <a:ext uri="{FF2B5EF4-FFF2-40B4-BE49-F238E27FC236}">
-                <a16:creationId xmlns:a16="http://schemas.microsoft.com/office/drawing/2014/main" id="{51C75A8B-9EFA-4D9F-848C-CA2C4E26877C}"/>
+                <a16:creationId xmlns:a16="http://schemas.microsoft.com/office/drawing/2014/main" xmlns="" id="{51C75A8B-9EFA-4D9F-848C-CA2C4E26877C}"/>
               </a:ext>
             </a:extLst>
           </p:cNvPr>
@@ -4766,7 +4693,7 @@
           <a:p>
             <a:fld id="{F1DB05E7-376B-42E9-BFB9-A2253E2039EB}" type="datetimeFigureOut">
               <a:rPr lang="en-US" smtClean="0"/>
-              <a:t>1/27/2020</a:t>
+              <a:t>1/27/20</a:t>
             </a:fld>
             <a:endParaRPr lang="en-US"/>
           </a:p>
@@ -4777,7 +4704,7 @@
           <p:cNvPr id="5" name="Footer Placeholder 4">
             <a:extLst>
               <a:ext uri="{FF2B5EF4-FFF2-40B4-BE49-F238E27FC236}">
-                <a16:creationId xmlns:a16="http://schemas.microsoft.com/office/drawing/2014/main" id="{D2522827-3030-423A-80CA-2F14C435CD59}"/>
+                <a16:creationId xmlns:a16="http://schemas.microsoft.com/office/drawing/2014/main" xmlns="" id="{D2522827-3030-423A-80CA-2F14C435CD59}"/>
               </a:ext>
             </a:extLst>
           </p:cNvPr>
@@ -4802,7 +4729,7 @@
           <p:cNvPr id="6" name="Slide Number Placeholder 5">
             <a:extLst>
               <a:ext uri="{FF2B5EF4-FFF2-40B4-BE49-F238E27FC236}">
-                <a16:creationId xmlns:a16="http://schemas.microsoft.com/office/drawing/2014/main" id="{B2E0C98C-009C-4AAD-A3DA-8034CCB8238A}"/>
+                <a16:creationId xmlns:a16="http://schemas.microsoft.com/office/drawing/2014/main" xmlns="" id="{B2E0C98C-009C-4AAD-A3DA-8034CCB8238A}"/>
               </a:ext>
             </a:extLst>
           </p:cNvPr>
@@ -4861,7 +4788,7 @@
           <p:cNvPr id="2" name="Vertical Title 1">
             <a:extLst>
               <a:ext uri="{FF2B5EF4-FFF2-40B4-BE49-F238E27FC236}">
-                <a16:creationId xmlns:a16="http://schemas.microsoft.com/office/drawing/2014/main" id="{885A0F50-FA69-437C-8BE2-888C9484C3A1}"/>
+                <a16:creationId xmlns:a16="http://schemas.microsoft.com/office/drawing/2014/main" xmlns="" id="{885A0F50-FA69-437C-8BE2-888C9484C3A1}"/>
               </a:ext>
             </a:extLst>
           </p:cNvPr>
@@ -4894,7 +4821,7 @@
           <p:cNvPr id="3" name="Vertical Text Placeholder 2">
             <a:extLst>
               <a:ext uri="{FF2B5EF4-FFF2-40B4-BE49-F238E27FC236}">
-                <a16:creationId xmlns:a16="http://schemas.microsoft.com/office/drawing/2014/main" id="{41C5C50B-22F0-4727-AD93-4F93DFB7F464}"/>
+                <a16:creationId xmlns:a16="http://schemas.microsoft.com/office/drawing/2014/main" xmlns="" id="{41C5C50B-22F0-4727-AD93-4F93DFB7F464}"/>
               </a:ext>
             </a:extLst>
           </p:cNvPr>
@@ -4956,7 +4883,7 @@
           <p:cNvPr id="4" name="Date Placeholder 3">
             <a:extLst>
               <a:ext uri="{FF2B5EF4-FFF2-40B4-BE49-F238E27FC236}">
-                <a16:creationId xmlns:a16="http://schemas.microsoft.com/office/drawing/2014/main" id="{19A3FBA5-7A61-4004-A386-D4942DE347DE}"/>
+                <a16:creationId xmlns:a16="http://schemas.microsoft.com/office/drawing/2014/main" xmlns="" id="{19A3FBA5-7A61-4004-A386-D4942DE347DE}"/>
               </a:ext>
             </a:extLst>
           </p:cNvPr>
@@ -4974,7 +4901,7 @@
           <a:p>
             <a:fld id="{F1DB05E7-376B-42E9-BFB9-A2253E2039EB}" type="datetimeFigureOut">
               <a:rPr lang="en-US" smtClean="0"/>
-              <a:t>1/27/2020</a:t>
+              <a:t>1/27/20</a:t>
             </a:fld>
             <a:endParaRPr lang="en-US"/>
           </a:p>
@@ -4985,7 +4912,7 @@
           <p:cNvPr id="5" name="Footer Placeholder 4">
             <a:extLst>
               <a:ext uri="{FF2B5EF4-FFF2-40B4-BE49-F238E27FC236}">
-                <a16:creationId xmlns:a16="http://schemas.microsoft.com/office/drawing/2014/main" id="{7D35B490-D0F7-4698-98E5-19A3C93748EF}"/>
+                <a16:creationId xmlns:a16="http://schemas.microsoft.com/office/drawing/2014/main" xmlns="" id="{7D35B490-D0F7-4698-98E5-19A3C93748EF}"/>
               </a:ext>
             </a:extLst>
           </p:cNvPr>
@@ -5010,7 +4937,7 @@
           <p:cNvPr id="6" name="Slide Number Placeholder 5">
             <a:extLst>
               <a:ext uri="{FF2B5EF4-FFF2-40B4-BE49-F238E27FC236}">
-                <a16:creationId xmlns:a16="http://schemas.microsoft.com/office/drawing/2014/main" id="{1844B467-A8D1-46B1-8FD7-1E7E45990FEF}"/>
+                <a16:creationId xmlns:a16="http://schemas.microsoft.com/office/drawing/2014/main" xmlns="" id="{1844B467-A8D1-46B1-8FD7-1E7E45990FEF}"/>
               </a:ext>
             </a:extLst>
           </p:cNvPr>
@@ -5069,7 +4996,7 @@
           <p:cNvPr id="2" name="Title 1">
             <a:extLst>
               <a:ext uri="{FF2B5EF4-FFF2-40B4-BE49-F238E27FC236}">
-                <a16:creationId xmlns:a16="http://schemas.microsoft.com/office/drawing/2014/main" id="{BC5C0F96-B884-4783-8546-5B63C1923F37}"/>
+                <a16:creationId xmlns:a16="http://schemas.microsoft.com/office/drawing/2014/main" xmlns="" id="{BC5C0F96-B884-4783-8546-5B63C1923F37}"/>
               </a:ext>
             </a:extLst>
           </p:cNvPr>
@@ -5106,7 +5033,7 @@
           <p:cNvPr id="3" name="Subtitle 2">
             <a:extLst>
               <a:ext uri="{FF2B5EF4-FFF2-40B4-BE49-F238E27FC236}">
-                <a16:creationId xmlns:a16="http://schemas.microsoft.com/office/drawing/2014/main" id="{E0ABE59A-B973-4914-A87A-160681FAC9C5}"/>
+                <a16:creationId xmlns:a16="http://schemas.microsoft.com/office/drawing/2014/main" xmlns="" id="{E0ABE59A-B973-4914-A87A-160681FAC9C5}"/>
               </a:ext>
             </a:extLst>
           </p:cNvPr>
@@ -5176,7 +5103,7 @@
           <p:cNvPr id="4" name="Date Placeholder 3">
             <a:extLst>
               <a:ext uri="{FF2B5EF4-FFF2-40B4-BE49-F238E27FC236}">
-                <a16:creationId xmlns:a16="http://schemas.microsoft.com/office/drawing/2014/main" id="{1BC56467-0E80-4186-B483-A2D6C28B9987}"/>
+                <a16:creationId xmlns:a16="http://schemas.microsoft.com/office/drawing/2014/main" xmlns="" id="{1BC56467-0E80-4186-B483-A2D6C28B9987}"/>
               </a:ext>
             </a:extLst>
           </p:cNvPr>
@@ -5194,7 +5121,7 @@
           <a:p>
             <a:fld id="{24935935-76DD-4851-A117-087A288262AA}" type="datetimeFigureOut">
               <a:rPr lang="en-US" smtClean="0"/>
-              <a:t>1/27/2020</a:t>
+              <a:t>1/27/20</a:t>
             </a:fld>
             <a:endParaRPr lang="en-US"/>
           </a:p>
@@ -5205,7 +5132,7 @@
           <p:cNvPr id="5" name="Footer Placeholder 4">
             <a:extLst>
               <a:ext uri="{FF2B5EF4-FFF2-40B4-BE49-F238E27FC236}">
-                <a16:creationId xmlns:a16="http://schemas.microsoft.com/office/drawing/2014/main" id="{157B770E-6257-4619-9715-6632B46F0182}"/>
+                <a16:creationId xmlns:a16="http://schemas.microsoft.com/office/drawing/2014/main" xmlns="" id="{157B770E-6257-4619-9715-6632B46F0182}"/>
               </a:ext>
             </a:extLst>
           </p:cNvPr>
@@ -5230,7 +5157,7 @@
           <p:cNvPr id="6" name="Slide Number Placeholder 5">
             <a:extLst>
               <a:ext uri="{FF2B5EF4-FFF2-40B4-BE49-F238E27FC236}">
-                <a16:creationId xmlns:a16="http://schemas.microsoft.com/office/drawing/2014/main" id="{50CBF21C-B65B-4C6C-8492-0E5ADB6B3FCA}"/>
+                <a16:creationId xmlns:a16="http://schemas.microsoft.com/office/drawing/2014/main" xmlns="" id="{50CBF21C-B65B-4C6C-8492-0E5ADB6B3FCA}"/>
               </a:ext>
             </a:extLst>
           </p:cNvPr>
@@ -5289,7 +5216,7 @@
           <p:cNvPr id="2" name="Title 1">
             <a:extLst>
               <a:ext uri="{FF2B5EF4-FFF2-40B4-BE49-F238E27FC236}">
-                <a16:creationId xmlns:a16="http://schemas.microsoft.com/office/drawing/2014/main" id="{A0C29822-BE94-474F-B0E5-995B335C3E1A}"/>
+                <a16:creationId xmlns:a16="http://schemas.microsoft.com/office/drawing/2014/main" xmlns="" id="{A0C29822-BE94-474F-B0E5-995B335C3E1A}"/>
               </a:ext>
             </a:extLst>
           </p:cNvPr>
@@ -5317,7 +5244,7 @@
           <p:cNvPr id="3" name="Content Placeholder 2">
             <a:extLst>
               <a:ext uri="{FF2B5EF4-FFF2-40B4-BE49-F238E27FC236}">
-                <a16:creationId xmlns:a16="http://schemas.microsoft.com/office/drawing/2014/main" id="{6796DE3C-6D02-485D-AF4A-E6A65A2D5E04}"/>
+                <a16:creationId xmlns:a16="http://schemas.microsoft.com/office/drawing/2014/main" xmlns="" id="{6796DE3C-6D02-485D-AF4A-E6A65A2D5E04}"/>
               </a:ext>
             </a:extLst>
           </p:cNvPr>
@@ -5374,7 +5301,7 @@
           <p:cNvPr id="4" name="Date Placeholder 3">
             <a:extLst>
               <a:ext uri="{FF2B5EF4-FFF2-40B4-BE49-F238E27FC236}">
-                <a16:creationId xmlns:a16="http://schemas.microsoft.com/office/drawing/2014/main" id="{46006F97-9BE6-4032-BC81-3B063889003C}"/>
+                <a16:creationId xmlns:a16="http://schemas.microsoft.com/office/drawing/2014/main" xmlns="" id="{46006F97-9BE6-4032-BC81-3B063889003C}"/>
               </a:ext>
             </a:extLst>
           </p:cNvPr>
@@ -5392,7 +5319,7 @@
           <a:p>
             <a:fld id="{24935935-76DD-4851-A117-087A288262AA}" type="datetimeFigureOut">
               <a:rPr lang="en-US" smtClean="0"/>
-              <a:t>1/27/2020</a:t>
+              <a:t>1/27/20</a:t>
             </a:fld>
             <a:endParaRPr lang="en-US"/>
           </a:p>
@@ -5403,7 +5330,7 @@
           <p:cNvPr id="5" name="Footer Placeholder 4">
             <a:extLst>
               <a:ext uri="{FF2B5EF4-FFF2-40B4-BE49-F238E27FC236}">
-                <a16:creationId xmlns:a16="http://schemas.microsoft.com/office/drawing/2014/main" id="{DF404F1D-63FD-4AB3-988B-87D055103959}"/>
+                <a16:creationId xmlns:a16="http://schemas.microsoft.com/office/drawing/2014/main" xmlns="" id="{DF404F1D-63FD-4AB3-988B-87D055103959}"/>
               </a:ext>
             </a:extLst>
           </p:cNvPr>
@@ -5428,7 +5355,7 @@
           <p:cNvPr id="6" name="Slide Number Placeholder 5">
             <a:extLst>
               <a:ext uri="{FF2B5EF4-FFF2-40B4-BE49-F238E27FC236}">
-                <a16:creationId xmlns:a16="http://schemas.microsoft.com/office/drawing/2014/main" id="{3DF74033-16EF-464C-B147-12F5EFEDB211}"/>
+                <a16:creationId xmlns:a16="http://schemas.microsoft.com/office/drawing/2014/main" xmlns="" id="{3DF74033-16EF-464C-B147-12F5EFEDB211}"/>
               </a:ext>
             </a:extLst>
           </p:cNvPr>
@@ -5487,7 +5414,7 @@
           <p:cNvPr id="2" name="Title 1">
             <a:extLst>
               <a:ext uri="{FF2B5EF4-FFF2-40B4-BE49-F238E27FC236}">
-                <a16:creationId xmlns:a16="http://schemas.microsoft.com/office/drawing/2014/main" id="{42B3B084-0E32-42FD-A7A0-6104CFA23BEC}"/>
+                <a16:creationId xmlns:a16="http://schemas.microsoft.com/office/drawing/2014/main" xmlns="" id="{42B3B084-0E32-42FD-A7A0-6104CFA23BEC}"/>
               </a:ext>
             </a:extLst>
           </p:cNvPr>
@@ -5524,7 +5451,7 @@
           <p:cNvPr id="3" name="Text Placeholder 2">
             <a:extLst>
               <a:ext uri="{FF2B5EF4-FFF2-40B4-BE49-F238E27FC236}">
-                <a16:creationId xmlns:a16="http://schemas.microsoft.com/office/drawing/2014/main" id="{6043D040-A17D-469A-996A-7C552B7C34E9}"/>
+                <a16:creationId xmlns:a16="http://schemas.microsoft.com/office/drawing/2014/main" xmlns="" id="{6043D040-A17D-469A-996A-7C552B7C34E9}"/>
               </a:ext>
             </a:extLst>
           </p:cNvPr>
@@ -5649,7 +5576,7 @@
           <p:cNvPr id="4" name="Date Placeholder 3">
             <a:extLst>
               <a:ext uri="{FF2B5EF4-FFF2-40B4-BE49-F238E27FC236}">
-                <a16:creationId xmlns:a16="http://schemas.microsoft.com/office/drawing/2014/main" id="{B779A30B-7613-4730-A675-A2115A735AFD}"/>
+                <a16:creationId xmlns:a16="http://schemas.microsoft.com/office/drawing/2014/main" xmlns="" id="{B779A30B-7613-4730-A675-A2115A735AFD}"/>
               </a:ext>
             </a:extLst>
           </p:cNvPr>
@@ -5667,7 +5594,7 @@
           <a:p>
             <a:fld id="{24935935-76DD-4851-A117-087A288262AA}" type="datetimeFigureOut">
               <a:rPr lang="en-US" smtClean="0"/>
-              <a:t>1/27/2020</a:t>
+              <a:t>1/27/20</a:t>
             </a:fld>
             <a:endParaRPr lang="en-US"/>
           </a:p>
@@ -5678,7 +5605,7 @@
           <p:cNvPr id="5" name="Footer Placeholder 4">
             <a:extLst>
               <a:ext uri="{FF2B5EF4-FFF2-40B4-BE49-F238E27FC236}">
-                <a16:creationId xmlns:a16="http://schemas.microsoft.com/office/drawing/2014/main" id="{74C5DDBD-CB47-416E-8175-3FBF6AB23869}"/>
+                <a16:creationId xmlns:a16="http://schemas.microsoft.com/office/drawing/2014/main" xmlns="" id="{74C5DDBD-CB47-416E-8175-3FBF6AB23869}"/>
               </a:ext>
             </a:extLst>
           </p:cNvPr>
@@ -5703,7 +5630,7 @@
           <p:cNvPr id="6" name="Slide Number Placeholder 5">
             <a:extLst>
               <a:ext uri="{FF2B5EF4-FFF2-40B4-BE49-F238E27FC236}">
-                <a16:creationId xmlns:a16="http://schemas.microsoft.com/office/drawing/2014/main" id="{A67E6DB7-CAE2-4FCD-B3E8-6231B1C850E7}"/>
+                <a16:creationId xmlns:a16="http://schemas.microsoft.com/office/drawing/2014/main" xmlns="" id="{A67E6DB7-CAE2-4FCD-B3E8-6231B1C850E7}"/>
               </a:ext>
             </a:extLst>
           </p:cNvPr>
@@ -5762,7 +5689,7 @@
           <p:cNvPr id="2" name="Title 1">
             <a:extLst>
               <a:ext uri="{FF2B5EF4-FFF2-40B4-BE49-F238E27FC236}">
-                <a16:creationId xmlns:a16="http://schemas.microsoft.com/office/drawing/2014/main" id="{E769F328-E252-40D9-BC3D-3282F6445B88}"/>
+                <a16:creationId xmlns:a16="http://schemas.microsoft.com/office/drawing/2014/main" xmlns="" id="{E769F328-E252-40D9-BC3D-3282F6445B88}"/>
               </a:ext>
             </a:extLst>
           </p:cNvPr>
@@ -5790,7 +5717,7 @@
           <p:cNvPr id="3" name="Content Placeholder 2">
             <a:extLst>
               <a:ext uri="{FF2B5EF4-FFF2-40B4-BE49-F238E27FC236}">
-                <a16:creationId xmlns:a16="http://schemas.microsoft.com/office/drawing/2014/main" id="{57B2F339-E578-4FF1-8D6F-6B84F06CB81B}"/>
+                <a16:creationId xmlns:a16="http://schemas.microsoft.com/office/drawing/2014/main" xmlns="" id="{57B2F339-E578-4FF1-8D6F-6B84F06CB81B}"/>
               </a:ext>
             </a:extLst>
           </p:cNvPr>
@@ -5852,7 +5779,7 @@
           <p:cNvPr id="4" name="Content Placeholder 3">
             <a:extLst>
               <a:ext uri="{FF2B5EF4-FFF2-40B4-BE49-F238E27FC236}">
-                <a16:creationId xmlns:a16="http://schemas.microsoft.com/office/drawing/2014/main" id="{139D6ED0-638B-46D3-A1C0-24FEE8341C94}"/>
+                <a16:creationId xmlns:a16="http://schemas.microsoft.com/office/drawing/2014/main" xmlns="" id="{139D6ED0-638B-46D3-A1C0-24FEE8341C94}"/>
               </a:ext>
             </a:extLst>
           </p:cNvPr>
@@ -5914,7 +5841,7 @@
           <p:cNvPr id="5" name="Date Placeholder 4">
             <a:extLst>
               <a:ext uri="{FF2B5EF4-FFF2-40B4-BE49-F238E27FC236}">
-                <a16:creationId xmlns:a16="http://schemas.microsoft.com/office/drawing/2014/main" id="{60179BD2-BF0C-42C9-AEAA-7C7A2247CE7F}"/>
+                <a16:creationId xmlns:a16="http://schemas.microsoft.com/office/drawing/2014/main" xmlns="" id="{60179BD2-BF0C-42C9-AEAA-7C7A2247CE7F}"/>
               </a:ext>
             </a:extLst>
           </p:cNvPr>
@@ -5932,7 +5859,7 @@
           <a:p>
             <a:fld id="{24935935-76DD-4851-A117-087A288262AA}" type="datetimeFigureOut">
               <a:rPr lang="en-US" smtClean="0"/>
-              <a:t>1/27/2020</a:t>
+              <a:t>1/27/20</a:t>
             </a:fld>
             <a:endParaRPr lang="en-US"/>
           </a:p>
@@ -5943,7 +5870,7 @@
           <p:cNvPr id="6" name="Footer Placeholder 5">
             <a:extLst>
               <a:ext uri="{FF2B5EF4-FFF2-40B4-BE49-F238E27FC236}">
-                <a16:creationId xmlns:a16="http://schemas.microsoft.com/office/drawing/2014/main" id="{006C923F-A0AF-43AE-B008-729389A1F466}"/>
+                <a16:creationId xmlns:a16="http://schemas.microsoft.com/office/drawing/2014/main" xmlns="" id="{006C923F-A0AF-43AE-B008-729389A1F466}"/>
               </a:ext>
             </a:extLst>
           </p:cNvPr>
@@ -5968,7 +5895,7 @@
           <p:cNvPr id="7" name="Slide Number Placeholder 6">
             <a:extLst>
               <a:ext uri="{FF2B5EF4-FFF2-40B4-BE49-F238E27FC236}">
-                <a16:creationId xmlns:a16="http://schemas.microsoft.com/office/drawing/2014/main" id="{8AA6CF54-6A81-4EC1-8A76-D27D031CD323}"/>
+                <a16:creationId xmlns:a16="http://schemas.microsoft.com/office/drawing/2014/main" xmlns="" id="{8AA6CF54-6A81-4EC1-8A76-D27D031CD323}"/>
               </a:ext>
             </a:extLst>
           </p:cNvPr>
@@ -6027,7 +5954,7 @@
           <p:cNvPr id="7" name="Title 1">
             <a:extLst>
               <a:ext uri="{FF2B5EF4-FFF2-40B4-BE49-F238E27FC236}">
-                <a16:creationId xmlns:a16="http://schemas.microsoft.com/office/drawing/2014/main" id="{03B777CA-3AD4-4055-A6F3-D229173E3BA8}"/>
+                <a16:creationId xmlns:a16="http://schemas.microsoft.com/office/drawing/2014/main" xmlns="" id="{03B777CA-3AD4-4055-A6F3-D229173E3BA8}"/>
               </a:ext>
             </a:extLst>
           </p:cNvPr>
@@ -6083,7 +6010,7 @@
           <p:cNvPr id="10" name="Straight Connector 9">
             <a:extLst>
               <a:ext uri="{FF2B5EF4-FFF2-40B4-BE49-F238E27FC236}">
-                <a16:creationId xmlns:a16="http://schemas.microsoft.com/office/drawing/2014/main" id="{2BB05C14-85FE-410B-8AD5-1D038FDD03F1}"/>
+                <a16:creationId xmlns:a16="http://schemas.microsoft.com/office/drawing/2014/main" xmlns="" id="{2BB05C14-85FE-410B-8AD5-1D038FDD03F1}"/>
               </a:ext>
             </a:extLst>
           </p:cNvPr>
@@ -6128,7 +6055,7 @@
           <p:cNvPr id="20" name="Text Placeholder 17">
             <a:extLst>
               <a:ext uri="{FF2B5EF4-FFF2-40B4-BE49-F238E27FC236}">
-                <a16:creationId xmlns:a16="http://schemas.microsoft.com/office/drawing/2014/main" id="{D405074A-E0C4-4294-A5E4-68039E1DF60D}"/>
+                <a16:creationId xmlns:a16="http://schemas.microsoft.com/office/drawing/2014/main" xmlns="" id="{D405074A-E0C4-4294-A5E4-68039E1DF60D}"/>
               </a:ext>
             </a:extLst>
           </p:cNvPr>
@@ -6225,7 +6152,7 @@
           <p:cNvPr id="2" name="Title 1">
             <a:extLst>
               <a:ext uri="{FF2B5EF4-FFF2-40B4-BE49-F238E27FC236}">
-                <a16:creationId xmlns:a16="http://schemas.microsoft.com/office/drawing/2014/main" id="{4BB74C8E-2EFC-4160-AABE-1FF721424589}"/>
+                <a16:creationId xmlns:a16="http://schemas.microsoft.com/office/drawing/2014/main" xmlns="" id="{4BB74C8E-2EFC-4160-AABE-1FF721424589}"/>
               </a:ext>
             </a:extLst>
           </p:cNvPr>
@@ -6258,7 +6185,7 @@
           <p:cNvPr id="3" name="Text Placeholder 2">
             <a:extLst>
               <a:ext uri="{FF2B5EF4-FFF2-40B4-BE49-F238E27FC236}">
-                <a16:creationId xmlns:a16="http://schemas.microsoft.com/office/drawing/2014/main" id="{59F18FF6-67F1-4B6A-AF69-552500442144}"/>
+                <a16:creationId xmlns:a16="http://schemas.microsoft.com/office/drawing/2014/main" xmlns="" id="{59F18FF6-67F1-4B6A-AF69-552500442144}"/>
               </a:ext>
             </a:extLst>
           </p:cNvPr>
@@ -6329,7 +6256,7 @@
           <p:cNvPr id="4" name="Content Placeholder 3">
             <a:extLst>
               <a:ext uri="{FF2B5EF4-FFF2-40B4-BE49-F238E27FC236}">
-                <a16:creationId xmlns:a16="http://schemas.microsoft.com/office/drawing/2014/main" id="{5705621C-D772-41A9-806A-403FAAB45DEA}"/>
+                <a16:creationId xmlns:a16="http://schemas.microsoft.com/office/drawing/2014/main" xmlns="" id="{5705621C-D772-41A9-806A-403FAAB45DEA}"/>
               </a:ext>
             </a:extLst>
           </p:cNvPr>
@@ -6391,7 +6318,7 @@
           <p:cNvPr id="5" name="Text Placeholder 4">
             <a:extLst>
               <a:ext uri="{FF2B5EF4-FFF2-40B4-BE49-F238E27FC236}">
-                <a16:creationId xmlns:a16="http://schemas.microsoft.com/office/drawing/2014/main" id="{7B53A51E-99BD-4C1A-A074-5C6CE93681AE}"/>
+                <a16:creationId xmlns:a16="http://schemas.microsoft.com/office/drawing/2014/main" xmlns="" id="{7B53A51E-99BD-4C1A-A074-5C6CE93681AE}"/>
               </a:ext>
             </a:extLst>
           </p:cNvPr>
@@ -6462,7 +6389,7 @@
           <p:cNvPr id="6" name="Content Placeholder 5">
             <a:extLst>
               <a:ext uri="{FF2B5EF4-FFF2-40B4-BE49-F238E27FC236}">
-                <a16:creationId xmlns:a16="http://schemas.microsoft.com/office/drawing/2014/main" id="{A95D48C7-AFED-4305-86D0-D795E3EB7665}"/>
+                <a16:creationId xmlns:a16="http://schemas.microsoft.com/office/drawing/2014/main" xmlns="" id="{A95D48C7-AFED-4305-86D0-D795E3EB7665}"/>
               </a:ext>
             </a:extLst>
           </p:cNvPr>
@@ -6524,7 +6451,7 @@
           <p:cNvPr id="7" name="Date Placeholder 6">
             <a:extLst>
               <a:ext uri="{FF2B5EF4-FFF2-40B4-BE49-F238E27FC236}">
-                <a16:creationId xmlns:a16="http://schemas.microsoft.com/office/drawing/2014/main" id="{148D0C76-7E10-4917-A0FC-0E0870F729BC}"/>
+                <a16:creationId xmlns:a16="http://schemas.microsoft.com/office/drawing/2014/main" xmlns="" id="{148D0C76-7E10-4917-A0FC-0E0870F729BC}"/>
               </a:ext>
             </a:extLst>
           </p:cNvPr>
@@ -6542,7 +6469,7 @@
           <a:p>
             <a:fld id="{24935935-76DD-4851-A117-087A288262AA}" type="datetimeFigureOut">
               <a:rPr lang="en-US" smtClean="0"/>
-              <a:t>1/27/2020</a:t>
+              <a:t>1/27/20</a:t>
             </a:fld>
             <a:endParaRPr lang="en-US"/>
           </a:p>
@@ -6553,7 +6480,7 @@
           <p:cNvPr id="8" name="Footer Placeholder 7">
             <a:extLst>
               <a:ext uri="{FF2B5EF4-FFF2-40B4-BE49-F238E27FC236}">
-                <a16:creationId xmlns:a16="http://schemas.microsoft.com/office/drawing/2014/main" id="{89B9EDB8-6EFB-4747-B5B6-22B76F32F1DC}"/>
+                <a16:creationId xmlns:a16="http://schemas.microsoft.com/office/drawing/2014/main" xmlns="" id="{89B9EDB8-6EFB-4747-B5B6-22B76F32F1DC}"/>
               </a:ext>
             </a:extLst>
           </p:cNvPr>
@@ -6578,7 +6505,7 @@
           <p:cNvPr id="9" name="Slide Number Placeholder 8">
             <a:extLst>
               <a:ext uri="{FF2B5EF4-FFF2-40B4-BE49-F238E27FC236}">
-                <a16:creationId xmlns:a16="http://schemas.microsoft.com/office/drawing/2014/main" id="{6E3B12DB-AFBB-405F-BA53-B2770D4A9AEA}"/>
+                <a16:creationId xmlns:a16="http://schemas.microsoft.com/office/drawing/2014/main" xmlns="" id="{6E3B12DB-AFBB-405F-BA53-B2770D4A9AEA}"/>
               </a:ext>
             </a:extLst>
           </p:cNvPr>
@@ -6637,7 +6564,7 @@
           <p:cNvPr id="2" name="Title 1">
             <a:extLst>
               <a:ext uri="{FF2B5EF4-FFF2-40B4-BE49-F238E27FC236}">
-                <a16:creationId xmlns:a16="http://schemas.microsoft.com/office/drawing/2014/main" id="{B5729320-B6A0-4392-B66E-7FE222630F15}"/>
+                <a16:creationId xmlns:a16="http://schemas.microsoft.com/office/drawing/2014/main" xmlns="" id="{B5729320-B6A0-4392-B66E-7FE222630F15}"/>
               </a:ext>
             </a:extLst>
           </p:cNvPr>
@@ -6665,7 +6592,7 @@
           <p:cNvPr id="3" name="Date Placeholder 2">
             <a:extLst>
               <a:ext uri="{FF2B5EF4-FFF2-40B4-BE49-F238E27FC236}">
-                <a16:creationId xmlns:a16="http://schemas.microsoft.com/office/drawing/2014/main" id="{FE70D717-5251-4854-BB14-F871590E80EC}"/>
+                <a16:creationId xmlns:a16="http://schemas.microsoft.com/office/drawing/2014/main" xmlns="" id="{FE70D717-5251-4854-BB14-F871590E80EC}"/>
               </a:ext>
             </a:extLst>
           </p:cNvPr>
@@ -6683,7 +6610,7 @@
           <a:p>
             <a:fld id="{24935935-76DD-4851-A117-087A288262AA}" type="datetimeFigureOut">
               <a:rPr lang="en-US" smtClean="0"/>
-              <a:t>1/27/2020</a:t>
+              <a:t>1/27/20</a:t>
             </a:fld>
             <a:endParaRPr lang="en-US"/>
           </a:p>
@@ -6694,7 +6621,7 @@
           <p:cNvPr id="4" name="Footer Placeholder 3">
             <a:extLst>
               <a:ext uri="{FF2B5EF4-FFF2-40B4-BE49-F238E27FC236}">
-                <a16:creationId xmlns:a16="http://schemas.microsoft.com/office/drawing/2014/main" id="{91B6AF8B-F435-48B2-9AC7-FF1B8D0C1CB5}"/>
+                <a16:creationId xmlns:a16="http://schemas.microsoft.com/office/drawing/2014/main" xmlns="" id="{91B6AF8B-F435-48B2-9AC7-FF1B8D0C1CB5}"/>
               </a:ext>
             </a:extLst>
           </p:cNvPr>
@@ -6719,7 +6646,7 @@
           <p:cNvPr id="5" name="Slide Number Placeholder 4">
             <a:extLst>
               <a:ext uri="{FF2B5EF4-FFF2-40B4-BE49-F238E27FC236}">
-                <a16:creationId xmlns:a16="http://schemas.microsoft.com/office/drawing/2014/main" id="{EB24DEE1-F5F4-473C-885D-60A0ABE39D6A}"/>
+                <a16:creationId xmlns:a16="http://schemas.microsoft.com/office/drawing/2014/main" xmlns="" id="{EB24DEE1-F5F4-473C-885D-60A0ABE39D6A}"/>
               </a:ext>
             </a:extLst>
           </p:cNvPr>
@@ -6778,7 +6705,7 @@
           <p:cNvPr id="2" name="Date Placeholder 1">
             <a:extLst>
               <a:ext uri="{FF2B5EF4-FFF2-40B4-BE49-F238E27FC236}">
-                <a16:creationId xmlns:a16="http://schemas.microsoft.com/office/drawing/2014/main" id="{8BCB896E-3D03-41C8-B360-0471B89FB3DF}"/>
+                <a16:creationId xmlns:a16="http://schemas.microsoft.com/office/drawing/2014/main" xmlns="" id="{8BCB896E-3D03-41C8-B360-0471B89FB3DF}"/>
               </a:ext>
             </a:extLst>
           </p:cNvPr>
@@ -6796,7 +6723,7 @@
           <a:p>
             <a:fld id="{24935935-76DD-4851-A117-087A288262AA}" type="datetimeFigureOut">
               <a:rPr lang="en-US" smtClean="0"/>
-              <a:t>1/27/2020</a:t>
+              <a:t>1/27/20</a:t>
             </a:fld>
             <a:endParaRPr lang="en-US"/>
           </a:p>
@@ -6807,7 +6734,7 @@
           <p:cNvPr id="3" name="Footer Placeholder 2">
             <a:extLst>
               <a:ext uri="{FF2B5EF4-FFF2-40B4-BE49-F238E27FC236}">
-                <a16:creationId xmlns:a16="http://schemas.microsoft.com/office/drawing/2014/main" id="{B2C90461-7C0C-445A-9850-E1DB8A02270B}"/>
+                <a16:creationId xmlns:a16="http://schemas.microsoft.com/office/drawing/2014/main" xmlns="" id="{B2C90461-7C0C-445A-9850-E1DB8A02270B}"/>
               </a:ext>
             </a:extLst>
           </p:cNvPr>
@@ -6832,7 +6759,7 @@
           <p:cNvPr id="4" name="Slide Number Placeholder 3">
             <a:extLst>
               <a:ext uri="{FF2B5EF4-FFF2-40B4-BE49-F238E27FC236}">
-                <a16:creationId xmlns:a16="http://schemas.microsoft.com/office/drawing/2014/main" id="{F05486F7-6405-4102-BA7C-FFB9D70F90EC}"/>
+                <a16:creationId xmlns:a16="http://schemas.microsoft.com/office/drawing/2014/main" xmlns="" id="{F05486F7-6405-4102-BA7C-FFB9D70F90EC}"/>
               </a:ext>
             </a:extLst>
           </p:cNvPr>
@@ -6891,7 +6818,7 @@
           <p:cNvPr id="2" name="Title 1">
             <a:extLst>
               <a:ext uri="{FF2B5EF4-FFF2-40B4-BE49-F238E27FC236}">
-                <a16:creationId xmlns:a16="http://schemas.microsoft.com/office/drawing/2014/main" id="{C4DC97AF-36CE-4124-984C-A7BF92247786}"/>
+                <a16:creationId xmlns:a16="http://schemas.microsoft.com/office/drawing/2014/main" xmlns="" id="{C4DC97AF-36CE-4124-984C-A7BF92247786}"/>
               </a:ext>
             </a:extLst>
           </p:cNvPr>
@@ -6928,7 +6855,7 @@
           <p:cNvPr id="3" name="Content Placeholder 2">
             <a:extLst>
               <a:ext uri="{FF2B5EF4-FFF2-40B4-BE49-F238E27FC236}">
-                <a16:creationId xmlns:a16="http://schemas.microsoft.com/office/drawing/2014/main" id="{9D8F9A7A-2E99-4C4B-ABD7-5510175A70E4}"/>
+                <a16:creationId xmlns:a16="http://schemas.microsoft.com/office/drawing/2014/main" xmlns="" id="{9D8F9A7A-2E99-4C4B-ABD7-5510175A70E4}"/>
               </a:ext>
             </a:extLst>
           </p:cNvPr>
@@ -7018,7 +6945,7 @@
           <p:cNvPr id="4" name="Text Placeholder 3">
             <a:extLst>
               <a:ext uri="{FF2B5EF4-FFF2-40B4-BE49-F238E27FC236}">
-                <a16:creationId xmlns:a16="http://schemas.microsoft.com/office/drawing/2014/main" id="{375AAA68-FAC5-4F49-9D56-C0A2D10AA00A}"/>
+                <a16:creationId xmlns:a16="http://schemas.microsoft.com/office/drawing/2014/main" xmlns="" id="{375AAA68-FAC5-4F49-9D56-C0A2D10AA00A}"/>
               </a:ext>
             </a:extLst>
           </p:cNvPr>
@@ -7089,7 +7016,7 @@
           <p:cNvPr id="5" name="Date Placeholder 4">
             <a:extLst>
               <a:ext uri="{FF2B5EF4-FFF2-40B4-BE49-F238E27FC236}">
-                <a16:creationId xmlns:a16="http://schemas.microsoft.com/office/drawing/2014/main" id="{D8470BAD-71B5-49E4-A40D-2007CBD9EBEA}"/>
+                <a16:creationId xmlns:a16="http://schemas.microsoft.com/office/drawing/2014/main" xmlns="" id="{D8470BAD-71B5-49E4-A40D-2007CBD9EBEA}"/>
               </a:ext>
             </a:extLst>
           </p:cNvPr>
@@ -7107,7 +7034,7 @@
           <a:p>
             <a:fld id="{24935935-76DD-4851-A117-087A288262AA}" type="datetimeFigureOut">
               <a:rPr lang="en-US" smtClean="0"/>
-              <a:t>1/27/2020</a:t>
+              <a:t>1/27/20</a:t>
             </a:fld>
             <a:endParaRPr lang="en-US"/>
           </a:p>
@@ -7118,7 +7045,7 @@
           <p:cNvPr id="6" name="Footer Placeholder 5">
             <a:extLst>
               <a:ext uri="{FF2B5EF4-FFF2-40B4-BE49-F238E27FC236}">
-                <a16:creationId xmlns:a16="http://schemas.microsoft.com/office/drawing/2014/main" id="{6B295AC7-DDFE-45F9-AF74-ED2BF514134E}"/>
+                <a16:creationId xmlns:a16="http://schemas.microsoft.com/office/drawing/2014/main" xmlns="" id="{6B295AC7-DDFE-45F9-AF74-ED2BF514134E}"/>
               </a:ext>
             </a:extLst>
           </p:cNvPr>
@@ -7143,7 +7070,7 @@
           <p:cNvPr id="7" name="Slide Number Placeholder 6">
             <a:extLst>
               <a:ext uri="{FF2B5EF4-FFF2-40B4-BE49-F238E27FC236}">
-                <a16:creationId xmlns:a16="http://schemas.microsoft.com/office/drawing/2014/main" id="{0E017491-FF63-4589-BD29-E347DD916547}"/>
+                <a16:creationId xmlns:a16="http://schemas.microsoft.com/office/drawing/2014/main" xmlns="" id="{0E017491-FF63-4589-BD29-E347DD916547}"/>
               </a:ext>
             </a:extLst>
           </p:cNvPr>
@@ -7202,7 +7129,7 @@
           <p:cNvPr id="2" name="Title 1">
             <a:extLst>
               <a:ext uri="{FF2B5EF4-FFF2-40B4-BE49-F238E27FC236}">
-                <a16:creationId xmlns:a16="http://schemas.microsoft.com/office/drawing/2014/main" id="{67084232-CC6E-45E9-8D06-14B26BBFCAC2}"/>
+                <a16:creationId xmlns:a16="http://schemas.microsoft.com/office/drawing/2014/main" xmlns="" id="{67084232-CC6E-45E9-8D06-14B26BBFCAC2}"/>
               </a:ext>
             </a:extLst>
           </p:cNvPr>
@@ -7239,7 +7166,7 @@
           <p:cNvPr id="3" name="Picture Placeholder 2">
             <a:extLst>
               <a:ext uri="{FF2B5EF4-FFF2-40B4-BE49-F238E27FC236}">
-                <a16:creationId xmlns:a16="http://schemas.microsoft.com/office/drawing/2014/main" id="{CD8E7B1D-2455-4EC7-B316-622029CA0776}"/>
+                <a16:creationId xmlns:a16="http://schemas.microsoft.com/office/drawing/2014/main" xmlns="" id="{CD8E7B1D-2455-4EC7-B316-622029CA0776}"/>
               </a:ext>
             </a:extLst>
           </p:cNvPr>
@@ -7306,7 +7233,7 @@
           <p:cNvPr id="4" name="Text Placeholder 3">
             <a:extLst>
               <a:ext uri="{FF2B5EF4-FFF2-40B4-BE49-F238E27FC236}">
-                <a16:creationId xmlns:a16="http://schemas.microsoft.com/office/drawing/2014/main" id="{F6DC3B0E-BD3D-4894-9317-4AE56E24C4FB}"/>
+                <a16:creationId xmlns:a16="http://schemas.microsoft.com/office/drawing/2014/main" xmlns="" id="{F6DC3B0E-BD3D-4894-9317-4AE56E24C4FB}"/>
               </a:ext>
             </a:extLst>
           </p:cNvPr>
@@ -7377,7 +7304,7 @@
           <p:cNvPr id="5" name="Date Placeholder 4">
             <a:extLst>
               <a:ext uri="{FF2B5EF4-FFF2-40B4-BE49-F238E27FC236}">
-                <a16:creationId xmlns:a16="http://schemas.microsoft.com/office/drawing/2014/main" id="{B3B79ED9-E7FF-4ABD-AF2B-36A68B859562}"/>
+                <a16:creationId xmlns:a16="http://schemas.microsoft.com/office/drawing/2014/main" xmlns="" id="{B3B79ED9-E7FF-4ABD-AF2B-36A68B859562}"/>
               </a:ext>
             </a:extLst>
           </p:cNvPr>
@@ -7395,7 +7322,7 @@
           <a:p>
             <a:fld id="{24935935-76DD-4851-A117-087A288262AA}" type="datetimeFigureOut">
               <a:rPr lang="en-US" smtClean="0"/>
-              <a:t>1/27/2020</a:t>
+              <a:t>1/27/20</a:t>
             </a:fld>
             <a:endParaRPr lang="en-US"/>
           </a:p>
@@ -7406,7 +7333,7 @@
           <p:cNvPr id="6" name="Footer Placeholder 5">
             <a:extLst>
               <a:ext uri="{FF2B5EF4-FFF2-40B4-BE49-F238E27FC236}">
-                <a16:creationId xmlns:a16="http://schemas.microsoft.com/office/drawing/2014/main" id="{F966FB14-B30B-439D-9D8E-5782CD14CAD9}"/>
+                <a16:creationId xmlns:a16="http://schemas.microsoft.com/office/drawing/2014/main" xmlns="" id="{F966FB14-B30B-439D-9D8E-5782CD14CAD9}"/>
               </a:ext>
             </a:extLst>
           </p:cNvPr>
@@ -7431,7 +7358,7 @@
           <p:cNvPr id="7" name="Slide Number Placeholder 6">
             <a:extLst>
               <a:ext uri="{FF2B5EF4-FFF2-40B4-BE49-F238E27FC236}">
-                <a16:creationId xmlns:a16="http://schemas.microsoft.com/office/drawing/2014/main" id="{85F192CD-1497-469A-8AFD-5312509820A5}"/>
+                <a16:creationId xmlns:a16="http://schemas.microsoft.com/office/drawing/2014/main" xmlns="" id="{85F192CD-1497-469A-8AFD-5312509820A5}"/>
               </a:ext>
             </a:extLst>
           </p:cNvPr>
@@ -7490,7 +7417,7 @@
           <p:cNvPr id="2" name="Title 1">
             <a:extLst>
               <a:ext uri="{FF2B5EF4-FFF2-40B4-BE49-F238E27FC236}">
-                <a16:creationId xmlns:a16="http://schemas.microsoft.com/office/drawing/2014/main" id="{7BB3DCE4-2746-4ED9-9DD4-E09C31E37CC7}"/>
+                <a16:creationId xmlns:a16="http://schemas.microsoft.com/office/drawing/2014/main" xmlns="" id="{7BB3DCE4-2746-4ED9-9DD4-E09C31E37CC7}"/>
               </a:ext>
             </a:extLst>
           </p:cNvPr>
@@ -7518,7 +7445,7 @@
           <p:cNvPr id="3" name="Vertical Text Placeholder 2">
             <a:extLst>
               <a:ext uri="{FF2B5EF4-FFF2-40B4-BE49-F238E27FC236}">
-                <a16:creationId xmlns:a16="http://schemas.microsoft.com/office/drawing/2014/main" id="{09F3E9CE-C5CD-4F70-9F96-AFC989D139D7}"/>
+                <a16:creationId xmlns:a16="http://schemas.microsoft.com/office/drawing/2014/main" xmlns="" id="{09F3E9CE-C5CD-4F70-9F96-AFC989D139D7}"/>
               </a:ext>
             </a:extLst>
           </p:cNvPr>
@@ -7575,7 +7502,7 @@
           <p:cNvPr id="4" name="Date Placeholder 3">
             <a:extLst>
               <a:ext uri="{FF2B5EF4-FFF2-40B4-BE49-F238E27FC236}">
-                <a16:creationId xmlns:a16="http://schemas.microsoft.com/office/drawing/2014/main" id="{852543F3-C6B0-402D-98E9-C5509B403DC2}"/>
+                <a16:creationId xmlns:a16="http://schemas.microsoft.com/office/drawing/2014/main" xmlns="" id="{852543F3-C6B0-402D-98E9-C5509B403DC2}"/>
               </a:ext>
             </a:extLst>
           </p:cNvPr>
@@ -7593,7 +7520,7 @@
           <a:p>
             <a:fld id="{24935935-76DD-4851-A117-087A288262AA}" type="datetimeFigureOut">
               <a:rPr lang="en-US" smtClean="0"/>
-              <a:t>1/27/2020</a:t>
+              <a:t>1/27/20</a:t>
             </a:fld>
             <a:endParaRPr lang="en-US"/>
           </a:p>
@@ -7604,7 +7531,7 @@
           <p:cNvPr id="5" name="Footer Placeholder 4">
             <a:extLst>
               <a:ext uri="{FF2B5EF4-FFF2-40B4-BE49-F238E27FC236}">
-                <a16:creationId xmlns:a16="http://schemas.microsoft.com/office/drawing/2014/main" id="{049D4596-099F-4050-B8B0-2DAD883D6A87}"/>
+                <a16:creationId xmlns:a16="http://schemas.microsoft.com/office/drawing/2014/main" xmlns="" id="{049D4596-099F-4050-B8B0-2DAD883D6A87}"/>
               </a:ext>
             </a:extLst>
           </p:cNvPr>
@@ -7629,7 +7556,7 @@
           <p:cNvPr id="6" name="Slide Number Placeholder 5">
             <a:extLst>
               <a:ext uri="{FF2B5EF4-FFF2-40B4-BE49-F238E27FC236}">
-                <a16:creationId xmlns:a16="http://schemas.microsoft.com/office/drawing/2014/main" id="{DA19931A-EEB6-4EAB-8AFA-38FE3176A184}"/>
+                <a16:creationId xmlns:a16="http://schemas.microsoft.com/office/drawing/2014/main" xmlns="" id="{DA19931A-EEB6-4EAB-8AFA-38FE3176A184}"/>
               </a:ext>
             </a:extLst>
           </p:cNvPr>
@@ -7688,7 +7615,7 @@
           <p:cNvPr id="2" name="Vertical Title 1">
             <a:extLst>
               <a:ext uri="{FF2B5EF4-FFF2-40B4-BE49-F238E27FC236}">
-                <a16:creationId xmlns:a16="http://schemas.microsoft.com/office/drawing/2014/main" id="{F2B2A112-4197-46E0-9ECA-A89E4D51E165}"/>
+                <a16:creationId xmlns:a16="http://schemas.microsoft.com/office/drawing/2014/main" xmlns="" id="{F2B2A112-4197-46E0-9ECA-A89E4D51E165}"/>
               </a:ext>
             </a:extLst>
           </p:cNvPr>
@@ -7721,7 +7648,7 @@
           <p:cNvPr id="3" name="Vertical Text Placeholder 2">
             <a:extLst>
               <a:ext uri="{FF2B5EF4-FFF2-40B4-BE49-F238E27FC236}">
-                <a16:creationId xmlns:a16="http://schemas.microsoft.com/office/drawing/2014/main" id="{6C1BA8C7-A039-446C-9936-9FCEF4A667FB}"/>
+                <a16:creationId xmlns:a16="http://schemas.microsoft.com/office/drawing/2014/main" xmlns="" id="{6C1BA8C7-A039-446C-9936-9FCEF4A667FB}"/>
               </a:ext>
             </a:extLst>
           </p:cNvPr>
@@ -7783,7 +7710,7 @@
           <p:cNvPr id="4" name="Date Placeholder 3">
             <a:extLst>
               <a:ext uri="{FF2B5EF4-FFF2-40B4-BE49-F238E27FC236}">
-                <a16:creationId xmlns:a16="http://schemas.microsoft.com/office/drawing/2014/main" id="{1646D427-AC0A-4820-8935-166B3233FD22}"/>
+                <a16:creationId xmlns:a16="http://schemas.microsoft.com/office/drawing/2014/main" xmlns="" id="{1646D427-AC0A-4820-8935-166B3233FD22}"/>
               </a:ext>
             </a:extLst>
           </p:cNvPr>
@@ -7801,7 +7728,7 @@
           <a:p>
             <a:fld id="{24935935-76DD-4851-A117-087A288262AA}" type="datetimeFigureOut">
               <a:rPr lang="en-US" smtClean="0"/>
-              <a:t>1/27/2020</a:t>
+              <a:t>1/27/20</a:t>
             </a:fld>
             <a:endParaRPr lang="en-US"/>
           </a:p>
@@ -7812,7 +7739,7 @@
           <p:cNvPr id="5" name="Footer Placeholder 4">
             <a:extLst>
               <a:ext uri="{FF2B5EF4-FFF2-40B4-BE49-F238E27FC236}">
-                <a16:creationId xmlns:a16="http://schemas.microsoft.com/office/drawing/2014/main" id="{36FDF01E-C1DB-4C4A-852C-AA435D89A0DD}"/>
+                <a16:creationId xmlns:a16="http://schemas.microsoft.com/office/drawing/2014/main" xmlns="" id="{36FDF01E-C1DB-4C4A-852C-AA435D89A0DD}"/>
               </a:ext>
             </a:extLst>
           </p:cNvPr>
@@ -7837,7 +7764,7 @@
           <p:cNvPr id="6" name="Slide Number Placeholder 5">
             <a:extLst>
               <a:ext uri="{FF2B5EF4-FFF2-40B4-BE49-F238E27FC236}">
-                <a16:creationId xmlns:a16="http://schemas.microsoft.com/office/drawing/2014/main" id="{15898AAF-CB35-4C05-A61C-2EAD743198D6}"/>
+                <a16:creationId xmlns:a16="http://schemas.microsoft.com/office/drawing/2014/main" xmlns="" id="{15898AAF-CB35-4C05-A61C-2EAD743198D6}"/>
               </a:ext>
             </a:extLst>
           </p:cNvPr>
@@ -7896,7 +7823,7 @@
           <p:cNvPr id="6" name="Slide Number Placeholder 5">
             <a:extLst>
               <a:ext uri="{FF2B5EF4-FFF2-40B4-BE49-F238E27FC236}">
-                <a16:creationId xmlns:a16="http://schemas.microsoft.com/office/drawing/2014/main" id="{07D21F40-B884-4EB9-990B-7ACFD96EAC60}"/>
+                <a16:creationId xmlns:a16="http://schemas.microsoft.com/office/drawing/2014/main" xmlns="" id="{07D21F40-B884-4EB9-990B-7ACFD96EAC60}"/>
               </a:ext>
             </a:extLst>
           </p:cNvPr>
@@ -7930,7 +7857,7 @@
           <p:cNvPr id="7" name="Title 1">
             <a:extLst>
               <a:ext uri="{FF2B5EF4-FFF2-40B4-BE49-F238E27FC236}">
-                <a16:creationId xmlns:a16="http://schemas.microsoft.com/office/drawing/2014/main" id="{03B777CA-3AD4-4055-A6F3-D229173E3BA8}"/>
+                <a16:creationId xmlns:a16="http://schemas.microsoft.com/office/drawing/2014/main" xmlns="" id="{03B777CA-3AD4-4055-A6F3-D229173E3BA8}"/>
               </a:ext>
             </a:extLst>
           </p:cNvPr>
@@ -7986,7 +7913,7 @@
           <p:cNvPr id="8" name="Picture 7">
             <a:extLst>
               <a:ext uri="{FF2B5EF4-FFF2-40B4-BE49-F238E27FC236}">
-                <a16:creationId xmlns:a16="http://schemas.microsoft.com/office/drawing/2014/main" id="{6A0BBE32-C829-4534-92AA-0A9402AC06A8}"/>
+                <a16:creationId xmlns:a16="http://schemas.microsoft.com/office/drawing/2014/main" xmlns="" id="{6A0BBE32-C829-4534-92AA-0A9402AC06A8}"/>
               </a:ext>
             </a:extLst>
           </p:cNvPr>
@@ -8028,7 +7955,7 @@
           <p:cNvPr id="10" name="Straight Connector 9">
             <a:extLst>
               <a:ext uri="{FF2B5EF4-FFF2-40B4-BE49-F238E27FC236}">
-                <a16:creationId xmlns:a16="http://schemas.microsoft.com/office/drawing/2014/main" id="{2BB05C14-85FE-410B-8AD5-1D038FDD03F1}"/>
+                <a16:creationId xmlns:a16="http://schemas.microsoft.com/office/drawing/2014/main" xmlns="" id="{2BB05C14-85FE-410B-8AD5-1D038FDD03F1}"/>
               </a:ext>
             </a:extLst>
           </p:cNvPr>
@@ -8073,7 +8000,7 @@
           <p:cNvPr id="11" name="Group 10">
             <a:extLst>
               <a:ext uri="{FF2B5EF4-FFF2-40B4-BE49-F238E27FC236}">
-                <a16:creationId xmlns:a16="http://schemas.microsoft.com/office/drawing/2014/main" id="{A3D46243-E60C-4C42-8F85-FC3B9343AFAF}"/>
+                <a16:creationId xmlns:a16="http://schemas.microsoft.com/office/drawing/2014/main" xmlns="" id="{A3D46243-E60C-4C42-8F85-FC3B9343AFAF}"/>
               </a:ext>
             </a:extLst>
           </p:cNvPr>
@@ -8093,7 +8020,7 @@
             <p:cNvPr id="12" name="Rectangle 11">
               <a:extLst>
                 <a:ext uri="{FF2B5EF4-FFF2-40B4-BE49-F238E27FC236}">
-                  <a16:creationId xmlns:a16="http://schemas.microsoft.com/office/drawing/2014/main" id="{329F7269-A063-44EA-B098-36C03E952B4A}"/>
+                  <a16:creationId xmlns:a16="http://schemas.microsoft.com/office/drawing/2014/main" xmlns="" id="{329F7269-A063-44EA-B098-36C03E952B4A}"/>
                 </a:ext>
               </a:extLst>
             </p:cNvPr>
@@ -8147,7 +8074,7 @@
             <p:cNvPr id="13" name="Subtitle 2">
               <a:extLst>
                 <a:ext uri="{FF2B5EF4-FFF2-40B4-BE49-F238E27FC236}">
-                  <a16:creationId xmlns:a16="http://schemas.microsoft.com/office/drawing/2014/main" id="{FC20886B-EE56-477E-B213-33D73F60992C}"/>
+                  <a16:creationId xmlns:a16="http://schemas.microsoft.com/office/drawing/2014/main" xmlns="" id="{FC20886B-EE56-477E-B213-33D73F60992C}"/>
                 </a:ext>
               </a:extLst>
             </p:cNvPr>
@@ -8357,7 +8284,7 @@
             <p:cNvPr id="14" name="Rectangle 13">
               <a:extLst>
                 <a:ext uri="{FF2B5EF4-FFF2-40B4-BE49-F238E27FC236}">
-                  <a16:creationId xmlns:a16="http://schemas.microsoft.com/office/drawing/2014/main" id="{41B169CF-1DA2-49FF-A171-CA3011076EC0}"/>
+                  <a16:creationId xmlns:a16="http://schemas.microsoft.com/office/drawing/2014/main" xmlns="" id="{41B169CF-1DA2-49FF-A171-CA3011076EC0}"/>
                 </a:ext>
               </a:extLst>
             </p:cNvPr>
@@ -8555,7 +8482,7 @@
               </a:solidFill>
               <a:extLst>
                 <a:ext uri="{C807C97D-BFC1-408E-A445-0C87EB9F89A2}">
-                  <ask:lineSketchStyleProps xmlns:ask="http://schemas.microsoft.com/office/drawing/2018/sketchyshapes" sd="1219033472">
+                  <ask:lineSketchStyleProps xmlns:ask="http://schemas.microsoft.com/office/drawing/2018/sketchyshapes" xmlns="" sd="1219033472">
                     <a:prstGeom prst="rect">
                       <a:avLst/>
                     </a:prstGeom>
@@ -8635,7 +8562,7 @@
           <p:cNvPr id="18" name="Text Placeholder 17">
             <a:extLst>
               <a:ext uri="{FF2B5EF4-FFF2-40B4-BE49-F238E27FC236}">
-                <a16:creationId xmlns:a16="http://schemas.microsoft.com/office/drawing/2014/main" id="{34EE5573-A9CB-4BD1-BEAD-BE9DA2AD4B65}"/>
+                <a16:creationId xmlns:a16="http://schemas.microsoft.com/office/drawing/2014/main" xmlns="" id="{34EE5573-A9CB-4BD1-BEAD-BE9DA2AD4B65}"/>
               </a:ext>
             </a:extLst>
           </p:cNvPr>
@@ -8657,7 +8584,7 @@
           <a:lstStyle>
             <a:lvl1pPr marL="0" indent="0" algn="l">
               <a:buNone/>
-              <a:defRPr>
+              <a:defRPr strike="noStrike">
                 <a:latin typeface="Karla" pitchFamily="2" charset="0"/>
               </a:defRPr>
             </a:lvl1pPr>
@@ -8700,7 +8627,7 @@
           <p:cNvPr id="20" name="Text Placeholder 17">
             <a:extLst>
               <a:ext uri="{FF2B5EF4-FFF2-40B4-BE49-F238E27FC236}">
-                <a16:creationId xmlns:a16="http://schemas.microsoft.com/office/drawing/2014/main" id="{D405074A-E0C4-4294-A5E4-68039E1DF60D}"/>
+                <a16:creationId xmlns:a16="http://schemas.microsoft.com/office/drawing/2014/main" xmlns="" id="{D405074A-E0C4-4294-A5E4-68039E1DF60D}"/>
               </a:ext>
             </a:extLst>
           </p:cNvPr>
@@ -8767,7 +8694,7 @@
           <p:cNvPr id="3" name="Picture Placeholder 2">
             <a:extLst>
               <a:ext uri="{FF2B5EF4-FFF2-40B4-BE49-F238E27FC236}">
-                <a16:creationId xmlns:a16="http://schemas.microsoft.com/office/drawing/2014/main" id="{2F14F5B9-510A-4D5A-82FC-79B9376B2E70}"/>
+                <a16:creationId xmlns:a16="http://schemas.microsoft.com/office/drawing/2014/main" xmlns="" id="{2F14F5B9-510A-4D5A-82FC-79B9376B2E70}"/>
               </a:ext>
             </a:extLst>
           </p:cNvPr>
@@ -8827,7 +8754,7 @@
           <p:cNvPr id="6" name="Slide Number Placeholder 5">
             <a:extLst>
               <a:ext uri="{FF2B5EF4-FFF2-40B4-BE49-F238E27FC236}">
-                <a16:creationId xmlns:a16="http://schemas.microsoft.com/office/drawing/2014/main" id="{07D21F40-B884-4EB9-990B-7ACFD96EAC60}"/>
+                <a16:creationId xmlns:a16="http://schemas.microsoft.com/office/drawing/2014/main" xmlns="" id="{07D21F40-B884-4EB9-990B-7ACFD96EAC60}"/>
               </a:ext>
             </a:extLst>
           </p:cNvPr>
@@ -8861,7 +8788,7 @@
           <p:cNvPr id="7" name="Title 1">
             <a:extLst>
               <a:ext uri="{FF2B5EF4-FFF2-40B4-BE49-F238E27FC236}">
-                <a16:creationId xmlns:a16="http://schemas.microsoft.com/office/drawing/2014/main" id="{03B777CA-3AD4-4055-A6F3-D229173E3BA8}"/>
+                <a16:creationId xmlns:a16="http://schemas.microsoft.com/office/drawing/2014/main" xmlns="" id="{03B777CA-3AD4-4055-A6F3-D229173E3BA8}"/>
               </a:ext>
             </a:extLst>
           </p:cNvPr>
@@ -8917,7 +8844,7 @@
           <p:cNvPr id="8" name="Picture 7">
             <a:extLst>
               <a:ext uri="{FF2B5EF4-FFF2-40B4-BE49-F238E27FC236}">
-                <a16:creationId xmlns:a16="http://schemas.microsoft.com/office/drawing/2014/main" id="{6A0BBE32-C829-4534-92AA-0A9402AC06A8}"/>
+                <a16:creationId xmlns:a16="http://schemas.microsoft.com/office/drawing/2014/main" xmlns="" id="{6A0BBE32-C829-4534-92AA-0A9402AC06A8}"/>
               </a:ext>
             </a:extLst>
           </p:cNvPr>
@@ -8959,7 +8886,7 @@
           <p:cNvPr id="11" name="Group 10">
             <a:extLst>
               <a:ext uri="{FF2B5EF4-FFF2-40B4-BE49-F238E27FC236}">
-                <a16:creationId xmlns:a16="http://schemas.microsoft.com/office/drawing/2014/main" id="{A3D46243-E60C-4C42-8F85-FC3B9343AFAF}"/>
+                <a16:creationId xmlns:a16="http://schemas.microsoft.com/office/drawing/2014/main" xmlns="" id="{A3D46243-E60C-4C42-8F85-FC3B9343AFAF}"/>
               </a:ext>
             </a:extLst>
           </p:cNvPr>
@@ -8979,7 +8906,7 @@
             <p:cNvPr id="12" name="Rectangle 11">
               <a:extLst>
                 <a:ext uri="{FF2B5EF4-FFF2-40B4-BE49-F238E27FC236}">
-                  <a16:creationId xmlns:a16="http://schemas.microsoft.com/office/drawing/2014/main" id="{329F7269-A063-44EA-B098-36C03E952B4A}"/>
+                  <a16:creationId xmlns:a16="http://schemas.microsoft.com/office/drawing/2014/main" xmlns="" id="{329F7269-A063-44EA-B098-36C03E952B4A}"/>
                 </a:ext>
               </a:extLst>
             </p:cNvPr>
@@ -9033,7 +8960,7 @@
             <p:cNvPr id="13" name="Subtitle 2">
               <a:extLst>
                 <a:ext uri="{FF2B5EF4-FFF2-40B4-BE49-F238E27FC236}">
-                  <a16:creationId xmlns:a16="http://schemas.microsoft.com/office/drawing/2014/main" id="{FC20886B-EE56-477E-B213-33D73F60992C}"/>
+                  <a16:creationId xmlns:a16="http://schemas.microsoft.com/office/drawing/2014/main" xmlns="" id="{FC20886B-EE56-477E-B213-33D73F60992C}"/>
                 </a:ext>
               </a:extLst>
             </p:cNvPr>
@@ -9243,7 +9170,7 @@
             <p:cNvPr id="14" name="Rectangle 13">
               <a:extLst>
                 <a:ext uri="{FF2B5EF4-FFF2-40B4-BE49-F238E27FC236}">
-                  <a16:creationId xmlns:a16="http://schemas.microsoft.com/office/drawing/2014/main" id="{41B169CF-1DA2-49FF-A171-CA3011076EC0}"/>
+                  <a16:creationId xmlns:a16="http://schemas.microsoft.com/office/drawing/2014/main" xmlns="" id="{41B169CF-1DA2-49FF-A171-CA3011076EC0}"/>
                 </a:ext>
               </a:extLst>
             </p:cNvPr>
@@ -9441,7 +9368,7 @@
               </a:solidFill>
               <a:extLst>
                 <a:ext uri="{C807C97D-BFC1-408E-A445-0C87EB9F89A2}">
-                  <ask:lineSketchStyleProps xmlns:ask="http://schemas.microsoft.com/office/drawing/2018/sketchyshapes" sd="1219033472">
+                  <ask:lineSketchStyleProps xmlns:ask="http://schemas.microsoft.com/office/drawing/2018/sketchyshapes" xmlns="" sd="1219033472">
                     <a:prstGeom prst="rect">
                       <a:avLst/>
                     </a:prstGeom>
@@ -9521,7 +9448,7 @@
           <p:cNvPr id="18" name="Text Placeholder 17">
             <a:extLst>
               <a:ext uri="{FF2B5EF4-FFF2-40B4-BE49-F238E27FC236}">
-                <a16:creationId xmlns:a16="http://schemas.microsoft.com/office/drawing/2014/main" id="{34EE5573-A9CB-4BD1-BEAD-BE9DA2AD4B65}"/>
+                <a16:creationId xmlns:a16="http://schemas.microsoft.com/office/drawing/2014/main" xmlns="" id="{34EE5573-A9CB-4BD1-BEAD-BE9DA2AD4B65}"/>
               </a:ext>
             </a:extLst>
           </p:cNvPr>
@@ -9586,7 +9513,7 @@
           <p:cNvPr id="3" name="Picture Placeholder 2">
             <a:extLst>
               <a:ext uri="{FF2B5EF4-FFF2-40B4-BE49-F238E27FC236}">
-                <a16:creationId xmlns:a16="http://schemas.microsoft.com/office/drawing/2014/main" id="{2F14F5B9-510A-4D5A-82FC-79B9376B2E70}"/>
+                <a16:creationId xmlns:a16="http://schemas.microsoft.com/office/drawing/2014/main" xmlns="" id="{2F14F5B9-510A-4D5A-82FC-79B9376B2E70}"/>
               </a:ext>
             </a:extLst>
           </p:cNvPr>
@@ -9646,7 +9573,7 @@
           <p:cNvPr id="2" name="Title 1">
             <a:extLst>
               <a:ext uri="{FF2B5EF4-FFF2-40B4-BE49-F238E27FC236}">
-                <a16:creationId xmlns:a16="http://schemas.microsoft.com/office/drawing/2014/main" id="{2090AE0E-3D2D-4DD3-A088-54A6ABD20EBF}"/>
+                <a16:creationId xmlns:a16="http://schemas.microsoft.com/office/drawing/2014/main" xmlns="" id="{2090AE0E-3D2D-4DD3-A088-54A6ABD20EBF}"/>
               </a:ext>
             </a:extLst>
           </p:cNvPr>
@@ -9683,7 +9610,7 @@
           <p:cNvPr id="3" name="Text Placeholder 2">
             <a:extLst>
               <a:ext uri="{FF2B5EF4-FFF2-40B4-BE49-F238E27FC236}">
-                <a16:creationId xmlns:a16="http://schemas.microsoft.com/office/drawing/2014/main" id="{BA9417B5-0375-4E58-BD11-7116442B6EB6}"/>
+                <a16:creationId xmlns:a16="http://schemas.microsoft.com/office/drawing/2014/main" xmlns="" id="{BA9417B5-0375-4E58-BD11-7116442B6EB6}"/>
               </a:ext>
             </a:extLst>
           </p:cNvPr>
@@ -9808,7 +9735,7 @@
           <p:cNvPr id="4" name="Date Placeholder 3">
             <a:extLst>
               <a:ext uri="{FF2B5EF4-FFF2-40B4-BE49-F238E27FC236}">
-                <a16:creationId xmlns:a16="http://schemas.microsoft.com/office/drawing/2014/main" id="{DAE34B77-129B-4E29-931D-491AD03CEB53}"/>
+                <a16:creationId xmlns:a16="http://schemas.microsoft.com/office/drawing/2014/main" xmlns="" id="{DAE34B77-129B-4E29-931D-491AD03CEB53}"/>
               </a:ext>
             </a:extLst>
           </p:cNvPr>
@@ -9826,7 +9753,7 @@
           <a:p>
             <a:fld id="{BD43FDEE-31B2-4A81-9764-6BBEE99A1C59}" type="datetimeFigureOut">
               <a:rPr lang="en-US" smtClean="0"/>
-              <a:t>1/27/2020</a:t>
+              <a:t>1/27/20</a:t>
             </a:fld>
             <a:endParaRPr lang="en-US"/>
           </a:p>
@@ -9837,7 +9764,7 @@
           <p:cNvPr id="5" name="Footer Placeholder 4">
             <a:extLst>
               <a:ext uri="{FF2B5EF4-FFF2-40B4-BE49-F238E27FC236}">
-                <a16:creationId xmlns:a16="http://schemas.microsoft.com/office/drawing/2014/main" id="{F5513681-3B4B-4A76-A8D0-8C9BE7C56243}"/>
+                <a16:creationId xmlns:a16="http://schemas.microsoft.com/office/drawing/2014/main" xmlns="" id="{F5513681-3B4B-4A76-A8D0-8C9BE7C56243}"/>
               </a:ext>
             </a:extLst>
           </p:cNvPr>
@@ -9862,7 +9789,7 @@
           <p:cNvPr id="6" name="Slide Number Placeholder 5">
             <a:extLst>
               <a:ext uri="{FF2B5EF4-FFF2-40B4-BE49-F238E27FC236}">
-                <a16:creationId xmlns:a16="http://schemas.microsoft.com/office/drawing/2014/main" id="{82847D2B-8EBB-441C-8E47-18446BDF4D04}"/>
+                <a16:creationId xmlns:a16="http://schemas.microsoft.com/office/drawing/2014/main" xmlns="" id="{82847D2B-8EBB-441C-8E47-18446BDF4D04}"/>
               </a:ext>
             </a:extLst>
           </p:cNvPr>
@@ -9921,7 +9848,7 @@
           <p:cNvPr id="2" name="Title 1">
             <a:extLst>
               <a:ext uri="{FF2B5EF4-FFF2-40B4-BE49-F238E27FC236}">
-                <a16:creationId xmlns:a16="http://schemas.microsoft.com/office/drawing/2014/main" id="{0DE1F2ED-72BE-4DD8-94CE-4B0C2D8091ED}"/>
+                <a16:creationId xmlns:a16="http://schemas.microsoft.com/office/drawing/2014/main" xmlns="" id="{0DE1F2ED-72BE-4DD8-94CE-4B0C2D8091ED}"/>
               </a:ext>
             </a:extLst>
           </p:cNvPr>
@@ -9949,7 +9876,7 @@
           <p:cNvPr id="3" name="Content Placeholder 2">
             <a:extLst>
               <a:ext uri="{FF2B5EF4-FFF2-40B4-BE49-F238E27FC236}">
-                <a16:creationId xmlns:a16="http://schemas.microsoft.com/office/drawing/2014/main" id="{FCC6CF6B-4002-4738-A7AF-0302A3B19A64}"/>
+                <a16:creationId xmlns:a16="http://schemas.microsoft.com/office/drawing/2014/main" xmlns="" id="{FCC6CF6B-4002-4738-A7AF-0302A3B19A64}"/>
               </a:ext>
             </a:extLst>
           </p:cNvPr>
@@ -10011,7 +9938,7 @@
           <p:cNvPr id="4" name="Content Placeholder 3">
             <a:extLst>
               <a:ext uri="{FF2B5EF4-FFF2-40B4-BE49-F238E27FC236}">
-                <a16:creationId xmlns:a16="http://schemas.microsoft.com/office/drawing/2014/main" id="{0FC8283B-2D96-4C78-92BF-4892A85ED2B9}"/>
+                <a16:creationId xmlns:a16="http://schemas.microsoft.com/office/drawing/2014/main" xmlns="" id="{0FC8283B-2D96-4C78-92BF-4892A85ED2B9}"/>
               </a:ext>
             </a:extLst>
           </p:cNvPr>
@@ -10073,7 +10000,7 @@
           <p:cNvPr id="5" name="Date Placeholder 4">
             <a:extLst>
               <a:ext uri="{FF2B5EF4-FFF2-40B4-BE49-F238E27FC236}">
-                <a16:creationId xmlns:a16="http://schemas.microsoft.com/office/drawing/2014/main" id="{7DE23919-CD51-420A-B1E2-8E50F913FBA7}"/>
+                <a16:creationId xmlns:a16="http://schemas.microsoft.com/office/drawing/2014/main" xmlns="" id="{7DE23919-CD51-420A-B1E2-8E50F913FBA7}"/>
               </a:ext>
             </a:extLst>
           </p:cNvPr>
@@ -10091,7 +10018,7 @@
           <a:p>
             <a:fld id="{BD43FDEE-31B2-4A81-9764-6BBEE99A1C59}" type="datetimeFigureOut">
               <a:rPr lang="en-US" smtClean="0"/>
-              <a:t>1/27/2020</a:t>
+              <a:t>1/27/20</a:t>
             </a:fld>
             <a:endParaRPr lang="en-US"/>
           </a:p>
@@ -10102,7 +10029,7 @@
           <p:cNvPr id="6" name="Footer Placeholder 5">
             <a:extLst>
               <a:ext uri="{FF2B5EF4-FFF2-40B4-BE49-F238E27FC236}">
-                <a16:creationId xmlns:a16="http://schemas.microsoft.com/office/drawing/2014/main" id="{B5FF7044-4DCC-44A1-9D44-55A8F0A14519}"/>
+                <a16:creationId xmlns:a16="http://schemas.microsoft.com/office/drawing/2014/main" xmlns="" id="{B5FF7044-4DCC-44A1-9D44-55A8F0A14519}"/>
               </a:ext>
             </a:extLst>
           </p:cNvPr>
@@ -10127,7 +10054,7 @@
           <p:cNvPr id="7" name="Slide Number Placeholder 6">
             <a:extLst>
               <a:ext uri="{FF2B5EF4-FFF2-40B4-BE49-F238E27FC236}">
-                <a16:creationId xmlns:a16="http://schemas.microsoft.com/office/drawing/2014/main" id="{F0F4D7C0-E187-428E-AF27-0D6CF26B7133}"/>
+                <a16:creationId xmlns:a16="http://schemas.microsoft.com/office/drawing/2014/main" xmlns="" id="{F0F4D7C0-E187-428E-AF27-0D6CF26B7133}"/>
               </a:ext>
             </a:extLst>
           </p:cNvPr>
@@ -10186,7 +10113,7 @@
           <p:cNvPr id="2" name="Title 1">
             <a:extLst>
               <a:ext uri="{FF2B5EF4-FFF2-40B4-BE49-F238E27FC236}">
-                <a16:creationId xmlns:a16="http://schemas.microsoft.com/office/drawing/2014/main" id="{B515571D-C72D-46B8-B8A2-31612A26A7DE}"/>
+                <a16:creationId xmlns:a16="http://schemas.microsoft.com/office/drawing/2014/main" xmlns="" id="{B515571D-C72D-46B8-B8A2-31612A26A7DE}"/>
               </a:ext>
             </a:extLst>
           </p:cNvPr>
@@ -10219,7 +10146,7 @@
           <p:cNvPr id="3" name="Text Placeholder 2">
             <a:extLst>
               <a:ext uri="{FF2B5EF4-FFF2-40B4-BE49-F238E27FC236}">
-                <a16:creationId xmlns:a16="http://schemas.microsoft.com/office/drawing/2014/main" id="{69F4ADE5-5D63-4679-BB12-76841445212E}"/>
+                <a16:creationId xmlns:a16="http://schemas.microsoft.com/office/drawing/2014/main" xmlns="" id="{69F4ADE5-5D63-4679-BB12-76841445212E}"/>
               </a:ext>
             </a:extLst>
           </p:cNvPr>
@@ -10290,7 +10217,7 @@
           <p:cNvPr id="4" name="Content Placeholder 3">
             <a:extLst>
               <a:ext uri="{FF2B5EF4-FFF2-40B4-BE49-F238E27FC236}">
-                <a16:creationId xmlns:a16="http://schemas.microsoft.com/office/drawing/2014/main" id="{4E816A70-32A5-4774-9011-E98E854D0F32}"/>
+                <a16:creationId xmlns:a16="http://schemas.microsoft.com/office/drawing/2014/main" xmlns="" id="{4E816A70-32A5-4774-9011-E98E854D0F32}"/>
               </a:ext>
             </a:extLst>
           </p:cNvPr>
@@ -10352,7 +10279,7 @@
           <p:cNvPr id="5" name="Text Placeholder 4">
             <a:extLst>
               <a:ext uri="{FF2B5EF4-FFF2-40B4-BE49-F238E27FC236}">
-                <a16:creationId xmlns:a16="http://schemas.microsoft.com/office/drawing/2014/main" id="{8344A42C-EF50-4484-8107-6865AE04C82D}"/>
+                <a16:creationId xmlns:a16="http://schemas.microsoft.com/office/drawing/2014/main" xmlns="" id="{8344A42C-EF50-4484-8107-6865AE04C82D}"/>
               </a:ext>
             </a:extLst>
           </p:cNvPr>
@@ -10423,7 +10350,7 @@
           <p:cNvPr id="6" name="Content Placeholder 5">
             <a:extLst>
               <a:ext uri="{FF2B5EF4-FFF2-40B4-BE49-F238E27FC236}">
-                <a16:creationId xmlns:a16="http://schemas.microsoft.com/office/drawing/2014/main" id="{DDD403B5-D1E9-4893-858D-700F1F59D7D3}"/>
+                <a16:creationId xmlns:a16="http://schemas.microsoft.com/office/drawing/2014/main" xmlns="" id="{DDD403B5-D1E9-4893-858D-700F1F59D7D3}"/>
               </a:ext>
             </a:extLst>
           </p:cNvPr>
@@ -10485,7 +10412,7 @@
           <p:cNvPr id="7" name="Date Placeholder 6">
             <a:extLst>
               <a:ext uri="{FF2B5EF4-FFF2-40B4-BE49-F238E27FC236}">
-                <a16:creationId xmlns:a16="http://schemas.microsoft.com/office/drawing/2014/main" id="{69BE89E4-0597-4FCA-B2CC-5C39952FE205}"/>
+                <a16:creationId xmlns:a16="http://schemas.microsoft.com/office/drawing/2014/main" xmlns="" id="{69BE89E4-0597-4FCA-B2CC-5C39952FE205}"/>
               </a:ext>
             </a:extLst>
           </p:cNvPr>
@@ -10503,7 +10430,7 @@
           <a:p>
             <a:fld id="{BD43FDEE-31B2-4A81-9764-6BBEE99A1C59}" type="datetimeFigureOut">
               <a:rPr lang="en-US" smtClean="0"/>
-              <a:t>1/27/2020</a:t>
+              <a:t>1/27/20</a:t>
             </a:fld>
             <a:endParaRPr lang="en-US"/>
           </a:p>
@@ -10514,7 +10441,7 @@
           <p:cNvPr id="8" name="Footer Placeholder 7">
             <a:extLst>
               <a:ext uri="{FF2B5EF4-FFF2-40B4-BE49-F238E27FC236}">
-                <a16:creationId xmlns:a16="http://schemas.microsoft.com/office/drawing/2014/main" id="{A09AA24C-983E-4574-AD2E-DEAAC9493132}"/>
+                <a16:creationId xmlns:a16="http://schemas.microsoft.com/office/drawing/2014/main" xmlns="" id="{A09AA24C-983E-4574-AD2E-DEAAC9493132}"/>
               </a:ext>
             </a:extLst>
           </p:cNvPr>
@@ -10539,7 +10466,7 @@
           <p:cNvPr id="9" name="Slide Number Placeholder 8">
             <a:extLst>
               <a:ext uri="{FF2B5EF4-FFF2-40B4-BE49-F238E27FC236}">
-                <a16:creationId xmlns:a16="http://schemas.microsoft.com/office/drawing/2014/main" id="{38395CF7-C47D-479A-95D5-FB24982E7F7C}"/>
+                <a16:creationId xmlns:a16="http://schemas.microsoft.com/office/drawing/2014/main" xmlns="" id="{38395CF7-C47D-479A-95D5-FB24982E7F7C}"/>
               </a:ext>
             </a:extLst>
           </p:cNvPr>
@@ -10598,7 +10525,7 @@
           <p:cNvPr id="2" name="Title 1">
             <a:extLst>
               <a:ext uri="{FF2B5EF4-FFF2-40B4-BE49-F238E27FC236}">
-                <a16:creationId xmlns:a16="http://schemas.microsoft.com/office/drawing/2014/main" id="{31825941-5F0C-4AF3-9FF7-C62EB7772864}"/>
+                <a16:creationId xmlns:a16="http://schemas.microsoft.com/office/drawing/2014/main" xmlns="" id="{31825941-5F0C-4AF3-9FF7-C62EB7772864}"/>
               </a:ext>
             </a:extLst>
           </p:cNvPr>
@@ -10626,7 +10553,7 @@
           <p:cNvPr id="3" name="Date Placeholder 2">
             <a:extLst>
               <a:ext uri="{FF2B5EF4-FFF2-40B4-BE49-F238E27FC236}">
-                <a16:creationId xmlns:a16="http://schemas.microsoft.com/office/drawing/2014/main" id="{0253418F-F5DC-4AB8-BF33-D1B66442FAEF}"/>
+                <a16:creationId xmlns:a16="http://schemas.microsoft.com/office/drawing/2014/main" xmlns="" id="{0253418F-F5DC-4AB8-BF33-D1B66442FAEF}"/>
               </a:ext>
             </a:extLst>
           </p:cNvPr>
@@ -10644,7 +10571,7 @@
           <a:p>
             <a:fld id="{BD43FDEE-31B2-4A81-9764-6BBEE99A1C59}" type="datetimeFigureOut">
               <a:rPr lang="en-US" smtClean="0"/>
-              <a:t>1/27/2020</a:t>
+              <a:t>1/27/20</a:t>
             </a:fld>
             <a:endParaRPr lang="en-US"/>
           </a:p>
@@ -10655,7 +10582,7 @@
           <p:cNvPr id="4" name="Footer Placeholder 3">
             <a:extLst>
               <a:ext uri="{FF2B5EF4-FFF2-40B4-BE49-F238E27FC236}">
-                <a16:creationId xmlns:a16="http://schemas.microsoft.com/office/drawing/2014/main" id="{C1747B7C-070D-45FE-854B-ED3509BAD2BE}"/>
+                <a16:creationId xmlns:a16="http://schemas.microsoft.com/office/drawing/2014/main" xmlns="" id="{C1747B7C-070D-45FE-854B-ED3509BAD2BE}"/>
               </a:ext>
             </a:extLst>
           </p:cNvPr>
@@ -10680,7 +10607,7 @@
           <p:cNvPr id="5" name="Slide Number Placeholder 4">
             <a:extLst>
               <a:ext uri="{FF2B5EF4-FFF2-40B4-BE49-F238E27FC236}">
-                <a16:creationId xmlns:a16="http://schemas.microsoft.com/office/drawing/2014/main" id="{51ED0B33-892C-49C2-BCFA-F29E20B54A70}"/>
+                <a16:creationId xmlns:a16="http://schemas.microsoft.com/office/drawing/2014/main" xmlns="" id="{51ED0B33-892C-49C2-BCFA-F29E20B54A70}"/>
               </a:ext>
             </a:extLst>
           </p:cNvPr>
@@ -10744,7 +10671,7 @@
           <p:cNvPr id="2" name="Title Placeholder 1">
             <a:extLst>
               <a:ext uri="{FF2B5EF4-FFF2-40B4-BE49-F238E27FC236}">
-                <a16:creationId xmlns:a16="http://schemas.microsoft.com/office/drawing/2014/main" id="{4775A242-39D5-4B7C-9B92-CC2C69952786}"/>
+                <a16:creationId xmlns:a16="http://schemas.microsoft.com/office/drawing/2014/main" xmlns="" id="{4775A242-39D5-4B7C-9B92-CC2C69952786}"/>
               </a:ext>
             </a:extLst>
           </p:cNvPr>
@@ -10782,7 +10709,7 @@
           <p:cNvPr id="3" name="Text Placeholder 2">
             <a:extLst>
               <a:ext uri="{FF2B5EF4-FFF2-40B4-BE49-F238E27FC236}">
-                <a16:creationId xmlns:a16="http://schemas.microsoft.com/office/drawing/2014/main" id="{72A8C6CF-CE09-4E90-B6D3-B52EE359022C}"/>
+                <a16:creationId xmlns:a16="http://schemas.microsoft.com/office/drawing/2014/main" xmlns="" id="{72A8C6CF-CE09-4E90-B6D3-B52EE359022C}"/>
               </a:ext>
             </a:extLst>
           </p:cNvPr>
@@ -10849,7 +10776,7 @@
           <p:cNvPr id="4" name="Date Placeholder 3">
             <a:extLst>
               <a:ext uri="{FF2B5EF4-FFF2-40B4-BE49-F238E27FC236}">
-                <a16:creationId xmlns:a16="http://schemas.microsoft.com/office/drawing/2014/main" id="{79BC9812-0BAE-4197-A8ED-0ECA69802C60}"/>
+                <a16:creationId xmlns:a16="http://schemas.microsoft.com/office/drawing/2014/main" xmlns="" id="{79BC9812-0BAE-4197-A8ED-0ECA69802C60}"/>
               </a:ext>
             </a:extLst>
           </p:cNvPr>
@@ -10885,7 +10812,7 @@
           <a:p>
             <a:fld id="{BD43FDEE-31B2-4A81-9764-6BBEE99A1C59}" type="datetimeFigureOut">
               <a:rPr lang="en-US" smtClean="0"/>
-              <a:t>1/27/2020</a:t>
+              <a:t>1/27/20</a:t>
             </a:fld>
             <a:endParaRPr lang="en-US"/>
           </a:p>
@@ -10896,7 +10823,7 @@
           <p:cNvPr id="5" name="Footer Placeholder 4">
             <a:extLst>
               <a:ext uri="{FF2B5EF4-FFF2-40B4-BE49-F238E27FC236}">
-                <a16:creationId xmlns:a16="http://schemas.microsoft.com/office/drawing/2014/main" id="{0F31BF50-69FB-4CCB-B287-12951961AAC9}"/>
+                <a16:creationId xmlns:a16="http://schemas.microsoft.com/office/drawing/2014/main" xmlns="" id="{0F31BF50-69FB-4CCB-B287-12951961AAC9}"/>
               </a:ext>
             </a:extLst>
           </p:cNvPr>
@@ -10939,7 +10866,7 @@
           <p:cNvPr id="6" name="Slide Number Placeholder 5">
             <a:extLst>
               <a:ext uri="{FF2B5EF4-FFF2-40B4-BE49-F238E27FC236}">
-                <a16:creationId xmlns:a16="http://schemas.microsoft.com/office/drawing/2014/main" id="{98B34D4B-AD91-4485-8D71-964F0EE9DACC}"/>
+                <a16:creationId xmlns:a16="http://schemas.microsoft.com/office/drawing/2014/main" xmlns="" id="{98B34D4B-AD91-4485-8D71-964F0EE9DACC}"/>
               </a:ext>
             </a:extLst>
           </p:cNvPr>
@@ -11315,7 +11242,7 @@
           <p:cNvPr id="2" name="Title Placeholder 1">
             <a:extLst>
               <a:ext uri="{FF2B5EF4-FFF2-40B4-BE49-F238E27FC236}">
-                <a16:creationId xmlns:a16="http://schemas.microsoft.com/office/drawing/2014/main" id="{90A1AB2E-16A6-4887-876A-49594E6150CB}"/>
+                <a16:creationId xmlns:a16="http://schemas.microsoft.com/office/drawing/2014/main" xmlns="" id="{90A1AB2E-16A6-4887-876A-49594E6150CB}"/>
               </a:ext>
             </a:extLst>
           </p:cNvPr>
@@ -11353,7 +11280,7 @@
           <p:cNvPr id="3" name="Text Placeholder 2">
             <a:extLst>
               <a:ext uri="{FF2B5EF4-FFF2-40B4-BE49-F238E27FC236}">
-                <a16:creationId xmlns:a16="http://schemas.microsoft.com/office/drawing/2014/main" id="{42E453CE-7404-45C9-A80F-8105D4ECD86D}"/>
+                <a16:creationId xmlns:a16="http://schemas.microsoft.com/office/drawing/2014/main" xmlns="" id="{42E453CE-7404-45C9-A80F-8105D4ECD86D}"/>
               </a:ext>
             </a:extLst>
           </p:cNvPr>
@@ -11420,7 +11347,7 @@
           <p:cNvPr id="4" name="Date Placeholder 3">
             <a:extLst>
               <a:ext uri="{FF2B5EF4-FFF2-40B4-BE49-F238E27FC236}">
-                <a16:creationId xmlns:a16="http://schemas.microsoft.com/office/drawing/2014/main" id="{F61D16C9-27E9-4B12-92AD-979B07A03EB2}"/>
+                <a16:creationId xmlns:a16="http://schemas.microsoft.com/office/drawing/2014/main" xmlns="" id="{F61D16C9-27E9-4B12-92AD-979B07A03EB2}"/>
               </a:ext>
             </a:extLst>
           </p:cNvPr>
@@ -11456,7 +11383,7 @@
           <a:p>
             <a:fld id="{F1DB05E7-376B-42E9-BFB9-A2253E2039EB}" type="datetimeFigureOut">
               <a:rPr lang="en-US" smtClean="0"/>
-              <a:t>1/27/2020</a:t>
+              <a:t>1/27/20</a:t>
             </a:fld>
             <a:endParaRPr lang="en-US"/>
           </a:p>
@@ -11467,7 +11394,7 @@
           <p:cNvPr id="5" name="Footer Placeholder 4">
             <a:extLst>
               <a:ext uri="{FF2B5EF4-FFF2-40B4-BE49-F238E27FC236}">
-                <a16:creationId xmlns:a16="http://schemas.microsoft.com/office/drawing/2014/main" id="{0DBEED2D-1472-47E7-AEE6-C6BE70184C5A}"/>
+                <a16:creationId xmlns:a16="http://schemas.microsoft.com/office/drawing/2014/main" xmlns="" id="{0DBEED2D-1472-47E7-AEE6-C6BE70184C5A}"/>
               </a:ext>
             </a:extLst>
           </p:cNvPr>
@@ -11510,7 +11437,7 @@
           <p:cNvPr id="6" name="Slide Number Placeholder 5">
             <a:extLst>
               <a:ext uri="{FF2B5EF4-FFF2-40B4-BE49-F238E27FC236}">
-                <a16:creationId xmlns:a16="http://schemas.microsoft.com/office/drawing/2014/main" id="{C3F294B9-EA6D-4E37-B34E-497AE0FE8140}"/>
+                <a16:creationId xmlns:a16="http://schemas.microsoft.com/office/drawing/2014/main" xmlns="" id="{C3F294B9-EA6D-4E37-B34E-497AE0FE8140}"/>
               </a:ext>
             </a:extLst>
           </p:cNvPr>
@@ -11883,7 +11810,7 @@
           <p:cNvPr id="2" name="Title Placeholder 1">
             <a:extLst>
               <a:ext uri="{FF2B5EF4-FFF2-40B4-BE49-F238E27FC236}">
-                <a16:creationId xmlns:a16="http://schemas.microsoft.com/office/drawing/2014/main" id="{20097276-5F48-4683-897F-DD89001092E0}"/>
+                <a16:creationId xmlns:a16="http://schemas.microsoft.com/office/drawing/2014/main" xmlns="" id="{20097276-5F48-4683-897F-DD89001092E0}"/>
               </a:ext>
             </a:extLst>
           </p:cNvPr>
@@ -11921,7 +11848,7 @@
           <p:cNvPr id="3" name="Text Placeholder 2">
             <a:extLst>
               <a:ext uri="{FF2B5EF4-FFF2-40B4-BE49-F238E27FC236}">
-                <a16:creationId xmlns:a16="http://schemas.microsoft.com/office/drawing/2014/main" id="{913852B7-E958-4F5F-A92B-C22521B5A7DF}"/>
+                <a16:creationId xmlns:a16="http://schemas.microsoft.com/office/drawing/2014/main" xmlns="" id="{913852B7-E958-4F5F-A92B-C22521B5A7DF}"/>
               </a:ext>
             </a:extLst>
           </p:cNvPr>
@@ -11988,7 +11915,7 @@
           <p:cNvPr id="4" name="Date Placeholder 3">
             <a:extLst>
               <a:ext uri="{FF2B5EF4-FFF2-40B4-BE49-F238E27FC236}">
-                <a16:creationId xmlns:a16="http://schemas.microsoft.com/office/drawing/2014/main" id="{2CB69767-0449-4280-96CA-821753CCB301}"/>
+                <a16:creationId xmlns:a16="http://schemas.microsoft.com/office/drawing/2014/main" xmlns="" id="{2CB69767-0449-4280-96CA-821753CCB301}"/>
               </a:ext>
             </a:extLst>
           </p:cNvPr>
@@ -12024,7 +11951,7 @@
           <a:p>
             <a:fld id="{24935935-76DD-4851-A117-087A288262AA}" type="datetimeFigureOut">
               <a:rPr lang="en-US" smtClean="0"/>
-              <a:t>1/27/2020</a:t>
+              <a:t>1/27/20</a:t>
             </a:fld>
             <a:endParaRPr lang="en-US"/>
           </a:p>
@@ -12035,7 +11962,7 @@
           <p:cNvPr id="5" name="Footer Placeholder 4">
             <a:extLst>
               <a:ext uri="{FF2B5EF4-FFF2-40B4-BE49-F238E27FC236}">
-                <a16:creationId xmlns:a16="http://schemas.microsoft.com/office/drawing/2014/main" id="{CF066207-82C9-416B-AE5C-16B9B98142EC}"/>
+                <a16:creationId xmlns:a16="http://schemas.microsoft.com/office/drawing/2014/main" xmlns="" id="{CF066207-82C9-416B-AE5C-16B9B98142EC}"/>
               </a:ext>
             </a:extLst>
           </p:cNvPr>
@@ -12078,7 +12005,7 @@
           <p:cNvPr id="6" name="Slide Number Placeholder 5">
             <a:extLst>
               <a:ext uri="{FF2B5EF4-FFF2-40B4-BE49-F238E27FC236}">
-                <a16:creationId xmlns:a16="http://schemas.microsoft.com/office/drawing/2014/main" id="{7C2A124F-25E6-4367-96C7-45506538E776}"/>
+                <a16:creationId xmlns:a16="http://schemas.microsoft.com/office/drawing/2014/main" xmlns="" id="{7C2A124F-25E6-4367-96C7-45506538E776}"/>
               </a:ext>
             </a:extLst>
           </p:cNvPr>
@@ -12446,7 +12373,7 @@
           <p:cNvPr id="5" name="Rectangle 4">
             <a:extLst>
               <a:ext uri="{FF2B5EF4-FFF2-40B4-BE49-F238E27FC236}">
-                <a16:creationId xmlns:a16="http://schemas.microsoft.com/office/drawing/2014/main" id="{1637FB94-059C-4EA6-A553-1FB978C79D3F}"/>
+                <a16:creationId xmlns:a16="http://schemas.microsoft.com/office/drawing/2014/main" xmlns="" id="{1637FB94-059C-4EA6-A553-1FB978C79D3F}"/>
               </a:ext>
             </a:extLst>
           </p:cNvPr>
@@ -12498,7 +12425,7 @@
           <p:cNvPr id="2" name="Title 1">
             <a:extLst>
               <a:ext uri="{FF2B5EF4-FFF2-40B4-BE49-F238E27FC236}">
-                <a16:creationId xmlns:a16="http://schemas.microsoft.com/office/drawing/2014/main" id="{411CDA50-CF96-4EC0-B465-54F452A3A102}"/>
+                <a16:creationId xmlns:a16="http://schemas.microsoft.com/office/drawing/2014/main" xmlns="" id="{411CDA50-CF96-4EC0-B465-54F452A3A102}"/>
               </a:ext>
             </a:extLst>
           </p:cNvPr>
@@ -12537,7 +12464,7 @@
           <p:cNvPr id="3" name="Subtitle 2">
             <a:extLst>
               <a:ext uri="{FF2B5EF4-FFF2-40B4-BE49-F238E27FC236}">
-                <a16:creationId xmlns:a16="http://schemas.microsoft.com/office/drawing/2014/main" id="{7E285106-558C-4A6C-94DC-B85D920FDF44}"/>
+                <a16:creationId xmlns:a16="http://schemas.microsoft.com/office/drawing/2014/main" xmlns="" id="{7E285106-558C-4A6C-94DC-B85D920FDF44}"/>
               </a:ext>
             </a:extLst>
           </p:cNvPr>
@@ -12617,7 +12544,7 @@
           <p:cNvPr id="8" name="Picture 7">
             <a:extLst>
               <a:ext uri="{FF2B5EF4-FFF2-40B4-BE49-F238E27FC236}">
-                <a16:creationId xmlns:a16="http://schemas.microsoft.com/office/drawing/2014/main" id="{092DDC66-5920-460A-8C3C-6792EA7969BB}"/>
+                <a16:creationId xmlns:a16="http://schemas.microsoft.com/office/drawing/2014/main" xmlns="" id="{092DDC66-5920-460A-8C3C-6792EA7969BB}"/>
               </a:ext>
             </a:extLst>
           </p:cNvPr>
@@ -12652,6 +12579,13 @@
   <p:clrMapOvr>
     <a:masterClrMapping/>
   </p:clrMapOvr>
+  <p:timing>
+    <p:tnLst>
+      <p:par>
+        <p:cTn id="1" dur="indefinite" restart="never" nodeType="tmRoot"/>
+      </p:par>
+    </p:tnLst>
+  </p:timing>
 </p:sld>
 </file>
 
@@ -12677,7 +12611,7 @@
           <p:cNvPr id="5" name="Picture 4" descr="A person in a black shirt&#10;&#10;Description automatically generated">
             <a:extLst>
               <a:ext uri="{FF2B5EF4-FFF2-40B4-BE49-F238E27FC236}">
-                <a16:creationId xmlns:a16="http://schemas.microsoft.com/office/drawing/2014/main" id="{8C228585-3370-458D-B545-4983E84772D5}"/>
+                <a16:creationId xmlns:a16="http://schemas.microsoft.com/office/drawing/2014/main" xmlns="" id="{8C228585-3370-458D-B545-4983E84772D5}"/>
               </a:ext>
             </a:extLst>
           </p:cNvPr>
@@ -12712,7 +12646,7 @@
           <p:cNvPr id="3" name="Text Placeholder 2">
             <a:extLst>
               <a:ext uri="{FF2B5EF4-FFF2-40B4-BE49-F238E27FC236}">
-                <a16:creationId xmlns:a16="http://schemas.microsoft.com/office/drawing/2014/main" id="{C7652C82-BE66-4418-8AD5-980274E47728}"/>
+                <a16:creationId xmlns:a16="http://schemas.microsoft.com/office/drawing/2014/main" xmlns="" id="{C7652C82-BE66-4418-8AD5-980274E47728}"/>
               </a:ext>
             </a:extLst>
           </p:cNvPr>
@@ -12720,7 +12654,7 @@
             <a:spLocks noGrp="1"/>
           </p:cNvSpPr>
           <p:nvPr>
-            <p:ph type="body" sz="quarter" idx="15"/>
+            <p:ph type="body" sz="quarter" idx="4294967295"/>
           </p:nvPr>
         </p:nvSpPr>
         <p:spPr>
@@ -12752,7 +12686,7 @@
           <p:cNvPr id="6" name="Text Placeholder 1">
             <a:extLst>
               <a:ext uri="{FF2B5EF4-FFF2-40B4-BE49-F238E27FC236}">
-                <a16:creationId xmlns:a16="http://schemas.microsoft.com/office/drawing/2014/main" id="{F54208A9-C2E2-44E3-9863-C76E9E754139}"/>
+                <a16:creationId xmlns:a16="http://schemas.microsoft.com/office/drawing/2014/main" xmlns="" id="{F54208A9-C2E2-44E3-9863-C76E9E754139}"/>
               </a:ext>
             </a:extLst>
           </p:cNvPr>
@@ -12766,12 +12700,12 @@
         <p:spPr>
           <a:xfrm>
             <a:off x="533400" y="1824493"/>
-            <a:ext cx="6591300" cy="3837477"/>
+            <a:ext cx="7360024" cy="3837477"/>
           </a:xfrm>
         </p:spPr>
         <p:txBody>
           <a:bodyPr>
-            <a:normAutofit fontScale="92500"/>
+            <a:normAutofit/>
           </a:bodyPr>
           <a:lstStyle/>
           <a:p>
@@ -12813,6 +12747,13 @@
   <p:clrMapOvr>
     <a:masterClrMapping/>
   </p:clrMapOvr>
+  <p:timing>
+    <p:tnLst>
+      <p:par>
+        <p:cTn id="1" dur="indefinite" restart="never" nodeType="tmRoot"/>
+      </p:par>
+    </p:tnLst>
+  </p:timing>
 </p:sld>
 </file>
 
@@ -12838,7 +12779,7 @@
           <p:cNvPr id="2" name="Text Placeholder 1">
             <a:extLst>
               <a:ext uri="{FF2B5EF4-FFF2-40B4-BE49-F238E27FC236}">
-                <a16:creationId xmlns:a16="http://schemas.microsoft.com/office/drawing/2014/main" id="{CF90E545-4F5A-4706-9709-188CE2D94341}"/>
+                <a16:creationId xmlns:a16="http://schemas.microsoft.com/office/drawing/2014/main" xmlns="" id="{CF90E545-4F5A-4706-9709-188CE2D94341}"/>
               </a:ext>
             </a:extLst>
           </p:cNvPr>
@@ -12871,8 +12812,12 @@
               <a:t>Modules: </a:t>
             </a:r>
             <a:r>
+              <a:rPr lang="en-US" dirty="0" smtClean="0"/>
+              <a:t>1</a:t>
+            </a:r>
+            <a:r>
               <a:rPr lang="en-US" dirty="0"/>
-              <a:t>1. Deploy data science (integration + scalability)</a:t>
+              <a:t>. Deploy data science (integration + scalability)</a:t>
             </a:r>
           </a:p>
           <a:p>
@@ -12974,7 +12919,7 @@
           <p:cNvPr id="3" name="Text Placeholder 2">
             <a:extLst>
               <a:ext uri="{FF2B5EF4-FFF2-40B4-BE49-F238E27FC236}">
-                <a16:creationId xmlns:a16="http://schemas.microsoft.com/office/drawing/2014/main" id="{C7652C82-BE66-4418-8AD5-980274E47728}"/>
+                <a16:creationId xmlns:a16="http://schemas.microsoft.com/office/drawing/2014/main" xmlns="" id="{C7652C82-BE66-4418-8AD5-980274E47728}"/>
               </a:ext>
             </a:extLst>
           </p:cNvPr>
@@ -12982,7 +12927,7 @@
             <a:spLocks noGrp="1"/>
           </p:cNvSpPr>
           <p:nvPr>
-            <p:ph type="body" sz="quarter" idx="15"/>
+            <p:ph type="body" sz="quarter" idx="4294967295"/>
           </p:nvPr>
         </p:nvSpPr>
         <p:spPr>
@@ -13019,6 +12964,13 @@
   <p:clrMapOvr>
     <a:masterClrMapping/>
   </p:clrMapOvr>
+  <p:timing>
+    <p:tnLst>
+      <p:par>
+        <p:cTn id="1" dur="indefinite" restart="never" nodeType="tmRoot"/>
+      </p:par>
+    </p:tnLst>
+  </p:timing>
 </p:sld>
 </file>
 
@@ -13044,7 +12996,7 @@
           <p:cNvPr id="2" name="Text Placeholder 1">
             <a:extLst>
               <a:ext uri="{FF2B5EF4-FFF2-40B4-BE49-F238E27FC236}">
-                <a16:creationId xmlns:a16="http://schemas.microsoft.com/office/drawing/2014/main" id="{CF90E545-4F5A-4706-9709-188CE2D94341}"/>
+                <a16:creationId xmlns:a16="http://schemas.microsoft.com/office/drawing/2014/main" xmlns="" id="{CF90E545-4F5A-4706-9709-188CE2D94341}"/>
               </a:ext>
             </a:extLst>
           </p:cNvPr>
@@ -13088,7 +13040,7 @@
           <p:cNvPr id="3" name="Text Placeholder 2">
             <a:extLst>
               <a:ext uri="{FF2B5EF4-FFF2-40B4-BE49-F238E27FC236}">
-                <a16:creationId xmlns:a16="http://schemas.microsoft.com/office/drawing/2014/main" id="{C7652C82-BE66-4418-8AD5-980274E47728}"/>
+                <a16:creationId xmlns:a16="http://schemas.microsoft.com/office/drawing/2014/main" xmlns="" id="{C7652C82-BE66-4418-8AD5-980274E47728}"/>
               </a:ext>
             </a:extLst>
           </p:cNvPr>
@@ -13096,7 +13048,7 @@
             <a:spLocks noGrp="1"/>
           </p:cNvSpPr>
           <p:nvPr>
-            <p:ph type="body" sz="quarter" idx="15"/>
+            <p:ph type="body" sz="quarter" idx="4294967295"/>
           </p:nvPr>
         </p:nvSpPr>
         <p:spPr>
@@ -13128,7 +13080,7 @@
           <p:cNvPr id="54" name="Group 53">
             <a:extLst>
               <a:ext uri="{FF2B5EF4-FFF2-40B4-BE49-F238E27FC236}">
-                <a16:creationId xmlns:a16="http://schemas.microsoft.com/office/drawing/2014/main" id="{2EBE70B4-6F47-4375-8249-34C81C29B910}"/>
+                <a16:creationId xmlns:a16="http://schemas.microsoft.com/office/drawing/2014/main" xmlns="" id="{2EBE70B4-6F47-4375-8249-34C81C29B910}"/>
               </a:ext>
             </a:extLst>
           </p:cNvPr>
@@ -13148,7 +13100,7 @@
             <p:cNvPr id="53" name="Group 52">
               <a:extLst>
                 <a:ext uri="{FF2B5EF4-FFF2-40B4-BE49-F238E27FC236}">
-                  <a16:creationId xmlns:a16="http://schemas.microsoft.com/office/drawing/2014/main" id="{222FB730-B977-45FD-B5B3-0D679DE09039}"/>
+                  <a16:creationId xmlns:a16="http://schemas.microsoft.com/office/drawing/2014/main" xmlns="" id="{222FB730-B977-45FD-B5B3-0D679DE09039}"/>
                 </a:ext>
               </a:extLst>
             </p:cNvPr>
@@ -13168,7 +13120,7 @@
               <p:cNvPr id="47" name="Group 46">
                 <a:extLst>
                   <a:ext uri="{FF2B5EF4-FFF2-40B4-BE49-F238E27FC236}">
-                    <a16:creationId xmlns:a16="http://schemas.microsoft.com/office/drawing/2014/main" id="{28A7C3AA-7302-4F97-9D6E-9A1AAC0733E4}"/>
+                    <a16:creationId xmlns:a16="http://schemas.microsoft.com/office/drawing/2014/main" xmlns="" id="{28A7C3AA-7302-4F97-9D6E-9A1AAC0733E4}"/>
                   </a:ext>
                 </a:extLst>
               </p:cNvPr>
@@ -13188,7 +13140,7 @@
                 <p:cNvPr id="45" name="Rectangle 44">
                   <a:extLst>
                     <a:ext uri="{FF2B5EF4-FFF2-40B4-BE49-F238E27FC236}">
-                      <a16:creationId xmlns:a16="http://schemas.microsoft.com/office/drawing/2014/main" id="{4DAD9623-ABDC-4F3F-BB9E-475750BD36CA}"/>
+                      <a16:creationId xmlns:a16="http://schemas.microsoft.com/office/drawing/2014/main" xmlns="" id="{4DAD9623-ABDC-4F3F-BB9E-475750BD36CA}"/>
                     </a:ext>
                   </a:extLst>
                 </p:cNvPr>
@@ -13355,7 +13307,7 @@
                   <a:prstDash val="lgDash"/>
                   <a:extLst>
                     <a:ext uri="{C807C97D-BFC1-408E-A445-0C87EB9F89A2}">
-                      <ask:lineSketchStyleProps xmlns:ask="http://schemas.microsoft.com/office/drawing/2018/sketchyshapes" sd="1219033472">
+                      <ask:lineSketchStyleProps xmlns:ask="http://schemas.microsoft.com/office/drawing/2018/sketchyshapes" xmlns="" sd="1219033472">
                         <a:prstGeom prst="rect">
                           <a:avLst/>
                         </a:prstGeom>
@@ -13382,7 +13334,7 @@
                 <p:cNvPr id="46" name="Rectangle 45">
                   <a:extLst>
                     <a:ext uri="{FF2B5EF4-FFF2-40B4-BE49-F238E27FC236}">
-                      <a16:creationId xmlns:a16="http://schemas.microsoft.com/office/drawing/2014/main" id="{C51AB393-FD5D-422E-A2E2-A00F04484BEF}"/>
+                      <a16:creationId xmlns:a16="http://schemas.microsoft.com/office/drawing/2014/main" xmlns="" id="{C51AB393-FD5D-422E-A2E2-A00F04484BEF}"/>
                     </a:ext>
                   </a:extLst>
                 </p:cNvPr>
@@ -13435,7 +13387,7 @@
               <p:cNvPr id="51" name="Isosceles Triangle 50">
                 <a:extLst>
                   <a:ext uri="{FF2B5EF4-FFF2-40B4-BE49-F238E27FC236}">
-                    <a16:creationId xmlns:a16="http://schemas.microsoft.com/office/drawing/2014/main" id="{93BDDCB7-939E-47C6-9761-2C46175D0638}"/>
+                    <a16:creationId xmlns:a16="http://schemas.microsoft.com/office/drawing/2014/main" xmlns="" id="{93BDDCB7-939E-47C6-9761-2C46175D0638}"/>
                   </a:ext>
                 </a:extLst>
               </p:cNvPr>
@@ -13484,7 +13436,7 @@
               <p:cNvPr id="52" name="Isosceles Triangle 51">
                 <a:extLst>
                   <a:ext uri="{FF2B5EF4-FFF2-40B4-BE49-F238E27FC236}">
-                    <a16:creationId xmlns:a16="http://schemas.microsoft.com/office/drawing/2014/main" id="{2140D056-614F-4B0B-8CDE-9000B71D1500}"/>
+                    <a16:creationId xmlns:a16="http://schemas.microsoft.com/office/drawing/2014/main" xmlns="" id="{2140D056-614F-4B0B-8CDE-9000B71D1500}"/>
                   </a:ext>
                 </a:extLst>
               </p:cNvPr>
@@ -13537,7 +13489,7 @@
             <p:cNvPr id="14" name="Group 13">
               <a:extLst>
                 <a:ext uri="{FF2B5EF4-FFF2-40B4-BE49-F238E27FC236}">
-                  <a16:creationId xmlns:a16="http://schemas.microsoft.com/office/drawing/2014/main" id="{F00228E6-B59C-46DE-816A-2CBB9C151F70}"/>
+                  <a16:creationId xmlns:a16="http://schemas.microsoft.com/office/drawing/2014/main" xmlns="" id="{F00228E6-B59C-46DE-816A-2CBB9C151F70}"/>
                 </a:ext>
               </a:extLst>
             </p:cNvPr>
@@ -13557,7 +13509,7 @@
               <p:cNvPr id="5" name="Rectangle 4">
                 <a:extLst>
                   <a:ext uri="{FF2B5EF4-FFF2-40B4-BE49-F238E27FC236}">
-                    <a16:creationId xmlns:a16="http://schemas.microsoft.com/office/drawing/2014/main" id="{141B7CC9-0A8F-4D7F-B181-FB0605322490}"/>
+                    <a16:creationId xmlns:a16="http://schemas.microsoft.com/office/drawing/2014/main" xmlns="" id="{141B7CC9-0A8F-4D7F-B181-FB0605322490}"/>
                   </a:ext>
                 </a:extLst>
               </p:cNvPr>
@@ -13613,7 +13565,7 @@
               <p:cNvPr id="6" name="Rectangle 5">
                 <a:extLst>
                   <a:ext uri="{FF2B5EF4-FFF2-40B4-BE49-F238E27FC236}">
-                    <a16:creationId xmlns:a16="http://schemas.microsoft.com/office/drawing/2014/main" id="{5D0DA08B-E690-4DC7-B909-8061089341ED}"/>
+                    <a16:creationId xmlns:a16="http://schemas.microsoft.com/office/drawing/2014/main" xmlns="" id="{5D0DA08B-E690-4DC7-B909-8061089341ED}"/>
                   </a:ext>
                 </a:extLst>
               </p:cNvPr>
@@ -13674,7 +13626,7 @@
               <p:cNvPr id="7" name="Rectangle 6">
                 <a:extLst>
                   <a:ext uri="{FF2B5EF4-FFF2-40B4-BE49-F238E27FC236}">
-                    <a16:creationId xmlns:a16="http://schemas.microsoft.com/office/drawing/2014/main" id="{F021933C-C544-4546-A15E-86773E85152F}"/>
+                    <a16:creationId xmlns:a16="http://schemas.microsoft.com/office/drawing/2014/main" xmlns="" id="{F021933C-C544-4546-A15E-86773E85152F}"/>
                   </a:ext>
                 </a:extLst>
               </p:cNvPr>
@@ -13730,7 +13682,7 @@
               <p:cNvPr id="8" name="Rectangle 7">
                 <a:extLst>
                   <a:ext uri="{FF2B5EF4-FFF2-40B4-BE49-F238E27FC236}">
-                    <a16:creationId xmlns:a16="http://schemas.microsoft.com/office/drawing/2014/main" id="{634847F3-5835-4474-8086-11F6FA55FEAA}"/>
+                    <a16:creationId xmlns:a16="http://schemas.microsoft.com/office/drawing/2014/main" xmlns="" id="{634847F3-5835-4474-8086-11F6FA55FEAA}"/>
                   </a:ext>
                 </a:extLst>
               </p:cNvPr>
@@ -13791,7 +13743,7 @@
               <p:cNvPr id="9" name="Rectangle 8">
                 <a:extLst>
                   <a:ext uri="{FF2B5EF4-FFF2-40B4-BE49-F238E27FC236}">
-                    <a16:creationId xmlns:a16="http://schemas.microsoft.com/office/drawing/2014/main" id="{D4F909EC-A886-4588-8F2D-B62A8142DDFC}"/>
+                    <a16:creationId xmlns:a16="http://schemas.microsoft.com/office/drawing/2014/main" xmlns="" id="{D4F909EC-A886-4588-8F2D-B62A8142DDFC}"/>
                   </a:ext>
                 </a:extLst>
               </p:cNvPr>
@@ -13847,7 +13799,7 @@
               <p:cNvPr id="11" name="Rectangle 10">
                 <a:extLst>
                   <a:ext uri="{FF2B5EF4-FFF2-40B4-BE49-F238E27FC236}">
-                    <a16:creationId xmlns:a16="http://schemas.microsoft.com/office/drawing/2014/main" id="{396425CB-DD3A-4A67-ABC6-C35FD91B4839}"/>
+                    <a16:creationId xmlns:a16="http://schemas.microsoft.com/office/drawing/2014/main" xmlns="" id="{396425CB-DD3A-4A67-ABC6-C35FD91B4839}"/>
                   </a:ext>
                 </a:extLst>
               </p:cNvPr>
@@ -13901,7 +13853,7 @@
               <p:cNvPr id="12" name="Rectangle 11">
                 <a:extLst>
                   <a:ext uri="{FF2B5EF4-FFF2-40B4-BE49-F238E27FC236}">
-                    <a16:creationId xmlns:a16="http://schemas.microsoft.com/office/drawing/2014/main" id="{D8F9D40A-C8AE-448C-86CA-90E3DCC88AED}"/>
+                    <a16:creationId xmlns:a16="http://schemas.microsoft.com/office/drawing/2014/main" xmlns="" id="{D8F9D40A-C8AE-448C-86CA-90E3DCC88AED}"/>
                   </a:ext>
                 </a:extLst>
               </p:cNvPr>
@@ -13955,7 +13907,7 @@
               <p:cNvPr id="13" name="Rectangle 12">
                 <a:extLst>
                   <a:ext uri="{FF2B5EF4-FFF2-40B4-BE49-F238E27FC236}">
-                    <a16:creationId xmlns:a16="http://schemas.microsoft.com/office/drawing/2014/main" id="{E6687684-C74B-498A-A865-D5F73DE85E19}"/>
+                    <a16:creationId xmlns:a16="http://schemas.microsoft.com/office/drawing/2014/main" xmlns="" id="{E6687684-C74B-498A-A865-D5F73DE85E19}"/>
                   </a:ext>
                 </a:extLst>
               </p:cNvPr>
@@ -14010,7 +13962,7 @@
             <p:cNvPr id="15" name="Rectangle 14">
               <a:extLst>
                 <a:ext uri="{FF2B5EF4-FFF2-40B4-BE49-F238E27FC236}">
-                  <a16:creationId xmlns:a16="http://schemas.microsoft.com/office/drawing/2014/main" id="{49989D5B-2F17-4451-BA4B-6ABE845DDC95}"/>
+                  <a16:creationId xmlns:a16="http://schemas.microsoft.com/office/drawing/2014/main" xmlns="" id="{49989D5B-2F17-4451-BA4B-6ABE845DDC95}"/>
                 </a:ext>
               </a:extLst>
             </p:cNvPr>
@@ -14046,7 +13998,7 @@
             <p:cNvPr id="18" name="Rectangle 17">
               <a:extLst>
                 <a:ext uri="{FF2B5EF4-FFF2-40B4-BE49-F238E27FC236}">
-                  <a16:creationId xmlns:a16="http://schemas.microsoft.com/office/drawing/2014/main" id="{16F8C88A-6344-490D-BECE-EB8BD5D62BC4}"/>
+                  <a16:creationId xmlns:a16="http://schemas.microsoft.com/office/drawing/2014/main" xmlns="" id="{16F8C88A-6344-490D-BECE-EB8BD5D62BC4}"/>
                 </a:ext>
               </a:extLst>
             </p:cNvPr>
@@ -14100,7 +14052,7 @@
             <p:cNvPr id="19" name="Rectangle 18">
               <a:extLst>
                 <a:ext uri="{FF2B5EF4-FFF2-40B4-BE49-F238E27FC236}">
-                  <a16:creationId xmlns:a16="http://schemas.microsoft.com/office/drawing/2014/main" id="{A485AFE0-3A99-4AC7-9E77-2C6174E2674E}"/>
+                  <a16:creationId xmlns:a16="http://schemas.microsoft.com/office/drawing/2014/main" xmlns="" id="{A485AFE0-3A99-4AC7-9E77-2C6174E2674E}"/>
                 </a:ext>
               </a:extLst>
             </p:cNvPr>
@@ -14156,7 +14108,7 @@
             <p:cNvPr id="20" name="Rectangle 19">
               <a:extLst>
                 <a:ext uri="{FF2B5EF4-FFF2-40B4-BE49-F238E27FC236}">
-                  <a16:creationId xmlns:a16="http://schemas.microsoft.com/office/drawing/2014/main" id="{133EDDA2-B987-4623-A307-1EA588AEE619}"/>
+                  <a16:creationId xmlns:a16="http://schemas.microsoft.com/office/drawing/2014/main" xmlns="" id="{133EDDA2-B987-4623-A307-1EA588AEE619}"/>
                 </a:ext>
               </a:extLst>
             </p:cNvPr>
@@ -14210,7 +14162,7 @@
             <p:cNvPr id="21" name="Rectangle 20">
               <a:extLst>
                 <a:ext uri="{FF2B5EF4-FFF2-40B4-BE49-F238E27FC236}">
-                  <a16:creationId xmlns:a16="http://schemas.microsoft.com/office/drawing/2014/main" id="{9399F843-C5FC-484D-8103-5883F8084CC1}"/>
+                  <a16:creationId xmlns:a16="http://schemas.microsoft.com/office/drawing/2014/main" xmlns="" id="{9399F843-C5FC-484D-8103-5883F8084CC1}"/>
                 </a:ext>
               </a:extLst>
             </p:cNvPr>
@@ -14257,7 +14209,7 @@
             <p:cNvPr id="22" name="Rectangle 21">
               <a:extLst>
                 <a:ext uri="{FF2B5EF4-FFF2-40B4-BE49-F238E27FC236}">
-                  <a16:creationId xmlns:a16="http://schemas.microsoft.com/office/drawing/2014/main" id="{13B981BD-E51F-4F06-A508-06712155D691}"/>
+                  <a16:creationId xmlns:a16="http://schemas.microsoft.com/office/drawing/2014/main" xmlns="" id="{13B981BD-E51F-4F06-A508-06712155D691}"/>
                 </a:ext>
               </a:extLst>
             </p:cNvPr>
@@ -14294,7 +14246,7 @@
             <p:cNvPr id="24" name="Rectangle 23">
               <a:extLst>
                 <a:ext uri="{FF2B5EF4-FFF2-40B4-BE49-F238E27FC236}">
-                  <a16:creationId xmlns:a16="http://schemas.microsoft.com/office/drawing/2014/main" id="{4D9290BC-71CC-4F12-91D8-2A4D4D796208}"/>
+                  <a16:creationId xmlns:a16="http://schemas.microsoft.com/office/drawing/2014/main" xmlns="" id="{4D9290BC-71CC-4F12-91D8-2A4D4D796208}"/>
                 </a:ext>
               </a:extLst>
             </p:cNvPr>
@@ -14348,7 +14300,7 @@
             <p:cNvPr id="25" name="Rectangle 24">
               <a:extLst>
                 <a:ext uri="{FF2B5EF4-FFF2-40B4-BE49-F238E27FC236}">
-                  <a16:creationId xmlns:a16="http://schemas.microsoft.com/office/drawing/2014/main" id="{40788F3C-B34A-4758-BA96-E47E7554AB55}"/>
+                  <a16:creationId xmlns:a16="http://schemas.microsoft.com/office/drawing/2014/main" xmlns="" id="{40788F3C-B34A-4758-BA96-E47E7554AB55}"/>
                 </a:ext>
               </a:extLst>
             </p:cNvPr>
@@ -14385,7 +14337,7 @@
             <p:cNvPr id="36" name="Rectangle 35">
               <a:extLst>
                 <a:ext uri="{FF2B5EF4-FFF2-40B4-BE49-F238E27FC236}">
-                  <a16:creationId xmlns:a16="http://schemas.microsoft.com/office/drawing/2014/main" id="{075B87CA-9F30-4DE5-8BFB-4475AEB51822}"/>
+                  <a16:creationId xmlns:a16="http://schemas.microsoft.com/office/drawing/2014/main" xmlns="" id="{075B87CA-9F30-4DE5-8BFB-4475AEB51822}"/>
                 </a:ext>
               </a:extLst>
             </p:cNvPr>
@@ -14422,7 +14374,7 @@
             <p:cNvPr id="48" name="Rectangle 47">
               <a:extLst>
                 <a:ext uri="{FF2B5EF4-FFF2-40B4-BE49-F238E27FC236}">
-                  <a16:creationId xmlns:a16="http://schemas.microsoft.com/office/drawing/2014/main" id="{D745904F-A480-4A9E-A1D5-617D7AB8D210}"/>
+                  <a16:creationId xmlns:a16="http://schemas.microsoft.com/office/drawing/2014/main" xmlns="" id="{D745904F-A480-4A9E-A1D5-617D7AB8D210}"/>
                 </a:ext>
               </a:extLst>
             </p:cNvPr>
@@ -14465,6 +14417,13 @@
   <p:clrMapOvr>
     <a:masterClrMapping/>
   </p:clrMapOvr>
+  <p:timing>
+    <p:tnLst>
+      <p:par>
+        <p:cTn id="1" dur="indefinite" restart="never" nodeType="tmRoot"/>
+      </p:par>
+    </p:tnLst>
+  </p:timing>
 </p:sld>
 </file>
 
@@ -14490,7 +14449,7 @@
           <p:cNvPr id="2" name="Text Placeholder 1">
             <a:extLst>
               <a:ext uri="{FF2B5EF4-FFF2-40B4-BE49-F238E27FC236}">
-                <a16:creationId xmlns:a16="http://schemas.microsoft.com/office/drawing/2014/main" id="{CF90E545-4F5A-4706-9709-188CE2D94341}"/>
+                <a16:creationId xmlns:a16="http://schemas.microsoft.com/office/drawing/2014/main" xmlns="" id="{CF90E545-4F5A-4706-9709-188CE2D94341}"/>
               </a:ext>
             </a:extLst>
           </p:cNvPr>
@@ -14577,7 +14536,7 @@
           <p:cNvPr id="3" name="Text Placeholder 2">
             <a:extLst>
               <a:ext uri="{FF2B5EF4-FFF2-40B4-BE49-F238E27FC236}">
-                <a16:creationId xmlns:a16="http://schemas.microsoft.com/office/drawing/2014/main" id="{C7652C82-BE66-4418-8AD5-980274E47728}"/>
+                <a16:creationId xmlns:a16="http://schemas.microsoft.com/office/drawing/2014/main" xmlns="" id="{C7652C82-BE66-4418-8AD5-980274E47728}"/>
               </a:ext>
             </a:extLst>
           </p:cNvPr>
@@ -14585,7 +14544,7 @@
             <a:spLocks noGrp="1"/>
           </p:cNvSpPr>
           <p:nvPr>
-            <p:ph type="body" sz="quarter" idx="15"/>
+            <p:ph type="body" sz="quarter" idx="4294967295"/>
           </p:nvPr>
         </p:nvSpPr>
         <p:spPr>
@@ -14622,6 +14581,13 @@
   <p:clrMapOvr>
     <a:masterClrMapping/>
   </p:clrMapOvr>
+  <p:timing>
+    <p:tnLst>
+      <p:par>
+        <p:cTn id="1" dur="indefinite" restart="never" nodeType="tmRoot"/>
+      </p:par>
+    </p:tnLst>
+  </p:timing>
 </p:sld>
 </file>
 
@@ -14647,7 +14613,7 @@
           <p:cNvPr id="8" name="Group 7">
             <a:extLst>
               <a:ext uri="{FF2B5EF4-FFF2-40B4-BE49-F238E27FC236}">
-                <a16:creationId xmlns:a16="http://schemas.microsoft.com/office/drawing/2014/main" id="{CD2154C2-72B3-483A-82D3-87160E6142B4}"/>
+                <a16:creationId xmlns:a16="http://schemas.microsoft.com/office/drawing/2014/main" xmlns="" id="{CD2154C2-72B3-483A-82D3-87160E6142B4}"/>
               </a:ext>
             </a:extLst>
           </p:cNvPr>
@@ -14667,7 +14633,7 @@
             <p:cNvPr id="4" name="Rectangle 3">
               <a:extLst>
                 <a:ext uri="{FF2B5EF4-FFF2-40B4-BE49-F238E27FC236}">
-                  <a16:creationId xmlns:a16="http://schemas.microsoft.com/office/drawing/2014/main" id="{7D683D79-AC3B-4756-9682-E6BAB204C2CD}"/>
+                  <a16:creationId xmlns:a16="http://schemas.microsoft.com/office/drawing/2014/main" xmlns="" id="{7D683D79-AC3B-4756-9682-E6BAB204C2CD}"/>
                 </a:ext>
               </a:extLst>
             </p:cNvPr>
@@ -14864,7 +14830,7 @@
               <a:prstDash val="lgDash"/>
               <a:extLst>
                 <a:ext uri="{C807C97D-BFC1-408E-A445-0C87EB9F89A2}">
-                  <ask:lineSketchStyleProps xmlns:ask="http://schemas.microsoft.com/office/drawing/2018/sketchyshapes" sd="1219033472">
+                  <ask:lineSketchStyleProps xmlns:ask="http://schemas.microsoft.com/office/drawing/2018/sketchyshapes" xmlns="" sd="1219033472">
                     <a:prstGeom prst="rect">
                       <a:avLst/>
                     </a:prstGeom>
@@ -14891,7 +14857,7 @@
             <p:cNvPr id="7" name="Rectangle 6">
               <a:extLst>
                 <a:ext uri="{FF2B5EF4-FFF2-40B4-BE49-F238E27FC236}">
-                  <a16:creationId xmlns:a16="http://schemas.microsoft.com/office/drawing/2014/main" id="{79CB1532-55A7-48D1-BDF4-C1C5A5181869}"/>
+                  <a16:creationId xmlns:a16="http://schemas.microsoft.com/office/drawing/2014/main" xmlns="" id="{79CB1532-55A7-48D1-BDF4-C1C5A5181869}"/>
                 </a:ext>
               </a:extLst>
             </p:cNvPr>
@@ -14944,7 +14910,7 @@
           <p:cNvPr id="11" name="Rectangle 10">
             <a:extLst>
               <a:ext uri="{FF2B5EF4-FFF2-40B4-BE49-F238E27FC236}">
-                <a16:creationId xmlns:a16="http://schemas.microsoft.com/office/drawing/2014/main" id="{57DE6254-9013-4DEE-9CC3-5E0065E9F875}"/>
+                <a16:creationId xmlns:a16="http://schemas.microsoft.com/office/drawing/2014/main" xmlns="" id="{57DE6254-9013-4DEE-9CC3-5E0065E9F875}"/>
               </a:ext>
             </a:extLst>
           </p:cNvPr>
@@ -15047,7 +15013,7 @@
           <p:cNvPr id="3" name="Text Placeholder 2">
             <a:extLst>
               <a:ext uri="{FF2B5EF4-FFF2-40B4-BE49-F238E27FC236}">
-                <a16:creationId xmlns:a16="http://schemas.microsoft.com/office/drawing/2014/main" id="{C7652C82-BE66-4418-8AD5-980274E47728}"/>
+                <a16:creationId xmlns:a16="http://schemas.microsoft.com/office/drawing/2014/main" xmlns="" id="{C7652C82-BE66-4418-8AD5-980274E47728}"/>
               </a:ext>
             </a:extLst>
           </p:cNvPr>
@@ -15055,7 +15021,7 @@
             <a:spLocks noGrp="1"/>
           </p:cNvSpPr>
           <p:nvPr>
-            <p:ph type="body" sz="quarter" idx="15"/>
+            <p:ph type="body" sz="quarter" idx="4294967295"/>
           </p:nvPr>
         </p:nvSpPr>
         <p:spPr>
@@ -15087,7 +15053,7 @@
           <p:cNvPr id="9" name="Rectangle 8">
             <a:extLst>
               <a:ext uri="{FF2B5EF4-FFF2-40B4-BE49-F238E27FC236}">
-                <a16:creationId xmlns:a16="http://schemas.microsoft.com/office/drawing/2014/main" id="{5BB96268-19C2-489F-AA87-2D6A0808AD2E}"/>
+                <a16:creationId xmlns:a16="http://schemas.microsoft.com/office/drawing/2014/main" xmlns="" id="{5BB96268-19C2-489F-AA87-2D6A0808AD2E}"/>
               </a:ext>
             </a:extLst>
           </p:cNvPr>
@@ -15207,6 +15173,13 @@
   <p:clrMapOvr>
     <a:masterClrMapping/>
   </p:clrMapOvr>
+  <p:timing>
+    <p:tnLst>
+      <p:par>
+        <p:cTn id="1" dur="indefinite" restart="never" nodeType="tmRoot"/>
+      </p:par>
+    </p:tnLst>
+  </p:timing>
 </p:sld>
 </file>
 
@@ -15232,7 +15205,7 @@
           <p:cNvPr id="2" name="Text Placeholder 1">
             <a:extLst>
               <a:ext uri="{FF2B5EF4-FFF2-40B4-BE49-F238E27FC236}">
-                <a16:creationId xmlns:a16="http://schemas.microsoft.com/office/drawing/2014/main" id="{CF90E545-4F5A-4706-9709-188CE2D94341}"/>
+                <a16:creationId xmlns:a16="http://schemas.microsoft.com/office/drawing/2014/main" xmlns="" id="{CF90E545-4F5A-4706-9709-188CE2D94341}"/>
               </a:ext>
             </a:extLst>
           </p:cNvPr>
@@ -15314,7 +15287,7 @@
           <p:cNvPr id="3" name="Text Placeholder 2">
             <a:extLst>
               <a:ext uri="{FF2B5EF4-FFF2-40B4-BE49-F238E27FC236}">
-                <a16:creationId xmlns:a16="http://schemas.microsoft.com/office/drawing/2014/main" id="{C7652C82-BE66-4418-8AD5-980274E47728}"/>
+                <a16:creationId xmlns:a16="http://schemas.microsoft.com/office/drawing/2014/main" xmlns="" id="{C7652C82-BE66-4418-8AD5-980274E47728}"/>
               </a:ext>
             </a:extLst>
           </p:cNvPr>
@@ -15322,10 +15295,15 @@
             <a:spLocks noGrp="1"/>
           </p:cNvSpPr>
           <p:nvPr>
-            <p:ph type="body" sz="quarter" idx="15"/>
+            <p:ph type="body" sz="quarter" idx="4294967295"/>
           </p:nvPr>
         </p:nvSpPr>
-        <p:spPr/>
+        <p:spPr>
+          <a:xfrm>
+            <a:off x="848139" y="401607"/>
+            <a:ext cx="10357954" cy="2407854"/>
+          </a:xfrm>
+        </p:spPr>
         <p:txBody>
           <a:bodyPr/>
           <a:lstStyle/>
@@ -15347,6 +15325,13 @@
   <p:clrMapOvr>
     <a:masterClrMapping/>
   </p:clrMapOvr>
+  <p:timing>
+    <p:tnLst>
+      <p:par>
+        <p:cTn id="1" dur="indefinite" restart="never" nodeType="tmRoot"/>
+      </p:par>
+    </p:tnLst>
+  </p:timing>
 </p:sld>
 </file>
 
@@ -15372,7 +15357,7 @@
           <p:cNvPr id="3" name="Text Placeholder 2">
             <a:extLst>
               <a:ext uri="{FF2B5EF4-FFF2-40B4-BE49-F238E27FC236}">
-                <a16:creationId xmlns:a16="http://schemas.microsoft.com/office/drawing/2014/main" id="{C7652C82-BE66-4418-8AD5-980274E47728}"/>
+                <a16:creationId xmlns:a16="http://schemas.microsoft.com/office/drawing/2014/main" xmlns="" id="{C7652C82-BE66-4418-8AD5-980274E47728}"/>
               </a:ext>
             </a:extLst>
           </p:cNvPr>
@@ -15380,10 +15365,15 @@
             <a:spLocks noGrp="1"/>
           </p:cNvSpPr>
           <p:nvPr>
-            <p:ph type="body" sz="quarter" idx="15"/>
+            <p:ph type="body" sz="quarter" idx="4294967295"/>
           </p:nvPr>
         </p:nvSpPr>
-        <p:spPr/>
+        <p:spPr>
+          <a:xfrm>
+            <a:off x="848139" y="401607"/>
+            <a:ext cx="10357954" cy="2407854"/>
+          </a:xfrm>
+        </p:spPr>
         <p:txBody>
           <a:bodyPr/>
           <a:lstStyle/>
@@ -15400,7 +15390,7 @@
           <p:cNvPr id="4" name="Picture 3">
             <a:extLst>
               <a:ext uri="{FF2B5EF4-FFF2-40B4-BE49-F238E27FC236}">
-                <a16:creationId xmlns:a16="http://schemas.microsoft.com/office/drawing/2014/main" id="{49880D34-544B-40D2-AC79-E17AEED27510}"/>
+                <a16:creationId xmlns:a16="http://schemas.microsoft.com/office/drawing/2014/main" xmlns="" id="{49880D34-544B-40D2-AC79-E17AEED27510}"/>
               </a:ext>
             </a:extLst>
           </p:cNvPr>
@@ -15435,6 +15425,13 @@
   <p:clrMapOvr>
     <a:masterClrMapping/>
   </p:clrMapOvr>
+  <p:timing>
+    <p:tnLst>
+      <p:par>
+        <p:cTn id="1" dur="indefinite" restart="never" nodeType="tmRoot"/>
+      </p:par>
+    </p:tnLst>
+  </p:timing>
 </p:sld>
 </file>
 
@@ -15460,7 +15457,7 @@
           <p:cNvPr id="9" name="Group 8">
             <a:extLst>
               <a:ext uri="{FF2B5EF4-FFF2-40B4-BE49-F238E27FC236}">
-                <a16:creationId xmlns:a16="http://schemas.microsoft.com/office/drawing/2014/main" id="{E79E9732-DC5F-4E31-AE99-47AF6D30A725}"/>
+                <a16:creationId xmlns:a16="http://schemas.microsoft.com/office/drawing/2014/main" xmlns="" id="{E79E9732-DC5F-4E31-AE99-47AF6D30A725}"/>
               </a:ext>
             </a:extLst>
           </p:cNvPr>
@@ -15480,7 +15477,7 @@
             <p:cNvPr id="18" name="Rectangle 17">
               <a:extLst>
                 <a:ext uri="{FF2B5EF4-FFF2-40B4-BE49-F238E27FC236}">
-                  <a16:creationId xmlns:a16="http://schemas.microsoft.com/office/drawing/2014/main" id="{A7CF9C45-FF07-4721-888A-CDC8D2C9F429}"/>
+                  <a16:creationId xmlns:a16="http://schemas.microsoft.com/office/drawing/2014/main" xmlns="" id="{A7CF9C45-FF07-4721-888A-CDC8D2C9F429}"/>
                 </a:ext>
               </a:extLst>
             </p:cNvPr>
@@ -15532,7 +15529,7 @@
             <p:cNvPr id="19" name="Subtitle 2">
               <a:extLst>
                 <a:ext uri="{FF2B5EF4-FFF2-40B4-BE49-F238E27FC236}">
-                  <a16:creationId xmlns:a16="http://schemas.microsoft.com/office/drawing/2014/main" id="{EEC03D37-031E-4AFA-B1FF-7E1E0DB75EDA}"/>
+                  <a16:creationId xmlns:a16="http://schemas.microsoft.com/office/drawing/2014/main" xmlns="" id="{EEC03D37-031E-4AFA-B1FF-7E1E0DB75EDA}"/>
                 </a:ext>
               </a:extLst>
             </p:cNvPr>
@@ -15742,7 +15739,7 @@
             <p:cNvPr id="20" name="Rectangle 19">
               <a:extLst>
                 <a:ext uri="{FF2B5EF4-FFF2-40B4-BE49-F238E27FC236}">
-                  <a16:creationId xmlns:a16="http://schemas.microsoft.com/office/drawing/2014/main" id="{9F8140DE-DF19-4E67-BA8B-FDEFA75CDC53}"/>
+                  <a16:creationId xmlns:a16="http://schemas.microsoft.com/office/drawing/2014/main" xmlns="" id="{9F8140DE-DF19-4E67-BA8B-FDEFA75CDC53}"/>
                 </a:ext>
               </a:extLst>
             </p:cNvPr>
@@ -15998,7 +15995,7 @@
               </a:solidFill>
               <a:extLst>
                 <a:ext uri="{C807C97D-BFC1-408E-A445-0C87EB9F89A2}">
-                  <ask:lineSketchStyleProps xmlns:ask="http://schemas.microsoft.com/office/drawing/2018/sketchyshapes" sd="1219033472">
+                  <ask:lineSketchStyleProps xmlns:ask="http://schemas.microsoft.com/office/drawing/2018/sketchyshapes" xmlns="" sd="1219033472">
                     <a:prstGeom prst="rect">
                       <a:avLst/>
                     </a:prstGeom>
@@ -16057,6 +16054,13 @@
   <p:clrMapOvr>
     <a:masterClrMapping/>
   </p:clrMapOvr>
+  <p:timing>
+    <p:tnLst>
+      <p:par>
+        <p:cTn id="1" dur="indefinite" restart="never" nodeType="tmRoot"/>
+      </p:par>
+    </p:tnLst>
+  </p:timing>
 </p:sld>
 </file>
 
@@ -16082,7 +16086,7 @@
           <p:cNvPr id="2" name="Text Placeholder 1">
             <a:extLst>
               <a:ext uri="{FF2B5EF4-FFF2-40B4-BE49-F238E27FC236}">
-                <a16:creationId xmlns:a16="http://schemas.microsoft.com/office/drawing/2014/main" id="{C4DD40E0-632F-425B-B5E9-5E8CC8FCE6EF}"/>
+                <a16:creationId xmlns:a16="http://schemas.microsoft.com/office/drawing/2014/main" xmlns="" id="{C4DD40E0-632F-425B-B5E9-5E8CC8FCE6EF}"/>
               </a:ext>
             </a:extLst>
           </p:cNvPr>
@@ -16101,90 +16105,135 @@
         </p:spPr>
         <p:txBody>
           <a:bodyPr>
-            <a:normAutofit fontScale="70000" lnSpcReduction="20000"/>
+            <a:normAutofit fontScale="85000" lnSpcReduction="20000"/>
           </a:bodyPr>
           <a:lstStyle/>
           <a:p>
             <a:pPr>
               <a:spcAft>
-                <a:spcPts val="1800"/>
+                <a:spcPts val="600"/>
               </a:spcAft>
             </a:pPr>
             <a:r>
-              <a:rPr lang="en-US" dirty="0"/>
-              <a:t>1 : Why you should take this class (and why not)</a:t>
-            </a:r>
+              <a:rPr lang="en-US" sz="3700" dirty="0"/>
+              <a:t>1 : Why you should take this class </a:t>
+            </a:r>
+            <a:r>
+              <a:rPr lang="en-US" sz="3700" dirty="0" smtClean="0"/>
+              <a:t>and </a:t>
+            </a:r>
+            <a:r>
+              <a:rPr lang="en-US" sz="3700" dirty="0"/>
+              <a:t>why </a:t>
+            </a:r>
+            <a:r>
+              <a:rPr lang="en-US" sz="3700" dirty="0" smtClean="0"/>
+              <a:t>not</a:t>
+            </a:r>
+            <a:endParaRPr lang="en-US" sz="3700" dirty="0"/>
           </a:p>
           <a:p>
             <a:pPr>
               <a:spcAft>
-                <a:spcPts val="1800"/>
+                <a:spcPts val="600"/>
               </a:spcAft>
             </a:pPr>
             <a:r>
-              <a:rPr lang="en-US" dirty="0"/>
-              <a:t>2: Who</a:t>
-            </a:r>
+              <a:rPr lang="en-US" sz="3700" dirty="0"/>
+              <a:t>2: </a:t>
+            </a:r>
+            <a:r>
+              <a:rPr lang="en-US" sz="3700" dirty="0" smtClean="0"/>
+              <a:t>Who are we</a:t>
+            </a:r>
+            <a:endParaRPr lang="en-US" sz="3700" dirty="0"/>
           </a:p>
           <a:p>
             <a:pPr>
               <a:spcAft>
-                <a:spcPts val="1800"/>
+                <a:spcPts val="600"/>
               </a:spcAft>
             </a:pPr>
             <a:r>
-              <a:rPr lang="en-US" dirty="0"/>
-              <a:t>3: Course Structure and Activities</a:t>
-            </a:r>
+              <a:rPr lang="en-US" sz="3700" dirty="0"/>
+              <a:t>3: Course </a:t>
+            </a:r>
+            <a:r>
+              <a:rPr lang="en-US" sz="3700" dirty="0" smtClean="0"/>
+              <a:t>structure </a:t>
+            </a:r>
+            <a:r>
+              <a:rPr lang="en-US" sz="3700" dirty="0"/>
+              <a:t>and </a:t>
+            </a:r>
+            <a:r>
+              <a:rPr lang="en-US" sz="3700" dirty="0" smtClean="0"/>
+              <a:t>activities</a:t>
+            </a:r>
+            <a:endParaRPr lang="en-US" sz="3700" dirty="0"/>
           </a:p>
           <a:p>
             <a:pPr>
               <a:spcAft>
-                <a:spcPts val="1800"/>
+                <a:spcPts val="600"/>
               </a:spcAft>
             </a:pPr>
             <a:r>
-              <a:rPr lang="en-US" dirty="0"/>
+              <a:rPr lang="en-US" sz="3700" dirty="0"/>
               <a:t>4: Expectations</a:t>
             </a:r>
           </a:p>
           <a:p>
             <a:pPr>
               <a:spcAft>
-                <a:spcPts val="1800"/>
+                <a:spcPts val="600"/>
               </a:spcAft>
             </a:pPr>
             <a:r>
-              <a:rPr lang="en-US" dirty="0"/>
+              <a:rPr lang="en-US" sz="3700" dirty="0"/>
               <a:t>5: Workload</a:t>
             </a:r>
           </a:p>
           <a:p>
             <a:pPr>
               <a:spcAft>
-                <a:spcPts val="1800"/>
+                <a:spcPts val="600"/>
               </a:spcAft>
             </a:pPr>
             <a:r>
-              <a:rPr lang="en-US" dirty="0"/>
+              <a:rPr lang="en-US" sz="3700" dirty="0"/>
               <a:t>6: Logistics</a:t>
             </a:r>
           </a:p>
           <a:p>
             <a:pPr>
               <a:spcAft>
-                <a:spcPts val="1800"/>
+                <a:spcPts val="600"/>
               </a:spcAft>
             </a:pPr>
             <a:r>
-              <a:rPr lang="en-US" dirty="0"/>
-              <a:t>7: Grades</a:t>
-            </a:r>
-          </a:p>
-          <a:p>
+              <a:rPr lang="en-US" sz="3700" dirty="0"/>
+              <a:t>7: </a:t>
+            </a:r>
+            <a:r>
+              <a:rPr lang="en-US" sz="3700" dirty="0" smtClean="0"/>
+              <a:t>Grades</a:t>
+            </a:r>
+          </a:p>
+          <a:p>
+            <a:pPr>
+              <a:spcAft>
+                <a:spcPts val="600"/>
+              </a:spcAft>
+            </a:pPr>
             <a:endParaRPr lang="en-US" dirty="0"/>
           </a:p>
           <a:p>
+            <a:pPr>
+              <a:spcAft>
+                <a:spcPts val="600"/>
+              </a:spcAft>
+            </a:pPr>
             <a:endParaRPr lang="en-US" dirty="0"/>
           </a:p>
         </p:txBody>
@@ -16194,7 +16243,7 @@
           <p:cNvPr id="3" name="Text Placeholder 2">
             <a:extLst>
               <a:ext uri="{FF2B5EF4-FFF2-40B4-BE49-F238E27FC236}">
-                <a16:creationId xmlns:a16="http://schemas.microsoft.com/office/drawing/2014/main" id="{6DA12FB9-5FAE-4342-BE2F-559B191D9485}"/>
+                <a16:creationId xmlns:a16="http://schemas.microsoft.com/office/drawing/2014/main" xmlns="" id="{6DA12FB9-5FAE-4342-BE2F-559B191D9485}"/>
               </a:ext>
             </a:extLst>
           </p:cNvPr>
@@ -16202,16 +16251,28 @@
             <a:spLocks noGrp="1"/>
           </p:cNvSpPr>
           <p:nvPr>
-            <p:ph type="body" sz="quarter" idx="15"/>
+            <p:ph type="body" sz="quarter" idx="4294967295"/>
           </p:nvPr>
         </p:nvSpPr>
-        <p:spPr/>
+        <p:spPr>
+          <a:xfrm>
+            <a:off x="848139" y="401607"/>
+            <a:ext cx="10357954" cy="2407854"/>
+          </a:xfrm>
+        </p:spPr>
         <p:txBody>
           <a:bodyPr/>
           <a:lstStyle/>
           <a:p>
-            <a:r>
-              <a:rPr lang="en-US" dirty="0"/>
+            <a:pPr marL="0" indent="0" algn="ctr">
+              <a:buNone/>
+            </a:pPr>
+            <a:r>
+              <a:rPr lang="en-US" b="1" dirty="0">
+                <a:latin typeface="Karla" charset="0"/>
+                <a:ea typeface="Karla" charset="0"/>
+                <a:cs typeface="Karla" charset="0"/>
+              </a:rPr>
               <a:t>Outline</a:t>
             </a:r>
           </a:p>
@@ -16227,6 +16288,13 @@
   <p:clrMapOvr>
     <a:masterClrMapping/>
   </p:clrMapOvr>
+  <p:timing>
+    <p:tnLst>
+      <p:par>
+        <p:cTn id="1" dur="indefinite" restart="never" nodeType="tmRoot"/>
+      </p:par>
+    </p:tnLst>
+  </p:timing>
 </p:sld>
 </file>
 
@@ -16249,13 +16317,7 @@
       </p:grpSpPr>
       <p:sp>
         <p:nvSpPr>
-          <p:cNvPr id="2" name="Text Placeholder 1">
-            <a:extLst>
-              <a:ext uri="{FF2B5EF4-FFF2-40B4-BE49-F238E27FC236}">
-                <a16:creationId xmlns:a16="http://schemas.microsoft.com/office/drawing/2014/main" id="{CF90E545-4F5A-4706-9709-188CE2D94341}"/>
-              </a:ext>
-            </a:extLst>
-          </p:cNvPr>
+          <p:cNvPr id="2" name="Text Placeholder 1"/>
           <p:cNvSpPr>
             <a:spLocks noGrp="1"/>
           </p:cNvSpPr>
@@ -16265,13 +16327,13 @@
         </p:nvSpPr>
         <p:spPr>
           <a:xfrm>
-            <a:off x="1162049" y="1821235"/>
-            <a:ext cx="10106025" cy="4074739"/>
+            <a:off x="1393547" y="1757552"/>
+            <a:ext cx="9920378" cy="3920659"/>
           </a:xfrm>
         </p:spPr>
         <p:txBody>
           <a:bodyPr>
-            <a:normAutofit fontScale="85000" lnSpcReduction="20000"/>
+            <a:normAutofit fontScale="55000" lnSpcReduction="20000"/>
           </a:bodyPr>
           <a:lstStyle/>
           <a:p>
@@ -16297,7 +16359,7 @@
             </a:pPr>
             <a:r>
               <a:rPr lang="en-US" dirty="0"/>
-              <a:t>put your model in production</a:t>
+              <a:t>Put your model in production</a:t>
             </a:r>
           </a:p>
           <a:p>
@@ -16308,7 +16370,7 @@
             </a:pPr>
             <a:r>
               <a:rPr lang="en-US" dirty="0"/>
-              <a:t>integrate and orchestrate applications</a:t>
+              <a:t>Integrate and orchestrate applications</a:t>
             </a:r>
           </a:p>
           <a:p>
@@ -16319,7 +16381,7 @@
             </a:pPr>
             <a:r>
               <a:rPr lang="en-US" dirty="0"/>
-              <a:t>deploy increasing amount of data</a:t>
+              <a:t>Deploy increasing amount of data</a:t>
             </a:r>
           </a:p>
           <a:p>
@@ -16330,7 +16392,7 @@
             </a:pPr>
             <a:r>
               <a:rPr lang="en-US" dirty="0"/>
-              <a:t>take advantage of available models</a:t>
+              <a:t>Take advantage of available models</a:t>
             </a:r>
           </a:p>
           <a:p>
@@ -16341,62 +16403,13 @@
             </a:pPr>
             <a:r>
               <a:rPr lang="en-US" dirty="0"/>
-              <a:t>evaluate and debug model using visualization</a:t>
-            </a:r>
-          </a:p>
-          <a:p>
-            <a:pPr algn="r"/>
-            <a:r>
-              <a:rPr lang="en-US" dirty="0"/>
-              <a:t>&gt; </a:t>
-            </a:r>
-            <a:r>
-              <a:rPr lang="en-US" i="1" dirty="0">
-                <a:hlinkClick r:id="rId2"/>
-              </a:rPr>
-              <a:t>Syllabus</a:t>
-            </a:r>
-            <a:r>
-              <a:rPr lang="en-US" i="1" dirty="0"/>
-              <a:t> </a:t>
-            </a:r>
-            <a:r>
-              <a:rPr lang="en-US" dirty="0"/>
-              <a:t>&lt;</a:t>
-            </a:r>
-          </a:p>
-          <a:p>
-            <a:endParaRPr lang="en-US" dirty="0"/>
-          </a:p>
-        </p:txBody>
-      </p:sp>
-      <p:sp>
-        <p:nvSpPr>
-          <p:cNvPr id="3" name="Text Placeholder 2">
-            <a:extLst>
-              <a:ext uri="{FF2B5EF4-FFF2-40B4-BE49-F238E27FC236}">
-                <a16:creationId xmlns:a16="http://schemas.microsoft.com/office/drawing/2014/main" id="{C7652C82-BE66-4418-8AD5-980274E47728}"/>
-              </a:ext>
-            </a:extLst>
-          </p:cNvPr>
-          <p:cNvSpPr>
-            <a:spLocks noGrp="1"/>
-          </p:cNvSpPr>
-          <p:nvPr>
-            <p:ph type="body" sz="quarter" idx="15"/>
-          </p:nvPr>
-        </p:nvSpPr>
-        <p:spPr>
-          <a:xfrm>
-            <a:off x="1162050" y="401607"/>
-            <a:ext cx="10039350" cy="647700"/>
-          </a:xfrm>
-        </p:spPr>
-        <p:txBody>
-          <a:bodyPr>
-            <a:normAutofit fontScale="92500"/>
-          </a:bodyPr>
-          <a:lstStyle/>
+              <a:t>Evaluate and debug model using </a:t>
+            </a:r>
+            <a:r>
+              <a:rPr lang="en-US" dirty="0" smtClean="0"/>
+              <a:t>visualization</a:t>
+            </a:r>
+          </a:p>
           <a:p>
             <a:pPr>
               <a:spcAft>
@@ -16404,8 +16417,79 @@
               </a:spcAft>
             </a:pPr>
             <a:r>
-              <a:rPr lang="en-US" dirty="0"/>
-              <a:t>1 : Why you should take this class and (why not)</a:t>
+              <a:rPr lang="en-US" dirty="0" smtClean="0"/>
+              <a:t>If you have attended </a:t>
+            </a:r>
+            <a:r>
+              <a:rPr lang="en-US" dirty="0" err="1" smtClean="0"/>
+              <a:t>ComputeFest</a:t>
+            </a:r>
+            <a:r>
+              <a:rPr lang="en-US" dirty="0" smtClean="0"/>
+              <a:t> and found it interesting and want to know more, this will be </a:t>
+            </a:r>
+            <a:r>
+              <a:rPr lang="en-US" smtClean="0"/>
+              <a:t>an interesting class</a:t>
+            </a:r>
+            <a:endParaRPr lang="en-US" dirty="0" smtClean="0"/>
+          </a:p>
+          <a:p>
+            <a:pPr>
+              <a:spcAft>
+                <a:spcPts val="1800"/>
+              </a:spcAft>
+            </a:pPr>
+            <a:endParaRPr lang="en-US" dirty="0"/>
+          </a:p>
+          <a:p>
+            <a:endParaRPr lang="en-US" dirty="0"/>
+          </a:p>
+          <a:p>
+            <a:endParaRPr lang="en-US" dirty="0"/>
+          </a:p>
+        </p:txBody>
+      </p:sp>
+      <p:sp>
+        <p:nvSpPr>
+          <p:cNvPr id="3" name="Text Placeholder 2"/>
+          <p:cNvSpPr>
+            <a:spLocks noGrp="1"/>
+          </p:cNvSpPr>
+          <p:nvPr>
+            <p:ph type="body" sz="quarter" idx="4294967295"/>
+          </p:nvPr>
+        </p:nvSpPr>
+        <p:spPr>
+          <a:xfrm>
+            <a:off x="2413748" y="374713"/>
+            <a:ext cx="7879976" cy="647700"/>
+          </a:xfrm>
+        </p:spPr>
+        <p:txBody>
+          <a:bodyPr>
+            <a:normAutofit/>
+          </a:bodyPr>
+          <a:lstStyle/>
+          <a:p>
+            <a:pPr marL="0" indent="0" algn="ctr">
+              <a:buNone/>
+            </a:pPr>
+            <a:r>
+              <a:rPr lang="en-US" b="1" dirty="0" smtClean="0">
+                <a:latin typeface="Karla" charset="0"/>
+                <a:ea typeface="Karla" charset="0"/>
+                <a:cs typeface="Karla" charset="0"/>
+              </a:rPr>
+              <a:t> </a:t>
+            </a:r>
+            <a:r>
+              <a:rPr lang="en-US" b="1" dirty="0">
+                <a:latin typeface="Karla" charset="0"/>
+                <a:ea typeface="Karla" charset="0"/>
+                <a:cs typeface="Karla" charset="0"/>
+              </a:rPr>
+              <a:t>Why you should take this class and why not</a:t>
             </a:r>
           </a:p>
         </p:txBody>
@@ -16413,13 +16497,337 @@
     </p:spTree>
     <p:extLst>
       <p:ext uri="{BB962C8B-B14F-4D97-AF65-F5344CB8AC3E}">
-        <p14:creationId xmlns:p14="http://schemas.microsoft.com/office/powerpoint/2010/main" val="2540969050"/>
+        <p14:creationId xmlns:p14="http://schemas.microsoft.com/office/powerpoint/2010/main" val="2100460776"/>
       </p:ext>
     </p:extLst>
   </p:cSld>
   <p:clrMapOvr>
     <a:masterClrMapping/>
   </p:clrMapOvr>
+  <p:timing>
+    <p:tnLst>
+      <p:par>
+        <p:cTn id="1" dur="indefinite" restart="never" nodeType="tmRoot">
+          <p:childTnLst>
+            <p:seq concurrent="1" nextAc="seek">
+              <p:cTn id="2" dur="indefinite" nodeType="mainSeq">
+                <p:childTnLst>
+                  <p:par>
+                    <p:cTn id="3" fill="hold">
+                      <p:stCondLst>
+                        <p:cond delay="indefinite"/>
+                      </p:stCondLst>
+                      <p:childTnLst>
+                        <p:par>
+                          <p:cTn id="4" fill="hold">
+                            <p:stCondLst>
+                              <p:cond delay="0"/>
+                            </p:stCondLst>
+                            <p:childTnLst>
+                              <p:par>
+                                <p:cTn id="5" presetID="1" presetClass="entr" presetSubtype="0" fill="hold" nodeType="clickEffect">
+                                  <p:stCondLst>
+                                    <p:cond delay="0"/>
+                                  </p:stCondLst>
+                                  <p:childTnLst>
+                                    <p:set>
+                                      <p:cBhvr>
+                                        <p:cTn id="6" dur="1" fill="hold">
+                                          <p:stCondLst>
+                                            <p:cond delay="0"/>
+                                          </p:stCondLst>
+                                        </p:cTn>
+                                        <p:tgtEl>
+                                          <p:spTgt spid="2">
+                                            <p:txEl>
+                                              <p:pRg st="1" end="1"/>
+                                            </p:txEl>
+                                          </p:spTgt>
+                                        </p:tgtEl>
+                                        <p:attrNameLst>
+                                          <p:attrName>style.visibility</p:attrName>
+                                        </p:attrNameLst>
+                                      </p:cBhvr>
+                                      <p:to>
+                                        <p:strVal val="visible"/>
+                                      </p:to>
+                                    </p:set>
+                                  </p:childTnLst>
+                                </p:cTn>
+                              </p:par>
+                            </p:childTnLst>
+                          </p:cTn>
+                        </p:par>
+                      </p:childTnLst>
+                    </p:cTn>
+                  </p:par>
+                  <p:par>
+                    <p:cTn id="7" fill="hold">
+                      <p:stCondLst>
+                        <p:cond delay="indefinite"/>
+                      </p:stCondLst>
+                      <p:childTnLst>
+                        <p:par>
+                          <p:cTn id="8" fill="hold">
+                            <p:stCondLst>
+                              <p:cond delay="0"/>
+                            </p:stCondLst>
+                            <p:childTnLst>
+                              <p:par>
+                                <p:cTn id="9" presetID="1" presetClass="entr" presetSubtype="0" fill="hold" nodeType="clickEffect">
+                                  <p:stCondLst>
+                                    <p:cond delay="0"/>
+                                  </p:stCondLst>
+                                  <p:childTnLst>
+                                    <p:set>
+                                      <p:cBhvr>
+                                        <p:cTn id="10" dur="1" fill="hold">
+                                          <p:stCondLst>
+                                            <p:cond delay="0"/>
+                                          </p:stCondLst>
+                                        </p:cTn>
+                                        <p:tgtEl>
+                                          <p:spTgt spid="2">
+                                            <p:txEl>
+                                              <p:pRg st="2" end="2"/>
+                                            </p:txEl>
+                                          </p:spTgt>
+                                        </p:tgtEl>
+                                        <p:attrNameLst>
+                                          <p:attrName>style.visibility</p:attrName>
+                                        </p:attrNameLst>
+                                      </p:cBhvr>
+                                      <p:to>
+                                        <p:strVal val="visible"/>
+                                      </p:to>
+                                    </p:set>
+                                  </p:childTnLst>
+                                </p:cTn>
+                              </p:par>
+                            </p:childTnLst>
+                          </p:cTn>
+                        </p:par>
+                      </p:childTnLst>
+                    </p:cTn>
+                  </p:par>
+                  <p:par>
+                    <p:cTn id="11" fill="hold">
+                      <p:stCondLst>
+                        <p:cond delay="indefinite"/>
+                      </p:stCondLst>
+                      <p:childTnLst>
+                        <p:par>
+                          <p:cTn id="12" fill="hold">
+                            <p:stCondLst>
+                              <p:cond delay="0"/>
+                            </p:stCondLst>
+                            <p:childTnLst>
+                              <p:par>
+                                <p:cTn id="13" presetID="1" presetClass="entr" presetSubtype="0" fill="hold" nodeType="clickEffect">
+                                  <p:stCondLst>
+                                    <p:cond delay="0"/>
+                                  </p:stCondLst>
+                                  <p:childTnLst>
+                                    <p:set>
+                                      <p:cBhvr>
+                                        <p:cTn id="14" dur="1" fill="hold">
+                                          <p:stCondLst>
+                                            <p:cond delay="0"/>
+                                          </p:stCondLst>
+                                        </p:cTn>
+                                        <p:tgtEl>
+                                          <p:spTgt spid="2">
+                                            <p:txEl>
+                                              <p:pRg st="3" end="3"/>
+                                            </p:txEl>
+                                          </p:spTgt>
+                                        </p:tgtEl>
+                                        <p:attrNameLst>
+                                          <p:attrName>style.visibility</p:attrName>
+                                        </p:attrNameLst>
+                                      </p:cBhvr>
+                                      <p:to>
+                                        <p:strVal val="visible"/>
+                                      </p:to>
+                                    </p:set>
+                                  </p:childTnLst>
+                                </p:cTn>
+                              </p:par>
+                            </p:childTnLst>
+                          </p:cTn>
+                        </p:par>
+                      </p:childTnLst>
+                    </p:cTn>
+                  </p:par>
+                  <p:par>
+                    <p:cTn id="15" fill="hold">
+                      <p:stCondLst>
+                        <p:cond delay="indefinite"/>
+                      </p:stCondLst>
+                      <p:childTnLst>
+                        <p:par>
+                          <p:cTn id="16" fill="hold">
+                            <p:stCondLst>
+                              <p:cond delay="0"/>
+                            </p:stCondLst>
+                            <p:childTnLst>
+                              <p:par>
+                                <p:cTn id="17" presetID="1" presetClass="entr" presetSubtype="0" fill="hold" nodeType="clickEffect">
+                                  <p:stCondLst>
+                                    <p:cond delay="0"/>
+                                  </p:stCondLst>
+                                  <p:childTnLst>
+                                    <p:set>
+                                      <p:cBhvr>
+                                        <p:cTn id="18" dur="1" fill="hold">
+                                          <p:stCondLst>
+                                            <p:cond delay="0"/>
+                                          </p:stCondLst>
+                                        </p:cTn>
+                                        <p:tgtEl>
+                                          <p:spTgt spid="2">
+                                            <p:txEl>
+                                              <p:pRg st="4" end="4"/>
+                                            </p:txEl>
+                                          </p:spTgt>
+                                        </p:tgtEl>
+                                        <p:attrNameLst>
+                                          <p:attrName>style.visibility</p:attrName>
+                                        </p:attrNameLst>
+                                      </p:cBhvr>
+                                      <p:to>
+                                        <p:strVal val="visible"/>
+                                      </p:to>
+                                    </p:set>
+                                  </p:childTnLst>
+                                </p:cTn>
+                              </p:par>
+                            </p:childTnLst>
+                          </p:cTn>
+                        </p:par>
+                      </p:childTnLst>
+                    </p:cTn>
+                  </p:par>
+                  <p:par>
+                    <p:cTn id="19" fill="hold">
+                      <p:stCondLst>
+                        <p:cond delay="indefinite"/>
+                      </p:stCondLst>
+                      <p:childTnLst>
+                        <p:par>
+                          <p:cTn id="20" fill="hold">
+                            <p:stCondLst>
+                              <p:cond delay="0"/>
+                            </p:stCondLst>
+                            <p:childTnLst>
+                              <p:par>
+                                <p:cTn id="21" presetID="1" presetClass="entr" presetSubtype="0" fill="hold" nodeType="clickEffect">
+                                  <p:stCondLst>
+                                    <p:cond delay="0"/>
+                                  </p:stCondLst>
+                                  <p:childTnLst>
+                                    <p:set>
+                                      <p:cBhvr>
+                                        <p:cTn id="22" dur="1" fill="hold">
+                                          <p:stCondLst>
+                                            <p:cond delay="0"/>
+                                          </p:stCondLst>
+                                        </p:cTn>
+                                        <p:tgtEl>
+                                          <p:spTgt spid="2">
+                                            <p:txEl>
+                                              <p:pRg st="5" end="5"/>
+                                            </p:txEl>
+                                          </p:spTgt>
+                                        </p:tgtEl>
+                                        <p:attrNameLst>
+                                          <p:attrName>style.visibility</p:attrName>
+                                        </p:attrNameLst>
+                                      </p:cBhvr>
+                                      <p:to>
+                                        <p:strVal val="visible"/>
+                                      </p:to>
+                                    </p:set>
+                                  </p:childTnLst>
+                                </p:cTn>
+                              </p:par>
+                            </p:childTnLst>
+                          </p:cTn>
+                        </p:par>
+                      </p:childTnLst>
+                    </p:cTn>
+                  </p:par>
+                  <p:par>
+                    <p:cTn id="23" fill="hold">
+                      <p:stCondLst>
+                        <p:cond delay="indefinite"/>
+                      </p:stCondLst>
+                      <p:childTnLst>
+                        <p:par>
+                          <p:cTn id="24" fill="hold">
+                            <p:stCondLst>
+                              <p:cond delay="0"/>
+                            </p:stCondLst>
+                            <p:childTnLst>
+                              <p:par>
+                                <p:cTn id="25" presetID="1" presetClass="entr" presetSubtype="0" fill="hold" nodeType="clickEffect">
+                                  <p:stCondLst>
+                                    <p:cond delay="0"/>
+                                  </p:stCondLst>
+                                  <p:childTnLst>
+                                    <p:set>
+                                      <p:cBhvr>
+                                        <p:cTn id="26" dur="1" fill="hold">
+                                          <p:stCondLst>
+                                            <p:cond delay="0"/>
+                                          </p:stCondLst>
+                                        </p:cTn>
+                                        <p:tgtEl>
+                                          <p:spTgt spid="2">
+                                            <p:txEl>
+                                              <p:pRg st="6" end="6"/>
+                                            </p:txEl>
+                                          </p:spTgt>
+                                        </p:tgtEl>
+                                        <p:attrNameLst>
+                                          <p:attrName>style.visibility</p:attrName>
+                                        </p:attrNameLst>
+                                      </p:cBhvr>
+                                      <p:to>
+                                        <p:strVal val="visible"/>
+                                      </p:to>
+                                    </p:set>
+                                  </p:childTnLst>
+                                </p:cTn>
+                              </p:par>
+                            </p:childTnLst>
+                          </p:cTn>
+                        </p:par>
+                      </p:childTnLst>
+                    </p:cTn>
+                  </p:par>
+                </p:childTnLst>
+              </p:cTn>
+              <p:prevCondLst>
+                <p:cond evt="onPrev" delay="0">
+                  <p:tgtEl>
+                    <p:sldTgt/>
+                  </p:tgtEl>
+                </p:cond>
+              </p:prevCondLst>
+              <p:nextCondLst>
+                <p:cond evt="onNext" delay="0">
+                  <p:tgtEl>
+                    <p:sldTgt/>
+                  </p:tgtEl>
+                </p:cond>
+              </p:nextCondLst>
+            </p:seq>
+          </p:childTnLst>
+        </p:cTn>
+      </p:par>
+    </p:tnLst>
+  </p:timing>
 </p:sld>
 </file>
 
@@ -16445,7 +16853,7 @@
           <p:cNvPr id="20" name="Text Placeholder 2">
             <a:extLst>
               <a:ext uri="{FF2B5EF4-FFF2-40B4-BE49-F238E27FC236}">
-                <a16:creationId xmlns:a16="http://schemas.microsoft.com/office/drawing/2014/main" id="{3DB55AF4-6E0F-442B-8785-7E80CB2E6000}"/>
+                <a16:creationId xmlns:a16="http://schemas.microsoft.com/office/drawing/2014/main" xmlns="" id="{3DB55AF4-6E0F-442B-8785-7E80CB2E6000}"/>
               </a:ext>
             </a:extLst>
           </p:cNvPr>
@@ -16485,7 +16893,7 @@
           <p:cNvPr id="21" name="Rectangle 20">
             <a:extLst>
               <a:ext uri="{FF2B5EF4-FFF2-40B4-BE49-F238E27FC236}">
-                <a16:creationId xmlns:a16="http://schemas.microsoft.com/office/drawing/2014/main" id="{E0D84B8B-B072-4A04-9675-C4A47532E85E}"/>
+                <a16:creationId xmlns:a16="http://schemas.microsoft.com/office/drawing/2014/main" xmlns="" id="{E0D84B8B-B072-4A04-9675-C4A47532E85E}"/>
               </a:ext>
             </a:extLst>
           </p:cNvPr>
@@ -16546,7 +16954,7 @@
           <p:cNvPr id="22" name="Rectangle 21">
             <a:extLst>
               <a:ext uri="{FF2B5EF4-FFF2-40B4-BE49-F238E27FC236}">
-                <a16:creationId xmlns:a16="http://schemas.microsoft.com/office/drawing/2014/main" id="{E431EE9F-D9FF-4A33-BD16-6D46C3D0F731}"/>
+                <a16:creationId xmlns:a16="http://schemas.microsoft.com/office/drawing/2014/main" xmlns="" id="{E431EE9F-D9FF-4A33-BD16-6D46C3D0F731}"/>
               </a:ext>
             </a:extLst>
           </p:cNvPr>
@@ -16607,7 +17015,7 @@
           <p:cNvPr id="23" name="Rectangle 22">
             <a:extLst>
               <a:ext uri="{FF2B5EF4-FFF2-40B4-BE49-F238E27FC236}">
-                <a16:creationId xmlns:a16="http://schemas.microsoft.com/office/drawing/2014/main" id="{DC0FDE17-8208-4FCA-8009-8AA0879D180A}"/>
+                <a16:creationId xmlns:a16="http://schemas.microsoft.com/office/drawing/2014/main" xmlns="" id="{DC0FDE17-8208-4FCA-8009-8AA0879D180A}"/>
               </a:ext>
             </a:extLst>
           </p:cNvPr>
@@ -16668,7 +17076,7 @@
           <p:cNvPr id="24" name="Rectangle 23">
             <a:extLst>
               <a:ext uri="{FF2B5EF4-FFF2-40B4-BE49-F238E27FC236}">
-                <a16:creationId xmlns:a16="http://schemas.microsoft.com/office/drawing/2014/main" id="{FE7F4D79-13D4-4E11-8C97-0B212842792E}"/>
+                <a16:creationId xmlns:a16="http://schemas.microsoft.com/office/drawing/2014/main" xmlns="" id="{FE7F4D79-13D4-4E11-8C97-0B212842792E}"/>
               </a:ext>
             </a:extLst>
           </p:cNvPr>
@@ -16729,7 +17137,7 @@
           <p:cNvPr id="25" name="Rectangle 24">
             <a:extLst>
               <a:ext uri="{FF2B5EF4-FFF2-40B4-BE49-F238E27FC236}">
-                <a16:creationId xmlns:a16="http://schemas.microsoft.com/office/drawing/2014/main" id="{83A462B7-5B85-426D-AAF3-653FD6FD2622}"/>
+                <a16:creationId xmlns:a16="http://schemas.microsoft.com/office/drawing/2014/main" xmlns="" id="{83A462B7-5B85-426D-AAF3-653FD6FD2622}"/>
               </a:ext>
             </a:extLst>
           </p:cNvPr>
@@ -16985,7 +17393,7 @@
             </a:solidFill>
             <a:extLst>
               <a:ext uri="{C807C97D-BFC1-408E-A445-0C87EB9F89A2}">
-                <ask:lineSketchStyleProps xmlns:ask="http://schemas.microsoft.com/office/drawing/2018/sketchyshapes" sd="1219033472">
+                <ask:lineSketchStyleProps xmlns:ask="http://schemas.microsoft.com/office/drawing/2018/sketchyshapes" xmlns="" sd="1219033472">
                   <a:prstGeom prst="rect">
                     <a:avLst/>
                   </a:prstGeom>
@@ -17036,7 +17444,7 @@
           <p:cNvPr id="26" name="Rectangle 25">
             <a:extLst>
               <a:ext uri="{FF2B5EF4-FFF2-40B4-BE49-F238E27FC236}">
-                <a16:creationId xmlns:a16="http://schemas.microsoft.com/office/drawing/2014/main" id="{094ABAE3-5396-4FE0-A106-F443B74D409A}"/>
+                <a16:creationId xmlns:a16="http://schemas.microsoft.com/office/drawing/2014/main" xmlns="" id="{094ABAE3-5396-4FE0-A106-F443B74D409A}"/>
               </a:ext>
             </a:extLst>
           </p:cNvPr>
@@ -17097,7 +17505,7 @@
           <p:cNvPr id="27" name="Rectangle 26">
             <a:extLst>
               <a:ext uri="{FF2B5EF4-FFF2-40B4-BE49-F238E27FC236}">
-                <a16:creationId xmlns:a16="http://schemas.microsoft.com/office/drawing/2014/main" id="{84847763-BDEC-4978-81EF-80B062D21FB6}"/>
+                <a16:creationId xmlns:a16="http://schemas.microsoft.com/office/drawing/2014/main" xmlns="" id="{84847763-BDEC-4978-81EF-80B062D21FB6}"/>
               </a:ext>
             </a:extLst>
           </p:cNvPr>
@@ -17143,7 +17551,7 @@
           <p:cNvPr id="28" name="Rectangle 27">
             <a:extLst>
               <a:ext uri="{FF2B5EF4-FFF2-40B4-BE49-F238E27FC236}">
-                <a16:creationId xmlns:a16="http://schemas.microsoft.com/office/drawing/2014/main" id="{C269BBBF-E9D9-406C-92F7-D82C521A7325}"/>
+                <a16:creationId xmlns:a16="http://schemas.microsoft.com/office/drawing/2014/main" xmlns="" id="{C269BBBF-E9D9-406C-92F7-D82C521A7325}"/>
               </a:ext>
             </a:extLst>
           </p:cNvPr>
@@ -17399,7 +17807,7 @@
             </a:solidFill>
             <a:extLst>
               <a:ext uri="{C807C97D-BFC1-408E-A445-0C87EB9F89A2}">
-                <ask:lineSketchStyleProps xmlns:ask="http://schemas.microsoft.com/office/drawing/2018/sketchyshapes" sd="1219033472">
+                <ask:lineSketchStyleProps xmlns:ask="http://schemas.microsoft.com/office/drawing/2018/sketchyshapes" xmlns="" sd="1219033472">
                   <a:prstGeom prst="rect">
                     <a:avLst/>
                   </a:prstGeom>
@@ -17447,7 +17855,7 @@
           <p:cNvPr id="29" name="Rectangle 28">
             <a:extLst>
               <a:ext uri="{FF2B5EF4-FFF2-40B4-BE49-F238E27FC236}">
-                <a16:creationId xmlns:a16="http://schemas.microsoft.com/office/drawing/2014/main" id="{41C63785-0681-49EE-AA53-4314D48F760E}"/>
+                <a16:creationId xmlns:a16="http://schemas.microsoft.com/office/drawing/2014/main" xmlns="" id="{41C63785-0681-49EE-AA53-4314D48F760E}"/>
               </a:ext>
             </a:extLst>
           </p:cNvPr>
@@ -17484,7 +17892,7 @@
           <p:cNvPr id="30" name="Rectangle 29">
             <a:extLst>
               <a:ext uri="{FF2B5EF4-FFF2-40B4-BE49-F238E27FC236}">
-                <a16:creationId xmlns:a16="http://schemas.microsoft.com/office/drawing/2014/main" id="{3978E6E4-8302-450F-A617-452F54E35F38}"/>
+                <a16:creationId xmlns:a16="http://schemas.microsoft.com/office/drawing/2014/main" xmlns="" id="{3978E6E4-8302-450F-A617-452F54E35F38}"/>
               </a:ext>
             </a:extLst>
           </p:cNvPr>
@@ -17740,7 +18148,7 @@
             </a:solidFill>
             <a:extLst>
               <a:ext uri="{C807C97D-BFC1-408E-A445-0C87EB9F89A2}">
-                <ask:lineSketchStyleProps xmlns:ask="http://schemas.microsoft.com/office/drawing/2018/sketchyshapes" sd="1219033472">
+                <ask:lineSketchStyleProps xmlns:ask="http://schemas.microsoft.com/office/drawing/2018/sketchyshapes" xmlns="" sd="1219033472">
                   <a:prstGeom prst="rect">
                     <a:avLst/>
                   </a:prstGeom>
@@ -17788,7 +18196,7 @@
           <p:cNvPr id="31" name="Rectangle 30">
             <a:extLst>
               <a:ext uri="{FF2B5EF4-FFF2-40B4-BE49-F238E27FC236}">
-                <a16:creationId xmlns:a16="http://schemas.microsoft.com/office/drawing/2014/main" id="{746ECC03-A4A6-47A5-BBA3-BC7691DC2DC3}"/>
+                <a16:creationId xmlns:a16="http://schemas.microsoft.com/office/drawing/2014/main" xmlns="" id="{746ECC03-A4A6-47A5-BBA3-BC7691DC2DC3}"/>
               </a:ext>
             </a:extLst>
           </p:cNvPr>
@@ -17825,7 +18233,7 @@
           <p:cNvPr id="32" name="Rectangle 31">
             <a:extLst>
               <a:ext uri="{FF2B5EF4-FFF2-40B4-BE49-F238E27FC236}">
-                <a16:creationId xmlns:a16="http://schemas.microsoft.com/office/drawing/2014/main" id="{4BF6DC87-A208-4177-97B7-BA833954A8F7}"/>
+                <a16:creationId xmlns:a16="http://schemas.microsoft.com/office/drawing/2014/main" xmlns="" id="{4BF6DC87-A208-4177-97B7-BA833954A8F7}"/>
               </a:ext>
             </a:extLst>
           </p:cNvPr>
@@ -18081,7 +18489,7 @@
             </a:solidFill>
             <a:extLst>
               <a:ext uri="{C807C97D-BFC1-408E-A445-0C87EB9F89A2}">
-                <ask:lineSketchStyleProps xmlns:ask="http://schemas.microsoft.com/office/drawing/2018/sketchyshapes" sd="1219033472">
+                <ask:lineSketchStyleProps xmlns:ask="http://schemas.microsoft.com/office/drawing/2018/sketchyshapes" xmlns="" sd="1219033472">
                   <a:prstGeom prst="rect">
                     <a:avLst/>
                   </a:prstGeom>
@@ -18129,7 +18537,7 @@
           <p:cNvPr id="33" name="Rectangle 32">
             <a:extLst>
               <a:ext uri="{FF2B5EF4-FFF2-40B4-BE49-F238E27FC236}">
-                <a16:creationId xmlns:a16="http://schemas.microsoft.com/office/drawing/2014/main" id="{2069D864-A39D-4203-9C1E-11EC566BF3B3}"/>
+                <a16:creationId xmlns:a16="http://schemas.microsoft.com/office/drawing/2014/main" xmlns="" id="{2069D864-A39D-4203-9C1E-11EC566BF3B3}"/>
               </a:ext>
             </a:extLst>
           </p:cNvPr>
@@ -18175,7 +18583,7 @@
           <p:cNvPr id="37" name="Rectangle 36">
             <a:extLst>
               <a:ext uri="{FF2B5EF4-FFF2-40B4-BE49-F238E27FC236}">
-                <a16:creationId xmlns:a16="http://schemas.microsoft.com/office/drawing/2014/main" id="{ABE17613-3BDE-48F5-BB09-D81E65FAF962}"/>
+                <a16:creationId xmlns:a16="http://schemas.microsoft.com/office/drawing/2014/main" xmlns="" id="{ABE17613-3BDE-48F5-BB09-D81E65FAF962}"/>
               </a:ext>
             </a:extLst>
           </p:cNvPr>
@@ -18293,7 +18701,7 @@
           <p:cNvPr id="38" name="Rectangle 37">
             <a:extLst>
               <a:ext uri="{FF2B5EF4-FFF2-40B4-BE49-F238E27FC236}">
-                <a16:creationId xmlns:a16="http://schemas.microsoft.com/office/drawing/2014/main" id="{B4887982-9C9C-43B9-AE2B-DE2A2A5D434B}"/>
+                <a16:creationId xmlns:a16="http://schemas.microsoft.com/office/drawing/2014/main" xmlns="" id="{B4887982-9C9C-43B9-AE2B-DE2A2A5D434B}"/>
               </a:ext>
             </a:extLst>
           </p:cNvPr>
@@ -18342,7 +18750,7 @@
           <p:cNvPr id="45" name="Group 44">
             <a:extLst>
               <a:ext uri="{FF2B5EF4-FFF2-40B4-BE49-F238E27FC236}">
-                <a16:creationId xmlns:a16="http://schemas.microsoft.com/office/drawing/2014/main" id="{DE2D2973-C7FB-4A66-B5A9-CB7E056E80F8}"/>
+                <a16:creationId xmlns:a16="http://schemas.microsoft.com/office/drawing/2014/main" xmlns="" id="{DE2D2973-C7FB-4A66-B5A9-CB7E056E80F8}"/>
               </a:ext>
             </a:extLst>
           </p:cNvPr>
@@ -18362,7 +18770,7 @@
             <p:cNvPr id="39" name="Group 38">
               <a:extLst>
                 <a:ext uri="{FF2B5EF4-FFF2-40B4-BE49-F238E27FC236}">
-                  <a16:creationId xmlns:a16="http://schemas.microsoft.com/office/drawing/2014/main" id="{AB4B64BA-9DD3-4096-AB98-1C46476CCFA8}"/>
+                  <a16:creationId xmlns:a16="http://schemas.microsoft.com/office/drawing/2014/main" xmlns="" id="{AB4B64BA-9DD3-4096-AB98-1C46476CCFA8}"/>
                 </a:ext>
               </a:extLst>
             </p:cNvPr>
@@ -18382,7 +18790,7 @@
               <p:cNvPr id="40" name="Rectangle 39">
                 <a:extLst>
                   <a:ext uri="{FF2B5EF4-FFF2-40B4-BE49-F238E27FC236}">
-                    <a16:creationId xmlns:a16="http://schemas.microsoft.com/office/drawing/2014/main" id="{35B826DD-DFD5-4AC8-8DCF-A692E178FD87}"/>
+                    <a16:creationId xmlns:a16="http://schemas.microsoft.com/office/drawing/2014/main" xmlns="" id="{35B826DD-DFD5-4AC8-8DCF-A692E178FD87}"/>
                   </a:ext>
                 </a:extLst>
               </p:cNvPr>
@@ -18549,7 +18957,7 @@
                 <a:prstDash val="lgDash"/>
                 <a:extLst>
                   <a:ext uri="{C807C97D-BFC1-408E-A445-0C87EB9F89A2}">
-                    <ask:lineSketchStyleProps xmlns:ask="http://schemas.microsoft.com/office/drawing/2018/sketchyshapes" sd="1219033472">
+                    <ask:lineSketchStyleProps xmlns:ask="http://schemas.microsoft.com/office/drawing/2018/sketchyshapes" xmlns="" sd="1219033472">
                       <a:prstGeom prst="rect">
                         <a:avLst/>
                       </a:prstGeom>
@@ -18576,7 +18984,7 @@
               <p:cNvPr id="41" name="Rectangle 40">
                 <a:extLst>
                   <a:ext uri="{FF2B5EF4-FFF2-40B4-BE49-F238E27FC236}">
-                    <a16:creationId xmlns:a16="http://schemas.microsoft.com/office/drawing/2014/main" id="{840D0272-4E0D-41A5-8DF8-76AC10197294}"/>
+                    <a16:creationId xmlns:a16="http://schemas.microsoft.com/office/drawing/2014/main" xmlns="" id="{840D0272-4E0D-41A5-8DF8-76AC10197294}"/>
                   </a:ext>
                 </a:extLst>
               </p:cNvPr>
@@ -18629,7 +19037,7 @@
             <p:cNvPr id="44" name="Group 43">
               <a:extLst>
                 <a:ext uri="{FF2B5EF4-FFF2-40B4-BE49-F238E27FC236}">
-                  <a16:creationId xmlns:a16="http://schemas.microsoft.com/office/drawing/2014/main" id="{B3778665-CF08-477D-B8CB-BA13A1007958}"/>
+                  <a16:creationId xmlns:a16="http://schemas.microsoft.com/office/drawing/2014/main" xmlns="" id="{B3778665-CF08-477D-B8CB-BA13A1007958}"/>
                 </a:ext>
               </a:extLst>
             </p:cNvPr>
@@ -18649,7 +19057,7 @@
               <p:cNvPr id="42" name="Isosceles Triangle 41">
                 <a:extLst>
                   <a:ext uri="{FF2B5EF4-FFF2-40B4-BE49-F238E27FC236}">
-                    <a16:creationId xmlns:a16="http://schemas.microsoft.com/office/drawing/2014/main" id="{9CC5DA48-4D10-463C-AB82-6A4366FD1EF4}"/>
+                    <a16:creationId xmlns:a16="http://schemas.microsoft.com/office/drawing/2014/main" xmlns="" id="{9CC5DA48-4D10-463C-AB82-6A4366FD1EF4}"/>
                   </a:ext>
                 </a:extLst>
               </p:cNvPr>
@@ -18698,7 +19106,7 @@
               <p:cNvPr id="43" name="Isosceles Triangle 42">
                 <a:extLst>
                   <a:ext uri="{FF2B5EF4-FFF2-40B4-BE49-F238E27FC236}">
-                    <a16:creationId xmlns:a16="http://schemas.microsoft.com/office/drawing/2014/main" id="{89E2B56F-5C20-425E-BB7E-2D5EA9D6EE9C}"/>
+                    <a16:creationId xmlns:a16="http://schemas.microsoft.com/office/drawing/2014/main" xmlns="" id="{89E2B56F-5C20-425E-BB7E-2D5EA9D6EE9C}"/>
                   </a:ext>
                 </a:extLst>
               </p:cNvPr>
@@ -18752,7 +19160,7 @@
           <p:cNvPr id="46" name="Group 45">
             <a:extLst>
               <a:ext uri="{FF2B5EF4-FFF2-40B4-BE49-F238E27FC236}">
-                <a16:creationId xmlns:a16="http://schemas.microsoft.com/office/drawing/2014/main" id="{35A0209D-0C8A-4A19-9803-C79F8AE5C8AF}"/>
+                <a16:creationId xmlns:a16="http://schemas.microsoft.com/office/drawing/2014/main" xmlns="" id="{35A0209D-0C8A-4A19-9803-C79F8AE5C8AF}"/>
               </a:ext>
             </a:extLst>
           </p:cNvPr>
@@ -18772,7 +19180,7 @@
             <p:cNvPr id="47" name="Group 46">
               <a:extLst>
                 <a:ext uri="{FF2B5EF4-FFF2-40B4-BE49-F238E27FC236}">
-                  <a16:creationId xmlns:a16="http://schemas.microsoft.com/office/drawing/2014/main" id="{2F390320-68CC-406C-B547-24945F2DF642}"/>
+                  <a16:creationId xmlns:a16="http://schemas.microsoft.com/office/drawing/2014/main" xmlns="" id="{2F390320-68CC-406C-B547-24945F2DF642}"/>
                 </a:ext>
               </a:extLst>
             </p:cNvPr>
@@ -18792,7 +19200,7 @@
               <p:cNvPr id="51" name="Rectangle 50">
                 <a:extLst>
                   <a:ext uri="{FF2B5EF4-FFF2-40B4-BE49-F238E27FC236}">
-                    <a16:creationId xmlns:a16="http://schemas.microsoft.com/office/drawing/2014/main" id="{D871E674-0078-4925-A32D-1E8C31E249B2}"/>
+                    <a16:creationId xmlns:a16="http://schemas.microsoft.com/office/drawing/2014/main" xmlns="" id="{D871E674-0078-4925-A32D-1E8C31E249B2}"/>
                   </a:ext>
                 </a:extLst>
               </p:cNvPr>
@@ -18959,7 +19367,7 @@
                 <a:prstDash val="lgDash"/>
                 <a:extLst>
                   <a:ext uri="{C807C97D-BFC1-408E-A445-0C87EB9F89A2}">
-                    <ask:lineSketchStyleProps xmlns:ask="http://schemas.microsoft.com/office/drawing/2018/sketchyshapes" sd="1219033472">
+                    <ask:lineSketchStyleProps xmlns:ask="http://schemas.microsoft.com/office/drawing/2018/sketchyshapes" xmlns="" sd="1219033472">
                       <a:prstGeom prst="rect">
                         <a:avLst/>
                       </a:prstGeom>
@@ -18986,7 +19394,7 @@
               <p:cNvPr id="52" name="Rectangle 51">
                 <a:extLst>
                   <a:ext uri="{FF2B5EF4-FFF2-40B4-BE49-F238E27FC236}">
-                    <a16:creationId xmlns:a16="http://schemas.microsoft.com/office/drawing/2014/main" id="{CA576896-2CD7-4FE8-98F2-52BF993EFE89}"/>
+                    <a16:creationId xmlns:a16="http://schemas.microsoft.com/office/drawing/2014/main" xmlns="" id="{CA576896-2CD7-4FE8-98F2-52BF993EFE89}"/>
                   </a:ext>
                 </a:extLst>
               </p:cNvPr>
@@ -19039,7 +19447,7 @@
             <p:cNvPr id="48" name="Group 47">
               <a:extLst>
                 <a:ext uri="{FF2B5EF4-FFF2-40B4-BE49-F238E27FC236}">
-                  <a16:creationId xmlns:a16="http://schemas.microsoft.com/office/drawing/2014/main" id="{805CBC8A-7AA3-4866-A881-2B7A5551C746}"/>
+                  <a16:creationId xmlns:a16="http://schemas.microsoft.com/office/drawing/2014/main" xmlns="" id="{805CBC8A-7AA3-4866-A881-2B7A5551C746}"/>
                 </a:ext>
               </a:extLst>
             </p:cNvPr>
@@ -19059,7 +19467,7 @@
               <p:cNvPr id="49" name="Isosceles Triangle 48">
                 <a:extLst>
                   <a:ext uri="{FF2B5EF4-FFF2-40B4-BE49-F238E27FC236}">
-                    <a16:creationId xmlns:a16="http://schemas.microsoft.com/office/drawing/2014/main" id="{D5DA2999-94D8-4E39-BDA9-4045A8916070}"/>
+                    <a16:creationId xmlns:a16="http://schemas.microsoft.com/office/drawing/2014/main" xmlns="" id="{D5DA2999-94D8-4E39-BDA9-4045A8916070}"/>
                   </a:ext>
                 </a:extLst>
               </p:cNvPr>
@@ -19108,7 +19516,7 @@
               <p:cNvPr id="50" name="Isosceles Triangle 49">
                 <a:extLst>
                   <a:ext uri="{FF2B5EF4-FFF2-40B4-BE49-F238E27FC236}">
-                    <a16:creationId xmlns:a16="http://schemas.microsoft.com/office/drawing/2014/main" id="{A89B3EC8-A34E-4F26-A727-A270B6BB17D3}"/>
+                    <a16:creationId xmlns:a16="http://schemas.microsoft.com/office/drawing/2014/main" xmlns="" id="{A89B3EC8-A34E-4F26-A727-A270B6BB17D3}"/>
                   </a:ext>
                 </a:extLst>
               </p:cNvPr>
@@ -19162,7 +19570,7 @@
           <p:cNvPr id="53" name="Group 52">
             <a:extLst>
               <a:ext uri="{FF2B5EF4-FFF2-40B4-BE49-F238E27FC236}">
-                <a16:creationId xmlns:a16="http://schemas.microsoft.com/office/drawing/2014/main" id="{0931C8FE-32A5-4DA4-A666-7B7061A37211}"/>
+                <a16:creationId xmlns:a16="http://schemas.microsoft.com/office/drawing/2014/main" xmlns="" id="{0931C8FE-32A5-4DA4-A666-7B7061A37211}"/>
               </a:ext>
             </a:extLst>
           </p:cNvPr>
@@ -19182,7 +19590,7 @@
             <p:cNvPr id="54" name="Group 53">
               <a:extLst>
                 <a:ext uri="{FF2B5EF4-FFF2-40B4-BE49-F238E27FC236}">
-                  <a16:creationId xmlns:a16="http://schemas.microsoft.com/office/drawing/2014/main" id="{C43E3343-813D-43C7-9E0E-F00DB1C8FE79}"/>
+                  <a16:creationId xmlns:a16="http://schemas.microsoft.com/office/drawing/2014/main" xmlns="" id="{C43E3343-813D-43C7-9E0E-F00DB1C8FE79}"/>
                 </a:ext>
               </a:extLst>
             </p:cNvPr>
@@ -19202,7 +19610,7 @@
               <p:cNvPr id="58" name="Rectangle 57">
                 <a:extLst>
                   <a:ext uri="{FF2B5EF4-FFF2-40B4-BE49-F238E27FC236}">
-                    <a16:creationId xmlns:a16="http://schemas.microsoft.com/office/drawing/2014/main" id="{9C13FF9E-5109-4945-90A4-E4C236CF86C9}"/>
+                    <a16:creationId xmlns:a16="http://schemas.microsoft.com/office/drawing/2014/main" xmlns="" id="{9C13FF9E-5109-4945-90A4-E4C236CF86C9}"/>
                   </a:ext>
                 </a:extLst>
               </p:cNvPr>
@@ -19369,7 +19777,7 @@
                 <a:prstDash val="lgDash"/>
                 <a:extLst>
                   <a:ext uri="{C807C97D-BFC1-408E-A445-0C87EB9F89A2}">
-                    <ask:lineSketchStyleProps xmlns:ask="http://schemas.microsoft.com/office/drawing/2018/sketchyshapes" sd="1219033472">
+                    <ask:lineSketchStyleProps xmlns:ask="http://schemas.microsoft.com/office/drawing/2018/sketchyshapes" xmlns="" sd="1219033472">
                       <a:prstGeom prst="rect">
                         <a:avLst/>
                       </a:prstGeom>
@@ -19396,7 +19804,7 @@
               <p:cNvPr id="59" name="Rectangle 58">
                 <a:extLst>
                   <a:ext uri="{FF2B5EF4-FFF2-40B4-BE49-F238E27FC236}">
-                    <a16:creationId xmlns:a16="http://schemas.microsoft.com/office/drawing/2014/main" id="{9F8CAC2B-2417-483B-9B6F-F3D27B6A483E}"/>
+                    <a16:creationId xmlns:a16="http://schemas.microsoft.com/office/drawing/2014/main" xmlns="" id="{9F8CAC2B-2417-483B-9B6F-F3D27B6A483E}"/>
                   </a:ext>
                 </a:extLst>
               </p:cNvPr>
@@ -19449,7 +19857,7 @@
             <p:cNvPr id="55" name="Group 54">
               <a:extLst>
                 <a:ext uri="{FF2B5EF4-FFF2-40B4-BE49-F238E27FC236}">
-                  <a16:creationId xmlns:a16="http://schemas.microsoft.com/office/drawing/2014/main" id="{39713E27-DAA3-4C8E-B2B0-2049CBB16778}"/>
+                  <a16:creationId xmlns:a16="http://schemas.microsoft.com/office/drawing/2014/main" xmlns="" id="{39713E27-DAA3-4C8E-B2B0-2049CBB16778}"/>
                 </a:ext>
               </a:extLst>
             </p:cNvPr>
@@ -19469,7 +19877,7 @@
               <p:cNvPr id="56" name="Isosceles Triangle 55">
                 <a:extLst>
                   <a:ext uri="{FF2B5EF4-FFF2-40B4-BE49-F238E27FC236}">
-                    <a16:creationId xmlns:a16="http://schemas.microsoft.com/office/drawing/2014/main" id="{C1C80DA9-7BB3-462D-B787-13362EE2BBCC}"/>
+                    <a16:creationId xmlns:a16="http://schemas.microsoft.com/office/drawing/2014/main" xmlns="" id="{C1C80DA9-7BB3-462D-B787-13362EE2BBCC}"/>
                   </a:ext>
                 </a:extLst>
               </p:cNvPr>
@@ -19518,7 +19926,7 @@
               <p:cNvPr id="57" name="Isosceles Triangle 56">
                 <a:extLst>
                   <a:ext uri="{FF2B5EF4-FFF2-40B4-BE49-F238E27FC236}">
-                    <a16:creationId xmlns:a16="http://schemas.microsoft.com/office/drawing/2014/main" id="{8EE5DA84-5C97-44F9-AFA0-24C4FBB3CB15}"/>
+                    <a16:creationId xmlns:a16="http://schemas.microsoft.com/office/drawing/2014/main" xmlns="" id="{8EE5DA84-5C97-44F9-AFA0-24C4FBB3CB15}"/>
                   </a:ext>
                 </a:extLst>
               </p:cNvPr>
@@ -19577,6 +19985,13 @@
   <p:clrMapOvr>
     <a:masterClrMapping/>
   </p:clrMapOvr>
+  <p:timing>
+    <p:tnLst>
+      <p:par>
+        <p:cTn id="1" dur="indefinite" restart="never" nodeType="tmRoot"/>
+      </p:par>
+    </p:tnLst>
+  </p:timing>
 </p:sld>
 </file>
 
@@ -19602,7 +20017,7 @@
           <p:cNvPr id="85" name="Group 84">
             <a:extLst>
               <a:ext uri="{FF2B5EF4-FFF2-40B4-BE49-F238E27FC236}">
-                <a16:creationId xmlns:a16="http://schemas.microsoft.com/office/drawing/2014/main" id="{CCF7EBC5-3EB3-4801-A31D-D82D880B7C8A}"/>
+                <a16:creationId xmlns:a16="http://schemas.microsoft.com/office/drawing/2014/main" xmlns="" id="{CCF7EBC5-3EB3-4801-A31D-D82D880B7C8A}"/>
               </a:ext>
             </a:extLst>
           </p:cNvPr>
@@ -19622,7 +20037,7 @@
             <p:cNvPr id="86" name="Group 85">
               <a:extLst>
                 <a:ext uri="{FF2B5EF4-FFF2-40B4-BE49-F238E27FC236}">
-                  <a16:creationId xmlns:a16="http://schemas.microsoft.com/office/drawing/2014/main" id="{CEB19F83-A03A-463E-9436-F98419B65454}"/>
+                  <a16:creationId xmlns:a16="http://schemas.microsoft.com/office/drawing/2014/main" xmlns="" id="{CEB19F83-A03A-463E-9436-F98419B65454}"/>
                 </a:ext>
               </a:extLst>
             </p:cNvPr>
@@ -19642,7 +20057,7 @@
               <p:cNvPr id="90" name="Rectangle 89">
                 <a:extLst>
                   <a:ext uri="{FF2B5EF4-FFF2-40B4-BE49-F238E27FC236}">
-                    <a16:creationId xmlns:a16="http://schemas.microsoft.com/office/drawing/2014/main" id="{D3906825-B116-4538-8EBD-3DBD03DC49E0}"/>
+                    <a16:creationId xmlns:a16="http://schemas.microsoft.com/office/drawing/2014/main" xmlns="" id="{D3906825-B116-4538-8EBD-3DBD03DC49E0}"/>
                   </a:ext>
                 </a:extLst>
               </p:cNvPr>
@@ -19809,7 +20224,7 @@
                 <a:prstDash val="lgDash"/>
                 <a:extLst>
                   <a:ext uri="{C807C97D-BFC1-408E-A445-0C87EB9F89A2}">
-                    <ask:lineSketchStyleProps xmlns:ask="http://schemas.microsoft.com/office/drawing/2018/sketchyshapes" sd="1219033472">
+                    <ask:lineSketchStyleProps xmlns:ask="http://schemas.microsoft.com/office/drawing/2018/sketchyshapes" xmlns="" sd="1219033472">
                       <a:prstGeom prst="rect">
                         <a:avLst/>
                       </a:prstGeom>
@@ -19836,7 +20251,7 @@
               <p:cNvPr id="91" name="Rectangle 90">
                 <a:extLst>
                   <a:ext uri="{FF2B5EF4-FFF2-40B4-BE49-F238E27FC236}">
-                    <a16:creationId xmlns:a16="http://schemas.microsoft.com/office/drawing/2014/main" id="{FA443B7B-0BB1-46D4-9852-BA523820F5D5}"/>
+                    <a16:creationId xmlns:a16="http://schemas.microsoft.com/office/drawing/2014/main" xmlns="" id="{FA443B7B-0BB1-46D4-9852-BA523820F5D5}"/>
                   </a:ext>
                 </a:extLst>
               </p:cNvPr>
@@ -19889,7 +20304,7 @@
             <p:cNvPr id="87" name="Group 86">
               <a:extLst>
                 <a:ext uri="{FF2B5EF4-FFF2-40B4-BE49-F238E27FC236}">
-                  <a16:creationId xmlns:a16="http://schemas.microsoft.com/office/drawing/2014/main" id="{DA0727AB-5933-4FC9-994F-F46F077AF58A}"/>
+                  <a16:creationId xmlns:a16="http://schemas.microsoft.com/office/drawing/2014/main" xmlns="" id="{DA0727AB-5933-4FC9-994F-F46F077AF58A}"/>
                 </a:ext>
               </a:extLst>
             </p:cNvPr>
@@ -19909,7 +20324,7 @@
               <p:cNvPr id="88" name="Isosceles Triangle 87">
                 <a:extLst>
                   <a:ext uri="{FF2B5EF4-FFF2-40B4-BE49-F238E27FC236}">
-                    <a16:creationId xmlns:a16="http://schemas.microsoft.com/office/drawing/2014/main" id="{EAC578D4-CCA3-4DA2-B0C9-F30340A2DDF2}"/>
+                    <a16:creationId xmlns:a16="http://schemas.microsoft.com/office/drawing/2014/main" xmlns="" id="{EAC578D4-CCA3-4DA2-B0C9-F30340A2DDF2}"/>
                   </a:ext>
                 </a:extLst>
               </p:cNvPr>
@@ -19958,7 +20373,7 @@
               <p:cNvPr id="89" name="Isosceles Triangle 88">
                 <a:extLst>
                   <a:ext uri="{FF2B5EF4-FFF2-40B4-BE49-F238E27FC236}">
-                    <a16:creationId xmlns:a16="http://schemas.microsoft.com/office/drawing/2014/main" id="{3B28A776-6CD9-496E-97C0-0B9FE39DE994}"/>
+                    <a16:creationId xmlns:a16="http://schemas.microsoft.com/office/drawing/2014/main" xmlns="" id="{3B28A776-6CD9-496E-97C0-0B9FE39DE994}"/>
                   </a:ext>
                 </a:extLst>
               </p:cNvPr>
@@ -20012,7 +20427,7 @@
           <p:cNvPr id="63" name="Group 62">
             <a:extLst>
               <a:ext uri="{FF2B5EF4-FFF2-40B4-BE49-F238E27FC236}">
-                <a16:creationId xmlns:a16="http://schemas.microsoft.com/office/drawing/2014/main" id="{8E1FEBC5-A13D-438F-AFFC-C34DC0D9C2DF}"/>
+                <a16:creationId xmlns:a16="http://schemas.microsoft.com/office/drawing/2014/main" xmlns="" id="{8E1FEBC5-A13D-438F-AFFC-C34DC0D9C2DF}"/>
               </a:ext>
             </a:extLst>
           </p:cNvPr>
@@ -20032,7 +20447,7 @@
             <p:cNvPr id="64" name="Group 63">
               <a:extLst>
                 <a:ext uri="{FF2B5EF4-FFF2-40B4-BE49-F238E27FC236}">
-                  <a16:creationId xmlns:a16="http://schemas.microsoft.com/office/drawing/2014/main" id="{96CAEE6A-2265-4C96-A9C9-05C740B27EA1}"/>
+                  <a16:creationId xmlns:a16="http://schemas.microsoft.com/office/drawing/2014/main" xmlns="" id="{96CAEE6A-2265-4C96-A9C9-05C740B27EA1}"/>
                 </a:ext>
               </a:extLst>
             </p:cNvPr>
@@ -20052,7 +20467,7 @@
               <p:cNvPr id="68" name="Rectangle 67">
                 <a:extLst>
                   <a:ext uri="{FF2B5EF4-FFF2-40B4-BE49-F238E27FC236}">
-                    <a16:creationId xmlns:a16="http://schemas.microsoft.com/office/drawing/2014/main" id="{6DEECEE7-0B78-4888-8EDF-6672FFF75F83}"/>
+                    <a16:creationId xmlns:a16="http://schemas.microsoft.com/office/drawing/2014/main" xmlns="" id="{6DEECEE7-0B78-4888-8EDF-6672FFF75F83}"/>
                   </a:ext>
                 </a:extLst>
               </p:cNvPr>
@@ -20219,7 +20634,7 @@
                 <a:prstDash val="lgDash"/>
                 <a:extLst>
                   <a:ext uri="{C807C97D-BFC1-408E-A445-0C87EB9F89A2}">
-                    <ask:lineSketchStyleProps xmlns:ask="http://schemas.microsoft.com/office/drawing/2018/sketchyshapes" sd="1219033472">
+                    <ask:lineSketchStyleProps xmlns:ask="http://schemas.microsoft.com/office/drawing/2018/sketchyshapes" xmlns="" sd="1219033472">
                       <a:prstGeom prst="rect">
                         <a:avLst/>
                       </a:prstGeom>
@@ -20246,7 +20661,7 @@
               <p:cNvPr id="69" name="Rectangle 68">
                 <a:extLst>
                   <a:ext uri="{FF2B5EF4-FFF2-40B4-BE49-F238E27FC236}">
-                    <a16:creationId xmlns:a16="http://schemas.microsoft.com/office/drawing/2014/main" id="{46B41874-76D7-4CFA-A30C-FE15FBFB72CC}"/>
+                    <a16:creationId xmlns:a16="http://schemas.microsoft.com/office/drawing/2014/main" xmlns="" id="{46B41874-76D7-4CFA-A30C-FE15FBFB72CC}"/>
                   </a:ext>
                 </a:extLst>
               </p:cNvPr>
@@ -20299,7 +20714,7 @@
             <p:cNvPr id="65" name="Group 64">
               <a:extLst>
                 <a:ext uri="{FF2B5EF4-FFF2-40B4-BE49-F238E27FC236}">
-                  <a16:creationId xmlns:a16="http://schemas.microsoft.com/office/drawing/2014/main" id="{24F7E296-D92F-4BE0-B873-773ACA718C71}"/>
+                  <a16:creationId xmlns:a16="http://schemas.microsoft.com/office/drawing/2014/main" xmlns="" id="{24F7E296-D92F-4BE0-B873-773ACA718C71}"/>
                 </a:ext>
               </a:extLst>
             </p:cNvPr>
@@ -20319,7 +20734,7 @@
               <p:cNvPr id="66" name="Isosceles Triangle 65">
                 <a:extLst>
                   <a:ext uri="{FF2B5EF4-FFF2-40B4-BE49-F238E27FC236}">
-                    <a16:creationId xmlns:a16="http://schemas.microsoft.com/office/drawing/2014/main" id="{3A2A5DDC-287C-4E1A-B0E8-80AB28477D2A}"/>
+                    <a16:creationId xmlns:a16="http://schemas.microsoft.com/office/drawing/2014/main" xmlns="" id="{3A2A5DDC-287C-4E1A-B0E8-80AB28477D2A}"/>
                   </a:ext>
                 </a:extLst>
               </p:cNvPr>
@@ -20368,7 +20783,7 @@
               <p:cNvPr id="67" name="Isosceles Triangle 66">
                 <a:extLst>
                   <a:ext uri="{FF2B5EF4-FFF2-40B4-BE49-F238E27FC236}">
-                    <a16:creationId xmlns:a16="http://schemas.microsoft.com/office/drawing/2014/main" id="{D9DA441E-83E9-4C74-9A16-14A29E1E2D6A}"/>
+                    <a16:creationId xmlns:a16="http://schemas.microsoft.com/office/drawing/2014/main" xmlns="" id="{D9DA441E-83E9-4C74-9A16-14A29E1E2D6A}"/>
                   </a:ext>
                 </a:extLst>
               </p:cNvPr>
@@ -20422,7 +20837,7 @@
           <p:cNvPr id="20" name="Text Placeholder 2">
             <a:extLst>
               <a:ext uri="{FF2B5EF4-FFF2-40B4-BE49-F238E27FC236}">
-                <a16:creationId xmlns:a16="http://schemas.microsoft.com/office/drawing/2014/main" id="{3DB55AF4-6E0F-442B-8785-7E80CB2E6000}"/>
+                <a16:creationId xmlns:a16="http://schemas.microsoft.com/office/drawing/2014/main" xmlns="" id="{3DB55AF4-6E0F-442B-8785-7E80CB2E6000}"/>
               </a:ext>
             </a:extLst>
           </p:cNvPr>
@@ -20462,7 +20877,7 @@
           <p:cNvPr id="21" name="Rectangle 20">
             <a:extLst>
               <a:ext uri="{FF2B5EF4-FFF2-40B4-BE49-F238E27FC236}">
-                <a16:creationId xmlns:a16="http://schemas.microsoft.com/office/drawing/2014/main" id="{E0D84B8B-B072-4A04-9675-C4A47532E85E}"/>
+                <a16:creationId xmlns:a16="http://schemas.microsoft.com/office/drawing/2014/main" xmlns="" id="{E0D84B8B-B072-4A04-9675-C4A47532E85E}"/>
               </a:ext>
             </a:extLst>
           </p:cNvPr>
@@ -20523,7 +20938,7 @@
           <p:cNvPr id="38" name="Rectangle 37">
             <a:extLst>
               <a:ext uri="{FF2B5EF4-FFF2-40B4-BE49-F238E27FC236}">
-                <a16:creationId xmlns:a16="http://schemas.microsoft.com/office/drawing/2014/main" id="{B4887982-9C9C-43B9-AE2B-DE2A2A5D434B}"/>
+                <a16:creationId xmlns:a16="http://schemas.microsoft.com/office/drawing/2014/main" xmlns="" id="{B4887982-9C9C-43B9-AE2B-DE2A2A5D434B}"/>
               </a:ext>
             </a:extLst>
           </p:cNvPr>
@@ -20662,7 +21077,7 @@
           <p:cNvPr id="45" name="Group 44">
             <a:extLst>
               <a:ext uri="{FF2B5EF4-FFF2-40B4-BE49-F238E27FC236}">
-                <a16:creationId xmlns:a16="http://schemas.microsoft.com/office/drawing/2014/main" id="{DE2D2973-C7FB-4A66-B5A9-CB7E056E80F8}"/>
+                <a16:creationId xmlns:a16="http://schemas.microsoft.com/office/drawing/2014/main" xmlns="" id="{DE2D2973-C7FB-4A66-B5A9-CB7E056E80F8}"/>
               </a:ext>
             </a:extLst>
           </p:cNvPr>
@@ -20682,7 +21097,7 @@
             <p:cNvPr id="39" name="Group 38">
               <a:extLst>
                 <a:ext uri="{FF2B5EF4-FFF2-40B4-BE49-F238E27FC236}">
-                  <a16:creationId xmlns:a16="http://schemas.microsoft.com/office/drawing/2014/main" id="{AB4B64BA-9DD3-4096-AB98-1C46476CCFA8}"/>
+                  <a16:creationId xmlns:a16="http://schemas.microsoft.com/office/drawing/2014/main" xmlns="" id="{AB4B64BA-9DD3-4096-AB98-1C46476CCFA8}"/>
                 </a:ext>
               </a:extLst>
             </p:cNvPr>
@@ -20702,7 +21117,7 @@
               <p:cNvPr id="40" name="Rectangle 39">
                 <a:extLst>
                   <a:ext uri="{FF2B5EF4-FFF2-40B4-BE49-F238E27FC236}">
-                    <a16:creationId xmlns:a16="http://schemas.microsoft.com/office/drawing/2014/main" id="{35B826DD-DFD5-4AC8-8DCF-A692E178FD87}"/>
+                    <a16:creationId xmlns:a16="http://schemas.microsoft.com/office/drawing/2014/main" xmlns="" id="{35B826DD-DFD5-4AC8-8DCF-A692E178FD87}"/>
                   </a:ext>
                 </a:extLst>
               </p:cNvPr>
@@ -20869,7 +21284,7 @@
                 <a:prstDash val="lgDash"/>
                 <a:extLst>
                   <a:ext uri="{C807C97D-BFC1-408E-A445-0C87EB9F89A2}">
-                    <ask:lineSketchStyleProps xmlns:ask="http://schemas.microsoft.com/office/drawing/2018/sketchyshapes" sd="1219033472">
+                    <ask:lineSketchStyleProps xmlns:ask="http://schemas.microsoft.com/office/drawing/2018/sketchyshapes" xmlns="" sd="1219033472">
                       <a:prstGeom prst="rect">
                         <a:avLst/>
                       </a:prstGeom>
@@ -20896,7 +21311,7 @@
               <p:cNvPr id="41" name="Rectangle 40">
                 <a:extLst>
                   <a:ext uri="{FF2B5EF4-FFF2-40B4-BE49-F238E27FC236}">
-                    <a16:creationId xmlns:a16="http://schemas.microsoft.com/office/drawing/2014/main" id="{840D0272-4E0D-41A5-8DF8-76AC10197294}"/>
+                    <a16:creationId xmlns:a16="http://schemas.microsoft.com/office/drawing/2014/main" xmlns="" id="{840D0272-4E0D-41A5-8DF8-76AC10197294}"/>
                   </a:ext>
                 </a:extLst>
               </p:cNvPr>
@@ -20949,7 +21364,7 @@
             <p:cNvPr id="44" name="Group 43">
               <a:extLst>
                 <a:ext uri="{FF2B5EF4-FFF2-40B4-BE49-F238E27FC236}">
-                  <a16:creationId xmlns:a16="http://schemas.microsoft.com/office/drawing/2014/main" id="{B3778665-CF08-477D-B8CB-BA13A1007958}"/>
+                  <a16:creationId xmlns:a16="http://schemas.microsoft.com/office/drawing/2014/main" xmlns="" id="{B3778665-CF08-477D-B8CB-BA13A1007958}"/>
                 </a:ext>
               </a:extLst>
             </p:cNvPr>
@@ -20969,7 +21384,7 @@
               <p:cNvPr id="42" name="Isosceles Triangle 41">
                 <a:extLst>
                   <a:ext uri="{FF2B5EF4-FFF2-40B4-BE49-F238E27FC236}">
-                    <a16:creationId xmlns:a16="http://schemas.microsoft.com/office/drawing/2014/main" id="{9CC5DA48-4D10-463C-AB82-6A4366FD1EF4}"/>
+                    <a16:creationId xmlns:a16="http://schemas.microsoft.com/office/drawing/2014/main" xmlns="" id="{9CC5DA48-4D10-463C-AB82-6A4366FD1EF4}"/>
                   </a:ext>
                 </a:extLst>
               </p:cNvPr>
@@ -21018,7 +21433,7 @@
               <p:cNvPr id="43" name="Isosceles Triangle 42">
                 <a:extLst>
                   <a:ext uri="{FF2B5EF4-FFF2-40B4-BE49-F238E27FC236}">
-                    <a16:creationId xmlns:a16="http://schemas.microsoft.com/office/drawing/2014/main" id="{89E2B56F-5C20-425E-BB7E-2D5EA9D6EE9C}"/>
+                    <a16:creationId xmlns:a16="http://schemas.microsoft.com/office/drawing/2014/main" xmlns="" id="{89E2B56F-5C20-425E-BB7E-2D5EA9D6EE9C}"/>
                   </a:ext>
                 </a:extLst>
               </p:cNvPr>
@@ -21072,7 +21487,7 @@
           <p:cNvPr id="46" name="Group 45">
             <a:extLst>
               <a:ext uri="{FF2B5EF4-FFF2-40B4-BE49-F238E27FC236}">
-                <a16:creationId xmlns:a16="http://schemas.microsoft.com/office/drawing/2014/main" id="{35A0209D-0C8A-4A19-9803-C79F8AE5C8AF}"/>
+                <a16:creationId xmlns:a16="http://schemas.microsoft.com/office/drawing/2014/main" xmlns="" id="{35A0209D-0C8A-4A19-9803-C79F8AE5C8AF}"/>
               </a:ext>
             </a:extLst>
           </p:cNvPr>
@@ -21092,7 +21507,7 @@
             <p:cNvPr id="47" name="Group 46">
               <a:extLst>
                 <a:ext uri="{FF2B5EF4-FFF2-40B4-BE49-F238E27FC236}">
-                  <a16:creationId xmlns:a16="http://schemas.microsoft.com/office/drawing/2014/main" id="{2F390320-68CC-406C-B547-24945F2DF642}"/>
+                  <a16:creationId xmlns:a16="http://schemas.microsoft.com/office/drawing/2014/main" xmlns="" id="{2F390320-68CC-406C-B547-24945F2DF642}"/>
                 </a:ext>
               </a:extLst>
             </p:cNvPr>
@@ -21112,7 +21527,7 @@
               <p:cNvPr id="51" name="Rectangle 50">
                 <a:extLst>
                   <a:ext uri="{FF2B5EF4-FFF2-40B4-BE49-F238E27FC236}">
-                    <a16:creationId xmlns:a16="http://schemas.microsoft.com/office/drawing/2014/main" id="{D871E674-0078-4925-A32D-1E8C31E249B2}"/>
+                    <a16:creationId xmlns:a16="http://schemas.microsoft.com/office/drawing/2014/main" xmlns="" id="{D871E674-0078-4925-A32D-1E8C31E249B2}"/>
                   </a:ext>
                 </a:extLst>
               </p:cNvPr>
@@ -21279,7 +21694,7 @@
                 <a:prstDash val="lgDash"/>
                 <a:extLst>
                   <a:ext uri="{C807C97D-BFC1-408E-A445-0C87EB9F89A2}">
-                    <ask:lineSketchStyleProps xmlns:ask="http://schemas.microsoft.com/office/drawing/2018/sketchyshapes" sd="1219033472">
+                    <ask:lineSketchStyleProps xmlns:ask="http://schemas.microsoft.com/office/drawing/2018/sketchyshapes" xmlns="" sd="1219033472">
                       <a:prstGeom prst="rect">
                         <a:avLst/>
                       </a:prstGeom>
@@ -21306,7 +21721,7 @@
               <p:cNvPr id="52" name="Rectangle 51">
                 <a:extLst>
                   <a:ext uri="{FF2B5EF4-FFF2-40B4-BE49-F238E27FC236}">
-                    <a16:creationId xmlns:a16="http://schemas.microsoft.com/office/drawing/2014/main" id="{CA576896-2CD7-4FE8-98F2-52BF993EFE89}"/>
+                    <a16:creationId xmlns:a16="http://schemas.microsoft.com/office/drawing/2014/main" xmlns="" id="{CA576896-2CD7-4FE8-98F2-52BF993EFE89}"/>
                   </a:ext>
                 </a:extLst>
               </p:cNvPr>
@@ -21359,7 +21774,7 @@
             <p:cNvPr id="48" name="Group 47">
               <a:extLst>
                 <a:ext uri="{FF2B5EF4-FFF2-40B4-BE49-F238E27FC236}">
-                  <a16:creationId xmlns:a16="http://schemas.microsoft.com/office/drawing/2014/main" id="{805CBC8A-7AA3-4866-A881-2B7A5551C746}"/>
+                  <a16:creationId xmlns:a16="http://schemas.microsoft.com/office/drawing/2014/main" xmlns="" id="{805CBC8A-7AA3-4866-A881-2B7A5551C746}"/>
                 </a:ext>
               </a:extLst>
             </p:cNvPr>
@@ -21379,7 +21794,7 @@
               <p:cNvPr id="49" name="Isosceles Triangle 48">
                 <a:extLst>
                   <a:ext uri="{FF2B5EF4-FFF2-40B4-BE49-F238E27FC236}">
-                    <a16:creationId xmlns:a16="http://schemas.microsoft.com/office/drawing/2014/main" id="{D5DA2999-94D8-4E39-BDA9-4045A8916070}"/>
+                    <a16:creationId xmlns:a16="http://schemas.microsoft.com/office/drawing/2014/main" xmlns="" id="{D5DA2999-94D8-4E39-BDA9-4045A8916070}"/>
                   </a:ext>
                 </a:extLst>
               </p:cNvPr>
@@ -21428,7 +21843,7 @@
               <p:cNvPr id="50" name="Isosceles Triangle 49">
                 <a:extLst>
                   <a:ext uri="{FF2B5EF4-FFF2-40B4-BE49-F238E27FC236}">
-                    <a16:creationId xmlns:a16="http://schemas.microsoft.com/office/drawing/2014/main" id="{A89B3EC8-A34E-4F26-A727-A270B6BB17D3}"/>
+                    <a16:creationId xmlns:a16="http://schemas.microsoft.com/office/drawing/2014/main" xmlns="" id="{A89B3EC8-A34E-4F26-A727-A270B6BB17D3}"/>
                   </a:ext>
                 </a:extLst>
               </p:cNvPr>
@@ -21482,7 +21897,7 @@
           <p:cNvPr id="5" name="Graphic 4" descr="Database">
             <a:extLst>
               <a:ext uri="{FF2B5EF4-FFF2-40B4-BE49-F238E27FC236}">
-                <a16:creationId xmlns:a16="http://schemas.microsoft.com/office/drawing/2014/main" id="{49D79C71-1F0E-43AF-BF94-45ECADB121C2}"/>
+                <a16:creationId xmlns:a16="http://schemas.microsoft.com/office/drawing/2014/main" xmlns="" id="{49D79C71-1F0E-43AF-BF94-45ECADB121C2}"/>
               </a:ext>
             </a:extLst>
           </p:cNvPr>
@@ -21498,7 +21913,7 @@
                 <a14:useLocalDpi xmlns:a14="http://schemas.microsoft.com/office/drawing/2010/main" val="0"/>
               </a:ext>
               <a:ext uri="{96DAC541-7B7A-43D3-8B79-37D633B846F1}">
-                <asvg:svgBlip xmlns:asvg="http://schemas.microsoft.com/office/drawing/2016/SVG/main" r:embed="rId3"/>
+                <asvg:svgBlip xmlns:asvg="http://schemas.microsoft.com/office/drawing/2016/SVG/main" xmlns="" r:embed="rId3"/>
               </a:ext>
             </a:extLst>
           </a:blip>
@@ -21521,7 +21936,7 @@
           <p:cNvPr id="60" name="Graphic 59" descr="Database">
             <a:extLst>
               <a:ext uri="{FF2B5EF4-FFF2-40B4-BE49-F238E27FC236}">
-                <a16:creationId xmlns:a16="http://schemas.microsoft.com/office/drawing/2014/main" id="{19CBF5EF-38F4-447C-B86A-23DBEA9BDC31}"/>
+                <a16:creationId xmlns:a16="http://schemas.microsoft.com/office/drawing/2014/main" xmlns="" id="{19CBF5EF-38F4-447C-B86A-23DBEA9BDC31}"/>
               </a:ext>
             </a:extLst>
           </p:cNvPr>
@@ -21537,7 +21952,7 @@
                 <a14:useLocalDpi xmlns:a14="http://schemas.microsoft.com/office/drawing/2010/main" val="0"/>
               </a:ext>
               <a:ext uri="{96DAC541-7B7A-43D3-8B79-37D633B846F1}">
-                <asvg:svgBlip xmlns:asvg="http://schemas.microsoft.com/office/drawing/2016/SVG/main" r:embed="rId4"/>
+                <asvg:svgBlip xmlns:asvg="http://schemas.microsoft.com/office/drawing/2016/SVG/main" xmlns="" r:embed="rId4"/>
               </a:ext>
             </a:extLst>
           </a:blip>
@@ -21560,7 +21975,7 @@
           <p:cNvPr id="61" name="Graphic 60" descr="Database">
             <a:extLst>
               <a:ext uri="{FF2B5EF4-FFF2-40B4-BE49-F238E27FC236}">
-                <a16:creationId xmlns:a16="http://schemas.microsoft.com/office/drawing/2014/main" id="{A4920C9D-7625-4475-BE80-EC84D933BAEC}"/>
+                <a16:creationId xmlns:a16="http://schemas.microsoft.com/office/drawing/2014/main" xmlns="" id="{A4920C9D-7625-4475-BE80-EC84D933BAEC}"/>
               </a:ext>
             </a:extLst>
           </p:cNvPr>
@@ -21576,7 +21991,7 @@
                 <a14:useLocalDpi xmlns:a14="http://schemas.microsoft.com/office/drawing/2010/main" val="0"/>
               </a:ext>
               <a:ext uri="{96DAC541-7B7A-43D3-8B79-37D633B846F1}">
-                <asvg:svgBlip xmlns:asvg="http://schemas.microsoft.com/office/drawing/2016/SVG/main" r:embed="rId4"/>
+                <asvg:svgBlip xmlns:asvg="http://schemas.microsoft.com/office/drawing/2016/SVG/main" xmlns="" r:embed="rId4"/>
               </a:ext>
             </a:extLst>
           </a:blip>
@@ -21599,7 +22014,7 @@
           <p:cNvPr id="62" name="Rectangle 61">
             <a:extLst>
               <a:ext uri="{FF2B5EF4-FFF2-40B4-BE49-F238E27FC236}">
-                <a16:creationId xmlns:a16="http://schemas.microsoft.com/office/drawing/2014/main" id="{65132692-C58F-42AA-BA8C-204C3941DF87}"/>
+                <a16:creationId xmlns:a16="http://schemas.microsoft.com/office/drawing/2014/main" xmlns="" id="{65132692-C58F-42AA-BA8C-204C3941DF87}"/>
               </a:ext>
             </a:extLst>
           </p:cNvPr>
@@ -21660,7 +22075,7 @@
           <p:cNvPr id="70" name="Rectangle 69">
             <a:extLst>
               <a:ext uri="{FF2B5EF4-FFF2-40B4-BE49-F238E27FC236}">
-                <a16:creationId xmlns:a16="http://schemas.microsoft.com/office/drawing/2014/main" id="{EB78544F-CE20-4544-9A23-3DE0BCB0ECA3}"/>
+                <a16:creationId xmlns:a16="http://schemas.microsoft.com/office/drawing/2014/main" xmlns="" id="{EB78544F-CE20-4544-9A23-3DE0BCB0ECA3}"/>
               </a:ext>
             </a:extLst>
           </p:cNvPr>
@@ -21721,7 +22136,7 @@
           <p:cNvPr id="7" name="Graphic 6" descr="Syncing cloud">
             <a:extLst>
               <a:ext uri="{FF2B5EF4-FFF2-40B4-BE49-F238E27FC236}">
-                <a16:creationId xmlns:a16="http://schemas.microsoft.com/office/drawing/2014/main" id="{B5A3A54D-F47C-4564-889B-034DC9C8815A}"/>
+                <a16:creationId xmlns:a16="http://schemas.microsoft.com/office/drawing/2014/main" xmlns="" id="{B5A3A54D-F47C-4564-889B-034DC9C8815A}"/>
               </a:ext>
             </a:extLst>
           </p:cNvPr>
@@ -21737,7 +22152,7 @@
                 <a14:useLocalDpi xmlns:a14="http://schemas.microsoft.com/office/drawing/2010/main" val="0"/>
               </a:ext>
               <a:ext uri="{96DAC541-7B7A-43D3-8B79-37D633B846F1}">
-                <asvg:svgBlip xmlns:asvg="http://schemas.microsoft.com/office/drawing/2016/SVG/main" r:embed="rId6"/>
+                <asvg:svgBlip xmlns:asvg="http://schemas.microsoft.com/office/drawing/2016/SVG/main" xmlns="" r:embed="rId6"/>
               </a:ext>
             </a:extLst>
           </a:blip>
@@ -21760,7 +22175,7 @@
           <p:cNvPr id="71" name="Group 70">
             <a:extLst>
               <a:ext uri="{FF2B5EF4-FFF2-40B4-BE49-F238E27FC236}">
-                <a16:creationId xmlns:a16="http://schemas.microsoft.com/office/drawing/2014/main" id="{8D72D26F-59BA-46F4-866E-4647E0E82FF7}"/>
+                <a16:creationId xmlns:a16="http://schemas.microsoft.com/office/drawing/2014/main" xmlns="" id="{8D72D26F-59BA-46F4-866E-4647E0E82FF7}"/>
               </a:ext>
             </a:extLst>
           </p:cNvPr>
@@ -21780,7 +22195,7 @@
             <p:cNvPr id="72" name="Group 71">
               <a:extLst>
                 <a:ext uri="{FF2B5EF4-FFF2-40B4-BE49-F238E27FC236}">
-                  <a16:creationId xmlns:a16="http://schemas.microsoft.com/office/drawing/2014/main" id="{318D644E-43F5-4E6C-A640-528243A4A283}"/>
+                  <a16:creationId xmlns:a16="http://schemas.microsoft.com/office/drawing/2014/main" xmlns="" id="{318D644E-43F5-4E6C-A640-528243A4A283}"/>
                 </a:ext>
               </a:extLst>
             </p:cNvPr>
@@ -21800,7 +22215,7 @@
               <p:cNvPr id="76" name="Rectangle 75">
                 <a:extLst>
                   <a:ext uri="{FF2B5EF4-FFF2-40B4-BE49-F238E27FC236}">
-                    <a16:creationId xmlns:a16="http://schemas.microsoft.com/office/drawing/2014/main" id="{D568BBFA-BB36-4726-99B8-4B875E359436}"/>
+                    <a16:creationId xmlns:a16="http://schemas.microsoft.com/office/drawing/2014/main" xmlns="" id="{D568BBFA-BB36-4726-99B8-4B875E359436}"/>
                   </a:ext>
                 </a:extLst>
               </p:cNvPr>
@@ -21967,7 +22382,7 @@
                 <a:prstDash val="lgDash"/>
                 <a:extLst>
                   <a:ext uri="{C807C97D-BFC1-408E-A445-0C87EB9F89A2}">
-                    <ask:lineSketchStyleProps xmlns:ask="http://schemas.microsoft.com/office/drawing/2018/sketchyshapes" sd="1219033472">
+                    <ask:lineSketchStyleProps xmlns:ask="http://schemas.microsoft.com/office/drawing/2018/sketchyshapes" xmlns="" sd="1219033472">
                       <a:prstGeom prst="rect">
                         <a:avLst/>
                       </a:prstGeom>
@@ -21994,7 +22409,7 @@
               <p:cNvPr id="77" name="Rectangle 76">
                 <a:extLst>
                   <a:ext uri="{FF2B5EF4-FFF2-40B4-BE49-F238E27FC236}">
-                    <a16:creationId xmlns:a16="http://schemas.microsoft.com/office/drawing/2014/main" id="{9038D90F-AF60-4EC7-BDC7-42EE5FE04F20}"/>
+                    <a16:creationId xmlns:a16="http://schemas.microsoft.com/office/drawing/2014/main" xmlns="" id="{9038D90F-AF60-4EC7-BDC7-42EE5FE04F20}"/>
                   </a:ext>
                 </a:extLst>
               </p:cNvPr>
@@ -22047,7 +22462,7 @@
             <p:cNvPr id="73" name="Group 72">
               <a:extLst>
                 <a:ext uri="{FF2B5EF4-FFF2-40B4-BE49-F238E27FC236}">
-                  <a16:creationId xmlns:a16="http://schemas.microsoft.com/office/drawing/2014/main" id="{C11E57D1-DA84-4EF8-AB29-F1877C39F7A8}"/>
+                  <a16:creationId xmlns:a16="http://schemas.microsoft.com/office/drawing/2014/main" xmlns="" id="{C11E57D1-DA84-4EF8-AB29-F1877C39F7A8}"/>
                 </a:ext>
               </a:extLst>
             </p:cNvPr>
@@ -22067,7 +22482,7 @@
               <p:cNvPr id="74" name="Isosceles Triangle 73">
                 <a:extLst>
                   <a:ext uri="{FF2B5EF4-FFF2-40B4-BE49-F238E27FC236}">
-                    <a16:creationId xmlns:a16="http://schemas.microsoft.com/office/drawing/2014/main" id="{AB8E1E44-1F56-49DA-8482-583184A7EC31}"/>
+                    <a16:creationId xmlns:a16="http://schemas.microsoft.com/office/drawing/2014/main" xmlns="" id="{AB8E1E44-1F56-49DA-8482-583184A7EC31}"/>
                   </a:ext>
                 </a:extLst>
               </p:cNvPr>
@@ -22116,7 +22531,7 @@
               <p:cNvPr id="75" name="Isosceles Triangle 74">
                 <a:extLst>
                   <a:ext uri="{FF2B5EF4-FFF2-40B4-BE49-F238E27FC236}">
-                    <a16:creationId xmlns:a16="http://schemas.microsoft.com/office/drawing/2014/main" id="{760A45B1-867E-487D-BF8D-9F383264BC18}"/>
+                    <a16:creationId xmlns:a16="http://schemas.microsoft.com/office/drawing/2014/main" xmlns="" id="{760A45B1-867E-487D-BF8D-9F383264BC18}"/>
                   </a:ext>
                 </a:extLst>
               </p:cNvPr>
@@ -22170,7 +22585,7 @@
           <p:cNvPr id="78" name="Group 77">
             <a:extLst>
               <a:ext uri="{FF2B5EF4-FFF2-40B4-BE49-F238E27FC236}">
-                <a16:creationId xmlns:a16="http://schemas.microsoft.com/office/drawing/2014/main" id="{795FCA31-4325-4FBC-88CC-3ED25E00F6BC}"/>
+                <a16:creationId xmlns:a16="http://schemas.microsoft.com/office/drawing/2014/main" xmlns="" id="{795FCA31-4325-4FBC-88CC-3ED25E00F6BC}"/>
               </a:ext>
             </a:extLst>
           </p:cNvPr>
@@ -22190,7 +22605,7 @@
             <p:cNvPr id="79" name="Group 78">
               <a:extLst>
                 <a:ext uri="{FF2B5EF4-FFF2-40B4-BE49-F238E27FC236}">
-                  <a16:creationId xmlns:a16="http://schemas.microsoft.com/office/drawing/2014/main" id="{70199FCE-5A6A-4FA8-8E0F-574E82B62998}"/>
+                  <a16:creationId xmlns:a16="http://schemas.microsoft.com/office/drawing/2014/main" xmlns="" id="{70199FCE-5A6A-4FA8-8E0F-574E82B62998}"/>
                 </a:ext>
               </a:extLst>
             </p:cNvPr>
@@ -22210,7 +22625,7 @@
               <p:cNvPr id="83" name="Rectangle 82">
                 <a:extLst>
                   <a:ext uri="{FF2B5EF4-FFF2-40B4-BE49-F238E27FC236}">
-                    <a16:creationId xmlns:a16="http://schemas.microsoft.com/office/drawing/2014/main" id="{A9EC4EE5-31E6-4447-92C0-053D71FB929E}"/>
+                    <a16:creationId xmlns:a16="http://schemas.microsoft.com/office/drawing/2014/main" xmlns="" id="{A9EC4EE5-31E6-4447-92C0-053D71FB929E}"/>
                   </a:ext>
                 </a:extLst>
               </p:cNvPr>
@@ -22377,7 +22792,7 @@
                 <a:prstDash val="lgDash"/>
                 <a:extLst>
                   <a:ext uri="{C807C97D-BFC1-408E-A445-0C87EB9F89A2}">
-                    <ask:lineSketchStyleProps xmlns:ask="http://schemas.microsoft.com/office/drawing/2018/sketchyshapes" sd="1219033472">
+                    <ask:lineSketchStyleProps xmlns:ask="http://schemas.microsoft.com/office/drawing/2018/sketchyshapes" xmlns="" sd="1219033472">
                       <a:prstGeom prst="rect">
                         <a:avLst/>
                       </a:prstGeom>
@@ -22404,7 +22819,7 @@
               <p:cNvPr id="84" name="Rectangle 83">
                 <a:extLst>
                   <a:ext uri="{FF2B5EF4-FFF2-40B4-BE49-F238E27FC236}">
-                    <a16:creationId xmlns:a16="http://schemas.microsoft.com/office/drawing/2014/main" id="{CE380C27-5599-4403-B13B-FF4853944CA5}"/>
+                    <a16:creationId xmlns:a16="http://schemas.microsoft.com/office/drawing/2014/main" xmlns="" id="{CE380C27-5599-4403-B13B-FF4853944CA5}"/>
                   </a:ext>
                 </a:extLst>
               </p:cNvPr>
@@ -22457,7 +22872,7 @@
             <p:cNvPr id="80" name="Group 79">
               <a:extLst>
                 <a:ext uri="{FF2B5EF4-FFF2-40B4-BE49-F238E27FC236}">
-                  <a16:creationId xmlns:a16="http://schemas.microsoft.com/office/drawing/2014/main" id="{319650CA-94AD-4BFC-AB22-1DB332C44379}"/>
+                  <a16:creationId xmlns:a16="http://schemas.microsoft.com/office/drawing/2014/main" xmlns="" id="{319650CA-94AD-4BFC-AB22-1DB332C44379}"/>
                 </a:ext>
               </a:extLst>
             </p:cNvPr>
@@ -22477,7 +22892,7 @@
               <p:cNvPr id="81" name="Isosceles Triangle 80">
                 <a:extLst>
                   <a:ext uri="{FF2B5EF4-FFF2-40B4-BE49-F238E27FC236}">
-                    <a16:creationId xmlns:a16="http://schemas.microsoft.com/office/drawing/2014/main" id="{6F0B456A-097A-4215-9300-F59740645894}"/>
+                    <a16:creationId xmlns:a16="http://schemas.microsoft.com/office/drawing/2014/main" xmlns="" id="{6F0B456A-097A-4215-9300-F59740645894}"/>
                   </a:ext>
                 </a:extLst>
               </p:cNvPr>
@@ -22526,7 +22941,7 @@
               <p:cNvPr id="82" name="Isosceles Triangle 81">
                 <a:extLst>
                   <a:ext uri="{FF2B5EF4-FFF2-40B4-BE49-F238E27FC236}">
-                    <a16:creationId xmlns:a16="http://schemas.microsoft.com/office/drawing/2014/main" id="{511B0502-ED3A-4A3C-AD85-5831A6256F7C}"/>
+                    <a16:creationId xmlns:a16="http://schemas.microsoft.com/office/drawing/2014/main" xmlns="" id="{511B0502-ED3A-4A3C-AD85-5831A6256F7C}"/>
                   </a:ext>
                 </a:extLst>
               </p:cNvPr>
@@ -22585,6 +23000,13 @@
   <p:clrMapOvr>
     <a:masterClrMapping/>
   </p:clrMapOvr>
+  <p:timing>
+    <p:tnLst>
+      <p:par>
+        <p:cTn id="1" dur="indefinite" restart="never" nodeType="tmRoot"/>
+      </p:par>
+    </p:tnLst>
+  </p:timing>
 </p:sld>
 </file>
 
@@ -22610,7 +23032,7 @@
           <p:cNvPr id="20" name="Text Placeholder 2">
             <a:extLst>
               <a:ext uri="{FF2B5EF4-FFF2-40B4-BE49-F238E27FC236}">
-                <a16:creationId xmlns:a16="http://schemas.microsoft.com/office/drawing/2014/main" id="{3DB55AF4-6E0F-442B-8785-7E80CB2E6000}"/>
+                <a16:creationId xmlns:a16="http://schemas.microsoft.com/office/drawing/2014/main" xmlns="" id="{3DB55AF4-6E0F-442B-8785-7E80CB2E6000}"/>
               </a:ext>
             </a:extLst>
           </p:cNvPr>
@@ -22650,7 +23072,7 @@
           <p:cNvPr id="38" name="Rectangle 37">
             <a:extLst>
               <a:ext uri="{FF2B5EF4-FFF2-40B4-BE49-F238E27FC236}">
-                <a16:creationId xmlns:a16="http://schemas.microsoft.com/office/drawing/2014/main" id="{B4887982-9C9C-43B9-AE2B-DE2A2A5D434B}"/>
+                <a16:creationId xmlns:a16="http://schemas.microsoft.com/office/drawing/2014/main" xmlns="" id="{B4887982-9C9C-43B9-AE2B-DE2A2A5D434B}"/>
               </a:ext>
             </a:extLst>
           </p:cNvPr>
@@ -22783,7 +23205,7 @@
           <p:cNvPr id="21" name="Rectangle 20">
             <a:extLst>
               <a:ext uri="{FF2B5EF4-FFF2-40B4-BE49-F238E27FC236}">
-                <a16:creationId xmlns:a16="http://schemas.microsoft.com/office/drawing/2014/main" id="{E0D84B8B-B072-4A04-9675-C4A47532E85E}"/>
+                <a16:creationId xmlns:a16="http://schemas.microsoft.com/office/drawing/2014/main" xmlns="" id="{E0D84B8B-B072-4A04-9675-C4A47532E85E}"/>
               </a:ext>
             </a:extLst>
           </p:cNvPr>
@@ -22844,7 +23266,7 @@
           <p:cNvPr id="45" name="Group 44">
             <a:extLst>
               <a:ext uri="{FF2B5EF4-FFF2-40B4-BE49-F238E27FC236}">
-                <a16:creationId xmlns:a16="http://schemas.microsoft.com/office/drawing/2014/main" id="{DE2D2973-C7FB-4A66-B5A9-CB7E056E80F8}"/>
+                <a16:creationId xmlns:a16="http://schemas.microsoft.com/office/drawing/2014/main" xmlns="" id="{DE2D2973-C7FB-4A66-B5A9-CB7E056E80F8}"/>
               </a:ext>
             </a:extLst>
           </p:cNvPr>
@@ -22864,7 +23286,7 @@
             <p:cNvPr id="39" name="Group 38">
               <a:extLst>
                 <a:ext uri="{FF2B5EF4-FFF2-40B4-BE49-F238E27FC236}">
-                  <a16:creationId xmlns:a16="http://schemas.microsoft.com/office/drawing/2014/main" id="{AB4B64BA-9DD3-4096-AB98-1C46476CCFA8}"/>
+                  <a16:creationId xmlns:a16="http://schemas.microsoft.com/office/drawing/2014/main" xmlns="" id="{AB4B64BA-9DD3-4096-AB98-1C46476CCFA8}"/>
                 </a:ext>
               </a:extLst>
             </p:cNvPr>
@@ -22884,7 +23306,7 @@
               <p:cNvPr id="40" name="Rectangle 39">
                 <a:extLst>
                   <a:ext uri="{FF2B5EF4-FFF2-40B4-BE49-F238E27FC236}">
-                    <a16:creationId xmlns:a16="http://schemas.microsoft.com/office/drawing/2014/main" id="{35B826DD-DFD5-4AC8-8DCF-A692E178FD87}"/>
+                    <a16:creationId xmlns:a16="http://schemas.microsoft.com/office/drawing/2014/main" xmlns="" id="{35B826DD-DFD5-4AC8-8DCF-A692E178FD87}"/>
                   </a:ext>
                 </a:extLst>
               </p:cNvPr>
@@ -23021,7 +23443,7 @@
                 <a:prstDash val="lgDash"/>
                 <a:extLst>
                   <a:ext uri="{C807C97D-BFC1-408E-A445-0C87EB9F89A2}">
-                    <ask:lineSketchStyleProps xmlns:ask="http://schemas.microsoft.com/office/drawing/2018/sketchyshapes" sd="1219033472">
+                    <ask:lineSketchStyleProps xmlns:ask="http://schemas.microsoft.com/office/drawing/2018/sketchyshapes" xmlns="" sd="1219033472">
                       <a:prstGeom prst="rect">
                         <a:avLst/>
                       </a:prstGeom>
@@ -23048,7 +23470,7 @@
               <p:cNvPr id="41" name="Rectangle 40">
                 <a:extLst>
                   <a:ext uri="{FF2B5EF4-FFF2-40B4-BE49-F238E27FC236}">
-                    <a16:creationId xmlns:a16="http://schemas.microsoft.com/office/drawing/2014/main" id="{840D0272-4E0D-41A5-8DF8-76AC10197294}"/>
+                    <a16:creationId xmlns:a16="http://schemas.microsoft.com/office/drawing/2014/main" xmlns="" id="{840D0272-4E0D-41A5-8DF8-76AC10197294}"/>
                   </a:ext>
                 </a:extLst>
               </p:cNvPr>
@@ -23101,7 +23523,7 @@
             <p:cNvPr id="44" name="Group 43">
               <a:extLst>
                 <a:ext uri="{FF2B5EF4-FFF2-40B4-BE49-F238E27FC236}">
-                  <a16:creationId xmlns:a16="http://schemas.microsoft.com/office/drawing/2014/main" id="{B3778665-CF08-477D-B8CB-BA13A1007958}"/>
+                  <a16:creationId xmlns:a16="http://schemas.microsoft.com/office/drawing/2014/main" xmlns="" id="{B3778665-CF08-477D-B8CB-BA13A1007958}"/>
                 </a:ext>
               </a:extLst>
             </p:cNvPr>
@@ -23121,7 +23543,7 @@
               <p:cNvPr id="42" name="Isosceles Triangle 41">
                 <a:extLst>
                   <a:ext uri="{FF2B5EF4-FFF2-40B4-BE49-F238E27FC236}">
-                    <a16:creationId xmlns:a16="http://schemas.microsoft.com/office/drawing/2014/main" id="{9CC5DA48-4D10-463C-AB82-6A4366FD1EF4}"/>
+                    <a16:creationId xmlns:a16="http://schemas.microsoft.com/office/drawing/2014/main" xmlns="" id="{9CC5DA48-4D10-463C-AB82-6A4366FD1EF4}"/>
                   </a:ext>
                 </a:extLst>
               </p:cNvPr>
@@ -23170,7 +23592,7 @@
               <p:cNvPr id="43" name="Isosceles Triangle 42">
                 <a:extLst>
                   <a:ext uri="{FF2B5EF4-FFF2-40B4-BE49-F238E27FC236}">
-                    <a16:creationId xmlns:a16="http://schemas.microsoft.com/office/drawing/2014/main" id="{89E2B56F-5C20-425E-BB7E-2D5EA9D6EE9C}"/>
+                    <a16:creationId xmlns:a16="http://schemas.microsoft.com/office/drawing/2014/main" xmlns="" id="{89E2B56F-5C20-425E-BB7E-2D5EA9D6EE9C}"/>
                   </a:ext>
                 </a:extLst>
               </p:cNvPr>
@@ -23224,7 +23646,7 @@
           <p:cNvPr id="46" name="Group 45">
             <a:extLst>
               <a:ext uri="{FF2B5EF4-FFF2-40B4-BE49-F238E27FC236}">
-                <a16:creationId xmlns:a16="http://schemas.microsoft.com/office/drawing/2014/main" id="{35A0209D-0C8A-4A19-9803-C79F8AE5C8AF}"/>
+                <a16:creationId xmlns:a16="http://schemas.microsoft.com/office/drawing/2014/main" xmlns="" id="{35A0209D-0C8A-4A19-9803-C79F8AE5C8AF}"/>
               </a:ext>
             </a:extLst>
           </p:cNvPr>
@@ -23244,7 +23666,7 @@
             <p:cNvPr id="47" name="Group 46">
               <a:extLst>
                 <a:ext uri="{FF2B5EF4-FFF2-40B4-BE49-F238E27FC236}">
-                  <a16:creationId xmlns:a16="http://schemas.microsoft.com/office/drawing/2014/main" id="{2F390320-68CC-406C-B547-24945F2DF642}"/>
+                  <a16:creationId xmlns:a16="http://schemas.microsoft.com/office/drawing/2014/main" xmlns="" id="{2F390320-68CC-406C-B547-24945F2DF642}"/>
                 </a:ext>
               </a:extLst>
             </p:cNvPr>
@@ -23264,7 +23686,7 @@
               <p:cNvPr id="51" name="Rectangle 50">
                 <a:extLst>
                   <a:ext uri="{FF2B5EF4-FFF2-40B4-BE49-F238E27FC236}">
-                    <a16:creationId xmlns:a16="http://schemas.microsoft.com/office/drawing/2014/main" id="{D871E674-0078-4925-A32D-1E8C31E249B2}"/>
+                    <a16:creationId xmlns:a16="http://schemas.microsoft.com/office/drawing/2014/main" xmlns="" id="{D871E674-0078-4925-A32D-1E8C31E249B2}"/>
                   </a:ext>
                 </a:extLst>
               </p:cNvPr>
@@ -23371,7 +23793,7 @@
                 <a:prstDash val="lgDash"/>
                 <a:extLst>
                   <a:ext uri="{C807C97D-BFC1-408E-A445-0C87EB9F89A2}">
-                    <ask:lineSketchStyleProps xmlns:ask="http://schemas.microsoft.com/office/drawing/2018/sketchyshapes" sd="1219033472">
+                    <ask:lineSketchStyleProps xmlns:ask="http://schemas.microsoft.com/office/drawing/2018/sketchyshapes" xmlns="" sd="1219033472">
                       <a:prstGeom prst="rect">
                         <a:avLst/>
                       </a:prstGeom>
@@ -23398,7 +23820,7 @@
               <p:cNvPr id="52" name="Rectangle 51">
                 <a:extLst>
                   <a:ext uri="{FF2B5EF4-FFF2-40B4-BE49-F238E27FC236}">
-                    <a16:creationId xmlns:a16="http://schemas.microsoft.com/office/drawing/2014/main" id="{CA576896-2CD7-4FE8-98F2-52BF993EFE89}"/>
+                    <a16:creationId xmlns:a16="http://schemas.microsoft.com/office/drawing/2014/main" xmlns="" id="{CA576896-2CD7-4FE8-98F2-52BF993EFE89}"/>
                   </a:ext>
                 </a:extLst>
               </p:cNvPr>
@@ -23451,7 +23873,7 @@
             <p:cNvPr id="48" name="Group 47">
               <a:extLst>
                 <a:ext uri="{FF2B5EF4-FFF2-40B4-BE49-F238E27FC236}">
-                  <a16:creationId xmlns:a16="http://schemas.microsoft.com/office/drawing/2014/main" id="{805CBC8A-7AA3-4866-A881-2B7A5551C746}"/>
+                  <a16:creationId xmlns:a16="http://schemas.microsoft.com/office/drawing/2014/main" xmlns="" id="{805CBC8A-7AA3-4866-A881-2B7A5551C746}"/>
                 </a:ext>
               </a:extLst>
             </p:cNvPr>
@@ -23471,7 +23893,7 @@
               <p:cNvPr id="49" name="Isosceles Triangle 48">
                 <a:extLst>
                   <a:ext uri="{FF2B5EF4-FFF2-40B4-BE49-F238E27FC236}">
-                    <a16:creationId xmlns:a16="http://schemas.microsoft.com/office/drawing/2014/main" id="{D5DA2999-94D8-4E39-BDA9-4045A8916070}"/>
+                    <a16:creationId xmlns:a16="http://schemas.microsoft.com/office/drawing/2014/main" xmlns="" id="{D5DA2999-94D8-4E39-BDA9-4045A8916070}"/>
                   </a:ext>
                 </a:extLst>
               </p:cNvPr>
@@ -23520,7 +23942,7 @@
               <p:cNvPr id="50" name="Isosceles Triangle 49">
                 <a:extLst>
                   <a:ext uri="{FF2B5EF4-FFF2-40B4-BE49-F238E27FC236}">
-                    <a16:creationId xmlns:a16="http://schemas.microsoft.com/office/drawing/2014/main" id="{A89B3EC8-A34E-4F26-A727-A270B6BB17D3}"/>
+                    <a16:creationId xmlns:a16="http://schemas.microsoft.com/office/drawing/2014/main" xmlns="" id="{A89B3EC8-A34E-4F26-A727-A270B6BB17D3}"/>
                   </a:ext>
                 </a:extLst>
               </p:cNvPr>
@@ -23574,7 +23996,7 @@
           <p:cNvPr id="5" name="Graphic 4" descr="Database">
             <a:extLst>
               <a:ext uri="{FF2B5EF4-FFF2-40B4-BE49-F238E27FC236}">
-                <a16:creationId xmlns:a16="http://schemas.microsoft.com/office/drawing/2014/main" id="{49D79C71-1F0E-43AF-BF94-45ECADB121C2}"/>
+                <a16:creationId xmlns:a16="http://schemas.microsoft.com/office/drawing/2014/main" xmlns="" id="{49D79C71-1F0E-43AF-BF94-45ECADB121C2}"/>
               </a:ext>
             </a:extLst>
           </p:cNvPr>
@@ -23590,7 +24012,7 @@
                 <a14:useLocalDpi xmlns:a14="http://schemas.microsoft.com/office/drawing/2010/main" val="0"/>
               </a:ext>
               <a:ext uri="{96DAC541-7B7A-43D3-8B79-37D633B846F1}">
-                <asvg:svgBlip xmlns:asvg="http://schemas.microsoft.com/office/drawing/2016/SVG/main" r:embed="rId3"/>
+                <asvg:svgBlip xmlns:asvg="http://schemas.microsoft.com/office/drawing/2016/SVG/main" xmlns="" r:embed="rId3"/>
               </a:ext>
             </a:extLst>
           </a:blip>
@@ -23613,7 +24035,7 @@
           <p:cNvPr id="62" name="Rectangle 61">
             <a:extLst>
               <a:ext uri="{FF2B5EF4-FFF2-40B4-BE49-F238E27FC236}">
-                <a16:creationId xmlns:a16="http://schemas.microsoft.com/office/drawing/2014/main" id="{65132692-C58F-42AA-BA8C-204C3941DF87}"/>
+                <a16:creationId xmlns:a16="http://schemas.microsoft.com/office/drawing/2014/main" xmlns="" id="{65132692-C58F-42AA-BA8C-204C3941DF87}"/>
               </a:ext>
             </a:extLst>
           </p:cNvPr>
@@ -23674,7 +24096,7 @@
           <p:cNvPr id="70" name="Rectangle 69">
             <a:extLst>
               <a:ext uri="{FF2B5EF4-FFF2-40B4-BE49-F238E27FC236}">
-                <a16:creationId xmlns:a16="http://schemas.microsoft.com/office/drawing/2014/main" id="{EB78544F-CE20-4544-9A23-3DE0BCB0ECA3}"/>
+                <a16:creationId xmlns:a16="http://schemas.microsoft.com/office/drawing/2014/main" xmlns="" id="{EB78544F-CE20-4544-9A23-3DE0BCB0ECA3}"/>
               </a:ext>
             </a:extLst>
           </p:cNvPr>
@@ -23735,7 +24157,7 @@
           <p:cNvPr id="7" name="Graphic 6" descr="Syncing cloud">
             <a:extLst>
               <a:ext uri="{FF2B5EF4-FFF2-40B4-BE49-F238E27FC236}">
-                <a16:creationId xmlns:a16="http://schemas.microsoft.com/office/drawing/2014/main" id="{B5A3A54D-F47C-4564-889B-034DC9C8815A}"/>
+                <a16:creationId xmlns:a16="http://schemas.microsoft.com/office/drawing/2014/main" xmlns="" id="{B5A3A54D-F47C-4564-889B-034DC9C8815A}"/>
               </a:ext>
             </a:extLst>
           </p:cNvPr>
@@ -23751,7 +24173,7 @@
                 <a14:useLocalDpi xmlns:a14="http://schemas.microsoft.com/office/drawing/2010/main" val="0"/>
               </a:ext>
               <a:ext uri="{96DAC541-7B7A-43D3-8B79-37D633B846F1}">
-                <asvg:svgBlip xmlns:asvg="http://schemas.microsoft.com/office/drawing/2016/SVG/main" r:embed="rId5"/>
+                <asvg:svgBlip xmlns:asvg="http://schemas.microsoft.com/office/drawing/2016/SVG/main" xmlns="" r:embed="rId5"/>
               </a:ext>
             </a:extLst>
           </a:blip>
@@ -23774,7 +24196,7 @@
           <p:cNvPr id="72" name="Group 71">
             <a:extLst>
               <a:ext uri="{FF2B5EF4-FFF2-40B4-BE49-F238E27FC236}">
-                <a16:creationId xmlns:a16="http://schemas.microsoft.com/office/drawing/2014/main" id="{318D644E-43F5-4E6C-A640-528243A4A283}"/>
+                <a16:creationId xmlns:a16="http://schemas.microsoft.com/office/drawing/2014/main" xmlns="" id="{318D644E-43F5-4E6C-A640-528243A4A283}"/>
               </a:ext>
             </a:extLst>
           </p:cNvPr>
@@ -23794,7 +24216,7 @@
             <p:cNvPr id="76" name="Rectangle 75">
               <a:extLst>
                 <a:ext uri="{FF2B5EF4-FFF2-40B4-BE49-F238E27FC236}">
-                  <a16:creationId xmlns:a16="http://schemas.microsoft.com/office/drawing/2014/main" id="{D568BBFA-BB36-4726-99B8-4B875E359436}"/>
+                  <a16:creationId xmlns:a16="http://schemas.microsoft.com/office/drawing/2014/main" xmlns="" id="{D568BBFA-BB36-4726-99B8-4B875E359436}"/>
                 </a:ext>
               </a:extLst>
             </p:cNvPr>
@@ -23931,7 +24353,7 @@
               <a:prstDash val="lgDash"/>
               <a:extLst>
                 <a:ext uri="{C807C97D-BFC1-408E-A445-0C87EB9F89A2}">
-                  <ask:lineSketchStyleProps xmlns:ask="http://schemas.microsoft.com/office/drawing/2018/sketchyshapes" sd="1219033472">
+                  <ask:lineSketchStyleProps xmlns:ask="http://schemas.microsoft.com/office/drawing/2018/sketchyshapes" xmlns="" sd="1219033472">
                     <a:prstGeom prst="rect">
                       <a:avLst/>
                     </a:prstGeom>
@@ -23958,7 +24380,7 @@
             <p:cNvPr id="77" name="Rectangle 76">
               <a:extLst>
                 <a:ext uri="{FF2B5EF4-FFF2-40B4-BE49-F238E27FC236}">
-                  <a16:creationId xmlns:a16="http://schemas.microsoft.com/office/drawing/2014/main" id="{9038D90F-AF60-4EC7-BDC7-42EE5FE04F20}"/>
+                  <a16:creationId xmlns:a16="http://schemas.microsoft.com/office/drawing/2014/main" xmlns="" id="{9038D90F-AF60-4EC7-BDC7-42EE5FE04F20}"/>
                 </a:ext>
               </a:extLst>
             </p:cNvPr>
@@ -24011,7 +24433,7 @@
           <p:cNvPr id="78" name="Group 77">
             <a:extLst>
               <a:ext uri="{FF2B5EF4-FFF2-40B4-BE49-F238E27FC236}">
-                <a16:creationId xmlns:a16="http://schemas.microsoft.com/office/drawing/2014/main" id="{795FCA31-4325-4FBC-88CC-3ED25E00F6BC}"/>
+                <a16:creationId xmlns:a16="http://schemas.microsoft.com/office/drawing/2014/main" xmlns="" id="{795FCA31-4325-4FBC-88CC-3ED25E00F6BC}"/>
               </a:ext>
             </a:extLst>
           </p:cNvPr>
@@ -24031,7 +24453,7 @@
             <p:cNvPr id="79" name="Group 78">
               <a:extLst>
                 <a:ext uri="{FF2B5EF4-FFF2-40B4-BE49-F238E27FC236}">
-                  <a16:creationId xmlns:a16="http://schemas.microsoft.com/office/drawing/2014/main" id="{70199FCE-5A6A-4FA8-8E0F-574E82B62998}"/>
+                  <a16:creationId xmlns:a16="http://schemas.microsoft.com/office/drawing/2014/main" xmlns="" id="{70199FCE-5A6A-4FA8-8E0F-574E82B62998}"/>
                 </a:ext>
               </a:extLst>
             </p:cNvPr>
@@ -24051,7 +24473,7 @@
               <p:cNvPr id="83" name="Rectangle 82">
                 <a:extLst>
                   <a:ext uri="{FF2B5EF4-FFF2-40B4-BE49-F238E27FC236}">
-                    <a16:creationId xmlns:a16="http://schemas.microsoft.com/office/drawing/2014/main" id="{A9EC4EE5-31E6-4447-92C0-053D71FB929E}"/>
+                    <a16:creationId xmlns:a16="http://schemas.microsoft.com/office/drawing/2014/main" xmlns="" id="{A9EC4EE5-31E6-4447-92C0-053D71FB929E}"/>
                   </a:ext>
                 </a:extLst>
               </p:cNvPr>
@@ -24158,7 +24580,7 @@
                 <a:prstDash val="lgDash"/>
                 <a:extLst>
                   <a:ext uri="{C807C97D-BFC1-408E-A445-0C87EB9F89A2}">
-                    <ask:lineSketchStyleProps xmlns:ask="http://schemas.microsoft.com/office/drawing/2018/sketchyshapes" sd="1219033472">
+                    <ask:lineSketchStyleProps xmlns:ask="http://schemas.microsoft.com/office/drawing/2018/sketchyshapes" xmlns="" sd="1219033472">
                       <a:prstGeom prst="rect">
                         <a:avLst/>
                       </a:prstGeom>
@@ -24185,7 +24607,7 @@
               <p:cNvPr id="84" name="Rectangle 83">
                 <a:extLst>
                   <a:ext uri="{FF2B5EF4-FFF2-40B4-BE49-F238E27FC236}">
-                    <a16:creationId xmlns:a16="http://schemas.microsoft.com/office/drawing/2014/main" id="{CE380C27-5599-4403-B13B-FF4853944CA5}"/>
+                    <a16:creationId xmlns:a16="http://schemas.microsoft.com/office/drawing/2014/main" xmlns="" id="{CE380C27-5599-4403-B13B-FF4853944CA5}"/>
                   </a:ext>
                 </a:extLst>
               </p:cNvPr>
@@ -24238,7 +24660,7 @@
             <p:cNvPr id="80" name="Group 79">
               <a:extLst>
                 <a:ext uri="{FF2B5EF4-FFF2-40B4-BE49-F238E27FC236}">
-                  <a16:creationId xmlns:a16="http://schemas.microsoft.com/office/drawing/2014/main" id="{319650CA-94AD-4BFC-AB22-1DB332C44379}"/>
+                  <a16:creationId xmlns:a16="http://schemas.microsoft.com/office/drawing/2014/main" xmlns="" id="{319650CA-94AD-4BFC-AB22-1DB332C44379}"/>
                 </a:ext>
               </a:extLst>
             </p:cNvPr>
@@ -24258,7 +24680,7 @@
               <p:cNvPr id="81" name="Isosceles Triangle 80">
                 <a:extLst>
                   <a:ext uri="{FF2B5EF4-FFF2-40B4-BE49-F238E27FC236}">
-                    <a16:creationId xmlns:a16="http://schemas.microsoft.com/office/drawing/2014/main" id="{6F0B456A-097A-4215-9300-F59740645894}"/>
+                    <a16:creationId xmlns:a16="http://schemas.microsoft.com/office/drawing/2014/main" xmlns="" id="{6F0B456A-097A-4215-9300-F59740645894}"/>
                   </a:ext>
                 </a:extLst>
               </p:cNvPr>
@@ -24307,7 +24729,7 @@
               <p:cNvPr id="82" name="Isosceles Triangle 81">
                 <a:extLst>
                   <a:ext uri="{FF2B5EF4-FFF2-40B4-BE49-F238E27FC236}">
-                    <a16:creationId xmlns:a16="http://schemas.microsoft.com/office/drawing/2014/main" id="{511B0502-ED3A-4A3C-AD85-5831A6256F7C}"/>
+                    <a16:creationId xmlns:a16="http://schemas.microsoft.com/office/drawing/2014/main" xmlns="" id="{511B0502-ED3A-4A3C-AD85-5831A6256F7C}"/>
                   </a:ext>
                 </a:extLst>
               </p:cNvPr>
@@ -24361,7 +24783,7 @@
           <p:cNvPr id="53" name="Group 52">
             <a:extLst>
               <a:ext uri="{FF2B5EF4-FFF2-40B4-BE49-F238E27FC236}">
-                <a16:creationId xmlns:a16="http://schemas.microsoft.com/office/drawing/2014/main" id="{228CD746-2187-4828-80C2-6363A8A95D86}"/>
+                <a16:creationId xmlns:a16="http://schemas.microsoft.com/office/drawing/2014/main" xmlns="" id="{228CD746-2187-4828-80C2-6363A8A95D86}"/>
               </a:ext>
             </a:extLst>
           </p:cNvPr>
@@ -24381,7 +24803,7 @@
             <p:cNvPr id="54" name="Group 53">
               <a:extLst>
                 <a:ext uri="{FF2B5EF4-FFF2-40B4-BE49-F238E27FC236}">
-                  <a16:creationId xmlns:a16="http://schemas.microsoft.com/office/drawing/2014/main" id="{51D92026-3D9B-4E42-8614-145C7450BF0B}"/>
+                  <a16:creationId xmlns:a16="http://schemas.microsoft.com/office/drawing/2014/main" xmlns="" id="{51D92026-3D9B-4E42-8614-145C7450BF0B}"/>
                 </a:ext>
               </a:extLst>
             </p:cNvPr>
@@ -24401,7 +24823,7 @@
               <p:cNvPr id="58" name="Rectangle 57">
                 <a:extLst>
                   <a:ext uri="{FF2B5EF4-FFF2-40B4-BE49-F238E27FC236}">
-                    <a16:creationId xmlns:a16="http://schemas.microsoft.com/office/drawing/2014/main" id="{BB8D3661-BAC9-40B6-8AA9-F8CE0DA8D6F1}"/>
+                    <a16:creationId xmlns:a16="http://schemas.microsoft.com/office/drawing/2014/main" xmlns="" id="{BB8D3661-BAC9-40B6-8AA9-F8CE0DA8D6F1}"/>
                   </a:ext>
                 </a:extLst>
               </p:cNvPr>
@@ -24568,7 +24990,7 @@
                 <a:prstDash val="lgDash"/>
                 <a:extLst>
                   <a:ext uri="{C807C97D-BFC1-408E-A445-0C87EB9F89A2}">
-                    <ask:lineSketchStyleProps xmlns:ask="http://schemas.microsoft.com/office/drawing/2018/sketchyshapes" sd="1219033472">
+                    <ask:lineSketchStyleProps xmlns:ask="http://schemas.microsoft.com/office/drawing/2018/sketchyshapes" xmlns="" sd="1219033472">
                       <a:prstGeom prst="rect">
                         <a:avLst/>
                       </a:prstGeom>
@@ -24595,7 +25017,7 @@
               <p:cNvPr id="59" name="Rectangle 58">
                 <a:extLst>
                   <a:ext uri="{FF2B5EF4-FFF2-40B4-BE49-F238E27FC236}">
-                    <a16:creationId xmlns:a16="http://schemas.microsoft.com/office/drawing/2014/main" id="{574B2481-E026-4601-ABDC-1D73CADC76A6}"/>
+                    <a16:creationId xmlns:a16="http://schemas.microsoft.com/office/drawing/2014/main" xmlns="" id="{574B2481-E026-4601-ABDC-1D73CADC76A6}"/>
                   </a:ext>
                 </a:extLst>
               </p:cNvPr>
@@ -24648,7 +25070,7 @@
             <p:cNvPr id="55" name="Group 54">
               <a:extLst>
                 <a:ext uri="{FF2B5EF4-FFF2-40B4-BE49-F238E27FC236}">
-                  <a16:creationId xmlns:a16="http://schemas.microsoft.com/office/drawing/2014/main" id="{1C90C266-1625-4AD8-833C-82A66979B9D0}"/>
+                  <a16:creationId xmlns:a16="http://schemas.microsoft.com/office/drawing/2014/main" xmlns="" id="{1C90C266-1625-4AD8-833C-82A66979B9D0}"/>
                 </a:ext>
               </a:extLst>
             </p:cNvPr>
@@ -24668,7 +25090,7 @@
               <p:cNvPr id="56" name="Isosceles Triangle 55">
                 <a:extLst>
                   <a:ext uri="{FF2B5EF4-FFF2-40B4-BE49-F238E27FC236}">
-                    <a16:creationId xmlns:a16="http://schemas.microsoft.com/office/drawing/2014/main" id="{17B5D42C-4738-4389-9471-99E46845AC76}"/>
+                    <a16:creationId xmlns:a16="http://schemas.microsoft.com/office/drawing/2014/main" xmlns="" id="{17B5D42C-4738-4389-9471-99E46845AC76}"/>
                   </a:ext>
                 </a:extLst>
               </p:cNvPr>
@@ -24717,7 +25139,7 @@
               <p:cNvPr id="57" name="Isosceles Triangle 56">
                 <a:extLst>
                   <a:ext uri="{FF2B5EF4-FFF2-40B4-BE49-F238E27FC236}">
-                    <a16:creationId xmlns:a16="http://schemas.microsoft.com/office/drawing/2014/main" id="{59BCADBA-84D5-4DFC-964E-6578DB2B2655}"/>
+                    <a16:creationId xmlns:a16="http://schemas.microsoft.com/office/drawing/2014/main" xmlns="" id="{59BCADBA-84D5-4DFC-964E-6578DB2B2655}"/>
                   </a:ext>
                 </a:extLst>
               </p:cNvPr>
@@ -24771,7 +25193,7 @@
           <p:cNvPr id="92" name="Group 91">
             <a:extLst>
               <a:ext uri="{FF2B5EF4-FFF2-40B4-BE49-F238E27FC236}">
-                <a16:creationId xmlns:a16="http://schemas.microsoft.com/office/drawing/2014/main" id="{503D69D8-E07F-45CC-8BDE-785F831354F8}"/>
+                <a16:creationId xmlns:a16="http://schemas.microsoft.com/office/drawing/2014/main" xmlns="" id="{503D69D8-E07F-45CC-8BDE-785F831354F8}"/>
               </a:ext>
             </a:extLst>
           </p:cNvPr>
@@ -24791,7 +25213,7 @@
             <p:cNvPr id="93" name="Group 92">
               <a:extLst>
                 <a:ext uri="{FF2B5EF4-FFF2-40B4-BE49-F238E27FC236}">
-                  <a16:creationId xmlns:a16="http://schemas.microsoft.com/office/drawing/2014/main" id="{4E250EC7-6C13-40B3-9926-AE765E30E1E6}"/>
+                  <a16:creationId xmlns:a16="http://schemas.microsoft.com/office/drawing/2014/main" xmlns="" id="{4E250EC7-6C13-40B3-9926-AE765E30E1E6}"/>
                 </a:ext>
               </a:extLst>
             </p:cNvPr>
@@ -24811,7 +25233,7 @@
               <p:cNvPr id="97" name="Rectangle 96">
                 <a:extLst>
                   <a:ext uri="{FF2B5EF4-FFF2-40B4-BE49-F238E27FC236}">
-                    <a16:creationId xmlns:a16="http://schemas.microsoft.com/office/drawing/2014/main" id="{3988C903-B286-45CA-96BF-E96780072166}"/>
+                    <a16:creationId xmlns:a16="http://schemas.microsoft.com/office/drawing/2014/main" xmlns="" id="{3988C903-B286-45CA-96BF-E96780072166}"/>
                   </a:ext>
                 </a:extLst>
               </p:cNvPr>
@@ -24918,7 +25340,7 @@
                 <a:prstDash val="lgDash"/>
                 <a:extLst>
                   <a:ext uri="{C807C97D-BFC1-408E-A445-0C87EB9F89A2}">
-                    <ask:lineSketchStyleProps xmlns:ask="http://schemas.microsoft.com/office/drawing/2018/sketchyshapes" sd="1219033472">
+                    <ask:lineSketchStyleProps xmlns:ask="http://schemas.microsoft.com/office/drawing/2018/sketchyshapes" xmlns="" sd="1219033472">
                       <a:prstGeom prst="rect">
                         <a:avLst/>
                       </a:prstGeom>
@@ -24945,7 +25367,7 @@
               <p:cNvPr id="98" name="Rectangle 97">
                 <a:extLst>
                   <a:ext uri="{FF2B5EF4-FFF2-40B4-BE49-F238E27FC236}">
-                    <a16:creationId xmlns:a16="http://schemas.microsoft.com/office/drawing/2014/main" id="{C2BE66B8-87DB-4EB4-AE5E-9782A8C89180}"/>
+                    <a16:creationId xmlns:a16="http://schemas.microsoft.com/office/drawing/2014/main" xmlns="" id="{C2BE66B8-87DB-4EB4-AE5E-9782A8C89180}"/>
                   </a:ext>
                 </a:extLst>
               </p:cNvPr>
@@ -24998,7 +25420,7 @@
             <p:cNvPr id="94" name="Group 93">
               <a:extLst>
                 <a:ext uri="{FF2B5EF4-FFF2-40B4-BE49-F238E27FC236}">
-                  <a16:creationId xmlns:a16="http://schemas.microsoft.com/office/drawing/2014/main" id="{9D734929-A1FE-4527-AD09-46B43954CA34}"/>
+                  <a16:creationId xmlns:a16="http://schemas.microsoft.com/office/drawing/2014/main" xmlns="" id="{9D734929-A1FE-4527-AD09-46B43954CA34}"/>
                 </a:ext>
               </a:extLst>
             </p:cNvPr>
@@ -25018,7 +25440,7 @@
               <p:cNvPr id="95" name="Isosceles Triangle 94">
                 <a:extLst>
                   <a:ext uri="{FF2B5EF4-FFF2-40B4-BE49-F238E27FC236}">
-                    <a16:creationId xmlns:a16="http://schemas.microsoft.com/office/drawing/2014/main" id="{102B63F4-6ECF-43A3-A605-82EB9CA27FC4}"/>
+                    <a16:creationId xmlns:a16="http://schemas.microsoft.com/office/drawing/2014/main" xmlns="" id="{102B63F4-6ECF-43A3-A605-82EB9CA27FC4}"/>
                   </a:ext>
                 </a:extLst>
               </p:cNvPr>
@@ -25067,7 +25489,7 @@
               <p:cNvPr id="96" name="Isosceles Triangle 95">
                 <a:extLst>
                   <a:ext uri="{FF2B5EF4-FFF2-40B4-BE49-F238E27FC236}">
-                    <a16:creationId xmlns:a16="http://schemas.microsoft.com/office/drawing/2014/main" id="{28E53E38-FA36-48B2-9D54-F7AFB76E52F2}"/>
+                    <a16:creationId xmlns:a16="http://schemas.microsoft.com/office/drawing/2014/main" xmlns="" id="{28E53E38-FA36-48B2-9D54-F7AFB76E52F2}"/>
                   </a:ext>
                 </a:extLst>
               </p:cNvPr>
@@ -25121,7 +25543,7 @@
           <p:cNvPr id="99" name="Group 98">
             <a:extLst>
               <a:ext uri="{FF2B5EF4-FFF2-40B4-BE49-F238E27FC236}">
-                <a16:creationId xmlns:a16="http://schemas.microsoft.com/office/drawing/2014/main" id="{9C5BAD30-F2C4-4408-9ECF-808B4A8867C9}"/>
+                <a16:creationId xmlns:a16="http://schemas.microsoft.com/office/drawing/2014/main" xmlns="" id="{9C5BAD30-F2C4-4408-9ECF-808B4A8867C9}"/>
               </a:ext>
             </a:extLst>
           </p:cNvPr>
@@ -25141,7 +25563,7 @@
             <p:cNvPr id="100" name="Group 99">
               <a:extLst>
                 <a:ext uri="{FF2B5EF4-FFF2-40B4-BE49-F238E27FC236}">
-                  <a16:creationId xmlns:a16="http://schemas.microsoft.com/office/drawing/2014/main" id="{6E73F373-C038-4F33-B55B-562E841408C3}"/>
+                  <a16:creationId xmlns:a16="http://schemas.microsoft.com/office/drawing/2014/main" xmlns="" id="{6E73F373-C038-4F33-B55B-562E841408C3}"/>
                 </a:ext>
               </a:extLst>
             </p:cNvPr>
@@ -25161,7 +25583,7 @@
               <p:cNvPr id="104" name="Rectangle 103">
                 <a:extLst>
                   <a:ext uri="{FF2B5EF4-FFF2-40B4-BE49-F238E27FC236}">
-                    <a16:creationId xmlns:a16="http://schemas.microsoft.com/office/drawing/2014/main" id="{1C56DC10-97A9-4AFC-8D8A-278077ABF746}"/>
+                    <a16:creationId xmlns:a16="http://schemas.microsoft.com/office/drawing/2014/main" xmlns="" id="{1C56DC10-97A9-4AFC-8D8A-278077ABF746}"/>
                   </a:ext>
                 </a:extLst>
               </p:cNvPr>
@@ -25298,7 +25720,7 @@
                 <a:prstDash val="lgDash"/>
                 <a:extLst>
                   <a:ext uri="{C807C97D-BFC1-408E-A445-0C87EB9F89A2}">
-                    <ask:lineSketchStyleProps xmlns:ask="http://schemas.microsoft.com/office/drawing/2018/sketchyshapes" sd="1219033472">
+                    <ask:lineSketchStyleProps xmlns:ask="http://schemas.microsoft.com/office/drawing/2018/sketchyshapes" xmlns="" sd="1219033472">
                       <a:prstGeom prst="rect">
                         <a:avLst/>
                       </a:prstGeom>
@@ -25325,7 +25747,7 @@
               <p:cNvPr id="105" name="Rectangle 104">
                 <a:extLst>
                   <a:ext uri="{FF2B5EF4-FFF2-40B4-BE49-F238E27FC236}">
-                    <a16:creationId xmlns:a16="http://schemas.microsoft.com/office/drawing/2014/main" id="{8995A872-8181-4612-9B6B-035234D3CD46}"/>
+                    <a16:creationId xmlns:a16="http://schemas.microsoft.com/office/drawing/2014/main" xmlns="" id="{8995A872-8181-4612-9B6B-035234D3CD46}"/>
                   </a:ext>
                 </a:extLst>
               </p:cNvPr>
@@ -25378,7 +25800,7 @@
             <p:cNvPr id="101" name="Group 100">
               <a:extLst>
                 <a:ext uri="{FF2B5EF4-FFF2-40B4-BE49-F238E27FC236}">
-                  <a16:creationId xmlns:a16="http://schemas.microsoft.com/office/drawing/2014/main" id="{0890AFB8-AC4F-485B-AA41-F4421ACA065E}"/>
+                  <a16:creationId xmlns:a16="http://schemas.microsoft.com/office/drawing/2014/main" xmlns="" id="{0890AFB8-AC4F-485B-AA41-F4421ACA065E}"/>
                 </a:ext>
               </a:extLst>
             </p:cNvPr>
@@ -25398,7 +25820,7 @@
               <p:cNvPr id="102" name="Isosceles Triangle 101">
                 <a:extLst>
                   <a:ext uri="{FF2B5EF4-FFF2-40B4-BE49-F238E27FC236}">
-                    <a16:creationId xmlns:a16="http://schemas.microsoft.com/office/drawing/2014/main" id="{92A4DED4-5154-46DE-B9B9-A6006E74A997}"/>
+                    <a16:creationId xmlns:a16="http://schemas.microsoft.com/office/drawing/2014/main" xmlns="" id="{92A4DED4-5154-46DE-B9B9-A6006E74A997}"/>
                   </a:ext>
                 </a:extLst>
               </p:cNvPr>
@@ -25447,7 +25869,7 @@
               <p:cNvPr id="103" name="Isosceles Triangle 102">
                 <a:extLst>
                   <a:ext uri="{FF2B5EF4-FFF2-40B4-BE49-F238E27FC236}">
-                    <a16:creationId xmlns:a16="http://schemas.microsoft.com/office/drawing/2014/main" id="{F479989E-1751-45CA-B097-A6AFD0330053}"/>
+                    <a16:creationId xmlns:a16="http://schemas.microsoft.com/office/drawing/2014/main" xmlns="" id="{F479989E-1751-45CA-B097-A6AFD0330053}"/>
                   </a:ext>
                 </a:extLst>
               </p:cNvPr>
@@ -25501,7 +25923,7 @@
           <p:cNvPr id="86" name="Group 85">
             <a:extLst>
               <a:ext uri="{FF2B5EF4-FFF2-40B4-BE49-F238E27FC236}">
-                <a16:creationId xmlns:a16="http://schemas.microsoft.com/office/drawing/2014/main" id="{CEB19F83-A03A-463E-9436-F98419B65454}"/>
+                <a16:creationId xmlns:a16="http://schemas.microsoft.com/office/drawing/2014/main" xmlns="" id="{CEB19F83-A03A-463E-9436-F98419B65454}"/>
               </a:ext>
             </a:extLst>
           </p:cNvPr>
@@ -25521,7 +25943,7 @@
             <p:cNvPr id="90" name="Rectangle 89">
               <a:extLst>
                 <a:ext uri="{FF2B5EF4-FFF2-40B4-BE49-F238E27FC236}">
-                  <a16:creationId xmlns:a16="http://schemas.microsoft.com/office/drawing/2014/main" id="{D3906825-B116-4538-8EBD-3DBD03DC49E0}"/>
+                  <a16:creationId xmlns:a16="http://schemas.microsoft.com/office/drawing/2014/main" xmlns="" id="{D3906825-B116-4538-8EBD-3DBD03DC49E0}"/>
                 </a:ext>
               </a:extLst>
             </p:cNvPr>
@@ -25718,7 +26140,7 @@
               <a:prstDash val="lgDash"/>
               <a:extLst>
                 <a:ext uri="{C807C97D-BFC1-408E-A445-0C87EB9F89A2}">
-                  <ask:lineSketchStyleProps xmlns:ask="http://schemas.microsoft.com/office/drawing/2018/sketchyshapes" sd="1219033472">
+                  <ask:lineSketchStyleProps xmlns:ask="http://schemas.microsoft.com/office/drawing/2018/sketchyshapes" xmlns="" sd="1219033472">
                     <a:prstGeom prst="rect">
                       <a:avLst/>
                     </a:prstGeom>
@@ -25745,7 +26167,7 @@
             <p:cNvPr id="91" name="Rectangle 90">
               <a:extLst>
                 <a:ext uri="{FF2B5EF4-FFF2-40B4-BE49-F238E27FC236}">
-                  <a16:creationId xmlns:a16="http://schemas.microsoft.com/office/drawing/2014/main" id="{FA443B7B-0BB1-46D4-9852-BA523820F5D5}"/>
+                  <a16:creationId xmlns:a16="http://schemas.microsoft.com/office/drawing/2014/main" xmlns="" id="{FA443B7B-0BB1-46D4-9852-BA523820F5D5}"/>
                 </a:ext>
               </a:extLst>
             </p:cNvPr>
@@ -25798,7 +26220,7 @@
           <p:cNvPr id="106" name="Group 105">
             <a:extLst>
               <a:ext uri="{FF2B5EF4-FFF2-40B4-BE49-F238E27FC236}">
-                <a16:creationId xmlns:a16="http://schemas.microsoft.com/office/drawing/2014/main" id="{3D2E6821-A8E7-4B9F-AB38-78D06A87C8B3}"/>
+                <a16:creationId xmlns:a16="http://schemas.microsoft.com/office/drawing/2014/main" xmlns="" id="{3D2E6821-A8E7-4B9F-AB38-78D06A87C8B3}"/>
               </a:ext>
             </a:extLst>
           </p:cNvPr>
@@ -25818,7 +26240,7 @@
             <p:cNvPr id="107" name="Group 106">
               <a:extLst>
                 <a:ext uri="{FF2B5EF4-FFF2-40B4-BE49-F238E27FC236}">
-                  <a16:creationId xmlns:a16="http://schemas.microsoft.com/office/drawing/2014/main" id="{612FFCBA-D604-4786-9D7F-74721D9592EB}"/>
+                  <a16:creationId xmlns:a16="http://schemas.microsoft.com/office/drawing/2014/main" xmlns="" id="{612FFCBA-D604-4786-9D7F-74721D9592EB}"/>
                 </a:ext>
               </a:extLst>
             </p:cNvPr>
@@ -25838,7 +26260,7 @@
               <p:cNvPr id="111" name="Rectangle 110">
                 <a:extLst>
                   <a:ext uri="{FF2B5EF4-FFF2-40B4-BE49-F238E27FC236}">
-                    <a16:creationId xmlns:a16="http://schemas.microsoft.com/office/drawing/2014/main" id="{2984FD6C-67C3-46BD-B22C-0DFD724F0269}"/>
+                    <a16:creationId xmlns:a16="http://schemas.microsoft.com/office/drawing/2014/main" xmlns="" id="{2984FD6C-67C3-46BD-B22C-0DFD724F0269}"/>
                   </a:ext>
                 </a:extLst>
               </p:cNvPr>
@@ -26035,7 +26457,7 @@
                 <a:prstDash val="lgDash"/>
                 <a:extLst>
                   <a:ext uri="{C807C97D-BFC1-408E-A445-0C87EB9F89A2}">
-                    <ask:lineSketchStyleProps xmlns:ask="http://schemas.microsoft.com/office/drawing/2018/sketchyshapes" sd="1219033472">
+                    <ask:lineSketchStyleProps xmlns:ask="http://schemas.microsoft.com/office/drawing/2018/sketchyshapes" xmlns="" sd="1219033472">
                       <a:prstGeom prst="rect">
                         <a:avLst/>
                       </a:prstGeom>
@@ -26062,7 +26484,7 @@
               <p:cNvPr id="112" name="Rectangle 111">
                 <a:extLst>
                   <a:ext uri="{FF2B5EF4-FFF2-40B4-BE49-F238E27FC236}">
-                    <a16:creationId xmlns:a16="http://schemas.microsoft.com/office/drawing/2014/main" id="{69102E02-570E-4F73-959A-E5CD67ED9A30}"/>
+                    <a16:creationId xmlns:a16="http://schemas.microsoft.com/office/drawing/2014/main" xmlns="" id="{69102E02-570E-4F73-959A-E5CD67ED9A30}"/>
                   </a:ext>
                 </a:extLst>
               </p:cNvPr>
@@ -26115,7 +26537,7 @@
             <p:cNvPr id="108" name="Group 107">
               <a:extLst>
                 <a:ext uri="{FF2B5EF4-FFF2-40B4-BE49-F238E27FC236}">
-                  <a16:creationId xmlns:a16="http://schemas.microsoft.com/office/drawing/2014/main" id="{DC529F76-FE09-45F3-8389-0AAE3332F4A8}"/>
+                  <a16:creationId xmlns:a16="http://schemas.microsoft.com/office/drawing/2014/main" xmlns="" id="{DC529F76-FE09-45F3-8389-0AAE3332F4A8}"/>
                 </a:ext>
               </a:extLst>
             </p:cNvPr>
@@ -26135,7 +26557,7 @@
               <p:cNvPr id="109" name="Isosceles Triangle 108">
                 <a:extLst>
                   <a:ext uri="{FF2B5EF4-FFF2-40B4-BE49-F238E27FC236}">
-                    <a16:creationId xmlns:a16="http://schemas.microsoft.com/office/drawing/2014/main" id="{EFE08C3B-3685-4662-BB03-0264F4D1FDD9}"/>
+                    <a16:creationId xmlns:a16="http://schemas.microsoft.com/office/drawing/2014/main" xmlns="" id="{EFE08C3B-3685-4662-BB03-0264F4D1FDD9}"/>
                   </a:ext>
                 </a:extLst>
               </p:cNvPr>
@@ -26184,7 +26606,7 @@
               <p:cNvPr id="110" name="Isosceles Triangle 109">
                 <a:extLst>
                   <a:ext uri="{FF2B5EF4-FFF2-40B4-BE49-F238E27FC236}">
-                    <a16:creationId xmlns:a16="http://schemas.microsoft.com/office/drawing/2014/main" id="{ACAFEFD8-0FE3-4330-AB52-0F48E996A0D2}"/>
+                    <a16:creationId xmlns:a16="http://schemas.microsoft.com/office/drawing/2014/main" xmlns="" id="{ACAFEFD8-0FE3-4330-AB52-0F48E996A0D2}"/>
                   </a:ext>
                 </a:extLst>
               </p:cNvPr>
@@ -26238,7 +26660,7 @@
           <p:cNvPr id="3" name="Graphic 2" descr="Presentation with bar chart RTL">
             <a:extLst>
               <a:ext uri="{FF2B5EF4-FFF2-40B4-BE49-F238E27FC236}">
-                <a16:creationId xmlns:a16="http://schemas.microsoft.com/office/drawing/2014/main" id="{FCC6EF65-A008-49BA-8099-EEBF0AB3C0F8}"/>
+                <a16:creationId xmlns:a16="http://schemas.microsoft.com/office/drawing/2014/main" xmlns="" id="{FCC6EF65-A008-49BA-8099-EEBF0AB3C0F8}"/>
               </a:ext>
             </a:extLst>
           </p:cNvPr>
@@ -26254,7 +26676,7 @@
                 <a14:useLocalDpi xmlns:a14="http://schemas.microsoft.com/office/drawing/2010/main" val="0"/>
               </a:ext>
               <a:ext uri="{96DAC541-7B7A-43D3-8B79-37D633B846F1}">
-                <asvg:svgBlip xmlns:asvg="http://schemas.microsoft.com/office/drawing/2016/SVG/main" r:embed="rId7"/>
+                <asvg:svgBlip xmlns:asvg="http://schemas.microsoft.com/office/drawing/2016/SVG/main" xmlns="" r:embed="rId7"/>
               </a:ext>
             </a:extLst>
           </a:blip>
@@ -26277,7 +26699,7 @@
           <p:cNvPr id="122" name="Group 121">
             <a:extLst>
               <a:ext uri="{FF2B5EF4-FFF2-40B4-BE49-F238E27FC236}">
-                <a16:creationId xmlns:a16="http://schemas.microsoft.com/office/drawing/2014/main" id="{E82B7EE6-A966-49BC-A5C8-30DFF369F62F}"/>
+                <a16:creationId xmlns:a16="http://schemas.microsoft.com/office/drawing/2014/main" xmlns="" id="{E82B7EE6-A966-49BC-A5C8-30DFF369F62F}"/>
               </a:ext>
             </a:extLst>
           </p:cNvPr>
@@ -26297,7 +26719,7 @@
             <p:cNvPr id="123" name="Group 122">
               <a:extLst>
                 <a:ext uri="{FF2B5EF4-FFF2-40B4-BE49-F238E27FC236}">
-                  <a16:creationId xmlns:a16="http://schemas.microsoft.com/office/drawing/2014/main" id="{0FB9DAFA-D149-4AD4-BD7E-D0FEF20A3E69}"/>
+                  <a16:creationId xmlns:a16="http://schemas.microsoft.com/office/drawing/2014/main" xmlns="" id="{0FB9DAFA-D149-4AD4-BD7E-D0FEF20A3E69}"/>
                 </a:ext>
               </a:extLst>
             </p:cNvPr>
@@ -26317,7 +26739,7 @@
               <p:cNvPr id="127" name="Rectangle 126">
                 <a:extLst>
                   <a:ext uri="{FF2B5EF4-FFF2-40B4-BE49-F238E27FC236}">
-                    <a16:creationId xmlns:a16="http://schemas.microsoft.com/office/drawing/2014/main" id="{FB657BC7-7677-4D49-B942-B00BBE73329D}"/>
+                    <a16:creationId xmlns:a16="http://schemas.microsoft.com/office/drawing/2014/main" xmlns="" id="{FB657BC7-7677-4D49-B942-B00BBE73329D}"/>
                   </a:ext>
                 </a:extLst>
               </p:cNvPr>
@@ -26454,7 +26876,7 @@
                 <a:prstDash val="lgDash"/>
                 <a:extLst>
                   <a:ext uri="{C807C97D-BFC1-408E-A445-0C87EB9F89A2}">
-                    <ask:lineSketchStyleProps xmlns:ask="http://schemas.microsoft.com/office/drawing/2018/sketchyshapes" sd="1219033472">
+                    <ask:lineSketchStyleProps xmlns:ask="http://schemas.microsoft.com/office/drawing/2018/sketchyshapes" xmlns="" sd="1219033472">
                       <a:prstGeom prst="rect">
                         <a:avLst/>
                       </a:prstGeom>
@@ -26481,7 +26903,7 @@
               <p:cNvPr id="128" name="Rectangle 127">
                 <a:extLst>
                   <a:ext uri="{FF2B5EF4-FFF2-40B4-BE49-F238E27FC236}">
-                    <a16:creationId xmlns:a16="http://schemas.microsoft.com/office/drawing/2014/main" id="{464D1FD7-8259-4304-A870-0DA4A2FB79D1}"/>
+                    <a16:creationId xmlns:a16="http://schemas.microsoft.com/office/drawing/2014/main" xmlns="" id="{464D1FD7-8259-4304-A870-0DA4A2FB79D1}"/>
                   </a:ext>
                 </a:extLst>
               </p:cNvPr>
@@ -26534,7 +26956,7 @@
             <p:cNvPr id="124" name="Group 123">
               <a:extLst>
                 <a:ext uri="{FF2B5EF4-FFF2-40B4-BE49-F238E27FC236}">
-                  <a16:creationId xmlns:a16="http://schemas.microsoft.com/office/drawing/2014/main" id="{453B5AC4-51CD-4F0E-8270-8693CE057506}"/>
+                  <a16:creationId xmlns:a16="http://schemas.microsoft.com/office/drawing/2014/main" xmlns="" id="{453B5AC4-51CD-4F0E-8270-8693CE057506}"/>
                 </a:ext>
               </a:extLst>
             </p:cNvPr>
@@ -26554,7 +26976,7 @@
               <p:cNvPr id="125" name="Isosceles Triangle 124">
                 <a:extLst>
                   <a:ext uri="{FF2B5EF4-FFF2-40B4-BE49-F238E27FC236}">
-                    <a16:creationId xmlns:a16="http://schemas.microsoft.com/office/drawing/2014/main" id="{4EE4B622-009C-4E1D-9D75-F3A10AD6EE4E}"/>
+                    <a16:creationId xmlns:a16="http://schemas.microsoft.com/office/drawing/2014/main" xmlns="" id="{4EE4B622-009C-4E1D-9D75-F3A10AD6EE4E}"/>
                   </a:ext>
                 </a:extLst>
               </p:cNvPr>
@@ -26603,7 +27025,7 @@
               <p:cNvPr id="126" name="Isosceles Triangle 125">
                 <a:extLst>
                   <a:ext uri="{FF2B5EF4-FFF2-40B4-BE49-F238E27FC236}">
-                    <a16:creationId xmlns:a16="http://schemas.microsoft.com/office/drawing/2014/main" id="{F3967A81-CD03-4A11-AC16-EE5BB10821C9}"/>
+                    <a16:creationId xmlns:a16="http://schemas.microsoft.com/office/drawing/2014/main" xmlns="" id="{F3967A81-CD03-4A11-AC16-EE5BB10821C9}"/>
                   </a:ext>
                 </a:extLst>
               </p:cNvPr>
@@ -26662,6 +27084,13 @@
   <p:clrMapOvr>
     <a:masterClrMapping/>
   </p:clrMapOvr>
+  <p:timing>
+    <p:tnLst>
+      <p:par>
+        <p:cTn id="1" dur="indefinite" restart="never" nodeType="tmRoot"/>
+      </p:par>
+    </p:tnLst>
+  </p:timing>
 </p:sld>
 </file>
 
@@ -26687,7 +27116,7 @@
           <p:cNvPr id="3" name="Text Placeholder 2">
             <a:extLst>
               <a:ext uri="{FF2B5EF4-FFF2-40B4-BE49-F238E27FC236}">
-                <a16:creationId xmlns:a16="http://schemas.microsoft.com/office/drawing/2014/main" id="{C7652C82-BE66-4418-8AD5-980274E47728}"/>
+                <a16:creationId xmlns:a16="http://schemas.microsoft.com/office/drawing/2014/main" xmlns="" id="{C7652C82-BE66-4418-8AD5-980274E47728}"/>
               </a:ext>
             </a:extLst>
           </p:cNvPr>
@@ -26695,7 +27124,7 @@
             <a:spLocks noGrp="1"/>
           </p:cNvSpPr>
           <p:nvPr>
-            <p:ph type="body" sz="quarter" idx="15"/>
+            <p:ph type="body" sz="quarter" idx="4294967295"/>
           </p:nvPr>
         </p:nvSpPr>
         <p:spPr>
@@ -26722,72 +27151,12 @@
           </a:p>
         </p:txBody>
       </p:sp>
-      <p:sp>
-        <p:nvSpPr>
-          <p:cNvPr id="6" name="Text Placeholder 1">
-            <a:extLst>
-              <a:ext uri="{FF2B5EF4-FFF2-40B4-BE49-F238E27FC236}">
-                <a16:creationId xmlns:a16="http://schemas.microsoft.com/office/drawing/2014/main" id="{F54208A9-C2E2-44E3-9863-C76E9E754139}"/>
-              </a:ext>
-            </a:extLst>
-          </p:cNvPr>
-          <p:cNvSpPr>
-            <a:spLocks noGrp="1"/>
-          </p:cNvSpPr>
-          <p:nvPr>
-            <p:ph type="body" sz="quarter" idx="13"/>
-          </p:nvPr>
-        </p:nvSpPr>
-        <p:spPr>
-          <a:xfrm>
-            <a:off x="533400" y="1824493"/>
-            <a:ext cx="6549325" cy="3837477"/>
-          </a:xfrm>
-        </p:spPr>
-        <p:txBody>
-          <a:bodyPr>
-            <a:normAutofit/>
-          </a:bodyPr>
-          <a:lstStyle/>
-          <a:p>
-            <a:pPr algn="l"/>
-            <a:r>
-              <a:rPr lang="en-US" b="1" dirty="0" err="1"/>
-              <a:t>Pavlos</a:t>
-            </a:r>
-            <a:r>
-              <a:rPr lang="en-US" b="1" dirty="0"/>
-              <a:t> </a:t>
-            </a:r>
-            <a:r>
-              <a:rPr lang="en-US" b="1" dirty="0" err="1"/>
-              <a:t>Protopapas</a:t>
-            </a:r>
-            <a:endParaRPr lang="en-US" b="1" dirty="0"/>
-          </a:p>
-          <a:p>
-            <a:pPr algn="l"/>
-            <a:r>
-              <a:rPr lang="en-US" dirty="0"/>
-              <a:t>Scientific Director of the Institute for Applied Computational Science (IACS) Teaches CS109(a/b) and the Capstone course. Research in </a:t>
-            </a:r>
-            <a:r>
-              <a:rPr lang="en-US" dirty="0" err="1"/>
-              <a:t>astrostatistics</a:t>
-            </a:r>
-            <a:r>
-              <a:rPr lang="en-US" dirty="0"/>
-              <a:t> and he is excited about the new telescopes coming online in the next few years. He has absolutely no hobbies or interests except teaching CS109 and eating.</a:t>
-            </a:r>
-          </a:p>
-        </p:txBody>
-      </p:sp>
       <p:pic>
         <p:nvPicPr>
           <p:cNvPr id="7" name="Picture 6" descr="A person wearing glasses and smiling at the camera&#10;&#10;Description automatically generated">
             <a:extLst>
               <a:ext uri="{FF2B5EF4-FFF2-40B4-BE49-F238E27FC236}">
-                <a16:creationId xmlns:a16="http://schemas.microsoft.com/office/drawing/2014/main" id="{5D928676-E2F6-46F3-9F4D-42E9093E3E95}"/>
+                <a16:creationId xmlns:a16="http://schemas.microsoft.com/office/drawing/2014/main" xmlns="" id="{5D928676-E2F6-46F3-9F4D-42E9093E3E95}"/>
               </a:ext>
             </a:extLst>
           </p:cNvPr>
@@ -26810,14 +27179,239 @@
         </p:blipFill>
         <p:spPr>
           <a:xfrm>
-            <a:off x="8471223" y="1824493"/>
-            <a:ext cx="3187377" cy="3895684"/>
+            <a:off x="8659906" y="1273164"/>
+            <a:ext cx="2958353" cy="3615766"/>
           </a:xfrm>
           <a:prstGeom prst="rect">
             <a:avLst/>
           </a:prstGeom>
         </p:spPr>
       </p:pic>
+      <p:sp>
+        <p:nvSpPr>
+          <p:cNvPr id="4" name="TextBox 3"/>
+          <p:cNvSpPr txBox="1"/>
+          <p:nvPr/>
+        </p:nvSpPr>
+        <p:spPr>
+          <a:xfrm>
+            <a:off x="403411" y="1380740"/>
+            <a:ext cx="8027471" cy="4001095"/>
+          </a:xfrm>
+          <a:prstGeom prst="rect">
+            <a:avLst/>
+          </a:prstGeom>
+          <a:noFill/>
+        </p:spPr>
+        <p:txBody>
+          <a:bodyPr wrap="square" rtlCol="0">
+            <a:spAutoFit/>
+          </a:bodyPr>
+          <a:lstStyle/>
+          <a:p>
+            <a:pPr>
+              <a:spcAft>
+                <a:spcPts val="1200"/>
+              </a:spcAft>
+            </a:pPr>
+            <a:r>
+              <a:rPr lang="en-US" sz="2800" b="1" dirty="0">
+                <a:latin typeface="Karla" charset="0"/>
+                <a:ea typeface="Karla" charset="0"/>
+                <a:cs typeface="Karla" charset="0"/>
+              </a:rPr>
+              <a:t>Pavlos Protopapas</a:t>
+            </a:r>
+          </a:p>
+          <a:p>
+            <a:pPr>
+              <a:spcBef>
+                <a:spcPts val="0"/>
+              </a:spcBef>
+            </a:pPr>
+            <a:r>
+              <a:rPr lang="en-US" sz="2400" dirty="0" smtClean="0">
+                <a:latin typeface="Karla" charset="0"/>
+                <a:ea typeface="Karla" charset="0"/>
+                <a:cs typeface="Karla" charset="0"/>
+              </a:rPr>
+              <a:t>Scientific Director of the Institute for Applied Computational Science (IACS). Teaches </a:t>
+            </a:r>
+            <a:r>
+              <a:rPr lang="en-US" sz="2400" dirty="0">
+                <a:latin typeface="Karla" charset="0"/>
+                <a:ea typeface="Karla" charset="0"/>
+                <a:cs typeface="Karla" charset="0"/>
+              </a:rPr>
+              <a:t>CS109(a/b), the data science capstone </a:t>
+            </a:r>
+            <a:r>
+              <a:rPr lang="en-US" sz="2400" dirty="0" smtClean="0">
+                <a:latin typeface="Karla" charset="0"/>
+                <a:ea typeface="Karla" charset="0"/>
+                <a:cs typeface="Karla" charset="0"/>
+              </a:rPr>
+              <a:t>course, </a:t>
+            </a:r>
+            <a:r>
+              <a:rPr lang="en-US" sz="2400" dirty="0">
+                <a:latin typeface="Karla" charset="0"/>
+                <a:ea typeface="Karla" charset="0"/>
+                <a:cs typeface="Karla" charset="0"/>
+              </a:rPr>
+              <a:t>and AC295 (advanced practical data science). </a:t>
+            </a:r>
+          </a:p>
+          <a:p>
+            <a:r>
+              <a:rPr lang="en-US" sz="2400" dirty="0">
+                <a:latin typeface="Karla" charset="0"/>
+                <a:ea typeface="Karla" charset="0"/>
+                <a:cs typeface="Karla" charset="0"/>
+              </a:rPr>
+              <a:t>Research in </a:t>
+            </a:r>
+            <a:r>
+              <a:rPr lang="en-US" sz="2400" dirty="0" err="1">
+                <a:latin typeface="Karla" charset="0"/>
+                <a:ea typeface="Karla" charset="0"/>
+                <a:cs typeface="Karla" charset="0"/>
+              </a:rPr>
+              <a:t>astrostatistics</a:t>
+            </a:r>
+            <a:r>
+              <a:rPr lang="en-US" sz="2400" dirty="0">
+                <a:latin typeface="Karla" charset="0"/>
+                <a:ea typeface="Karla" charset="0"/>
+                <a:cs typeface="Karla" charset="0"/>
+              </a:rPr>
+              <a:t>: machine learning, statistical learning, big data for astronomical problems. </a:t>
+            </a:r>
+          </a:p>
+          <a:p>
+            <a:r>
+              <a:rPr lang="en-US" sz="2400" dirty="0">
+                <a:latin typeface="Karla" charset="0"/>
+                <a:ea typeface="Karla" charset="0"/>
+                <a:cs typeface="Karla" charset="0"/>
+              </a:rPr>
+              <a:t>He has picked some new hobbies besides 109 and </a:t>
+            </a:r>
+            <a:r>
+              <a:rPr lang="en-US" sz="2400" b="1" dirty="0">
+                <a:latin typeface="Karla" charset="0"/>
+                <a:ea typeface="Karla" charset="0"/>
+                <a:cs typeface="Karla" charset="0"/>
+              </a:rPr>
+              <a:t>eating</a:t>
+            </a:r>
+            <a:r>
+              <a:rPr lang="en-US" sz="2400" dirty="0">
+                <a:latin typeface="Karla" charset="0"/>
+                <a:ea typeface="Karla" charset="0"/>
+                <a:cs typeface="Karla" charset="0"/>
+              </a:rPr>
+              <a:t>:</a:t>
+            </a:r>
+            <a:br>
+              <a:rPr lang="en-US" sz="2400" dirty="0">
+                <a:latin typeface="Karla" charset="0"/>
+                <a:ea typeface="Karla" charset="0"/>
+                <a:cs typeface="Karla" charset="0"/>
+              </a:rPr>
+            </a:br>
+            <a:endParaRPr lang="en-US" sz="2400" dirty="0">
+              <a:latin typeface="Karla" charset="0"/>
+              <a:ea typeface="Karla" charset="0"/>
+              <a:cs typeface="Karla" charset="0"/>
+            </a:endParaRPr>
+          </a:p>
+        </p:txBody>
+      </p:sp>
+      <p:sp>
+        <p:nvSpPr>
+          <p:cNvPr id="5" name="TextBox 4"/>
+          <p:cNvSpPr txBox="1"/>
+          <p:nvPr/>
+        </p:nvSpPr>
+        <p:spPr>
+          <a:xfrm>
+            <a:off x="403411" y="4956165"/>
+            <a:ext cx="11788589" cy="1200329"/>
+          </a:xfrm>
+          <a:prstGeom prst="rect">
+            <a:avLst/>
+          </a:prstGeom>
+          <a:noFill/>
+        </p:spPr>
+        <p:txBody>
+          <a:bodyPr wrap="square" rtlCol="0">
+            <a:spAutoFit/>
+          </a:bodyPr>
+          <a:lstStyle/>
+          <a:p>
+            <a:r>
+              <a:rPr lang="en-US" sz="2400" dirty="0">
+                <a:latin typeface="Karla" charset="0"/>
+                <a:ea typeface="Karla" charset="0"/>
+                <a:cs typeface="Karla" charset="0"/>
+              </a:rPr>
+              <a:t>Going to BSO (see you there), cross country ski (completed Engadin </a:t>
+            </a:r>
+            <a:r>
+              <a:rPr lang="en-US" sz="2400" dirty="0" err="1">
+                <a:latin typeface="Karla" charset="0"/>
+                <a:ea typeface="Karla" charset="0"/>
+                <a:cs typeface="Karla" charset="0"/>
+              </a:rPr>
+              <a:t>skimarathon</a:t>
+            </a:r>
+            <a:r>
+              <a:rPr lang="en-US" sz="2400" dirty="0">
+                <a:latin typeface="Karla" charset="0"/>
+                <a:ea typeface="Karla" charset="0"/>
+                <a:cs typeface="Karla" charset="0"/>
+              </a:rPr>
+              <a:t>), cheese making and being a </a:t>
+            </a:r>
+            <a:r>
+              <a:rPr lang="en-US" sz="2400" dirty="0" err="1">
+                <a:latin typeface="Karla" charset="0"/>
+                <a:ea typeface="Karla" charset="0"/>
+                <a:cs typeface="Karla" charset="0"/>
+              </a:rPr>
+              <a:t>TikToker</a:t>
+            </a:r>
+            <a:r>
+              <a:rPr lang="en-US" sz="2400" dirty="0">
+                <a:latin typeface="Karla" charset="0"/>
+                <a:ea typeface="Karla" charset="0"/>
+                <a:cs typeface="Karla" charset="0"/>
+              </a:rPr>
+              <a:t> (check me out @</a:t>
+            </a:r>
+            <a:r>
+              <a:rPr lang="en-US" sz="2400" dirty="0" err="1">
+                <a:latin typeface="Karla" charset="0"/>
+                <a:ea typeface="Karla" charset="0"/>
+                <a:cs typeface="Karla" charset="0"/>
+              </a:rPr>
+              <a:t>pavlosprotopapas</a:t>
+            </a:r>
+            <a:r>
+              <a:rPr lang="en-US" sz="2400" dirty="0">
+                <a:latin typeface="Karla" charset="0"/>
+                <a:ea typeface="Karla" charset="0"/>
+                <a:cs typeface="Karla" charset="0"/>
+              </a:rPr>
+              <a:t>) </a:t>
+            </a:r>
+          </a:p>
+          <a:p>
+            <a:endParaRPr lang="en-US" sz="2400" dirty="0"/>
+          </a:p>
+        </p:txBody>
+      </p:sp>
     </p:spTree>
     <p:extLst>
       <p:ext uri="{BB962C8B-B14F-4D97-AF65-F5344CB8AC3E}">
@@ -26828,6 +27422,13 @@
   <p:clrMapOvr>
     <a:masterClrMapping/>
   </p:clrMapOvr>
+  <p:timing>
+    <p:tnLst>
+      <p:par>
+        <p:cTn id="1" dur="indefinite" restart="never" nodeType="tmRoot"/>
+      </p:par>
+    </p:tnLst>
+  </p:timing>
 </p:sld>
 </file>
 
@@ -26853,7 +27454,7 @@
           <p:cNvPr id="5" name="Picture 4" descr="A person smiling for the camera&#10;&#10;Description automatically generated">
             <a:extLst>
               <a:ext uri="{FF2B5EF4-FFF2-40B4-BE49-F238E27FC236}">
-                <a16:creationId xmlns:a16="http://schemas.microsoft.com/office/drawing/2014/main" id="{7D147BBB-ADB1-4553-9A48-E6889B4AFD80}"/>
+                <a16:creationId xmlns:a16="http://schemas.microsoft.com/office/drawing/2014/main" xmlns="" id="{7D147BBB-ADB1-4553-9A48-E6889B4AFD80}"/>
               </a:ext>
             </a:extLst>
           </p:cNvPr>
@@ -26889,7 +27490,7 @@
           <p:cNvPr id="3" name="Text Placeholder 2">
             <a:extLst>
               <a:ext uri="{FF2B5EF4-FFF2-40B4-BE49-F238E27FC236}">
-                <a16:creationId xmlns:a16="http://schemas.microsoft.com/office/drawing/2014/main" id="{C7652C82-BE66-4418-8AD5-980274E47728}"/>
+                <a16:creationId xmlns:a16="http://schemas.microsoft.com/office/drawing/2014/main" xmlns="" id="{C7652C82-BE66-4418-8AD5-980274E47728}"/>
               </a:ext>
             </a:extLst>
           </p:cNvPr>
@@ -26897,7 +27498,7 @@
             <a:spLocks noGrp="1"/>
           </p:cNvSpPr>
           <p:nvPr>
-            <p:ph type="body" sz="quarter" idx="15"/>
+            <p:ph type="body" sz="quarter" idx="4294967295"/>
           </p:nvPr>
         </p:nvSpPr>
         <p:spPr>
@@ -26926,52 +27527,44 @@
       </p:sp>
       <p:sp>
         <p:nvSpPr>
-          <p:cNvPr id="6" name="Text Placeholder 1">
-            <a:extLst>
-              <a:ext uri="{FF2B5EF4-FFF2-40B4-BE49-F238E27FC236}">
-                <a16:creationId xmlns:a16="http://schemas.microsoft.com/office/drawing/2014/main" id="{F54208A9-C2E2-44E3-9863-C76E9E754139}"/>
-              </a:ext>
-            </a:extLst>
-          </p:cNvPr>
-          <p:cNvSpPr>
-            <a:spLocks noGrp="1"/>
-          </p:cNvSpPr>
-          <p:nvPr>
-            <p:ph type="body" sz="quarter" idx="13"/>
-          </p:nvPr>
+          <p:cNvPr id="2" name="TextBox 1"/>
+          <p:cNvSpPr txBox="1"/>
+          <p:nvPr/>
         </p:nvSpPr>
         <p:spPr>
           <a:xfrm>
-            <a:off x="533400" y="1824493"/>
-            <a:ext cx="6943725" cy="3837477"/>
+            <a:off x="726141" y="1824493"/>
+            <a:ext cx="7597588" cy="3539430"/>
           </a:xfrm>
+          <a:prstGeom prst="rect">
+            <a:avLst/>
+          </a:prstGeom>
+          <a:noFill/>
         </p:spPr>
         <p:txBody>
-          <a:bodyPr>
-            <a:normAutofit fontScale="92500" lnSpcReduction="10000"/>
+          <a:bodyPr wrap="square" rtlCol="0">
+            <a:spAutoFit/>
           </a:bodyPr>
           <a:lstStyle/>
           <a:p>
-            <a:pPr algn="l"/>
-            <a:r>
-              <a:rPr lang="en-US" sz="3000" b="1" dirty="0"/>
+            <a:r>
+              <a:rPr lang="en-US" sz="2800" b="1" dirty="0"/>
               <a:t>Michael S. Emanuel</a:t>
             </a:r>
           </a:p>
           <a:p>
-            <a:pPr algn="l"/>
-            <a:r>
-              <a:rPr lang="en-US" sz="3000" dirty="0"/>
+            <a:r>
+              <a:rPr lang="en-US" sz="2800" dirty="0"/>
               <a:t>After 17 years in finance, mainly fixed income portfolio management, Michael started a second career and is completing the Masters of Data Science program at Harvard. He is a father of two small children who occasionally crash IACS events and enjoys distance running and classical music.</a:t>
             </a:r>
-            <a:endParaRPr lang="en-US" sz="3000" b="1" dirty="0"/>
-          </a:p>
-          <a:p>
-            <a:pPr algn="l"/>
-            <a:r>
-              <a:rPr lang="en-US" dirty="0"/>
+            <a:endParaRPr lang="en-US" sz="2800" b="1" dirty="0"/>
+          </a:p>
+          <a:p>
+            <a:r>
+              <a:rPr lang="en-US" sz="2800" dirty="0"/>
               <a:t> </a:t>
             </a:r>
+            <a:endParaRPr lang="en-US" sz="2800" dirty="0"/>
           </a:p>
         </p:txBody>
       </p:sp>
@@ -26985,6 +27578,13 @@
   <p:clrMapOvr>
     <a:masterClrMapping/>
   </p:clrMapOvr>
+  <p:timing>
+    <p:tnLst>
+      <p:par>
+        <p:cTn id="1" dur="indefinite" restart="never" nodeType="tmRoot"/>
+      </p:par>
+    </p:tnLst>
+  </p:timing>
 </p:sld>
 </file>
 
@@ -27010,7 +27610,7 @@
           <p:cNvPr id="7" name="Picture 6" descr="A person looking at the camera&#10;&#10;Description automatically generated">
             <a:extLst>
               <a:ext uri="{FF2B5EF4-FFF2-40B4-BE49-F238E27FC236}">
-                <a16:creationId xmlns:a16="http://schemas.microsoft.com/office/drawing/2014/main" id="{62E99205-59B9-445B-A065-4DEA8AF685C1}"/>
+                <a16:creationId xmlns:a16="http://schemas.microsoft.com/office/drawing/2014/main" xmlns="" id="{62E99205-59B9-445B-A065-4DEA8AF685C1}"/>
               </a:ext>
             </a:extLst>
           </p:cNvPr>
@@ -27046,7 +27646,7 @@
           <p:cNvPr id="3" name="Text Placeholder 2">
             <a:extLst>
               <a:ext uri="{FF2B5EF4-FFF2-40B4-BE49-F238E27FC236}">
-                <a16:creationId xmlns:a16="http://schemas.microsoft.com/office/drawing/2014/main" id="{C7652C82-BE66-4418-8AD5-980274E47728}"/>
+                <a16:creationId xmlns:a16="http://schemas.microsoft.com/office/drawing/2014/main" xmlns="" id="{C7652C82-BE66-4418-8AD5-980274E47728}"/>
               </a:ext>
             </a:extLst>
           </p:cNvPr>
@@ -27054,7 +27654,7 @@
             <a:spLocks noGrp="1"/>
           </p:cNvSpPr>
           <p:nvPr>
-            <p:ph type="body" sz="quarter" idx="15"/>
+            <p:ph type="body" sz="quarter" idx="4294967295"/>
           </p:nvPr>
         </p:nvSpPr>
         <p:spPr>
@@ -27086,7 +27686,7 @@
           <p:cNvPr id="6" name="Text Placeholder 1">
             <a:extLst>
               <a:ext uri="{FF2B5EF4-FFF2-40B4-BE49-F238E27FC236}">
-                <a16:creationId xmlns:a16="http://schemas.microsoft.com/office/drawing/2014/main" id="{F54208A9-C2E2-44E3-9863-C76E9E754139}"/>
+                <a16:creationId xmlns:a16="http://schemas.microsoft.com/office/drawing/2014/main" xmlns="" id="{F54208A9-C2E2-44E3-9863-C76E9E754139}"/>
               </a:ext>
             </a:extLst>
           </p:cNvPr>
@@ -27134,6 +27734,13 @@
   <p:clrMapOvr>
     <a:masterClrMapping/>
   </p:clrMapOvr>
+  <p:timing>
+    <p:tnLst>
+      <p:par>
+        <p:cTn id="1" dur="indefinite" restart="never" nodeType="tmRoot"/>
+      </p:par>
+    </p:tnLst>
+  </p:timing>
 </p:sld>
 </file>
 
